--- a/The_first_ml_training/第一届机器学习实战班.pptx
+++ b/The_first_ml_training/第一届机器学习实战班.pptx
@@ -5,7 +5,7 @@
     <p:sldMasterId id="2147483727" r:id="rId1"/>
   </p:sldMasterIdLst>
   <p:notesMasterIdLst>
-    <p:notesMasterId r:id="rId42"/>
+    <p:notesMasterId r:id="rId47"/>
   </p:notesMasterIdLst>
   <p:sldIdLst>
     <p:sldId id="256" r:id="rId2"/>
@@ -47,7 +47,12 @@
     <p:sldId id="393" r:id="rId38"/>
     <p:sldId id="394" r:id="rId39"/>
     <p:sldId id="398" r:id="rId40"/>
-    <p:sldId id="395" r:id="rId41"/>
+    <p:sldId id="399" r:id="rId41"/>
+    <p:sldId id="401" r:id="rId42"/>
+    <p:sldId id="402" r:id="rId43"/>
+    <p:sldId id="403" r:id="rId44"/>
+    <p:sldId id="404" r:id="rId45"/>
+    <p:sldId id="405" r:id="rId46"/>
   </p:sldIdLst>
   <p:sldSz cx="12192000" cy="6858000"/>
   <p:notesSz cx="6858000" cy="9144000"/>
@@ -4152,7 +4157,7 @@
           <a:p>
             <a:fld id="{F9240C15-84E4-4753-B92D-ACDA520CEF05}" type="datetimeFigureOut">
               <a:rPr lang="zh-CN" altLang="en-US" smtClean="0"/>
-              <a:t>2020/12/11</a:t>
+              <a:t>2020/12/12</a:t>
             </a:fld>
             <a:endParaRPr lang="zh-CN" altLang="en-US"/>
           </a:p>
@@ -4616,7 +4621,7 @@
           <a:p>
             <a:fld id="{5F7787EC-2923-4DE8-84F8-CB4FE5744F4A}" type="datetimeFigureOut">
               <a:rPr lang="zh-CN" altLang="en-US" smtClean="0"/>
-              <a:t>2020/12/11</a:t>
+              <a:t>2020/12/12</a:t>
             </a:fld>
             <a:endParaRPr lang="zh-CN" altLang="en-US"/>
           </a:p>
@@ -4786,7 +4791,7 @@
           <a:p>
             <a:fld id="{5F7787EC-2923-4DE8-84F8-CB4FE5744F4A}" type="datetimeFigureOut">
               <a:rPr lang="zh-CN" altLang="en-US" smtClean="0"/>
-              <a:t>2020/12/11</a:t>
+              <a:t>2020/12/12</a:t>
             </a:fld>
             <a:endParaRPr lang="zh-CN" altLang="en-US"/>
           </a:p>
@@ -4966,7 +4971,7 @@
           <a:p>
             <a:fld id="{5F7787EC-2923-4DE8-84F8-CB4FE5744F4A}" type="datetimeFigureOut">
               <a:rPr lang="zh-CN" altLang="en-US" smtClean="0"/>
-              <a:t>2020/12/11</a:t>
+              <a:t>2020/12/12</a:t>
             </a:fld>
             <a:endParaRPr lang="zh-CN" altLang="en-US"/>
           </a:p>
@@ -5167,7 +5172,7 @@
           <a:p>
             <a:fld id="{5F7787EC-2923-4DE8-84F8-CB4FE5744F4A}" type="datetimeFigureOut">
               <a:rPr lang="zh-CN" altLang="en-US" smtClean="0"/>
-              <a:t>2020/12/11</a:t>
+              <a:t>2020/12/12</a:t>
             </a:fld>
             <a:endParaRPr lang="zh-CN" altLang="en-US"/>
           </a:p>
@@ -5413,7 +5418,7 @@
           <a:p>
             <a:fld id="{5F7787EC-2923-4DE8-84F8-CB4FE5744F4A}" type="datetimeFigureOut">
               <a:rPr lang="zh-CN" altLang="en-US" smtClean="0"/>
-              <a:t>2020/12/11</a:t>
+              <a:t>2020/12/12</a:t>
             </a:fld>
             <a:endParaRPr lang="zh-CN" altLang="en-US"/>
           </a:p>
@@ -5645,7 +5650,7 @@
           <a:p>
             <a:fld id="{5F7787EC-2923-4DE8-84F8-CB4FE5744F4A}" type="datetimeFigureOut">
               <a:rPr lang="zh-CN" altLang="en-US" smtClean="0"/>
-              <a:t>2020/12/11</a:t>
+              <a:t>2020/12/12</a:t>
             </a:fld>
             <a:endParaRPr lang="zh-CN" altLang="en-US"/>
           </a:p>
@@ -6012,7 +6017,7 @@
           <a:p>
             <a:fld id="{5F7787EC-2923-4DE8-84F8-CB4FE5744F4A}" type="datetimeFigureOut">
               <a:rPr lang="zh-CN" altLang="en-US" smtClean="0"/>
-              <a:t>2020/12/11</a:t>
+              <a:t>2020/12/12</a:t>
             </a:fld>
             <a:endParaRPr lang="zh-CN" altLang="en-US"/>
           </a:p>
@@ -6130,7 +6135,7 @@
           <a:p>
             <a:fld id="{5F7787EC-2923-4DE8-84F8-CB4FE5744F4A}" type="datetimeFigureOut">
               <a:rPr lang="zh-CN" altLang="en-US" smtClean="0"/>
-              <a:t>2020/12/11</a:t>
+              <a:t>2020/12/12</a:t>
             </a:fld>
             <a:endParaRPr lang="zh-CN" altLang="en-US"/>
           </a:p>
@@ -6225,7 +6230,7 @@
           <a:p>
             <a:fld id="{5F7787EC-2923-4DE8-84F8-CB4FE5744F4A}" type="datetimeFigureOut">
               <a:rPr lang="zh-CN" altLang="en-US" smtClean="0"/>
-              <a:t>2020/12/11</a:t>
+              <a:t>2020/12/12</a:t>
             </a:fld>
             <a:endParaRPr lang="zh-CN" altLang="en-US"/>
           </a:p>
@@ -6502,7 +6507,7 @@
           <a:p>
             <a:fld id="{5F7787EC-2923-4DE8-84F8-CB4FE5744F4A}" type="datetimeFigureOut">
               <a:rPr lang="zh-CN" altLang="en-US" smtClean="0"/>
-              <a:t>2020/12/11</a:t>
+              <a:t>2020/12/12</a:t>
             </a:fld>
             <a:endParaRPr lang="zh-CN" altLang="en-US"/>
           </a:p>
@@ -6759,7 +6764,7 @@
           <a:p>
             <a:fld id="{5F7787EC-2923-4DE8-84F8-CB4FE5744F4A}" type="datetimeFigureOut">
               <a:rPr lang="zh-CN" altLang="en-US" smtClean="0"/>
-              <a:t>2020/12/11</a:t>
+              <a:t>2020/12/12</a:t>
             </a:fld>
             <a:endParaRPr lang="zh-CN" altLang="en-US"/>
           </a:p>
@@ -6972,7 +6977,7 @@
           <a:p>
             <a:fld id="{5F7787EC-2923-4DE8-84F8-CB4FE5744F4A}" type="datetimeFigureOut">
               <a:rPr lang="zh-CN" altLang="en-US" smtClean="0"/>
-              <a:t>2020/12/11</a:t>
+              <a:t>2020/12/12</a:t>
             </a:fld>
             <a:endParaRPr lang="zh-CN" altLang="en-US"/>
           </a:p>
@@ -13448,10 +13453,10 @@
       </p:sp>
       <p:pic>
         <p:nvPicPr>
-          <p:cNvPr id="8" name="图片 7">
+          <p:cNvPr id="5" name="图片 4">
             <a:extLst>
               <a:ext uri="{FF2B5EF4-FFF2-40B4-BE49-F238E27FC236}">
-                <a16:creationId xmlns:a16="http://schemas.microsoft.com/office/drawing/2014/main" id="{EA696AEC-6B40-47AA-9DD3-0B126E907FD8}"/>
+                <a16:creationId xmlns:a16="http://schemas.microsoft.com/office/drawing/2014/main" id="{92DB0359-0366-481A-AF5F-CE31369B1C3C}"/>
               </a:ext>
             </a:extLst>
           </p:cNvPr>
@@ -13474,8 +13479,8 @@
         </p:blipFill>
         <p:spPr>
           <a:xfrm>
-            <a:off x="232183" y="0"/>
-            <a:ext cx="8723281" cy="6857999"/>
+            <a:off x="0" y="0"/>
+            <a:ext cx="9275339" cy="6858000"/>
           </a:xfrm>
           <a:prstGeom prst="rect">
             <a:avLst/>
@@ -16834,17 +16839,628 @@
           <a:chExt cx="0" cy="0"/>
         </a:xfrm>
       </p:grpSpPr>
+      <p:sp>
+        <p:nvSpPr>
+          <p:cNvPr id="273" name="Shape 273"/>
+          <p:cNvSpPr/>
+          <p:nvPr/>
+        </p:nvSpPr>
+        <p:spPr>
+          <a:xfrm>
+            <a:off x="1052829" y="2964180"/>
+            <a:ext cx="11060613" cy="920445"/>
+          </a:xfrm>
+          <a:prstGeom prst="rect">
+            <a:avLst/>
+          </a:prstGeom>
+          <a:ln w="12700">
+            <a:miter lim="400000"/>
+          </a:ln>
+        </p:spPr>
+        <p:txBody>
+          <a:bodyPr wrap="square" lIns="45719" rIns="45719">
+            <a:spAutoFit/>
+          </a:bodyPr>
+          <a:lstStyle>
+            <a:lvl1pPr>
+              <a:lnSpc>
+                <a:spcPct val="80000"/>
+              </a:lnSpc>
+              <a:defRPr sz="6600">
+                <a:solidFill>
+                  <a:srgbClr val="535353"/>
+                </a:solidFill>
+                <a:latin typeface="Source Han Sans CN Bold Bold"/>
+                <a:ea typeface="Source Han Sans CN Bold Bold"/>
+                <a:cs typeface="Source Han Sans CN Bold Bold"/>
+                <a:sym typeface="Source Han Sans CN Bold Bold"/>
+              </a:defRPr>
+            </a:lvl1pPr>
+          </a:lstStyle>
+          <a:p>
+            <a:r>
+              <a:rPr lang="zh-CN" altLang="en-US" dirty="0">
+                <a:solidFill>
+                  <a:schemeClr val="tx1">
+                    <a:lumMod val="95000"/>
+                  </a:schemeClr>
+                </a:solidFill>
+              </a:rPr>
+              <a:t>机器学习之</a:t>
+            </a:r>
+            <a:r>
+              <a:rPr lang="en-US" altLang="zh-CN" dirty="0">
+                <a:solidFill>
+                  <a:schemeClr val="tx1">
+                    <a:lumMod val="95000"/>
+                  </a:schemeClr>
+                </a:solidFill>
+              </a:rPr>
+              <a:t>MATLAB</a:t>
+            </a:r>
+            <a:r>
+              <a:rPr lang="zh-CN" altLang="en-US" dirty="0">
+                <a:solidFill>
+                  <a:schemeClr val="tx1">
+                    <a:lumMod val="95000"/>
+                  </a:schemeClr>
+                </a:solidFill>
+              </a:rPr>
+              <a:t>编程基础</a:t>
+            </a:r>
+            <a:endParaRPr dirty="0">
+              <a:solidFill>
+                <a:schemeClr val="tx1"/>
+              </a:solidFill>
+            </a:endParaRPr>
+          </a:p>
+        </p:txBody>
+      </p:sp>
     </p:spTree>
     <p:extLst>
       <p:ext uri="{BB962C8B-B14F-4D97-AF65-F5344CB8AC3E}">
-        <p14:creationId xmlns:p14="http://schemas.microsoft.com/office/powerpoint/2010/main" val="604968594"/>
+        <p14:creationId xmlns:p14="http://schemas.microsoft.com/office/powerpoint/2010/main" val="2977911616"/>
       </p:ext>
     </p:extLst>
   </p:cSld>
   <p:clrMapOvr>
     <a:masterClrMapping/>
   </p:clrMapOvr>
-  <p:transition spd="med"/>
+  <p:transition spd="slow"/>
+</p:sld>
+</file>
+
+<file path=ppt/slides/slide41.xml><?xml version="1.0" encoding="utf-8"?>
+<p:sld xmlns:a="http://schemas.openxmlformats.org/drawingml/2006/main" xmlns:r="http://schemas.openxmlformats.org/officeDocument/2006/relationships" xmlns:p="http://schemas.openxmlformats.org/presentationml/2006/main">
+  <p:cSld>
+    <p:spTree>
+      <p:nvGrpSpPr>
+        <p:cNvPr id="1" name=""/>
+        <p:cNvGrpSpPr/>
+        <p:nvPr/>
+      </p:nvGrpSpPr>
+      <p:grpSpPr>
+        <a:xfrm>
+          <a:off x="0" y="0"/>
+          <a:ext cx="0" cy="0"/>
+          <a:chOff x="0" y="0"/>
+          <a:chExt cx="0" cy="0"/>
+        </a:xfrm>
+      </p:grpSpPr>
+      <p:sp>
+        <p:nvSpPr>
+          <p:cNvPr id="2" name="标题 1">
+            <a:extLst>
+              <a:ext uri="{FF2B5EF4-FFF2-40B4-BE49-F238E27FC236}">
+                <a16:creationId xmlns:a16="http://schemas.microsoft.com/office/drawing/2014/main" id="{4D19DDBE-89A4-45C4-B25A-7BC7E8067691}"/>
+              </a:ext>
+            </a:extLst>
+          </p:cNvPr>
+          <p:cNvSpPr>
+            <a:spLocks noGrp="1"/>
+          </p:cNvSpPr>
+          <p:nvPr>
+            <p:ph type="title"/>
+          </p:nvPr>
+        </p:nvSpPr>
+        <p:spPr/>
+        <p:txBody>
+          <a:bodyPr/>
+          <a:lstStyle/>
+          <a:p>
+            <a:r>
+              <a:rPr lang="zh-CN" altLang="en-US" dirty="0"/>
+              <a:t>数据类型</a:t>
+            </a:r>
+          </a:p>
+        </p:txBody>
+      </p:sp>
+      <p:sp>
+        <p:nvSpPr>
+          <p:cNvPr id="8" name="内容占位符 7">
+            <a:extLst>
+              <a:ext uri="{FF2B5EF4-FFF2-40B4-BE49-F238E27FC236}">
+                <a16:creationId xmlns:a16="http://schemas.microsoft.com/office/drawing/2014/main" id="{5677D24B-F200-4769-8403-A03052F9567F}"/>
+              </a:ext>
+            </a:extLst>
+          </p:cNvPr>
+          <p:cNvSpPr>
+            <a:spLocks noGrp="1"/>
+          </p:cNvSpPr>
+          <p:nvPr>
+            <p:ph idx="1"/>
+          </p:nvPr>
+        </p:nvSpPr>
+        <p:spPr/>
+        <p:txBody>
+          <a:bodyPr/>
+          <a:lstStyle/>
+          <a:p>
+            <a:r>
+              <a:rPr lang="zh-CN" altLang="en-US" dirty="0"/>
+              <a:t>数据类型</a:t>
+            </a:r>
+            <a:endParaRPr lang="en-US" altLang="zh-CN" dirty="0"/>
+          </a:p>
+          <a:p>
+            <a:r>
+              <a:rPr lang="zh-CN" altLang="en-US" dirty="0"/>
+              <a:t>https://www.cnblogs.com/jwg-fendi/p/10052898.html</a:t>
+            </a:r>
+          </a:p>
+          <a:p>
+            <a:endParaRPr lang="zh-CN" altLang="en-US" dirty="0"/>
+          </a:p>
+        </p:txBody>
+      </p:sp>
+    </p:spTree>
+    <p:extLst>
+      <p:ext uri="{BB962C8B-B14F-4D97-AF65-F5344CB8AC3E}">
+        <p14:creationId xmlns:p14="http://schemas.microsoft.com/office/powerpoint/2010/main" val="2881874974"/>
+      </p:ext>
+    </p:extLst>
+  </p:cSld>
+  <p:clrMapOvr>
+    <a:masterClrMapping/>
+  </p:clrMapOvr>
+</p:sld>
+</file>
+
+<file path=ppt/slides/slide42.xml><?xml version="1.0" encoding="utf-8"?>
+<p:sld xmlns:a="http://schemas.openxmlformats.org/drawingml/2006/main" xmlns:r="http://schemas.openxmlformats.org/officeDocument/2006/relationships" xmlns:p="http://schemas.openxmlformats.org/presentationml/2006/main">
+  <p:cSld>
+    <p:spTree>
+      <p:nvGrpSpPr>
+        <p:cNvPr id="1" name=""/>
+        <p:cNvGrpSpPr/>
+        <p:nvPr/>
+      </p:nvGrpSpPr>
+      <p:grpSpPr>
+        <a:xfrm>
+          <a:off x="0" y="0"/>
+          <a:ext cx="0" cy="0"/>
+          <a:chOff x="0" y="0"/>
+          <a:chExt cx="0" cy="0"/>
+        </a:xfrm>
+      </p:grpSpPr>
+      <p:sp>
+        <p:nvSpPr>
+          <p:cNvPr id="273" name="Shape 273"/>
+          <p:cNvSpPr/>
+          <p:nvPr/>
+        </p:nvSpPr>
+        <p:spPr>
+          <a:xfrm>
+            <a:off x="1052829" y="2964180"/>
+            <a:ext cx="11060613" cy="920445"/>
+          </a:xfrm>
+          <a:prstGeom prst="rect">
+            <a:avLst/>
+          </a:prstGeom>
+          <a:ln w="12700">
+            <a:miter lim="400000"/>
+          </a:ln>
+        </p:spPr>
+        <p:txBody>
+          <a:bodyPr wrap="square" lIns="45719" rIns="45719">
+            <a:spAutoFit/>
+          </a:bodyPr>
+          <a:lstStyle>
+            <a:lvl1pPr>
+              <a:lnSpc>
+                <a:spcPct val="80000"/>
+              </a:lnSpc>
+              <a:defRPr sz="6600">
+                <a:solidFill>
+                  <a:srgbClr val="535353"/>
+                </a:solidFill>
+                <a:latin typeface="Source Han Sans CN Bold Bold"/>
+                <a:ea typeface="Source Han Sans CN Bold Bold"/>
+                <a:cs typeface="Source Han Sans CN Bold Bold"/>
+                <a:sym typeface="Source Han Sans CN Bold Bold"/>
+              </a:defRPr>
+            </a:lvl1pPr>
+          </a:lstStyle>
+          <a:p>
+            <a:r>
+              <a:rPr lang="en-US" altLang="zh-CN" dirty="0">
+                <a:solidFill>
+                  <a:schemeClr val="tx1">
+                    <a:lumMod val="95000"/>
+                  </a:schemeClr>
+                </a:solidFill>
+              </a:rPr>
+              <a:t>MATLAB</a:t>
+            </a:r>
+            <a:r>
+              <a:rPr lang="zh-CN" altLang="en-US" dirty="0">
+                <a:solidFill>
+                  <a:schemeClr val="tx1">
+                    <a:lumMod val="95000"/>
+                  </a:schemeClr>
+                </a:solidFill>
+              </a:rPr>
+              <a:t>编程作业</a:t>
+            </a:r>
+            <a:endParaRPr dirty="0">
+              <a:solidFill>
+                <a:schemeClr val="tx1"/>
+              </a:solidFill>
+            </a:endParaRPr>
+          </a:p>
+        </p:txBody>
+      </p:sp>
+    </p:spTree>
+    <p:extLst>
+      <p:ext uri="{BB962C8B-B14F-4D97-AF65-F5344CB8AC3E}">
+        <p14:creationId xmlns:p14="http://schemas.microsoft.com/office/powerpoint/2010/main" val="3957930990"/>
+      </p:ext>
+    </p:extLst>
+  </p:cSld>
+  <p:clrMapOvr>
+    <a:masterClrMapping/>
+  </p:clrMapOvr>
+  <p:transition spd="slow"/>
+</p:sld>
+</file>
+
+<file path=ppt/slides/slide43.xml><?xml version="1.0" encoding="utf-8"?>
+<p:sld xmlns:a="http://schemas.openxmlformats.org/drawingml/2006/main" xmlns:r="http://schemas.openxmlformats.org/officeDocument/2006/relationships" xmlns:p="http://schemas.openxmlformats.org/presentationml/2006/main">
+  <p:cSld>
+    <p:spTree>
+      <p:nvGrpSpPr>
+        <p:cNvPr id="1" name=""/>
+        <p:cNvGrpSpPr/>
+        <p:nvPr/>
+      </p:nvGrpSpPr>
+      <p:grpSpPr>
+        <a:xfrm>
+          <a:off x="0" y="0"/>
+          <a:ext cx="0" cy="0"/>
+          <a:chOff x="0" y="0"/>
+          <a:chExt cx="0" cy="0"/>
+        </a:xfrm>
+      </p:grpSpPr>
+      <p:sp>
+        <p:nvSpPr>
+          <p:cNvPr id="2" name="标题 1">
+            <a:extLst>
+              <a:ext uri="{FF2B5EF4-FFF2-40B4-BE49-F238E27FC236}">
+                <a16:creationId xmlns:a16="http://schemas.microsoft.com/office/drawing/2014/main" id="{4D19DDBE-89A4-45C4-B25A-7BC7E8067691}"/>
+              </a:ext>
+            </a:extLst>
+          </p:cNvPr>
+          <p:cNvSpPr>
+            <a:spLocks noGrp="1"/>
+          </p:cNvSpPr>
+          <p:nvPr>
+            <p:ph type="title"/>
+          </p:nvPr>
+        </p:nvSpPr>
+        <p:spPr/>
+        <p:txBody>
+          <a:bodyPr/>
+          <a:lstStyle/>
+          <a:p>
+            <a:r>
+              <a:rPr lang="zh-CN" altLang="en-US" dirty="0"/>
+              <a:t>用</a:t>
+            </a:r>
+            <a:r>
+              <a:rPr lang="en-US" altLang="zh-CN" dirty="0"/>
+              <a:t>MATLAB</a:t>
+            </a:r>
+            <a:r>
+              <a:rPr lang="zh-CN" altLang="en-US" dirty="0"/>
+              <a:t>实现线性回归</a:t>
+            </a:r>
+          </a:p>
+        </p:txBody>
+      </p:sp>
+      <p:sp>
+        <p:nvSpPr>
+          <p:cNvPr id="8" name="内容占位符 7">
+            <a:extLst>
+              <a:ext uri="{FF2B5EF4-FFF2-40B4-BE49-F238E27FC236}">
+                <a16:creationId xmlns:a16="http://schemas.microsoft.com/office/drawing/2014/main" id="{5677D24B-F200-4769-8403-A03052F9567F}"/>
+              </a:ext>
+            </a:extLst>
+          </p:cNvPr>
+          <p:cNvSpPr>
+            <a:spLocks noGrp="1"/>
+          </p:cNvSpPr>
+          <p:nvPr>
+            <p:ph idx="1"/>
+          </p:nvPr>
+        </p:nvSpPr>
+        <p:spPr/>
+        <p:txBody>
+          <a:bodyPr/>
+          <a:lstStyle/>
+          <a:p>
+            <a:endParaRPr lang="zh-CN" altLang="en-US" dirty="0"/>
+          </a:p>
+        </p:txBody>
+      </p:sp>
+    </p:spTree>
+    <p:extLst>
+      <p:ext uri="{BB962C8B-B14F-4D97-AF65-F5344CB8AC3E}">
+        <p14:creationId xmlns:p14="http://schemas.microsoft.com/office/powerpoint/2010/main" val="3865072900"/>
+      </p:ext>
+    </p:extLst>
+  </p:cSld>
+  <p:clrMapOvr>
+    <a:masterClrMapping/>
+  </p:clrMapOvr>
+</p:sld>
+</file>
+
+<file path=ppt/slides/slide44.xml><?xml version="1.0" encoding="utf-8"?>
+<p:sld xmlns:a="http://schemas.openxmlformats.org/drawingml/2006/main" xmlns:r="http://schemas.openxmlformats.org/officeDocument/2006/relationships" xmlns:p="http://schemas.openxmlformats.org/presentationml/2006/main">
+  <p:cSld>
+    <p:spTree>
+      <p:nvGrpSpPr>
+        <p:cNvPr id="1" name=""/>
+        <p:cNvGrpSpPr/>
+        <p:nvPr/>
+      </p:nvGrpSpPr>
+      <p:grpSpPr>
+        <a:xfrm>
+          <a:off x="0" y="0"/>
+          <a:ext cx="0" cy="0"/>
+          <a:chOff x="0" y="0"/>
+          <a:chExt cx="0" cy="0"/>
+        </a:xfrm>
+      </p:grpSpPr>
+      <p:sp>
+        <p:nvSpPr>
+          <p:cNvPr id="2" name="标题 1">
+            <a:extLst>
+              <a:ext uri="{FF2B5EF4-FFF2-40B4-BE49-F238E27FC236}">
+                <a16:creationId xmlns:a16="http://schemas.microsoft.com/office/drawing/2014/main" id="{4D19DDBE-89A4-45C4-B25A-7BC7E8067691}"/>
+              </a:ext>
+            </a:extLst>
+          </p:cNvPr>
+          <p:cNvSpPr>
+            <a:spLocks noGrp="1"/>
+          </p:cNvSpPr>
+          <p:nvPr>
+            <p:ph type="title"/>
+          </p:nvPr>
+        </p:nvSpPr>
+        <p:spPr/>
+        <p:txBody>
+          <a:bodyPr/>
+          <a:lstStyle/>
+          <a:p>
+            <a:r>
+              <a:rPr lang="zh-CN" altLang="en-US" dirty="0"/>
+              <a:t>用</a:t>
+            </a:r>
+            <a:r>
+              <a:rPr lang="en-US" altLang="zh-CN" dirty="0"/>
+              <a:t>MATLAB</a:t>
+            </a:r>
+            <a:r>
+              <a:rPr lang="zh-CN" altLang="en-US" dirty="0"/>
+              <a:t>实现逻辑回归</a:t>
+            </a:r>
+          </a:p>
+        </p:txBody>
+      </p:sp>
+      <p:sp>
+        <p:nvSpPr>
+          <p:cNvPr id="8" name="内容占位符 7">
+            <a:extLst>
+              <a:ext uri="{FF2B5EF4-FFF2-40B4-BE49-F238E27FC236}">
+                <a16:creationId xmlns:a16="http://schemas.microsoft.com/office/drawing/2014/main" id="{5677D24B-F200-4769-8403-A03052F9567F}"/>
+              </a:ext>
+            </a:extLst>
+          </p:cNvPr>
+          <p:cNvSpPr>
+            <a:spLocks noGrp="1"/>
+          </p:cNvSpPr>
+          <p:nvPr>
+            <p:ph idx="1"/>
+          </p:nvPr>
+        </p:nvSpPr>
+        <p:spPr/>
+        <p:txBody>
+          <a:bodyPr/>
+          <a:lstStyle/>
+          <a:p>
+            <a:endParaRPr lang="zh-CN" altLang="en-US" dirty="0"/>
+          </a:p>
+        </p:txBody>
+      </p:sp>
+    </p:spTree>
+    <p:extLst>
+      <p:ext uri="{BB962C8B-B14F-4D97-AF65-F5344CB8AC3E}">
+        <p14:creationId xmlns:p14="http://schemas.microsoft.com/office/powerpoint/2010/main" val="3123598562"/>
+      </p:ext>
+    </p:extLst>
+  </p:cSld>
+  <p:clrMapOvr>
+    <a:masterClrMapping/>
+  </p:clrMapOvr>
+</p:sld>
+</file>
+
+<file path=ppt/slides/slide45.xml><?xml version="1.0" encoding="utf-8"?>
+<p:sld xmlns:a="http://schemas.openxmlformats.org/drawingml/2006/main" xmlns:r="http://schemas.openxmlformats.org/officeDocument/2006/relationships" xmlns:p="http://schemas.openxmlformats.org/presentationml/2006/main">
+  <p:cSld>
+    <p:spTree>
+      <p:nvGrpSpPr>
+        <p:cNvPr id="1" name=""/>
+        <p:cNvGrpSpPr/>
+        <p:nvPr/>
+      </p:nvGrpSpPr>
+      <p:grpSpPr>
+        <a:xfrm>
+          <a:off x="0" y="0"/>
+          <a:ext cx="0" cy="0"/>
+          <a:chOff x="0" y="0"/>
+          <a:chExt cx="0" cy="0"/>
+        </a:xfrm>
+      </p:grpSpPr>
+      <p:sp>
+        <p:nvSpPr>
+          <p:cNvPr id="2" name="标题 1">
+            <a:extLst>
+              <a:ext uri="{FF2B5EF4-FFF2-40B4-BE49-F238E27FC236}">
+                <a16:creationId xmlns:a16="http://schemas.microsoft.com/office/drawing/2014/main" id="{4D19DDBE-89A4-45C4-B25A-7BC7E8067691}"/>
+              </a:ext>
+            </a:extLst>
+          </p:cNvPr>
+          <p:cNvSpPr>
+            <a:spLocks noGrp="1"/>
+          </p:cNvSpPr>
+          <p:nvPr>
+            <p:ph type="title"/>
+          </p:nvPr>
+        </p:nvSpPr>
+        <p:spPr/>
+        <p:txBody>
+          <a:bodyPr/>
+          <a:lstStyle/>
+          <a:p>
+            <a:r>
+              <a:rPr lang="zh-CN" altLang="en-US" dirty="0"/>
+              <a:t>用</a:t>
+            </a:r>
+            <a:r>
+              <a:rPr lang="en-US" altLang="zh-CN" dirty="0"/>
+              <a:t>MATLAB</a:t>
+            </a:r>
+            <a:r>
+              <a:rPr lang="zh-CN" altLang="en-US" dirty="0"/>
+              <a:t>实现</a:t>
+            </a:r>
+            <a:r>
+              <a:rPr lang="en-US" altLang="zh-CN" dirty="0"/>
+              <a:t>SVM</a:t>
+            </a:r>
+            <a:endParaRPr lang="zh-CN" altLang="en-US" dirty="0"/>
+          </a:p>
+        </p:txBody>
+      </p:sp>
+      <p:sp>
+        <p:nvSpPr>
+          <p:cNvPr id="8" name="内容占位符 7">
+            <a:extLst>
+              <a:ext uri="{FF2B5EF4-FFF2-40B4-BE49-F238E27FC236}">
+                <a16:creationId xmlns:a16="http://schemas.microsoft.com/office/drawing/2014/main" id="{5677D24B-F200-4769-8403-A03052F9567F}"/>
+              </a:ext>
+            </a:extLst>
+          </p:cNvPr>
+          <p:cNvSpPr>
+            <a:spLocks noGrp="1"/>
+          </p:cNvSpPr>
+          <p:nvPr>
+            <p:ph idx="1"/>
+          </p:nvPr>
+        </p:nvSpPr>
+        <p:spPr/>
+        <p:txBody>
+          <a:bodyPr/>
+          <a:lstStyle/>
+          <a:p>
+            <a:r>
+              <a:rPr lang="zh-CN" altLang="en-US" dirty="0"/>
+              <a:t>训练：</a:t>
+            </a:r>
+            <a:r>
+              <a:rPr lang="en-US" altLang="zh-CN" dirty="0"/>
+              <a:t>model = </a:t>
+            </a:r>
+            <a:r>
+              <a:rPr lang="en-US" altLang="zh-CN" dirty="0" err="1"/>
+              <a:t>fitcsvm</a:t>
+            </a:r>
+            <a:r>
+              <a:rPr lang="en-US" altLang="zh-CN" dirty="0"/>
+              <a:t>(</a:t>
+            </a:r>
+            <a:r>
+              <a:rPr lang="en-US" altLang="zh-CN" dirty="0" err="1"/>
+              <a:t>x_train</a:t>
+            </a:r>
+            <a:r>
+              <a:rPr lang="en-US" altLang="zh-CN" dirty="0"/>
+              <a:t>, </a:t>
+            </a:r>
+            <a:r>
+              <a:rPr lang="en-US" altLang="zh-CN" dirty="0" err="1"/>
+              <a:t>y_train</a:t>
+            </a:r>
+            <a:r>
+              <a:rPr lang="en-US" altLang="zh-CN" dirty="0"/>
+              <a:t>)</a:t>
+            </a:r>
+          </a:p>
+          <a:p>
+            <a:r>
+              <a:rPr lang="zh-CN" altLang="en-US" dirty="0"/>
+              <a:t>测试：</a:t>
+            </a:r>
+            <a:r>
+              <a:rPr lang="en-US" altLang="zh-CN" dirty="0" err="1"/>
+              <a:t>yhat</a:t>
+            </a:r>
+            <a:r>
+              <a:rPr lang="en-US" altLang="zh-CN" dirty="0"/>
+              <a:t> = </a:t>
+            </a:r>
+            <a:r>
+              <a:rPr lang="en-US" altLang="zh-CN" dirty="0" err="1"/>
+              <a:t>model.predict</a:t>
+            </a:r>
+            <a:r>
+              <a:rPr lang="en-US" altLang="zh-CN" dirty="0"/>
+              <a:t>(</a:t>
+            </a:r>
+            <a:r>
+              <a:rPr lang="en-US" altLang="zh-CN" dirty="0" err="1"/>
+              <a:t>x_test</a:t>
+            </a:r>
+            <a:r>
+              <a:rPr lang="en-US" altLang="zh-CN" dirty="0"/>
+              <a:t>)</a:t>
+            </a:r>
+            <a:endParaRPr lang="zh-CN" altLang="en-US" dirty="0"/>
+          </a:p>
+        </p:txBody>
+      </p:sp>
+    </p:spTree>
+    <p:extLst>
+      <p:ext uri="{BB962C8B-B14F-4D97-AF65-F5344CB8AC3E}">
+        <p14:creationId xmlns:p14="http://schemas.microsoft.com/office/powerpoint/2010/main" val="4197624371"/>
+      </p:ext>
+    </p:extLst>
+  </p:cSld>
+  <p:clrMapOvr>
+    <a:masterClrMapping/>
+  </p:clrMapOvr>
 </p:sld>
 </file>
 

--- a/The_first_ml_training/第一届机器学习实战班.pptx
+++ b/The_first_ml_training/第一届机器学习实战班.pptx
@@ -5,7 +5,7 @@
     <p:sldMasterId id="2147483727" r:id="rId1"/>
   </p:sldMasterIdLst>
   <p:notesMasterIdLst>
-    <p:notesMasterId r:id="rId47"/>
+    <p:notesMasterId r:id="rId57"/>
   </p:notesMasterIdLst>
   <p:sldIdLst>
     <p:sldId id="256" r:id="rId2"/>
@@ -49,10 +49,20 @@
     <p:sldId id="398" r:id="rId40"/>
     <p:sldId id="399" r:id="rId41"/>
     <p:sldId id="401" r:id="rId42"/>
-    <p:sldId id="402" r:id="rId43"/>
-    <p:sldId id="403" r:id="rId44"/>
-    <p:sldId id="404" r:id="rId45"/>
-    <p:sldId id="405" r:id="rId46"/>
+    <p:sldId id="406" r:id="rId43"/>
+    <p:sldId id="407" r:id="rId44"/>
+    <p:sldId id="408" r:id="rId45"/>
+    <p:sldId id="409" r:id="rId46"/>
+    <p:sldId id="410" r:id="rId47"/>
+    <p:sldId id="411" r:id="rId48"/>
+    <p:sldId id="412" r:id="rId49"/>
+    <p:sldId id="413" r:id="rId50"/>
+    <p:sldId id="414" r:id="rId51"/>
+    <p:sldId id="415" r:id="rId52"/>
+    <p:sldId id="402" r:id="rId53"/>
+    <p:sldId id="403" r:id="rId54"/>
+    <p:sldId id="404" r:id="rId55"/>
+    <p:sldId id="405" r:id="rId56"/>
   </p:sldIdLst>
   <p:sldSz cx="12192000" cy="6858000"/>
   <p:notesSz cx="6858000" cy="9144000"/>
@@ -4157,7 +4167,7 @@
           <a:p>
             <a:fld id="{F9240C15-84E4-4753-B92D-ACDA520CEF05}" type="datetimeFigureOut">
               <a:rPr lang="zh-CN" altLang="en-US" smtClean="0"/>
-              <a:t>2020/12/12</a:t>
+              <a:t>2020/12/15</a:t>
             </a:fld>
             <a:endParaRPr lang="zh-CN" altLang="en-US"/>
           </a:p>
@@ -4490,6 +4500,174 @@
 </p:notes>
 </file>
 
+<file path=ppt/notesSlides/notesSlide2.xml><?xml version="1.0" encoding="utf-8"?>
+<p:notes xmlns:a="http://schemas.openxmlformats.org/drawingml/2006/main" xmlns:r="http://schemas.openxmlformats.org/officeDocument/2006/relationships" xmlns:p="http://schemas.openxmlformats.org/presentationml/2006/main">
+  <p:cSld>
+    <p:spTree>
+      <p:nvGrpSpPr>
+        <p:cNvPr id="1" name=""/>
+        <p:cNvGrpSpPr/>
+        <p:nvPr/>
+      </p:nvGrpSpPr>
+      <p:grpSpPr>
+        <a:xfrm>
+          <a:off x="0" y="0"/>
+          <a:ext cx="0" cy="0"/>
+          <a:chOff x="0" y="0"/>
+          <a:chExt cx="0" cy="0"/>
+        </a:xfrm>
+      </p:grpSpPr>
+      <p:sp>
+        <p:nvSpPr>
+          <p:cNvPr id="2" name="幻灯片图像占位符 1"/>
+          <p:cNvSpPr>
+            <a:spLocks noGrp="1" noRot="1" noChangeAspect="1"/>
+          </p:cNvSpPr>
+          <p:nvPr>
+            <p:ph type="sldImg"/>
+          </p:nvPr>
+        </p:nvSpPr>
+        <p:spPr/>
+      </p:sp>
+      <p:sp>
+        <p:nvSpPr>
+          <p:cNvPr id="3" name="备注占位符 2"/>
+          <p:cNvSpPr>
+            <a:spLocks noGrp="1"/>
+          </p:cNvSpPr>
+          <p:nvPr>
+            <p:ph type="body" idx="1"/>
+          </p:nvPr>
+        </p:nvSpPr>
+        <p:spPr/>
+        <p:txBody>
+          <a:bodyPr/>
+          <a:lstStyle/>
+          <a:p>
+            <a:endParaRPr lang="zh-CN" altLang="en-US" dirty="0"/>
+          </a:p>
+        </p:txBody>
+      </p:sp>
+      <p:sp>
+        <p:nvSpPr>
+          <p:cNvPr id="4" name="灯片编号占位符 3"/>
+          <p:cNvSpPr>
+            <a:spLocks noGrp="1"/>
+          </p:cNvSpPr>
+          <p:nvPr>
+            <p:ph type="sldNum" sz="quarter" idx="5"/>
+          </p:nvPr>
+        </p:nvSpPr>
+        <p:spPr/>
+        <p:txBody>
+          <a:bodyPr/>
+          <a:lstStyle/>
+          <a:p>
+            <a:fld id="{9C878CF3-C920-4DE9-9587-4FCDAF6D5E65}" type="slidenum">
+              <a:rPr lang="zh-CN" altLang="en-US" smtClean="0"/>
+              <a:t>43</a:t>
+            </a:fld>
+            <a:endParaRPr lang="zh-CN" altLang="en-US"/>
+          </a:p>
+        </p:txBody>
+      </p:sp>
+    </p:spTree>
+    <p:extLst>
+      <p:ext uri="{BB962C8B-B14F-4D97-AF65-F5344CB8AC3E}">
+        <p14:creationId xmlns:p14="http://schemas.microsoft.com/office/powerpoint/2010/main" val="1238004290"/>
+      </p:ext>
+    </p:extLst>
+  </p:cSld>
+  <p:clrMapOvr>
+    <a:masterClrMapping/>
+  </p:clrMapOvr>
+</p:notes>
+</file>
+
+<file path=ppt/notesSlides/notesSlide3.xml><?xml version="1.0" encoding="utf-8"?>
+<p:notes xmlns:a="http://schemas.openxmlformats.org/drawingml/2006/main" xmlns:r="http://schemas.openxmlformats.org/officeDocument/2006/relationships" xmlns:p="http://schemas.openxmlformats.org/presentationml/2006/main">
+  <p:cSld>
+    <p:spTree>
+      <p:nvGrpSpPr>
+        <p:cNvPr id="1" name=""/>
+        <p:cNvGrpSpPr/>
+        <p:nvPr/>
+      </p:nvGrpSpPr>
+      <p:grpSpPr>
+        <a:xfrm>
+          <a:off x="0" y="0"/>
+          <a:ext cx="0" cy="0"/>
+          <a:chOff x="0" y="0"/>
+          <a:chExt cx="0" cy="0"/>
+        </a:xfrm>
+      </p:grpSpPr>
+      <p:sp>
+        <p:nvSpPr>
+          <p:cNvPr id="2" name="幻灯片图像占位符 1"/>
+          <p:cNvSpPr>
+            <a:spLocks noGrp="1" noRot="1" noChangeAspect="1"/>
+          </p:cNvSpPr>
+          <p:nvPr>
+            <p:ph type="sldImg"/>
+          </p:nvPr>
+        </p:nvSpPr>
+        <p:spPr/>
+      </p:sp>
+      <p:sp>
+        <p:nvSpPr>
+          <p:cNvPr id="3" name="备注占位符 2"/>
+          <p:cNvSpPr>
+            <a:spLocks noGrp="1"/>
+          </p:cNvSpPr>
+          <p:nvPr>
+            <p:ph type="body" idx="1"/>
+          </p:nvPr>
+        </p:nvSpPr>
+        <p:spPr/>
+        <p:txBody>
+          <a:bodyPr/>
+          <a:lstStyle/>
+          <a:p>
+            <a:endParaRPr lang="zh-CN" altLang="en-US" dirty="0"/>
+          </a:p>
+        </p:txBody>
+      </p:sp>
+      <p:sp>
+        <p:nvSpPr>
+          <p:cNvPr id="4" name="灯片编号占位符 3"/>
+          <p:cNvSpPr>
+            <a:spLocks noGrp="1"/>
+          </p:cNvSpPr>
+          <p:nvPr>
+            <p:ph type="sldNum" sz="quarter" idx="5"/>
+          </p:nvPr>
+        </p:nvSpPr>
+        <p:spPr/>
+        <p:txBody>
+          <a:bodyPr/>
+          <a:lstStyle/>
+          <a:p>
+            <a:fld id="{9C878CF3-C920-4DE9-9587-4FCDAF6D5E65}" type="slidenum">
+              <a:rPr lang="zh-CN" altLang="en-US" smtClean="0"/>
+              <a:t>44</a:t>
+            </a:fld>
+            <a:endParaRPr lang="zh-CN" altLang="en-US"/>
+          </a:p>
+        </p:txBody>
+      </p:sp>
+    </p:spTree>
+    <p:extLst>
+      <p:ext uri="{BB962C8B-B14F-4D97-AF65-F5344CB8AC3E}">
+        <p14:creationId xmlns:p14="http://schemas.microsoft.com/office/powerpoint/2010/main" val="1149787919"/>
+      </p:ext>
+    </p:extLst>
+  </p:cSld>
+  <p:clrMapOvr>
+    <a:masterClrMapping/>
+  </p:clrMapOvr>
+</p:notes>
+</file>
+
 <file path=ppt/slideLayouts/slideLayout1.xml><?xml version="1.0" encoding="utf-8"?>
 <p:sldLayout xmlns:a="http://schemas.openxmlformats.org/drawingml/2006/main" xmlns:r="http://schemas.openxmlformats.org/officeDocument/2006/relationships" xmlns:p="http://schemas.openxmlformats.org/presentationml/2006/main" type="title" preserve="1">
   <p:cSld name="标题幻灯片">
@@ -4621,7 +4799,7 @@
           <a:p>
             <a:fld id="{5F7787EC-2923-4DE8-84F8-CB4FE5744F4A}" type="datetimeFigureOut">
               <a:rPr lang="zh-CN" altLang="en-US" smtClean="0"/>
-              <a:t>2020/12/12</a:t>
+              <a:t>2020/12/15</a:t>
             </a:fld>
             <a:endParaRPr lang="zh-CN" altLang="en-US"/>
           </a:p>
@@ -4791,7 +4969,7 @@
           <a:p>
             <a:fld id="{5F7787EC-2923-4DE8-84F8-CB4FE5744F4A}" type="datetimeFigureOut">
               <a:rPr lang="zh-CN" altLang="en-US" smtClean="0"/>
-              <a:t>2020/12/12</a:t>
+              <a:t>2020/12/15</a:t>
             </a:fld>
             <a:endParaRPr lang="zh-CN" altLang="en-US"/>
           </a:p>
@@ -4971,7 +5149,7 @@
           <a:p>
             <a:fld id="{5F7787EC-2923-4DE8-84F8-CB4FE5744F4A}" type="datetimeFigureOut">
               <a:rPr lang="zh-CN" altLang="en-US" smtClean="0"/>
-              <a:t>2020/12/12</a:t>
+              <a:t>2020/12/15</a:t>
             </a:fld>
             <a:endParaRPr lang="zh-CN" altLang="en-US"/>
           </a:p>
@@ -5172,7 +5350,7 @@
           <a:p>
             <a:fld id="{5F7787EC-2923-4DE8-84F8-CB4FE5744F4A}" type="datetimeFigureOut">
               <a:rPr lang="zh-CN" altLang="en-US" smtClean="0"/>
-              <a:t>2020/12/12</a:t>
+              <a:t>2020/12/15</a:t>
             </a:fld>
             <a:endParaRPr lang="zh-CN" altLang="en-US"/>
           </a:p>
@@ -5418,7 +5596,7 @@
           <a:p>
             <a:fld id="{5F7787EC-2923-4DE8-84F8-CB4FE5744F4A}" type="datetimeFigureOut">
               <a:rPr lang="zh-CN" altLang="en-US" smtClean="0"/>
-              <a:t>2020/12/12</a:t>
+              <a:t>2020/12/15</a:t>
             </a:fld>
             <a:endParaRPr lang="zh-CN" altLang="en-US"/>
           </a:p>
@@ -5650,7 +5828,7 @@
           <a:p>
             <a:fld id="{5F7787EC-2923-4DE8-84F8-CB4FE5744F4A}" type="datetimeFigureOut">
               <a:rPr lang="zh-CN" altLang="en-US" smtClean="0"/>
-              <a:t>2020/12/12</a:t>
+              <a:t>2020/12/15</a:t>
             </a:fld>
             <a:endParaRPr lang="zh-CN" altLang="en-US"/>
           </a:p>
@@ -6017,7 +6195,7 @@
           <a:p>
             <a:fld id="{5F7787EC-2923-4DE8-84F8-CB4FE5744F4A}" type="datetimeFigureOut">
               <a:rPr lang="zh-CN" altLang="en-US" smtClean="0"/>
-              <a:t>2020/12/12</a:t>
+              <a:t>2020/12/15</a:t>
             </a:fld>
             <a:endParaRPr lang="zh-CN" altLang="en-US"/>
           </a:p>
@@ -6135,7 +6313,7 @@
           <a:p>
             <a:fld id="{5F7787EC-2923-4DE8-84F8-CB4FE5744F4A}" type="datetimeFigureOut">
               <a:rPr lang="zh-CN" altLang="en-US" smtClean="0"/>
-              <a:t>2020/12/12</a:t>
+              <a:t>2020/12/15</a:t>
             </a:fld>
             <a:endParaRPr lang="zh-CN" altLang="en-US"/>
           </a:p>
@@ -6230,7 +6408,7 @@
           <a:p>
             <a:fld id="{5F7787EC-2923-4DE8-84F8-CB4FE5744F4A}" type="datetimeFigureOut">
               <a:rPr lang="zh-CN" altLang="en-US" smtClean="0"/>
-              <a:t>2020/12/12</a:t>
+              <a:t>2020/12/15</a:t>
             </a:fld>
             <a:endParaRPr lang="zh-CN" altLang="en-US"/>
           </a:p>
@@ -6507,7 +6685,7 @@
           <a:p>
             <a:fld id="{5F7787EC-2923-4DE8-84F8-CB4FE5744F4A}" type="datetimeFigureOut">
               <a:rPr lang="zh-CN" altLang="en-US" smtClean="0"/>
-              <a:t>2020/12/12</a:t>
+              <a:t>2020/12/15</a:t>
             </a:fld>
             <a:endParaRPr lang="zh-CN" altLang="en-US"/>
           </a:p>
@@ -6764,7 +6942,7 @@
           <a:p>
             <a:fld id="{5F7787EC-2923-4DE8-84F8-CB4FE5744F4A}" type="datetimeFigureOut">
               <a:rPr lang="zh-CN" altLang="en-US" smtClean="0"/>
-              <a:t>2020/12/12</a:t>
+              <a:t>2020/12/15</a:t>
             </a:fld>
             <a:endParaRPr lang="zh-CN" altLang="en-US"/>
           </a:p>
@@ -6977,7 +7155,7 @@
           <a:p>
             <a:fld id="{5F7787EC-2923-4DE8-84F8-CB4FE5744F4A}" type="datetimeFigureOut">
               <a:rPr lang="zh-CN" altLang="en-US" smtClean="0"/>
-              <a:t>2020/12/12</a:t>
+              <a:t>2020/12/15</a:t>
             </a:fld>
             <a:endParaRPr lang="zh-CN" altLang="en-US"/>
           </a:p>
@@ -16970,7 +17148,7 @@
           <a:p>
             <a:r>
               <a:rPr lang="zh-CN" altLang="en-US" dirty="0"/>
-              <a:t>数据类型</a:t>
+              <a:t>常用的数据类型</a:t>
             </a:r>
           </a:p>
         </p:txBody>
@@ -16998,18 +17176,85 @@
           <a:p>
             <a:r>
               <a:rPr lang="zh-CN" altLang="en-US" dirty="0"/>
-              <a:t>数据类型</a:t>
+              <a:t>一、数值类型</a:t>
             </a:r>
             <a:endParaRPr lang="en-US" altLang="zh-CN" dirty="0"/>
           </a:p>
           <a:p>
             <a:r>
               <a:rPr lang="zh-CN" altLang="en-US" dirty="0"/>
+              <a:t>二、字符与字符串 </a:t>
+            </a:r>
+            <a:endParaRPr lang="en-US" altLang="zh-CN" dirty="0"/>
+          </a:p>
+          <a:p>
+            <a:r>
+              <a:rPr lang="zh-CN" altLang="en-US" dirty="0"/>
+              <a:t>三、结构体</a:t>
+            </a:r>
+            <a:endParaRPr lang="en-US" altLang="zh-CN" dirty="0"/>
+          </a:p>
+          <a:p>
+            <a:r>
+              <a:rPr lang="zh-CN" altLang="en-US" dirty="0"/>
+              <a:t>四、单元数组</a:t>
+            </a:r>
+            <a:r>
+              <a:rPr lang="en-US" altLang="zh-CN" dirty="0"/>
+              <a:t>/</a:t>
+            </a:r>
+            <a:r>
+              <a:rPr lang="zh-CN" altLang="en-US" dirty="0"/>
+              <a:t>元胞</a:t>
+            </a:r>
+            <a:endParaRPr lang="en-US" altLang="zh-CN" dirty="0"/>
+          </a:p>
+          <a:p>
+            <a:r>
+              <a:rPr lang="zh-CN" altLang="en-US" dirty="0"/>
+              <a:t>五、映射容器  </a:t>
+            </a:r>
+          </a:p>
+          <a:p>
+            <a:endParaRPr lang="zh-CN" altLang="en-US" dirty="0"/>
+          </a:p>
+        </p:txBody>
+      </p:sp>
+      <p:sp>
+        <p:nvSpPr>
+          <p:cNvPr id="5" name="文本框 4">
+            <a:extLst>
+              <a:ext uri="{FF2B5EF4-FFF2-40B4-BE49-F238E27FC236}">
+                <a16:creationId xmlns:a16="http://schemas.microsoft.com/office/drawing/2014/main" id="{9BAA5BED-036D-4301-8A14-CA9705FC73AB}"/>
+              </a:ext>
+            </a:extLst>
+          </p:cNvPr>
+          <p:cNvSpPr txBox="1"/>
+          <p:nvPr/>
+        </p:nvSpPr>
+        <p:spPr>
+          <a:xfrm>
+            <a:off x="6799083" y="6488668"/>
+            <a:ext cx="5392917" cy="369332"/>
+          </a:xfrm>
+          <a:prstGeom prst="rect">
+            <a:avLst/>
+          </a:prstGeom>
+          <a:noFill/>
+        </p:spPr>
+        <p:txBody>
+          <a:bodyPr wrap="square">
+            <a:spAutoFit/>
+          </a:bodyPr>
+          <a:lstStyle/>
+          <a:p>
+            <a:r>
+              <a:rPr lang="zh-CN" altLang="en-US" dirty="0">
+                <a:hlinkClick r:id="rId2"/>
+              </a:rPr>
               <a:t>https://www.cnblogs.com/jwg-fendi/p/10052898.html</a:t>
             </a:r>
-          </a:p>
-          <a:p>
-            <a:endParaRPr lang="zh-CN" altLang="en-US" dirty="0"/>
+            <a:endParaRPr lang="en-US" altLang="zh-CN" dirty="0"/>
           </a:p>
         </p:txBody>
       </p:sp>
@@ -17045,82 +17290,122 @@
       </p:grpSpPr>
       <p:sp>
         <p:nvSpPr>
-          <p:cNvPr id="273" name="Shape 273"/>
-          <p:cNvSpPr/>
-          <p:nvPr/>
-        </p:nvSpPr>
+          <p:cNvPr id="2" name="标题 1">
+            <a:extLst>
+              <a:ext uri="{FF2B5EF4-FFF2-40B4-BE49-F238E27FC236}">
+                <a16:creationId xmlns:a16="http://schemas.microsoft.com/office/drawing/2014/main" id="{BEF5DB79-712C-4B85-867A-41B81D629E30}"/>
+              </a:ext>
+            </a:extLst>
+          </p:cNvPr>
+          <p:cNvSpPr>
+            <a:spLocks noGrp="1"/>
+          </p:cNvSpPr>
+          <p:nvPr>
+            <p:ph type="title"/>
+          </p:nvPr>
+        </p:nvSpPr>
+        <p:spPr/>
+        <p:txBody>
+          <a:bodyPr/>
+          <a:lstStyle/>
+          <a:p>
+            <a:r>
+              <a:rPr lang="zh-CN" altLang="en-US" dirty="0"/>
+              <a:t>数值类型</a:t>
+            </a:r>
+          </a:p>
+        </p:txBody>
+      </p:sp>
+      <p:pic>
+        <p:nvPicPr>
+          <p:cNvPr id="5" name="内容占位符 4">
+            <a:extLst>
+              <a:ext uri="{FF2B5EF4-FFF2-40B4-BE49-F238E27FC236}">
+                <a16:creationId xmlns:a16="http://schemas.microsoft.com/office/drawing/2014/main" id="{2DD6D05E-A60C-436F-90FC-859AB97F1F5E}"/>
+              </a:ext>
+            </a:extLst>
+          </p:cNvPr>
+          <p:cNvPicPr>
+            <a:picLocks noGrp="1" noChangeAspect="1"/>
+          </p:cNvPicPr>
+          <p:nvPr>
+            <p:ph idx="1"/>
+          </p:nvPr>
+        </p:nvPicPr>
+        <p:blipFill>
+          <a:blip r:embed="rId2"/>
+          <a:stretch>
+            <a:fillRect/>
+          </a:stretch>
+        </p:blipFill>
         <p:spPr>
           <a:xfrm>
-            <a:off x="1052829" y="2964180"/>
-            <a:ext cx="11060613" cy="920445"/>
+            <a:off x="838200" y="1690688"/>
+            <a:ext cx="6915150" cy="3448050"/>
+          </a:xfrm>
+        </p:spPr>
+      </p:pic>
+      <p:sp>
+        <p:nvSpPr>
+          <p:cNvPr id="6" name="文本框 5">
+            <a:extLst>
+              <a:ext uri="{FF2B5EF4-FFF2-40B4-BE49-F238E27FC236}">
+                <a16:creationId xmlns:a16="http://schemas.microsoft.com/office/drawing/2014/main" id="{C0CB1D2E-6C26-4EB1-A59C-301D4A18154A}"/>
+              </a:ext>
+            </a:extLst>
+          </p:cNvPr>
+          <p:cNvSpPr txBox="1"/>
+          <p:nvPr/>
+        </p:nvSpPr>
+        <p:spPr>
+          <a:xfrm>
+            <a:off x="8436991" y="2592371"/>
+            <a:ext cx="3403076" cy="646331"/>
           </a:xfrm>
           <a:prstGeom prst="rect">
             <a:avLst/>
           </a:prstGeom>
-          <a:ln w="12700">
-            <a:miter lim="400000"/>
-          </a:ln>
+          <a:noFill/>
         </p:spPr>
         <p:txBody>
-          <a:bodyPr wrap="square" lIns="45719" rIns="45719">
+          <a:bodyPr wrap="square" rtlCol="0">
             <a:spAutoFit/>
           </a:bodyPr>
-          <a:lstStyle>
-            <a:lvl1pPr>
-              <a:lnSpc>
-                <a:spcPct val="80000"/>
-              </a:lnSpc>
-              <a:defRPr sz="6600">
-                <a:solidFill>
-                  <a:srgbClr val="535353"/>
-                </a:solidFill>
-                <a:latin typeface="Source Han Sans CN Bold Bold"/>
-                <a:ea typeface="Source Han Sans CN Bold Bold"/>
-                <a:cs typeface="Source Han Sans CN Bold Bold"/>
-                <a:sym typeface="Source Han Sans CN Bold Bold"/>
-              </a:defRPr>
-            </a:lvl1pPr>
-          </a:lstStyle>
-          <a:p>
-            <a:r>
-              <a:rPr lang="en-US" altLang="zh-CN" dirty="0">
-                <a:solidFill>
-                  <a:schemeClr val="tx1">
-                    <a:lumMod val="95000"/>
-                  </a:schemeClr>
-                </a:solidFill>
-              </a:rPr>
-              <a:t>MATLAB</a:t>
-            </a:r>
-            <a:r>
-              <a:rPr lang="zh-CN" altLang="en-US" dirty="0">
-                <a:solidFill>
-                  <a:schemeClr val="tx1">
-                    <a:lumMod val="95000"/>
-                  </a:schemeClr>
-                </a:solidFill>
-              </a:rPr>
-              <a:t>编程作业</a:t>
-            </a:r>
-            <a:endParaRPr dirty="0">
-              <a:solidFill>
-                <a:schemeClr val="tx1"/>
-              </a:solidFill>
-            </a:endParaRPr>
+          <a:lstStyle/>
+          <a:p>
+            <a:r>
+              <a:rPr lang="zh-CN" altLang="en-US" dirty="0"/>
+              <a:t>注：单精度保留到小数点后</a:t>
+            </a:r>
+            <a:r>
+              <a:rPr lang="en-US" altLang="zh-CN" dirty="0"/>
+              <a:t>7</a:t>
+            </a:r>
+            <a:r>
+              <a:rPr lang="zh-CN" altLang="en-US" dirty="0"/>
+              <a:t>位，双精度保留到</a:t>
+            </a:r>
+            <a:r>
+              <a:rPr lang="en-US" altLang="zh-CN" dirty="0"/>
+              <a:t>15</a:t>
+            </a:r>
+            <a:r>
+              <a:rPr lang="zh-CN" altLang="en-US" dirty="0"/>
+              <a:t>位</a:t>
+            </a:r>
           </a:p>
         </p:txBody>
       </p:sp>
     </p:spTree>
     <p:extLst>
       <p:ext uri="{BB962C8B-B14F-4D97-AF65-F5344CB8AC3E}">
-        <p14:creationId xmlns:p14="http://schemas.microsoft.com/office/powerpoint/2010/main" val="3957930990"/>
+        <p14:creationId xmlns:p14="http://schemas.microsoft.com/office/powerpoint/2010/main" val="3802989645"/>
       </p:ext>
     </p:extLst>
   </p:cSld>
   <p:clrMapOvr>
     <a:masterClrMapping/>
   </p:clrMapOvr>
-  <p:transition spd="slow"/>
 </p:sld>
 </file>
 
@@ -17146,7 +17431,7 @@
           <p:cNvPr id="2" name="标题 1">
             <a:extLst>
               <a:ext uri="{FF2B5EF4-FFF2-40B4-BE49-F238E27FC236}">
-                <a16:creationId xmlns:a16="http://schemas.microsoft.com/office/drawing/2014/main" id="{4D19DDBE-89A4-45C4-B25A-7BC7E8067691}"/>
+                <a16:creationId xmlns:a16="http://schemas.microsoft.com/office/drawing/2014/main" id="{BEF5DB79-712C-4B85-867A-41B81D629E30}"/>
               </a:ext>
             </a:extLst>
           </p:cNvPr>
@@ -17164,25 +17449,17 @@
           <a:p>
             <a:r>
               <a:rPr lang="zh-CN" altLang="en-US" dirty="0"/>
-              <a:t>用</a:t>
-            </a:r>
-            <a:r>
-              <a:rPr lang="en-US" altLang="zh-CN" dirty="0"/>
-              <a:t>MATLAB</a:t>
-            </a:r>
-            <a:r>
-              <a:rPr lang="zh-CN" altLang="en-US" dirty="0"/>
-              <a:t>实现线性回归</a:t>
-            </a:r>
-          </a:p>
-        </p:txBody>
-      </p:sp>
-      <p:sp>
-        <p:nvSpPr>
-          <p:cNvPr id="8" name="内容占位符 7">
+              <a:t>数值类型</a:t>
+            </a:r>
+          </a:p>
+        </p:txBody>
+      </p:sp>
+      <p:sp>
+        <p:nvSpPr>
+          <p:cNvPr id="10" name="内容占位符 7">
             <a:extLst>
               <a:ext uri="{FF2B5EF4-FFF2-40B4-BE49-F238E27FC236}">
-                <a16:creationId xmlns:a16="http://schemas.microsoft.com/office/drawing/2014/main" id="{5677D24B-F200-4769-8403-A03052F9567F}"/>
+                <a16:creationId xmlns:a16="http://schemas.microsoft.com/office/drawing/2014/main" id="{8623C43A-3A1F-4BA0-942D-D86FE0C2C605}"/>
               </a:ext>
             </a:extLst>
           </p:cNvPr>
@@ -17193,19 +17470,83 @@
             <p:ph idx="1"/>
           </p:nvPr>
         </p:nvSpPr>
-        <p:spPr/>
+        <p:spPr>
+          <a:xfrm>
+            <a:off x="838200" y="1825625"/>
+            <a:ext cx="10515600" cy="4351338"/>
+          </a:xfrm>
+        </p:spPr>
         <p:txBody>
           <a:bodyPr/>
           <a:lstStyle/>
           <a:p>
-            <a:endParaRPr lang="zh-CN" altLang="en-US" dirty="0"/>
+            <a:r>
+              <a:rPr lang="en-US" altLang="zh-CN" dirty="0"/>
+              <a:t>Inf</a:t>
+            </a:r>
+            <a:r>
+              <a:rPr lang="zh-CN" altLang="en-US" dirty="0"/>
+              <a:t>：无穷数</a:t>
+            </a:r>
+            <a:endParaRPr lang="en-US" altLang="zh-CN" dirty="0"/>
+          </a:p>
+          <a:p>
+            <a:r>
+              <a:rPr lang="en-US" altLang="zh-CN" dirty="0" err="1"/>
+              <a:t>NaN</a:t>
+            </a:r>
+            <a:r>
+              <a:rPr lang="zh-CN" altLang="en-US" dirty="0"/>
+              <a:t>：非数值量</a:t>
+            </a:r>
+            <a:endParaRPr lang="en-US" altLang="zh-CN" dirty="0"/>
+          </a:p>
+          <a:p>
+            <a:endParaRPr lang="en-US" altLang="zh-CN" dirty="0"/>
+          </a:p>
+          <a:p>
+            <a:r>
+              <a:rPr lang="zh-CN" altLang="en-US" dirty="0"/>
+              <a:t>用</a:t>
+            </a:r>
+            <a:r>
+              <a:rPr lang="en-US" altLang="zh-CN" dirty="0" err="1"/>
+              <a:t>isinf</a:t>
+            </a:r>
+            <a:r>
+              <a:rPr lang="zh-CN" altLang="en-US" dirty="0"/>
+              <a:t>识别</a:t>
+            </a:r>
+            <a:r>
+              <a:rPr lang="en-US" altLang="zh-CN" dirty="0"/>
+              <a:t>Inf</a:t>
+            </a:r>
+          </a:p>
+          <a:p>
+            <a:r>
+              <a:rPr lang="zh-CN" altLang="en-US" dirty="0"/>
+              <a:t>用</a:t>
+            </a:r>
+            <a:r>
+              <a:rPr lang="en-US" altLang="zh-CN" dirty="0" err="1"/>
+              <a:t>isnan</a:t>
+            </a:r>
+            <a:r>
+              <a:rPr lang="zh-CN" altLang="en-US" dirty="0"/>
+              <a:t>识别</a:t>
+            </a:r>
+            <a:r>
+              <a:rPr lang="en-US" altLang="zh-CN" dirty="0" err="1"/>
+              <a:t>NaN</a:t>
+            </a:r>
+            <a:endParaRPr lang="en-US" altLang="zh-CN" dirty="0"/>
           </a:p>
         </p:txBody>
       </p:sp>
     </p:spTree>
     <p:extLst>
       <p:ext uri="{BB962C8B-B14F-4D97-AF65-F5344CB8AC3E}">
-        <p14:creationId xmlns:p14="http://schemas.microsoft.com/office/powerpoint/2010/main" val="3865072900"/>
+        <p14:creationId xmlns:p14="http://schemas.microsoft.com/office/powerpoint/2010/main" val="2994862823"/>
       </p:ext>
     </p:extLst>
   </p:cSld>
@@ -17237,7 +17578,7 @@
           <p:cNvPr id="2" name="标题 1">
             <a:extLst>
               <a:ext uri="{FF2B5EF4-FFF2-40B4-BE49-F238E27FC236}">
-                <a16:creationId xmlns:a16="http://schemas.microsoft.com/office/drawing/2014/main" id="{4D19DDBE-89A4-45C4-B25A-7BC7E8067691}"/>
+                <a16:creationId xmlns:a16="http://schemas.microsoft.com/office/drawing/2014/main" id="{BEF5DB79-712C-4B85-867A-41B81D629E30}"/>
               </a:ext>
             </a:extLst>
           </p:cNvPr>
@@ -17255,25 +17596,17 @@
           <a:p>
             <a:r>
               <a:rPr lang="zh-CN" altLang="en-US" dirty="0"/>
-              <a:t>用</a:t>
-            </a:r>
-            <a:r>
-              <a:rPr lang="en-US" altLang="zh-CN" dirty="0"/>
-              <a:t>MATLAB</a:t>
-            </a:r>
-            <a:r>
-              <a:rPr lang="zh-CN" altLang="en-US" dirty="0"/>
-              <a:t>实现逻辑回归</a:t>
-            </a:r>
-          </a:p>
-        </p:txBody>
-      </p:sp>
-      <p:sp>
-        <p:nvSpPr>
-          <p:cNvPr id="8" name="内容占位符 7">
+              <a:t>数值类型</a:t>
+            </a:r>
+          </a:p>
+        </p:txBody>
+      </p:sp>
+      <p:sp>
+        <p:nvSpPr>
+          <p:cNvPr id="10" name="内容占位符 7">
             <a:extLst>
               <a:ext uri="{FF2B5EF4-FFF2-40B4-BE49-F238E27FC236}">
-                <a16:creationId xmlns:a16="http://schemas.microsoft.com/office/drawing/2014/main" id="{5677D24B-F200-4769-8403-A03052F9567F}"/>
+                <a16:creationId xmlns:a16="http://schemas.microsoft.com/office/drawing/2014/main" id="{8623C43A-3A1F-4BA0-942D-D86FE0C2C605}"/>
               </a:ext>
             </a:extLst>
           </p:cNvPr>
@@ -17284,11 +17617,54 @@
             <p:ph idx="1"/>
           </p:nvPr>
         </p:nvSpPr>
-        <p:spPr/>
+        <p:spPr>
+          <a:xfrm>
+            <a:off x="838200" y="1825625"/>
+            <a:ext cx="10515600" cy="4351338"/>
+          </a:xfrm>
+        </p:spPr>
         <p:txBody>
           <a:bodyPr/>
           <a:lstStyle/>
           <a:p>
+            <a:pPr marL="0" indent="0">
+              <a:buNone/>
+            </a:pPr>
+            <a:endParaRPr lang="en-US" altLang="zh-CN" dirty="0"/>
+          </a:p>
+          <a:p>
+            <a:r>
+              <a:rPr lang="zh-CN" altLang="en-US" dirty="0"/>
+              <a:t>练习：识别并把</a:t>
+            </a:r>
+            <a:r>
+              <a:rPr lang="en-US" altLang="zh-CN" dirty="0"/>
+              <a:t>d=[Inf, </a:t>
+            </a:r>
+            <a:r>
+              <a:rPr lang="en-US" altLang="zh-CN" dirty="0" err="1"/>
+              <a:t>NaN</a:t>
+            </a:r>
+            <a:r>
+              <a:rPr lang="en-US" altLang="zh-CN" dirty="0"/>
+              <a:t>]</a:t>
+            </a:r>
+            <a:r>
+              <a:rPr lang="zh-CN" altLang="en-US" dirty="0"/>
+              <a:t>中的无穷量和非数值量赋值为</a:t>
+            </a:r>
+            <a:r>
+              <a:rPr lang="en-US" altLang="zh-CN" dirty="0"/>
+              <a:t>1</a:t>
+            </a:r>
+            <a:r>
+              <a:rPr lang="zh-CN" altLang="en-US" dirty="0"/>
+              <a:t>和</a:t>
+            </a:r>
+            <a:r>
+              <a:rPr lang="en-US" altLang="zh-CN" dirty="0"/>
+              <a:t>0</a:t>
+            </a:r>
             <a:endParaRPr lang="zh-CN" altLang="en-US" dirty="0"/>
           </a:p>
         </p:txBody>
@@ -17296,7 +17672,7 @@
     </p:spTree>
     <p:extLst>
       <p:ext uri="{BB962C8B-B14F-4D97-AF65-F5344CB8AC3E}">
-        <p14:creationId xmlns:p14="http://schemas.microsoft.com/office/powerpoint/2010/main" val="3123598562"/>
+        <p14:creationId xmlns:p14="http://schemas.microsoft.com/office/powerpoint/2010/main" val="2075631065"/>
       </p:ext>
     </p:extLst>
   </p:cSld>
@@ -17328,7 +17704,7 @@
           <p:cNvPr id="2" name="标题 1">
             <a:extLst>
               <a:ext uri="{FF2B5EF4-FFF2-40B4-BE49-F238E27FC236}">
-                <a16:creationId xmlns:a16="http://schemas.microsoft.com/office/drawing/2014/main" id="{4D19DDBE-89A4-45C4-B25A-7BC7E8067691}"/>
+                <a16:creationId xmlns:a16="http://schemas.microsoft.com/office/drawing/2014/main" id="{1E426DEB-C64E-49BD-AEE1-C8906E57EFE5}"/>
               </a:ext>
             </a:extLst>
           </p:cNvPr>
@@ -17346,30 +17722,17 @@
           <a:p>
             <a:r>
               <a:rPr lang="zh-CN" altLang="en-US" dirty="0"/>
-              <a:t>用</a:t>
-            </a:r>
-            <a:r>
-              <a:rPr lang="en-US" altLang="zh-CN" dirty="0"/>
-              <a:t>MATLAB</a:t>
-            </a:r>
-            <a:r>
-              <a:rPr lang="zh-CN" altLang="en-US" dirty="0"/>
-              <a:t>实现</a:t>
-            </a:r>
-            <a:r>
-              <a:rPr lang="en-US" altLang="zh-CN" dirty="0"/>
-              <a:t>SVM</a:t>
-            </a:r>
-            <a:endParaRPr lang="zh-CN" altLang="en-US" dirty="0"/>
-          </a:p>
-        </p:txBody>
-      </p:sp>
-      <p:sp>
-        <p:nvSpPr>
-          <p:cNvPr id="8" name="内容占位符 7">
+              <a:t>字符与字符串 </a:t>
+            </a:r>
+          </a:p>
+        </p:txBody>
+      </p:sp>
+      <p:sp>
+        <p:nvSpPr>
+          <p:cNvPr id="3" name="内容占位符 2">
             <a:extLst>
               <a:ext uri="{FF2B5EF4-FFF2-40B4-BE49-F238E27FC236}">
-                <a16:creationId xmlns:a16="http://schemas.microsoft.com/office/drawing/2014/main" id="{5677D24B-F200-4769-8403-A03052F9567F}"/>
+                <a16:creationId xmlns:a16="http://schemas.microsoft.com/office/drawing/2014/main" id="{E4C046FB-C60C-4018-8835-CD70A63918F8}"/>
               </a:ext>
             </a:extLst>
           </p:cNvPr>
@@ -17387,65 +17750,35 @@
           <a:p>
             <a:r>
               <a:rPr lang="zh-CN" altLang="en-US" dirty="0"/>
-              <a:t>训练：</a:t>
+              <a:t>字符串： </a:t>
             </a:r>
             <a:r>
               <a:rPr lang="en-US" altLang="zh-CN" dirty="0"/>
-              <a:t>model = </a:t>
+              <a:t>a = '</a:t>
             </a:r>
             <a:r>
               <a:rPr lang="en-US" altLang="zh-CN" dirty="0" err="1"/>
-              <a:t>fitcsvm</a:t>
+              <a:t>matlab</a:t>
             </a:r>
             <a:r>
               <a:rPr lang="en-US" altLang="zh-CN" dirty="0"/>
-              <a:t>(</a:t>
-            </a:r>
-            <a:r>
-              <a:rPr lang="en-US" altLang="zh-CN" dirty="0" err="1"/>
-              <a:t>x_train</a:t>
+              <a:t>'</a:t>
+            </a:r>
+          </a:p>
+          <a:p>
+            <a:r>
+              <a:rPr lang="zh-CN" altLang="en-US" dirty="0"/>
+              <a:t>字符： </a:t>
             </a:r>
             <a:r>
               <a:rPr lang="en-US" altLang="zh-CN" dirty="0"/>
-              <a:t>, </a:t>
-            </a:r>
-            <a:r>
-              <a:rPr lang="en-US" altLang="zh-CN" dirty="0" err="1"/>
-              <a:t>y_train</a:t>
-            </a:r>
+              <a:t>b = 'm'</a:t>
+            </a:r>
+          </a:p>
+          <a:p>
             <a:r>
               <a:rPr lang="en-US" altLang="zh-CN" dirty="0"/>
-              <a:t>)</a:t>
-            </a:r>
-          </a:p>
-          <a:p>
-            <a:r>
-              <a:rPr lang="zh-CN" altLang="en-US" dirty="0"/>
-              <a:t>测试：</a:t>
-            </a:r>
-            <a:r>
-              <a:rPr lang="en-US" altLang="zh-CN" dirty="0" err="1"/>
-              <a:t>yhat</a:t>
-            </a:r>
-            <a:r>
-              <a:rPr lang="en-US" altLang="zh-CN" dirty="0"/>
-              <a:t> = </a:t>
-            </a:r>
-            <a:r>
-              <a:rPr lang="en-US" altLang="zh-CN" dirty="0" err="1"/>
-              <a:t>model.predict</a:t>
-            </a:r>
-            <a:r>
-              <a:rPr lang="en-US" altLang="zh-CN" dirty="0"/>
-              <a:t>(</a:t>
-            </a:r>
-            <a:r>
-              <a:rPr lang="en-US" altLang="zh-CN" dirty="0" err="1"/>
-              <a:t>x_test</a:t>
-            </a:r>
-            <a:r>
-              <a:rPr lang="en-US" altLang="zh-CN" dirty="0"/>
-              <a:t>)</a:t>
+              <a:t>a(1) == b</a:t>
             </a:r>
             <a:endParaRPr lang="zh-CN" altLang="en-US" dirty="0"/>
           </a:p>
@@ -17454,7 +17787,486 @@
     </p:spTree>
     <p:extLst>
       <p:ext uri="{BB962C8B-B14F-4D97-AF65-F5344CB8AC3E}">
-        <p14:creationId xmlns:p14="http://schemas.microsoft.com/office/powerpoint/2010/main" val="4197624371"/>
+        <p14:creationId xmlns:p14="http://schemas.microsoft.com/office/powerpoint/2010/main" val="897906424"/>
+      </p:ext>
+    </p:extLst>
+  </p:cSld>
+  <p:clrMapOvr>
+    <a:masterClrMapping/>
+  </p:clrMapOvr>
+</p:sld>
+</file>
+
+<file path=ppt/slides/slide46.xml><?xml version="1.0" encoding="utf-8"?>
+<p:sld xmlns:a="http://schemas.openxmlformats.org/drawingml/2006/main" xmlns:r="http://schemas.openxmlformats.org/officeDocument/2006/relationships" xmlns:p="http://schemas.openxmlformats.org/presentationml/2006/main">
+  <p:cSld>
+    <p:spTree>
+      <p:nvGrpSpPr>
+        <p:cNvPr id="1" name=""/>
+        <p:cNvGrpSpPr/>
+        <p:nvPr/>
+      </p:nvGrpSpPr>
+      <p:grpSpPr>
+        <a:xfrm>
+          <a:off x="0" y="0"/>
+          <a:ext cx="0" cy="0"/>
+          <a:chOff x="0" y="0"/>
+          <a:chExt cx="0" cy="0"/>
+        </a:xfrm>
+      </p:grpSpPr>
+      <p:sp>
+        <p:nvSpPr>
+          <p:cNvPr id="2" name="标题 1">
+            <a:extLst>
+              <a:ext uri="{FF2B5EF4-FFF2-40B4-BE49-F238E27FC236}">
+                <a16:creationId xmlns:a16="http://schemas.microsoft.com/office/drawing/2014/main" id="{8C12BC26-0A4A-47BB-9A09-74398AD55261}"/>
+              </a:ext>
+            </a:extLst>
+          </p:cNvPr>
+          <p:cNvSpPr>
+            <a:spLocks noGrp="1"/>
+          </p:cNvSpPr>
+          <p:nvPr>
+            <p:ph type="title"/>
+          </p:nvPr>
+        </p:nvSpPr>
+        <p:spPr/>
+        <p:txBody>
+          <a:bodyPr/>
+          <a:lstStyle/>
+          <a:p>
+            <a:r>
+              <a:rPr lang="zh-CN" altLang="en-US" dirty="0"/>
+              <a:t>结构体</a:t>
+            </a:r>
+          </a:p>
+        </p:txBody>
+      </p:sp>
+      <p:sp>
+        <p:nvSpPr>
+          <p:cNvPr id="3" name="内容占位符 2">
+            <a:extLst>
+              <a:ext uri="{FF2B5EF4-FFF2-40B4-BE49-F238E27FC236}">
+                <a16:creationId xmlns:a16="http://schemas.microsoft.com/office/drawing/2014/main" id="{FB25399A-7A7A-47AA-AB10-C78A3FC84961}"/>
+              </a:ext>
+            </a:extLst>
+          </p:cNvPr>
+          <p:cNvSpPr>
+            <a:spLocks noGrp="1"/>
+          </p:cNvSpPr>
+          <p:nvPr>
+            <p:ph idx="1"/>
+          </p:nvPr>
+        </p:nvSpPr>
+        <p:spPr/>
+        <p:txBody>
+          <a:bodyPr>
+            <a:normAutofit lnSpcReduction="10000"/>
+          </a:bodyPr>
+          <a:lstStyle/>
+          <a:p>
+            <a:r>
+              <a:rPr lang="zh-CN" altLang="en-US" dirty="0"/>
+              <a:t>描述的结构体：</a:t>
+            </a:r>
+            <a:endParaRPr lang="en-US" altLang="zh-CN" dirty="0"/>
+          </a:p>
+          <a:p>
+            <a:endParaRPr lang="en-US" altLang="zh-CN" dirty="0"/>
+          </a:p>
+          <a:p>
+            <a:r>
+              <a:rPr lang="en-US" altLang="zh-CN" dirty="0" err="1"/>
+              <a:t>zhangsan.gender</a:t>
+            </a:r>
+            <a:r>
+              <a:rPr lang="en-US" altLang="zh-CN" dirty="0"/>
+              <a:t> = '</a:t>
+            </a:r>
+            <a:r>
+              <a:rPr lang="zh-CN" altLang="en-US" dirty="0"/>
+              <a:t>男</a:t>
+            </a:r>
+            <a:r>
+              <a:rPr lang="en-US" altLang="zh-CN" dirty="0"/>
+              <a:t>'; </a:t>
+            </a:r>
+          </a:p>
+          <a:p>
+            <a:r>
+              <a:rPr lang="en-US" altLang="zh-CN" dirty="0" err="1"/>
+              <a:t>zhangsan.height</a:t>
+            </a:r>
+            <a:r>
+              <a:rPr lang="en-US" altLang="zh-CN" dirty="0"/>
+              <a:t> = 175; </a:t>
+            </a:r>
+          </a:p>
+          <a:p>
+            <a:r>
+              <a:rPr lang="en-US" altLang="zh-CN" dirty="0"/>
+              <a:t>  </a:t>
+            </a:r>
+          </a:p>
+          <a:p>
+            <a:r>
+              <a:rPr lang="en-US" altLang="zh-CN" dirty="0"/>
+              <a:t> </a:t>
+            </a:r>
+            <a:r>
+              <a:rPr lang="en-US" altLang="zh-CN" dirty="0" err="1"/>
+              <a:t>zhangsan</a:t>
+            </a:r>
+            <a:r>
+              <a:rPr lang="en-US" altLang="zh-CN" dirty="0"/>
+              <a:t> = struct('gender',  '</a:t>
+            </a:r>
+            <a:r>
+              <a:rPr lang="zh-CN" altLang="en-US" dirty="0"/>
+              <a:t>男</a:t>
+            </a:r>
+            <a:r>
+              <a:rPr lang="en-US" altLang="zh-CN" dirty="0"/>
+              <a:t>', 'height', 175)</a:t>
+            </a:r>
+          </a:p>
+          <a:p>
+            <a:endParaRPr lang="en-US" altLang="zh-CN" dirty="0"/>
+          </a:p>
+          <a:p>
+            <a:r>
+              <a:rPr lang="zh-CN" altLang="en-US" dirty="0"/>
+              <a:t>自己编写一个结构体，储存韩梅梅的信息，韩梅梅是女生，身高</a:t>
+            </a:r>
+            <a:r>
+              <a:rPr lang="en-US" altLang="zh-CN" dirty="0"/>
+              <a:t>165</a:t>
+            </a:r>
+            <a:r>
+              <a:rPr lang="zh-CN" altLang="en-US" dirty="0"/>
+              <a:t>，郑州人。</a:t>
+            </a:r>
+            <a:endParaRPr lang="en-US" altLang="zh-CN" dirty="0"/>
+          </a:p>
+        </p:txBody>
+      </p:sp>
+    </p:spTree>
+    <p:extLst>
+      <p:ext uri="{BB962C8B-B14F-4D97-AF65-F5344CB8AC3E}">
+        <p14:creationId xmlns:p14="http://schemas.microsoft.com/office/powerpoint/2010/main" val="4085170660"/>
+      </p:ext>
+    </p:extLst>
+  </p:cSld>
+  <p:clrMapOvr>
+    <a:masterClrMapping/>
+  </p:clrMapOvr>
+</p:sld>
+</file>
+
+<file path=ppt/slides/slide47.xml><?xml version="1.0" encoding="utf-8"?>
+<p:sld xmlns:a="http://schemas.openxmlformats.org/drawingml/2006/main" xmlns:r="http://schemas.openxmlformats.org/officeDocument/2006/relationships" xmlns:p="http://schemas.openxmlformats.org/presentationml/2006/main">
+  <p:cSld>
+    <p:spTree>
+      <p:nvGrpSpPr>
+        <p:cNvPr id="1" name=""/>
+        <p:cNvGrpSpPr/>
+        <p:nvPr/>
+      </p:nvGrpSpPr>
+      <p:grpSpPr>
+        <a:xfrm>
+          <a:off x="0" y="0"/>
+          <a:ext cx="0" cy="0"/>
+          <a:chOff x="0" y="0"/>
+          <a:chExt cx="0" cy="0"/>
+        </a:xfrm>
+      </p:grpSpPr>
+      <p:sp>
+        <p:nvSpPr>
+          <p:cNvPr id="2" name="标题 1">
+            <a:extLst>
+              <a:ext uri="{FF2B5EF4-FFF2-40B4-BE49-F238E27FC236}">
+                <a16:creationId xmlns:a16="http://schemas.microsoft.com/office/drawing/2014/main" id="{1E426DEB-C64E-49BD-AEE1-C8906E57EFE5}"/>
+              </a:ext>
+            </a:extLst>
+          </p:cNvPr>
+          <p:cNvSpPr>
+            <a:spLocks noGrp="1"/>
+          </p:cNvSpPr>
+          <p:nvPr>
+            <p:ph type="title"/>
+          </p:nvPr>
+        </p:nvSpPr>
+        <p:spPr/>
+        <p:txBody>
+          <a:bodyPr/>
+          <a:lstStyle/>
+          <a:p>
+            <a:r>
+              <a:rPr lang="zh-CN" altLang="en-US" dirty="0"/>
+              <a:t>元胞</a:t>
+            </a:r>
+          </a:p>
+        </p:txBody>
+      </p:sp>
+      <p:sp>
+        <p:nvSpPr>
+          <p:cNvPr id="3" name="内容占位符 2">
+            <a:extLst>
+              <a:ext uri="{FF2B5EF4-FFF2-40B4-BE49-F238E27FC236}">
+                <a16:creationId xmlns:a16="http://schemas.microsoft.com/office/drawing/2014/main" id="{E4C046FB-C60C-4018-8835-CD70A63918F8}"/>
+              </a:ext>
+            </a:extLst>
+          </p:cNvPr>
+          <p:cNvSpPr>
+            <a:spLocks noGrp="1"/>
+          </p:cNvSpPr>
+          <p:nvPr>
+            <p:ph idx="1"/>
+          </p:nvPr>
+        </p:nvSpPr>
+        <p:spPr/>
+        <p:txBody>
+          <a:bodyPr/>
+          <a:lstStyle/>
+          <a:p>
+            <a:r>
+              <a:rPr lang="en-US" altLang="zh-CN" dirty="0"/>
+              <a:t>d = {[1,2,3], 'hello’}</a:t>
+            </a:r>
+          </a:p>
+          <a:p>
+            <a:endParaRPr lang="en-US" altLang="zh-CN" dirty="0"/>
+          </a:p>
+          <a:p>
+            <a:r>
+              <a:rPr lang="en-US" altLang="zh-CN" dirty="0"/>
+              <a:t>1</a:t>
+            </a:r>
+            <a:r>
+              <a:rPr lang="zh-CN" altLang="en-US" dirty="0"/>
+              <a:t>、试试</a:t>
+            </a:r>
+            <a:r>
+              <a:rPr lang="en-US" altLang="zh-CN" dirty="0"/>
+              <a:t>d(1)</a:t>
+            </a:r>
+            <a:r>
+              <a:rPr lang="zh-CN" altLang="en-US" dirty="0"/>
+              <a:t>和</a:t>
+            </a:r>
+            <a:r>
+              <a:rPr lang="en-US" altLang="zh-CN" dirty="0"/>
+              <a:t>d{1}</a:t>
+            </a:r>
+            <a:r>
+              <a:rPr lang="zh-CN" altLang="en-US" dirty="0"/>
+              <a:t>的结果有什么区别？</a:t>
+            </a:r>
+            <a:endParaRPr lang="en-US" altLang="zh-CN" dirty="0"/>
+          </a:p>
+        </p:txBody>
+      </p:sp>
+    </p:spTree>
+    <p:extLst>
+      <p:ext uri="{BB962C8B-B14F-4D97-AF65-F5344CB8AC3E}">
+        <p14:creationId xmlns:p14="http://schemas.microsoft.com/office/powerpoint/2010/main" val="3512982"/>
+      </p:ext>
+    </p:extLst>
+  </p:cSld>
+  <p:clrMapOvr>
+    <a:masterClrMapping/>
+  </p:clrMapOvr>
+</p:sld>
+</file>
+
+<file path=ppt/slides/slide48.xml><?xml version="1.0" encoding="utf-8"?>
+<p:sld xmlns:a="http://schemas.openxmlformats.org/drawingml/2006/main" xmlns:r="http://schemas.openxmlformats.org/officeDocument/2006/relationships" xmlns:p="http://schemas.openxmlformats.org/presentationml/2006/main">
+  <p:cSld>
+    <p:spTree>
+      <p:nvGrpSpPr>
+        <p:cNvPr id="1" name=""/>
+        <p:cNvGrpSpPr/>
+        <p:nvPr/>
+      </p:nvGrpSpPr>
+      <p:grpSpPr>
+        <a:xfrm>
+          <a:off x="0" y="0"/>
+          <a:ext cx="0" cy="0"/>
+          <a:chOff x="0" y="0"/>
+          <a:chExt cx="0" cy="0"/>
+        </a:xfrm>
+      </p:grpSpPr>
+      <p:sp>
+        <p:nvSpPr>
+          <p:cNvPr id="2" name="标题 1">
+            <a:extLst>
+              <a:ext uri="{FF2B5EF4-FFF2-40B4-BE49-F238E27FC236}">
+                <a16:creationId xmlns:a16="http://schemas.microsoft.com/office/drawing/2014/main" id="{4B2E7734-11E2-4F97-9D1E-1E25758FC048}"/>
+              </a:ext>
+            </a:extLst>
+          </p:cNvPr>
+          <p:cNvSpPr>
+            <a:spLocks noGrp="1"/>
+          </p:cNvSpPr>
+          <p:nvPr>
+            <p:ph type="title"/>
+          </p:nvPr>
+        </p:nvSpPr>
+        <p:spPr/>
+        <p:txBody>
+          <a:bodyPr/>
+          <a:lstStyle/>
+          <a:p>
+            <a:r>
+              <a:rPr lang="zh-CN" altLang="en-US" dirty="0"/>
+              <a:t>映射容器</a:t>
+            </a:r>
+          </a:p>
+        </p:txBody>
+      </p:sp>
+      <p:sp>
+        <p:nvSpPr>
+          <p:cNvPr id="3" name="内容占位符 2">
+            <a:extLst>
+              <a:ext uri="{FF2B5EF4-FFF2-40B4-BE49-F238E27FC236}">
+                <a16:creationId xmlns:a16="http://schemas.microsoft.com/office/drawing/2014/main" id="{11AFFE6D-DA31-4FA0-B334-CFF011AFB54F}"/>
+              </a:ext>
+            </a:extLst>
+          </p:cNvPr>
+          <p:cNvSpPr>
+            <a:spLocks noGrp="1"/>
+          </p:cNvSpPr>
+          <p:nvPr>
+            <p:ph idx="1"/>
+          </p:nvPr>
+        </p:nvSpPr>
+        <p:spPr/>
+        <p:txBody>
+          <a:bodyPr/>
+          <a:lstStyle/>
+          <a:p>
+            <a:r>
+              <a:rPr lang="en-US" altLang="zh-CN" dirty="0" err="1"/>
+              <a:t>zhangsan</a:t>
+            </a:r>
+            <a:r>
+              <a:rPr lang="en-US" altLang="zh-CN" dirty="0"/>
+              <a:t> = </a:t>
+            </a:r>
+            <a:r>
+              <a:rPr lang="en-US" altLang="zh-CN" dirty="0" err="1"/>
+              <a:t>containers.Map</a:t>
+            </a:r>
+            <a:r>
+              <a:rPr lang="en-US" altLang="zh-CN" dirty="0"/>
+              <a:t>({'gender', 'height'},{'</a:t>
+            </a:r>
+            <a:r>
+              <a:rPr lang="zh-CN" altLang="en-US" dirty="0"/>
+              <a:t>男</a:t>
+            </a:r>
+            <a:r>
+              <a:rPr lang="en-US" altLang="zh-CN" dirty="0"/>
+              <a:t>',175});</a:t>
+            </a:r>
+          </a:p>
+        </p:txBody>
+      </p:sp>
+    </p:spTree>
+    <p:extLst>
+      <p:ext uri="{BB962C8B-B14F-4D97-AF65-F5344CB8AC3E}">
+        <p14:creationId xmlns:p14="http://schemas.microsoft.com/office/powerpoint/2010/main" val="3548328625"/>
+      </p:ext>
+    </p:extLst>
+  </p:cSld>
+  <p:clrMapOvr>
+    <a:masterClrMapping/>
+  </p:clrMapOvr>
+</p:sld>
+</file>
+
+<file path=ppt/slides/slide49.xml><?xml version="1.0" encoding="utf-8"?>
+<p:sld xmlns:a="http://schemas.openxmlformats.org/drawingml/2006/main" xmlns:r="http://schemas.openxmlformats.org/officeDocument/2006/relationships" xmlns:p="http://schemas.openxmlformats.org/presentationml/2006/main">
+  <p:cSld>
+    <p:spTree>
+      <p:nvGrpSpPr>
+        <p:cNvPr id="1" name=""/>
+        <p:cNvGrpSpPr/>
+        <p:nvPr/>
+      </p:nvGrpSpPr>
+      <p:grpSpPr>
+        <a:xfrm>
+          <a:off x="0" y="0"/>
+          <a:ext cx="0" cy="0"/>
+          <a:chOff x="0" y="0"/>
+          <a:chExt cx="0" cy="0"/>
+        </a:xfrm>
+      </p:grpSpPr>
+      <p:sp>
+        <p:nvSpPr>
+          <p:cNvPr id="2" name="标题 1">
+            <a:extLst>
+              <a:ext uri="{FF2B5EF4-FFF2-40B4-BE49-F238E27FC236}">
+                <a16:creationId xmlns:a16="http://schemas.microsoft.com/office/drawing/2014/main" id="{CE9B3C8D-79B5-4557-B67D-170FE180D736}"/>
+              </a:ext>
+            </a:extLst>
+          </p:cNvPr>
+          <p:cNvSpPr>
+            <a:spLocks noGrp="1"/>
+          </p:cNvSpPr>
+          <p:nvPr>
+            <p:ph type="title"/>
+          </p:nvPr>
+        </p:nvSpPr>
+        <p:spPr/>
+        <p:txBody>
+          <a:bodyPr/>
+          <a:lstStyle/>
+          <a:p>
+            <a:r>
+              <a:rPr lang="zh-CN" altLang="en-US" dirty="0"/>
+              <a:t>程序控制结构之条件控制</a:t>
+            </a:r>
+          </a:p>
+        </p:txBody>
+      </p:sp>
+      <p:sp>
+        <p:nvSpPr>
+          <p:cNvPr id="3" name="内容占位符 2">
+            <a:extLst>
+              <a:ext uri="{FF2B5EF4-FFF2-40B4-BE49-F238E27FC236}">
+                <a16:creationId xmlns:a16="http://schemas.microsoft.com/office/drawing/2014/main" id="{EAA3B36B-E452-49A6-9309-E4954287B99F}"/>
+              </a:ext>
+            </a:extLst>
+          </p:cNvPr>
+          <p:cNvSpPr>
+            <a:spLocks noGrp="1"/>
+          </p:cNvSpPr>
+          <p:nvPr>
+            <p:ph idx="1"/>
+          </p:nvPr>
+        </p:nvSpPr>
+        <p:spPr/>
+        <p:txBody>
+          <a:bodyPr/>
+          <a:lstStyle/>
+          <a:p>
+            <a:r>
+              <a:rPr lang="zh-CN" altLang="en-US" dirty="0"/>
+              <a:t>学习</a:t>
+            </a:r>
+            <a:r>
+              <a:rPr lang="en-US" altLang="zh-CN" dirty="0" err="1"/>
+              <a:t>ifelse.m</a:t>
+            </a:r>
+            <a:endParaRPr lang="zh-CN" altLang="en-US" dirty="0"/>
+          </a:p>
+        </p:txBody>
+      </p:sp>
+    </p:spTree>
+    <p:extLst>
+      <p:ext uri="{BB962C8B-B14F-4D97-AF65-F5344CB8AC3E}">
+        <p14:creationId xmlns:p14="http://schemas.microsoft.com/office/powerpoint/2010/main" val="957157748"/>
       </p:ext>
     </p:extLst>
   </p:cSld>
@@ -17817,6 +18629,722 @@
     <p:extLst>
       <p:ext uri="{BB962C8B-B14F-4D97-AF65-F5344CB8AC3E}">
         <p14:creationId xmlns:p14="http://schemas.microsoft.com/office/powerpoint/2010/main" val="2168005073"/>
+      </p:ext>
+    </p:extLst>
+  </p:cSld>
+  <p:clrMapOvr>
+    <a:masterClrMapping/>
+  </p:clrMapOvr>
+</p:sld>
+</file>
+
+<file path=ppt/slides/slide50.xml><?xml version="1.0" encoding="utf-8"?>
+<p:sld xmlns:a="http://schemas.openxmlformats.org/drawingml/2006/main" xmlns:r="http://schemas.openxmlformats.org/officeDocument/2006/relationships" xmlns:p="http://schemas.openxmlformats.org/presentationml/2006/main">
+  <p:cSld>
+    <p:spTree>
+      <p:nvGrpSpPr>
+        <p:cNvPr id="1" name=""/>
+        <p:cNvGrpSpPr/>
+        <p:nvPr/>
+      </p:nvGrpSpPr>
+      <p:grpSpPr>
+        <a:xfrm>
+          <a:off x="0" y="0"/>
+          <a:ext cx="0" cy="0"/>
+          <a:chOff x="0" y="0"/>
+          <a:chExt cx="0" cy="0"/>
+        </a:xfrm>
+      </p:grpSpPr>
+      <p:sp>
+        <p:nvSpPr>
+          <p:cNvPr id="2" name="标题 1">
+            <a:extLst>
+              <a:ext uri="{FF2B5EF4-FFF2-40B4-BE49-F238E27FC236}">
+                <a16:creationId xmlns:a16="http://schemas.microsoft.com/office/drawing/2014/main" id="{699614AB-185E-47F4-B9E3-47FDB1895ADD}"/>
+              </a:ext>
+            </a:extLst>
+          </p:cNvPr>
+          <p:cNvSpPr>
+            <a:spLocks noGrp="1"/>
+          </p:cNvSpPr>
+          <p:nvPr>
+            <p:ph type="title"/>
+          </p:nvPr>
+        </p:nvSpPr>
+        <p:spPr/>
+        <p:txBody>
+          <a:bodyPr/>
+          <a:lstStyle/>
+          <a:p>
+            <a:r>
+              <a:rPr lang="zh-CN" altLang="en-US" dirty="0"/>
+              <a:t>程序控制结构之分支控制</a:t>
+            </a:r>
+          </a:p>
+        </p:txBody>
+      </p:sp>
+      <p:sp>
+        <p:nvSpPr>
+          <p:cNvPr id="3" name="内容占位符 2">
+            <a:extLst>
+              <a:ext uri="{FF2B5EF4-FFF2-40B4-BE49-F238E27FC236}">
+                <a16:creationId xmlns:a16="http://schemas.microsoft.com/office/drawing/2014/main" id="{1BCF73C3-A217-4CAB-9685-E2F3542C3D72}"/>
+              </a:ext>
+            </a:extLst>
+          </p:cNvPr>
+          <p:cNvSpPr>
+            <a:spLocks noGrp="1"/>
+          </p:cNvSpPr>
+          <p:nvPr>
+            <p:ph idx="1"/>
+          </p:nvPr>
+        </p:nvSpPr>
+        <p:spPr/>
+        <p:txBody>
+          <a:bodyPr/>
+          <a:lstStyle/>
+          <a:p>
+            <a:r>
+              <a:rPr lang="en-US" altLang="zh-CN" dirty="0"/>
+              <a:t>switch case otherwise</a:t>
+            </a:r>
+          </a:p>
+          <a:p>
+            <a:r>
+              <a:rPr lang="zh-CN" altLang="en-US" dirty="0"/>
+              <a:t>学习</a:t>
+            </a:r>
+            <a:r>
+              <a:rPr lang="en-US" altLang="zh-CN" dirty="0"/>
+              <a:t>switch1.m</a:t>
+            </a:r>
+          </a:p>
+          <a:p>
+            <a:r>
+              <a:rPr lang="zh-CN" altLang="en-US" dirty="0"/>
+              <a:t>学习</a:t>
+            </a:r>
+            <a:r>
+              <a:rPr lang="en-US" altLang="zh-CN" dirty="0"/>
+              <a:t>switch2.m</a:t>
+            </a:r>
+            <a:endParaRPr lang="zh-CN" altLang="en-US" dirty="0"/>
+          </a:p>
+          <a:p>
+            <a:endParaRPr lang="en-US" altLang="zh-CN" dirty="0"/>
+          </a:p>
+          <a:p>
+            <a:endParaRPr lang="en-US" altLang="zh-CN" dirty="0"/>
+          </a:p>
+          <a:p>
+            <a:r>
+              <a:rPr lang="zh-CN" altLang="en-US" dirty="0"/>
+              <a:t>练习：用</a:t>
+            </a:r>
+            <a:r>
+              <a:rPr lang="en-US" altLang="zh-CN" dirty="0"/>
+              <a:t>switch</a:t>
+            </a:r>
+            <a:r>
+              <a:rPr lang="zh-CN" altLang="en-US" dirty="0"/>
+              <a:t>写一段程序，改程序可以判断用户输入的是否是正数，如果是打印出‘您输入的是正数’，否则打印‘您输入的不是正数’</a:t>
+            </a:r>
+          </a:p>
+        </p:txBody>
+      </p:sp>
+    </p:spTree>
+    <p:extLst>
+      <p:ext uri="{BB962C8B-B14F-4D97-AF65-F5344CB8AC3E}">
+        <p14:creationId xmlns:p14="http://schemas.microsoft.com/office/powerpoint/2010/main" val="3959690107"/>
+      </p:ext>
+    </p:extLst>
+  </p:cSld>
+  <p:clrMapOvr>
+    <a:masterClrMapping/>
+  </p:clrMapOvr>
+</p:sld>
+</file>
+
+<file path=ppt/slides/slide51.xml><?xml version="1.0" encoding="utf-8"?>
+<p:sld xmlns:a="http://schemas.openxmlformats.org/drawingml/2006/main" xmlns:r="http://schemas.openxmlformats.org/officeDocument/2006/relationships" xmlns:p="http://schemas.openxmlformats.org/presentationml/2006/main">
+  <p:cSld>
+    <p:spTree>
+      <p:nvGrpSpPr>
+        <p:cNvPr id="1" name=""/>
+        <p:cNvGrpSpPr/>
+        <p:nvPr/>
+      </p:nvGrpSpPr>
+      <p:grpSpPr>
+        <a:xfrm>
+          <a:off x="0" y="0"/>
+          <a:ext cx="0" cy="0"/>
+          <a:chOff x="0" y="0"/>
+          <a:chExt cx="0" cy="0"/>
+        </a:xfrm>
+      </p:grpSpPr>
+      <p:sp>
+        <p:nvSpPr>
+          <p:cNvPr id="2" name="标题 1">
+            <a:extLst>
+              <a:ext uri="{FF2B5EF4-FFF2-40B4-BE49-F238E27FC236}">
+                <a16:creationId xmlns:a16="http://schemas.microsoft.com/office/drawing/2014/main" id="{B36501A7-3E6C-465D-AFD3-A6D2172D65DC}"/>
+              </a:ext>
+            </a:extLst>
+          </p:cNvPr>
+          <p:cNvSpPr>
+            <a:spLocks noGrp="1"/>
+          </p:cNvSpPr>
+          <p:nvPr>
+            <p:ph type="title"/>
+          </p:nvPr>
+        </p:nvSpPr>
+        <p:spPr/>
+        <p:txBody>
+          <a:bodyPr/>
+          <a:lstStyle/>
+          <a:p>
+            <a:r>
+              <a:rPr lang="zh-CN" altLang="en-US" dirty="0"/>
+              <a:t>程序控制结构之循环控制</a:t>
+            </a:r>
+          </a:p>
+        </p:txBody>
+      </p:sp>
+      <p:sp>
+        <p:nvSpPr>
+          <p:cNvPr id="3" name="内容占位符 2">
+            <a:extLst>
+              <a:ext uri="{FF2B5EF4-FFF2-40B4-BE49-F238E27FC236}">
+                <a16:creationId xmlns:a16="http://schemas.microsoft.com/office/drawing/2014/main" id="{9DE80839-FD70-4BE9-8EEA-00B702DA554A}"/>
+              </a:ext>
+            </a:extLst>
+          </p:cNvPr>
+          <p:cNvSpPr>
+            <a:spLocks noGrp="1"/>
+          </p:cNvSpPr>
+          <p:nvPr>
+            <p:ph idx="1"/>
+          </p:nvPr>
+        </p:nvSpPr>
+        <p:spPr/>
+        <p:txBody>
+          <a:bodyPr/>
+          <a:lstStyle/>
+          <a:p>
+            <a:r>
+              <a:rPr lang="zh-CN" altLang="en-US" dirty="0"/>
+              <a:t>学习</a:t>
+            </a:r>
+            <a:r>
+              <a:rPr lang="en-US" altLang="zh-CN" dirty="0" err="1"/>
+              <a:t>for_.mat</a:t>
+            </a:r>
+            <a:endParaRPr lang="en-US" altLang="zh-CN" dirty="0"/>
+          </a:p>
+          <a:p>
+            <a:r>
+              <a:rPr lang="zh-CN" altLang="en-US" dirty="0"/>
+              <a:t>学习</a:t>
+            </a:r>
+            <a:r>
+              <a:rPr lang="en-US" altLang="zh-CN" dirty="0" err="1"/>
+              <a:t>while_.mat</a:t>
+            </a:r>
+            <a:endParaRPr lang="en-US" altLang="zh-CN" dirty="0"/>
+          </a:p>
+          <a:p>
+            <a:endParaRPr lang="en-US" altLang="zh-CN" dirty="0"/>
+          </a:p>
+          <a:p>
+            <a:endParaRPr lang="en-US" altLang="zh-CN" dirty="0"/>
+          </a:p>
+          <a:p>
+            <a:r>
+              <a:rPr lang="zh-CN" altLang="en-US" dirty="0"/>
+              <a:t>练习：用</a:t>
+            </a:r>
+            <a:r>
+              <a:rPr lang="en-US" altLang="zh-CN" dirty="0"/>
+              <a:t>for</a:t>
+            </a:r>
+            <a:r>
+              <a:rPr lang="zh-CN" altLang="en-US" dirty="0"/>
+              <a:t>和</a:t>
+            </a:r>
+            <a:r>
+              <a:rPr lang="en-US" altLang="zh-CN" dirty="0"/>
+              <a:t>while</a:t>
+            </a:r>
+            <a:r>
+              <a:rPr lang="zh-CN" altLang="en-US" dirty="0"/>
+              <a:t>循环依次打印出</a:t>
+            </a:r>
+            <a:r>
+              <a:rPr lang="en-US" altLang="zh-CN" dirty="0"/>
+              <a:t>'</a:t>
+            </a:r>
+            <a:r>
+              <a:rPr lang="en-US" altLang="zh-CN" dirty="0" err="1"/>
+              <a:t>i</a:t>
+            </a:r>
+            <a:r>
+              <a:rPr lang="en-US" altLang="zh-CN" dirty="0"/>
+              <a:t>’, ‘love’, </a:t>
+            </a:r>
+            <a:r>
+              <a:rPr lang="en-US" altLang="zh-CN" dirty="0" err="1"/>
+              <a:t>matlab</a:t>
+            </a:r>
+            <a:r>
+              <a:rPr lang="en-US" altLang="zh-CN" dirty="0"/>
+              <a:t>'</a:t>
+            </a:r>
+            <a:endParaRPr lang="zh-CN" altLang="en-US" dirty="0"/>
+          </a:p>
+        </p:txBody>
+      </p:sp>
+    </p:spTree>
+    <p:extLst>
+      <p:ext uri="{BB962C8B-B14F-4D97-AF65-F5344CB8AC3E}">
+        <p14:creationId xmlns:p14="http://schemas.microsoft.com/office/powerpoint/2010/main" val="794397057"/>
+      </p:ext>
+    </p:extLst>
+  </p:cSld>
+  <p:clrMapOvr>
+    <a:masterClrMapping/>
+  </p:clrMapOvr>
+</p:sld>
+</file>
+
+<file path=ppt/slides/slide52.xml><?xml version="1.0" encoding="utf-8"?>
+<p:sld xmlns:a="http://schemas.openxmlformats.org/drawingml/2006/main" xmlns:r="http://schemas.openxmlformats.org/officeDocument/2006/relationships" xmlns:p="http://schemas.openxmlformats.org/presentationml/2006/main">
+  <p:cSld>
+    <p:spTree>
+      <p:nvGrpSpPr>
+        <p:cNvPr id="1" name=""/>
+        <p:cNvGrpSpPr/>
+        <p:nvPr/>
+      </p:nvGrpSpPr>
+      <p:grpSpPr>
+        <a:xfrm>
+          <a:off x="0" y="0"/>
+          <a:ext cx="0" cy="0"/>
+          <a:chOff x="0" y="0"/>
+          <a:chExt cx="0" cy="0"/>
+        </a:xfrm>
+      </p:grpSpPr>
+      <p:sp>
+        <p:nvSpPr>
+          <p:cNvPr id="273" name="Shape 273"/>
+          <p:cNvSpPr/>
+          <p:nvPr/>
+        </p:nvSpPr>
+        <p:spPr>
+          <a:xfrm>
+            <a:off x="1052829" y="2964180"/>
+            <a:ext cx="11060613" cy="920445"/>
+          </a:xfrm>
+          <a:prstGeom prst="rect">
+            <a:avLst/>
+          </a:prstGeom>
+          <a:ln w="12700">
+            <a:miter lim="400000"/>
+          </a:ln>
+        </p:spPr>
+        <p:txBody>
+          <a:bodyPr wrap="square" lIns="45719" rIns="45719">
+            <a:spAutoFit/>
+          </a:bodyPr>
+          <a:lstStyle>
+            <a:lvl1pPr>
+              <a:lnSpc>
+                <a:spcPct val="80000"/>
+              </a:lnSpc>
+              <a:defRPr sz="6600">
+                <a:solidFill>
+                  <a:srgbClr val="535353"/>
+                </a:solidFill>
+                <a:latin typeface="Source Han Sans CN Bold Bold"/>
+                <a:ea typeface="Source Han Sans CN Bold Bold"/>
+                <a:cs typeface="Source Han Sans CN Bold Bold"/>
+                <a:sym typeface="Source Han Sans CN Bold Bold"/>
+              </a:defRPr>
+            </a:lvl1pPr>
+          </a:lstStyle>
+          <a:p>
+            <a:r>
+              <a:rPr lang="en-US" altLang="zh-CN" dirty="0">
+                <a:solidFill>
+                  <a:schemeClr val="tx1">
+                    <a:lumMod val="95000"/>
+                  </a:schemeClr>
+                </a:solidFill>
+              </a:rPr>
+              <a:t>MATLAB</a:t>
+            </a:r>
+            <a:r>
+              <a:rPr lang="zh-CN" altLang="en-US" dirty="0">
+                <a:solidFill>
+                  <a:schemeClr val="tx1">
+                    <a:lumMod val="95000"/>
+                  </a:schemeClr>
+                </a:solidFill>
+              </a:rPr>
+              <a:t>编程作业</a:t>
+            </a:r>
+            <a:endParaRPr dirty="0">
+              <a:solidFill>
+                <a:schemeClr val="tx1"/>
+              </a:solidFill>
+            </a:endParaRPr>
+          </a:p>
+        </p:txBody>
+      </p:sp>
+    </p:spTree>
+    <p:extLst>
+      <p:ext uri="{BB962C8B-B14F-4D97-AF65-F5344CB8AC3E}">
+        <p14:creationId xmlns:p14="http://schemas.microsoft.com/office/powerpoint/2010/main" val="3957930990"/>
+      </p:ext>
+    </p:extLst>
+  </p:cSld>
+  <p:clrMapOvr>
+    <a:masterClrMapping/>
+  </p:clrMapOvr>
+  <p:transition spd="slow"/>
+</p:sld>
+</file>
+
+<file path=ppt/slides/slide53.xml><?xml version="1.0" encoding="utf-8"?>
+<p:sld xmlns:a="http://schemas.openxmlformats.org/drawingml/2006/main" xmlns:r="http://schemas.openxmlformats.org/officeDocument/2006/relationships" xmlns:p="http://schemas.openxmlformats.org/presentationml/2006/main">
+  <p:cSld>
+    <p:spTree>
+      <p:nvGrpSpPr>
+        <p:cNvPr id="1" name=""/>
+        <p:cNvGrpSpPr/>
+        <p:nvPr/>
+      </p:nvGrpSpPr>
+      <p:grpSpPr>
+        <a:xfrm>
+          <a:off x="0" y="0"/>
+          <a:ext cx="0" cy="0"/>
+          <a:chOff x="0" y="0"/>
+          <a:chExt cx="0" cy="0"/>
+        </a:xfrm>
+      </p:grpSpPr>
+      <p:sp>
+        <p:nvSpPr>
+          <p:cNvPr id="2" name="标题 1">
+            <a:extLst>
+              <a:ext uri="{FF2B5EF4-FFF2-40B4-BE49-F238E27FC236}">
+                <a16:creationId xmlns:a16="http://schemas.microsoft.com/office/drawing/2014/main" id="{4D19DDBE-89A4-45C4-B25A-7BC7E8067691}"/>
+              </a:ext>
+            </a:extLst>
+          </p:cNvPr>
+          <p:cNvSpPr>
+            <a:spLocks noGrp="1"/>
+          </p:cNvSpPr>
+          <p:nvPr>
+            <p:ph type="title"/>
+          </p:nvPr>
+        </p:nvSpPr>
+        <p:spPr/>
+        <p:txBody>
+          <a:bodyPr/>
+          <a:lstStyle/>
+          <a:p>
+            <a:r>
+              <a:rPr lang="zh-CN" altLang="en-US" dirty="0"/>
+              <a:t>用</a:t>
+            </a:r>
+            <a:r>
+              <a:rPr lang="en-US" altLang="zh-CN" dirty="0"/>
+              <a:t>MATLAB</a:t>
+            </a:r>
+            <a:r>
+              <a:rPr lang="zh-CN" altLang="en-US" dirty="0"/>
+              <a:t>实现线性回归</a:t>
+            </a:r>
+          </a:p>
+        </p:txBody>
+      </p:sp>
+      <p:sp>
+        <p:nvSpPr>
+          <p:cNvPr id="8" name="内容占位符 7">
+            <a:extLst>
+              <a:ext uri="{FF2B5EF4-FFF2-40B4-BE49-F238E27FC236}">
+                <a16:creationId xmlns:a16="http://schemas.microsoft.com/office/drawing/2014/main" id="{5677D24B-F200-4769-8403-A03052F9567F}"/>
+              </a:ext>
+            </a:extLst>
+          </p:cNvPr>
+          <p:cNvSpPr>
+            <a:spLocks noGrp="1"/>
+          </p:cNvSpPr>
+          <p:nvPr>
+            <p:ph idx="1"/>
+          </p:nvPr>
+        </p:nvSpPr>
+        <p:spPr/>
+        <p:txBody>
+          <a:bodyPr/>
+          <a:lstStyle/>
+          <a:p>
+            <a:endParaRPr lang="zh-CN" altLang="en-US" dirty="0"/>
+          </a:p>
+        </p:txBody>
+      </p:sp>
+    </p:spTree>
+    <p:extLst>
+      <p:ext uri="{BB962C8B-B14F-4D97-AF65-F5344CB8AC3E}">
+        <p14:creationId xmlns:p14="http://schemas.microsoft.com/office/powerpoint/2010/main" val="3865072900"/>
+      </p:ext>
+    </p:extLst>
+  </p:cSld>
+  <p:clrMapOvr>
+    <a:masterClrMapping/>
+  </p:clrMapOvr>
+</p:sld>
+</file>
+
+<file path=ppt/slides/slide54.xml><?xml version="1.0" encoding="utf-8"?>
+<p:sld xmlns:a="http://schemas.openxmlformats.org/drawingml/2006/main" xmlns:r="http://schemas.openxmlformats.org/officeDocument/2006/relationships" xmlns:p="http://schemas.openxmlformats.org/presentationml/2006/main">
+  <p:cSld>
+    <p:spTree>
+      <p:nvGrpSpPr>
+        <p:cNvPr id="1" name=""/>
+        <p:cNvGrpSpPr/>
+        <p:nvPr/>
+      </p:nvGrpSpPr>
+      <p:grpSpPr>
+        <a:xfrm>
+          <a:off x="0" y="0"/>
+          <a:ext cx="0" cy="0"/>
+          <a:chOff x="0" y="0"/>
+          <a:chExt cx="0" cy="0"/>
+        </a:xfrm>
+      </p:grpSpPr>
+      <p:sp>
+        <p:nvSpPr>
+          <p:cNvPr id="2" name="标题 1">
+            <a:extLst>
+              <a:ext uri="{FF2B5EF4-FFF2-40B4-BE49-F238E27FC236}">
+                <a16:creationId xmlns:a16="http://schemas.microsoft.com/office/drawing/2014/main" id="{4D19DDBE-89A4-45C4-B25A-7BC7E8067691}"/>
+              </a:ext>
+            </a:extLst>
+          </p:cNvPr>
+          <p:cNvSpPr>
+            <a:spLocks noGrp="1"/>
+          </p:cNvSpPr>
+          <p:nvPr>
+            <p:ph type="title"/>
+          </p:nvPr>
+        </p:nvSpPr>
+        <p:spPr/>
+        <p:txBody>
+          <a:bodyPr/>
+          <a:lstStyle/>
+          <a:p>
+            <a:r>
+              <a:rPr lang="zh-CN" altLang="en-US" dirty="0"/>
+              <a:t>用</a:t>
+            </a:r>
+            <a:r>
+              <a:rPr lang="en-US" altLang="zh-CN" dirty="0"/>
+              <a:t>MATLAB</a:t>
+            </a:r>
+            <a:r>
+              <a:rPr lang="zh-CN" altLang="en-US" dirty="0"/>
+              <a:t>实现逻辑回归</a:t>
+            </a:r>
+          </a:p>
+        </p:txBody>
+      </p:sp>
+      <p:sp>
+        <p:nvSpPr>
+          <p:cNvPr id="8" name="内容占位符 7">
+            <a:extLst>
+              <a:ext uri="{FF2B5EF4-FFF2-40B4-BE49-F238E27FC236}">
+                <a16:creationId xmlns:a16="http://schemas.microsoft.com/office/drawing/2014/main" id="{5677D24B-F200-4769-8403-A03052F9567F}"/>
+              </a:ext>
+            </a:extLst>
+          </p:cNvPr>
+          <p:cNvSpPr>
+            <a:spLocks noGrp="1"/>
+          </p:cNvSpPr>
+          <p:nvPr>
+            <p:ph idx="1"/>
+          </p:nvPr>
+        </p:nvSpPr>
+        <p:spPr/>
+        <p:txBody>
+          <a:bodyPr/>
+          <a:lstStyle/>
+          <a:p>
+            <a:endParaRPr lang="zh-CN" altLang="en-US" dirty="0"/>
+          </a:p>
+        </p:txBody>
+      </p:sp>
+    </p:spTree>
+    <p:extLst>
+      <p:ext uri="{BB962C8B-B14F-4D97-AF65-F5344CB8AC3E}">
+        <p14:creationId xmlns:p14="http://schemas.microsoft.com/office/powerpoint/2010/main" val="3123598562"/>
+      </p:ext>
+    </p:extLst>
+  </p:cSld>
+  <p:clrMapOvr>
+    <a:masterClrMapping/>
+  </p:clrMapOvr>
+</p:sld>
+</file>
+
+<file path=ppt/slides/slide55.xml><?xml version="1.0" encoding="utf-8"?>
+<p:sld xmlns:a="http://schemas.openxmlformats.org/drawingml/2006/main" xmlns:r="http://schemas.openxmlformats.org/officeDocument/2006/relationships" xmlns:p="http://schemas.openxmlformats.org/presentationml/2006/main">
+  <p:cSld>
+    <p:spTree>
+      <p:nvGrpSpPr>
+        <p:cNvPr id="1" name=""/>
+        <p:cNvGrpSpPr/>
+        <p:nvPr/>
+      </p:nvGrpSpPr>
+      <p:grpSpPr>
+        <a:xfrm>
+          <a:off x="0" y="0"/>
+          <a:ext cx="0" cy="0"/>
+          <a:chOff x="0" y="0"/>
+          <a:chExt cx="0" cy="0"/>
+        </a:xfrm>
+      </p:grpSpPr>
+      <p:sp>
+        <p:nvSpPr>
+          <p:cNvPr id="2" name="标题 1">
+            <a:extLst>
+              <a:ext uri="{FF2B5EF4-FFF2-40B4-BE49-F238E27FC236}">
+                <a16:creationId xmlns:a16="http://schemas.microsoft.com/office/drawing/2014/main" id="{4D19DDBE-89A4-45C4-B25A-7BC7E8067691}"/>
+              </a:ext>
+            </a:extLst>
+          </p:cNvPr>
+          <p:cNvSpPr>
+            <a:spLocks noGrp="1"/>
+          </p:cNvSpPr>
+          <p:nvPr>
+            <p:ph type="title"/>
+          </p:nvPr>
+        </p:nvSpPr>
+        <p:spPr/>
+        <p:txBody>
+          <a:bodyPr/>
+          <a:lstStyle/>
+          <a:p>
+            <a:r>
+              <a:rPr lang="zh-CN" altLang="en-US" dirty="0"/>
+              <a:t>用</a:t>
+            </a:r>
+            <a:r>
+              <a:rPr lang="en-US" altLang="zh-CN" dirty="0"/>
+              <a:t>MATLAB</a:t>
+            </a:r>
+            <a:r>
+              <a:rPr lang="zh-CN" altLang="en-US" dirty="0"/>
+              <a:t>实现</a:t>
+            </a:r>
+            <a:r>
+              <a:rPr lang="en-US" altLang="zh-CN" dirty="0"/>
+              <a:t>SVM</a:t>
+            </a:r>
+            <a:endParaRPr lang="zh-CN" altLang="en-US" dirty="0"/>
+          </a:p>
+        </p:txBody>
+      </p:sp>
+      <p:sp>
+        <p:nvSpPr>
+          <p:cNvPr id="8" name="内容占位符 7">
+            <a:extLst>
+              <a:ext uri="{FF2B5EF4-FFF2-40B4-BE49-F238E27FC236}">
+                <a16:creationId xmlns:a16="http://schemas.microsoft.com/office/drawing/2014/main" id="{5677D24B-F200-4769-8403-A03052F9567F}"/>
+              </a:ext>
+            </a:extLst>
+          </p:cNvPr>
+          <p:cNvSpPr>
+            <a:spLocks noGrp="1"/>
+          </p:cNvSpPr>
+          <p:nvPr>
+            <p:ph idx="1"/>
+          </p:nvPr>
+        </p:nvSpPr>
+        <p:spPr/>
+        <p:txBody>
+          <a:bodyPr/>
+          <a:lstStyle/>
+          <a:p>
+            <a:r>
+              <a:rPr lang="zh-CN" altLang="en-US" dirty="0"/>
+              <a:t>训练：</a:t>
+            </a:r>
+            <a:r>
+              <a:rPr lang="en-US" altLang="zh-CN" dirty="0"/>
+              <a:t>model = </a:t>
+            </a:r>
+            <a:r>
+              <a:rPr lang="en-US" altLang="zh-CN" dirty="0" err="1"/>
+              <a:t>fitcsvm</a:t>
+            </a:r>
+            <a:r>
+              <a:rPr lang="en-US" altLang="zh-CN" dirty="0"/>
+              <a:t>(</a:t>
+            </a:r>
+            <a:r>
+              <a:rPr lang="en-US" altLang="zh-CN" dirty="0" err="1"/>
+              <a:t>x_train</a:t>
+            </a:r>
+            <a:r>
+              <a:rPr lang="en-US" altLang="zh-CN" dirty="0"/>
+              <a:t>, </a:t>
+            </a:r>
+            <a:r>
+              <a:rPr lang="en-US" altLang="zh-CN" dirty="0" err="1"/>
+              <a:t>y_train</a:t>
+            </a:r>
+            <a:r>
+              <a:rPr lang="en-US" altLang="zh-CN" dirty="0"/>
+              <a:t>)</a:t>
+            </a:r>
+          </a:p>
+          <a:p>
+            <a:r>
+              <a:rPr lang="zh-CN" altLang="en-US" dirty="0"/>
+              <a:t>测试：</a:t>
+            </a:r>
+            <a:r>
+              <a:rPr lang="en-US" altLang="zh-CN" dirty="0" err="1"/>
+              <a:t>yhat</a:t>
+            </a:r>
+            <a:r>
+              <a:rPr lang="en-US" altLang="zh-CN" dirty="0"/>
+              <a:t> = </a:t>
+            </a:r>
+            <a:r>
+              <a:rPr lang="en-US" altLang="zh-CN" dirty="0" err="1"/>
+              <a:t>model.predict</a:t>
+            </a:r>
+            <a:r>
+              <a:rPr lang="en-US" altLang="zh-CN" dirty="0"/>
+              <a:t>(</a:t>
+            </a:r>
+            <a:r>
+              <a:rPr lang="en-US" altLang="zh-CN" dirty="0" err="1"/>
+              <a:t>x_test</a:t>
+            </a:r>
+            <a:r>
+              <a:rPr lang="en-US" altLang="zh-CN" dirty="0"/>
+              <a:t>)</a:t>
+            </a:r>
+            <a:endParaRPr lang="zh-CN" altLang="en-US" dirty="0"/>
+          </a:p>
+        </p:txBody>
+      </p:sp>
+    </p:spTree>
+    <p:extLst>
+      <p:ext uri="{BB962C8B-B14F-4D97-AF65-F5344CB8AC3E}">
+        <p14:creationId xmlns:p14="http://schemas.microsoft.com/office/powerpoint/2010/main" val="4197624371"/>
       </p:ext>
     </p:extLst>
   </p:cSld>

--- a/The_first_ml_training/第一届机器学习实战班.pptx
+++ b/The_first_ml_training/第一届机器学习实战班.pptx
@@ -5,7 +5,7 @@
     <p:sldMasterId id="2147483727" r:id="rId1"/>
   </p:sldMasterIdLst>
   <p:notesMasterIdLst>
-    <p:notesMasterId r:id="rId57"/>
+    <p:notesMasterId r:id="rId59"/>
   </p:notesMasterIdLst>
   <p:sldIdLst>
     <p:sldId id="256" r:id="rId2"/>
@@ -58,11 +58,13 @@
     <p:sldId id="412" r:id="rId49"/>
     <p:sldId id="413" r:id="rId50"/>
     <p:sldId id="414" r:id="rId51"/>
-    <p:sldId id="415" r:id="rId52"/>
-    <p:sldId id="402" r:id="rId53"/>
-    <p:sldId id="403" r:id="rId54"/>
-    <p:sldId id="404" r:id="rId55"/>
-    <p:sldId id="405" r:id="rId56"/>
+    <p:sldId id="416" r:id="rId52"/>
+    <p:sldId id="415" r:id="rId53"/>
+    <p:sldId id="417" r:id="rId54"/>
+    <p:sldId id="402" r:id="rId55"/>
+    <p:sldId id="403" r:id="rId56"/>
+    <p:sldId id="404" r:id="rId57"/>
+    <p:sldId id="405" r:id="rId58"/>
   </p:sldIdLst>
   <p:sldSz cx="12192000" cy="6858000"/>
   <p:notesSz cx="6858000" cy="9144000"/>
@@ -18787,7 +18789,7 @@
           <p:cNvPr id="2" name="标题 1">
             <a:extLst>
               <a:ext uri="{FF2B5EF4-FFF2-40B4-BE49-F238E27FC236}">
-                <a16:creationId xmlns:a16="http://schemas.microsoft.com/office/drawing/2014/main" id="{B36501A7-3E6C-465D-AFD3-A6D2172D65DC}"/>
+                <a16:creationId xmlns:a16="http://schemas.microsoft.com/office/drawing/2014/main" id="{14B91820-94BF-48E0-ACD9-8A5FDC811E10}"/>
               </a:ext>
             </a:extLst>
           </p:cNvPr>
@@ -18805,7 +18807,7 @@
           <a:p>
             <a:r>
               <a:rPr lang="zh-CN" altLang="en-US" dirty="0"/>
-              <a:t>程序控制结构之循环控制</a:t>
+              <a:t>程序控制结构之试探结构</a:t>
             </a:r>
           </a:p>
         </p:txBody>
@@ -18815,7 +18817,7 @@
           <p:cNvPr id="3" name="内容占位符 2">
             <a:extLst>
               <a:ext uri="{FF2B5EF4-FFF2-40B4-BE49-F238E27FC236}">
-                <a16:creationId xmlns:a16="http://schemas.microsoft.com/office/drawing/2014/main" id="{9DE80839-FD70-4BE9-8EEA-00B702DA554A}"/>
+                <a16:creationId xmlns:a16="http://schemas.microsoft.com/office/drawing/2014/main" id="{C81AC465-F5DA-4D89-AE33-1001B653339B}"/>
               </a:ext>
             </a:extLst>
           </p:cNvPr>
@@ -18832,72 +18834,28 @@
           <a:lstStyle/>
           <a:p>
             <a:r>
+              <a:rPr lang="en-US" altLang="zh-CN" dirty="0"/>
+              <a:t>try catch end</a:t>
+            </a:r>
+          </a:p>
+          <a:p>
+            <a:r>
+              <a:rPr lang="zh-CN" altLang="en-US" dirty="0"/>
+              <a:t>一般用于探试，有一定容错能力</a:t>
+            </a:r>
+            <a:endParaRPr lang="en-US" altLang="zh-CN" dirty="0"/>
+          </a:p>
+          <a:p>
+            <a:pPr marL="0" indent="0">
+              <a:buNone/>
+            </a:pPr>
+            <a:r>
               <a:rPr lang="zh-CN" altLang="en-US" dirty="0"/>
               <a:t>学习</a:t>
             </a:r>
             <a:r>
               <a:rPr lang="en-US" altLang="zh-CN" dirty="0" err="1"/>
-              <a:t>for_.mat</a:t>
-            </a:r>
-            <a:endParaRPr lang="en-US" altLang="zh-CN" dirty="0"/>
-          </a:p>
-          <a:p>
-            <a:r>
-              <a:rPr lang="zh-CN" altLang="en-US" dirty="0"/>
-              <a:t>学习</a:t>
-            </a:r>
-            <a:r>
-              <a:rPr lang="en-US" altLang="zh-CN" dirty="0" err="1"/>
-              <a:t>while_.mat</a:t>
-            </a:r>
-            <a:endParaRPr lang="en-US" altLang="zh-CN" dirty="0"/>
-          </a:p>
-          <a:p>
-            <a:endParaRPr lang="en-US" altLang="zh-CN" dirty="0"/>
-          </a:p>
-          <a:p>
-            <a:endParaRPr lang="en-US" altLang="zh-CN" dirty="0"/>
-          </a:p>
-          <a:p>
-            <a:r>
-              <a:rPr lang="zh-CN" altLang="en-US" dirty="0"/>
-              <a:t>练习：用</a:t>
-            </a:r>
-            <a:r>
-              <a:rPr lang="en-US" altLang="zh-CN" dirty="0"/>
-              <a:t>for</a:t>
-            </a:r>
-            <a:r>
-              <a:rPr lang="zh-CN" altLang="en-US" dirty="0"/>
-              <a:t>和</a:t>
-            </a:r>
-            <a:r>
-              <a:rPr lang="en-US" altLang="zh-CN" dirty="0"/>
-              <a:t>while</a:t>
-            </a:r>
-            <a:r>
-              <a:rPr lang="zh-CN" altLang="en-US" dirty="0"/>
-              <a:t>循环依次打印出</a:t>
-            </a:r>
-            <a:r>
-              <a:rPr lang="en-US" altLang="zh-CN" dirty="0"/>
-              <a:t>'</a:t>
-            </a:r>
-            <a:r>
-              <a:rPr lang="en-US" altLang="zh-CN" dirty="0" err="1"/>
-              <a:t>i</a:t>
-            </a:r>
-            <a:r>
-              <a:rPr lang="en-US" altLang="zh-CN" dirty="0"/>
-              <a:t>’, ‘love’, </a:t>
-            </a:r>
-            <a:r>
-              <a:rPr lang="en-US" altLang="zh-CN" dirty="0" err="1"/>
-              <a:t>matlab</a:t>
-            </a:r>
-            <a:r>
-              <a:rPr lang="en-US" altLang="zh-CN" dirty="0"/>
-              <a:t>'</a:t>
+              <a:t>try_catch.m</a:t>
             </a:r>
             <a:endParaRPr lang="zh-CN" altLang="en-US" dirty="0"/>
           </a:p>
@@ -18906,7 +18864,7 @@
     </p:spTree>
     <p:extLst>
       <p:ext uri="{BB962C8B-B14F-4D97-AF65-F5344CB8AC3E}">
-        <p14:creationId xmlns:p14="http://schemas.microsoft.com/office/powerpoint/2010/main" val="794397057"/>
+        <p14:creationId xmlns:p14="http://schemas.microsoft.com/office/powerpoint/2010/main" val="1579908601"/>
       </p:ext>
     </p:extLst>
   </p:cSld>
@@ -18935,82 +18893,135 @@
       </p:grpSpPr>
       <p:sp>
         <p:nvSpPr>
-          <p:cNvPr id="273" name="Shape 273"/>
-          <p:cNvSpPr/>
-          <p:nvPr/>
-        </p:nvSpPr>
-        <p:spPr>
-          <a:xfrm>
-            <a:off x="1052829" y="2964180"/>
-            <a:ext cx="11060613" cy="920445"/>
-          </a:xfrm>
-          <a:prstGeom prst="rect">
-            <a:avLst/>
-          </a:prstGeom>
-          <a:ln w="12700">
-            <a:miter lim="400000"/>
-          </a:ln>
-        </p:spPr>
-        <p:txBody>
-          <a:bodyPr wrap="square" lIns="45719" rIns="45719">
-            <a:spAutoFit/>
-          </a:bodyPr>
-          <a:lstStyle>
-            <a:lvl1pPr>
-              <a:lnSpc>
-                <a:spcPct val="80000"/>
-              </a:lnSpc>
-              <a:defRPr sz="6600">
-                <a:solidFill>
-                  <a:srgbClr val="535353"/>
-                </a:solidFill>
-                <a:latin typeface="Source Han Sans CN Bold Bold"/>
-                <a:ea typeface="Source Han Sans CN Bold Bold"/>
-                <a:cs typeface="Source Han Sans CN Bold Bold"/>
-                <a:sym typeface="Source Han Sans CN Bold Bold"/>
-              </a:defRPr>
-            </a:lvl1pPr>
-          </a:lstStyle>
-          <a:p>
-            <a:r>
-              <a:rPr lang="en-US" altLang="zh-CN" dirty="0">
-                <a:solidFill>
-                  <a:schemeClr val="tx1">
-                    <a:lumMod val="95000"/>
-                  </a:schemeClr>
-                </a:solidFill>
-              </a:rPr>
-              <a:t>MATLAB</a:t>
-            </a:r>
-            <a:r>
-              <a:rPr lang="zh-CN" altLang="en-US" dirty="0">
-                <a:solidFill>
-                  <a:schemeClr val="tx1">
-                    <a:lumMod val="95000"/>
-                  </a:schemeClr>
-                </a:solidFill>
-              </a:rPr>
-              <a:t>编程作业</a:t>
-            </a:r>
-            <a:endParaRPr dirty="0">
-              <a:solidFill>
-                <a:schemeClr val="tx1"/>
-              </a:solidFill>
-            </a:endParaRPr>
+          <p:cNvPr id="2" name="标题 1">
+            <a:extLst>
+              <a:ext uri="{FF2B5EF4-FFF2-40B4-BE49-F238E27FC236}">
+                <a16:creationId xmlns:a16="http://schemas.microsoft.com/office/drawing/2014/main" id="{B36501A7-3E6C-465D-AFD3-A6D2172D65DC}"/>
+              </a:ext>
+            </a:extLst>
+          </p:cNvPr>
+          <p:cNvSpPr>
+            <a:spLocks noGrp="1"/>
+          </p:cNvSpPr>
+          <p:nvPr>
+            <p:ph type="title"/>
+          </p:nvPr>
+        </p:nvSpPr>
+        <p:spPr/>
+        <p:txBody>
+          <a:bodyPr/>
+          <a:lstStyle/>
+          <a:p>
+            <a:r>
+              <a:rPr lang="zh-CN" altLang="en-US" dirty="0"/>
+              <a:t>程序控制结构之循环控制</a:t>
+            </a:r>
+          </a:p>
+        </p:txBody>
+      </p:sp>
+      <p:sp>
+        <p:nvSpPr>
+          <p:cNvPr id="3" name="内容占位符 2">
+            <a:extLst>
+              <a:ext uri="{FF2B5EF4-FFF2-40B4-BE49-F238E27FC236}">
+                <a16:creationId xmlns:a16="http://schemas.microsoft.com/office/drawing/2014/main" id="{9DE80839-FD70-4BE9-8EEA-00B702DA554A}"/>
+              </a:ext>
+            </a:extLst>
+          </p:cNvPr>
+          <p:cNvSpPr>
+            <a:spLocks noGrp="1"/>
+          </p:cNvSpPr>
+          <p:nvPr>
+            <p:ph idx="1"/>
+          </p:nvPr>
+        </p:nvSpPr>
+        <p:spPr/>
+        <p:txBody>
+          <a:bodyPr/>
+          <a:lstStyle/>
+          <a:p>
+            <a:r>
+              <a:rPr lang="zh-CN" altLang="en-US" dirty="0"/>
+              <a:t>学习</a:t>
+            </a:r>
+            <a:r>
+              <a:rPr lang="en-US" altLang="zh-CN" dirty="0" err="1"/>
+              <a:t>for_.mat</a:t>
+            </a:r>
+            <a:endParaRPr lang="en-US" altLang="zh-CN" dirty="0"/>
+          </a:p>
+          <a:p>
+            <a:r>
+              <a:rPr lang="zh-CN" altLang="en-US" dirty="0"/>
+              <a:t>学习</a:t>
+            </a:r>
+            <a:r>
+              <a:rPr lang="en-US" altLang="zh-CN" dirty="0" err="1"/>
+              <a:t>while_.mat</a:t>
+            </a:r>
+            <a:endParaRPr lang="en-US" altLang="zh-CN" dirty="0"/>
+          </a:p>
+          <a:p>
+            <a:endParaRPr lang="en-US" altLang="zh-CN" dirty="0"/>
+          </a:p>
+          <a:p>
+            <a:endParaRPr lang="en-US" altLang="zh-CN" dirty="0"/>
+          </a:p>
+          <a:p>
+            <a:r>
+              <a:rPr lang="zh-CN" altLang="en-US" dirty="0"/>
+              <a:t>练习：用</a:t>
+            </a:r>
+            <a:r>
+              <a:rPr lang="en-US" altLang="zh-CN" dirty="0"/>
+              <a:t>for</a:t>
+            </a:r>
+            <a:r>
+              <a:rPr lang="zh-CN" altLang="en-US" dirty="0"/>
+              <a:t>和</a:t>
+            </a:r>
+            <a:r>
+              <a:rPr lang="en-US" altLang="zh-CN" dirty="0"/>
+              <a:t>while</a:t>
+            </a:r>
+            <a:r>
+              <a:rPr lang="zh-CN" altLang="en-US" dirty="0"/>
+              <a:t>循环依次打印出</a:t>
+            </a:r>
+            <a:r>
+              <a:rPr lang="en-US" altLang="zh-CN" dirty="0"/>
+              <a:t>'</a:t>
+            </a:r>
+            <a:r>
+              <a:rPr lang="en-US" altLang="zh-CN" dirty="0" err="1"/>
+              <a:t>i</a:t>
+            </a:r>
+            <a:r>
+              <a:rPr lang="en-US" altLang="zh-CN" dirty="0"/>
+              <a:t>’, ‘love’, </a:t>
+            </a:r>
+            <a:r>
+              <a:rPr lang="en-US" altLang="zh-CN" dirty="0" err="1"/>
+              <a:t>matlab</a:t>
+            </a:r>
+            <a:r>
+              <a:rPr lang="en-US" altLang="zh-CN" dirty="0"/>
+              <a:t>'</a:t>
+            </a:r>
+            <a:endParaRPr lang="zh-CN" altLang="en-US" dirty="0"/>
           </a:p>
         </p:txBody>
       </p:sp>
     </p:spTree>
     <p:extLst>
       <p:ext uri="{BB962C8B-B14F-4D97-AF65-F5344CB8AC3E}">
-        <p14:creationId xmlns:p14="http://schemas.microsoft.com/office/powerpoint/2010/main" val="3957930990"/>
+        <p14:creationId xmlns:p14="http://schemas.microsoft.com/office/powerpoint/2010/main" val="794397057"/>
       </p:ext>
     </p:extLst>
   </p:cSld>
   <p:clrMapOvr>
     <a:masterClrMapping/>
   </p:clrMapOvr>
-  <p:transition spd="slow"/>
 </p:sld>
 </file>
 
@@ -19036,7 +19047,7 @@
           <p:cNvPr id="2" name="标题 1">
             <a:extLst>
               <a:ext uri="{FF2B5EF4-FFF2-40B4-BE49-F238E27FC236}">
-                <a16:creationId xmlns:a16="http://schemas.microsoft.com/office/drawing/2014/main" id="{4D19DDBE-89A4-45C4-B25A-7BC7E8067691}"/>
+                <a16:creationId xmlns:a16="http://schemas.microsoft.com/office/drawing/2014/main" id="{B36501A7-3E6C-465D-AFD3-A6D2172D65DC}"/>
               </a:ext>
             </a:extLst>
           </p:cNvPr>
@@ -19053,26 +19064,39 @@
           <a:lstStyle/>
           <a:p>
             <a:r>
-              <a:rPr lang="zh-CN" altLang="en-US" dirty="0"/>
-              <a:t>用</a:t>
-            </a:r>
-            <a:r>
-              <a:rPr lang="en-US" altLang="zh-CN" dirty="0"/>
+              <a:rPr lang="en-US" altLang="zh-CN" dirty="0">
+                <a:solidFill>
+                  <a:schemeClr val="tx1">
+                    <a:lumMod val="95000"/>
+                  </a:schemeClr>
+                </a:solidFill>
+              </a:rPr>
               <a:t>MATLAB</a:t>
             </a:r>
             <a:r>
-              <a:rPr lang="zh-CN" altLang="en-US" dirty="0"/>
-              <a:t>实现线性回归</a:t>
-            </a:r>
-          </a:p>
-        </p:txBody>
-      </p:sp>
-      <p:sp>
-        <p:nvSpPr>
-          <p:cNvPr id="8" name="内容占位符 7">
+              <a:rPr lang="zh-CN" altLang="en-US" dirty="0">
+                <a:solidFill>
+                  <a:schemeClr val="tx1">
+                    <a:lumMod val="95000"/>
+                  </a:schemeClr>
+                </a:solidFill>
+              </a:rPr>
+              <a:t>编程作业</a:t>
+            </a:r>
+            <a:endParaRPr lang="zh-CN" altLang="en-US" dirty="0">
+              <a:solidFill>
+                <a:schemeClr val="tx1"/>
+              </a:solidFill>
+            </a:endParaRPr>
+          </a:p>
+        </p:txBody>
+      </p:sp>
+      <p:sp>
+        <p:nvSpPr>
+          <p:cNvPr id="3" name="内容占位符 2">
             <a:extLst>
               <a:ext uri="{FF2B5EF4-FFF2-40B4-BE49-F238E27FC236}">
-                <a16:creationId xmlns:a16="http://schemas.microsoft.com/office/drawing/2014/main" id="{5677D24B-F200-4769-8403-A03052F9567F}"/>
+                <a16:creationId xmlns:a16="http://schemas.microsoft.com/office/drawing/2014/main" id="{9DE80839-FD70-4BE9-8EEA-00B702DA554A}"/>
               </a:ext>
             </a:extLst>
           </p:cNvPr>
@@ -19088,14 +19112,128 @@
           <a:bodyPr/>
           <a:lstStyle/>
           <a:p>
-            <a:endParaRPr lang="zh-CN" altLang="en-US" dirty="0"/>
+            <a:r>
+              <a:rPr lang="zh-CN" altLang="en-US" dirty="0"/>
+              <a:t>用</a:t>
+            </a:r>
+            <a:r>
+              <a:rPr lang="en-US" altLang="zh-CN" dirty="0" err="1"/>
+              <a:t>matlab</a:t>
+            </a:r>
+            <a:r>
+              <a:rPr lang="zh-CN" altLang="en-US" dirty="0"/>
+              <a:t>语言实现</a:t>
+            </a:r>
+            <a:r>
+              <a:rPr lang="en-US" altLang="zh-CN" dirty="0"/>
+              <a:t>linear_regression.py</a:t>
+            </a:r>
+          </a:p>
+          <a:p>
+            <a:endParaRPr lang="en-US" altLang="zh-CN" dirty="0"/>
+          </a:p>
+          <a:p>
+            <a:r>
+              <a:rPr lang="zh-CN" altLang="en-US" dirty="0"/>
+              <a:t>给定知识：</a:t>
+            </a:r>
+            <a:endParaRPr lang="en-US" altLang="zh-CN" dirty="0"/>
+          </a:p>
+          <a:p>
+            <a:r>
+              <a:rPr lang="en-US" altLang="zh-CN" sz="1800" dirty="0"/>
+              <a:t>1</a:t>
+            </a:r>
+            <a:r>
+              <a:rPr lang="zh-CN" altLang="en-US" sz="1800" dirty="0"/>
+              <a:t>、生成正态分布随机数函数</a:t>
+            </a:r>
+            <a:r>
+              <a:rPr lang="en-US" altLang="zh-CN" sz="1800" dirty="0" err="1"/>
+              <a:t>randn</a:t>
+            </a:r>
+            <a:endParaRPr lang="en-US" altLang="zh-CN" sz="1800" dirty="0"/>
+          </a:p>
+          <a:p>
+            <a:r>
+              <a:rPr lang="en-US" altLang="zh-CN" sz="1800" dirty="0"/>
+              <a:t>2</a:t>
+            </a:r>
+            <a:r>
+              <a:rPr lang="zh-CN" altLang="en-US" sz="1800" dirty="0"/>
+              <a:t>、设定随机种子点</a:t>
+            </a:r>
+            <a:r>
+              <a:rPr lang="en-US" altLang="zh-CN" sz="1800" dirty="0" err="1"/>
+              <a:t>rng</a:t>
+            </a:r>
+            <a:r>
+              <a:rPr lang="en-US" altLang="zh-CN" sz="1800" dirty="0"/>
+              <a:t>(seed)</a:t>
+            </a:r>
+          </a:p>
+          <a:p>
+            <a:r>
+              <a:rPr lang="en-US" altLang="zh-CN" sz="1800" dirty="0"/>
+              <a:t>3</a:t>
+            </a:r>
+            <a:r>
+              <a:rPr lang="zh-CN" altLang="en-US" sz="1800" dirty="0"/>
+              <a:t>、求</a:t>
+            </a:r>
+            <a:r>
+              <a:rPr lang="en-US" altLang="zh-CN" sz="1800" dirty="0"/>
+              <a:t>x</a:t>
+            </a:r>
+            <a:r>
+              <a:rPr lang="zh-CN" altLang="en-US" sz="1800" dirty="0"/>
+              <a:t>的平方函数为</a:t>
+            </a:r>
+            <a:r>
+              <a:rPr lang="en-US" altLang="zh-CN" sz="1800" dirty="0"/>
+              <a:t>x^2</a:t>
+            </a:r>
+          </a:p>
+          <a:p>
+            <a:endParaRPr lang="en-US" altLang="zh-CN" sz="1800" dirty="0"/>
+          </a:p>
+          <a:p>
+            <a:r>
+              <a:rPr lang="zh-CN" altLang="en-US" sz="1800" dirty="0"/>
+              <a:t>注：遇到不会的函数可在</a:t>
+            </a:r>
+            <a:r>
+              <a:rPr lang="en-US" altLang="zh-CN" sz="1800" dirty="0" err="1"/>
+              <a:t>matlab</a:t>
+            </a:r>
+            <a:r>
+              <a:rPr lang="zh-CN" altLang="en-US" sz="1800" dirty="0"/>
+              <a:t>命令窗口输入 </a:t>
+            </a:r>
+            <a:r>
+              <a:rPr lang="en-US" altLang="zh-CN" sz="1800" dirty="0"/>
+              <a:t>help “function” </a:t>
+            </a:r>
+            <a:r>
+              <a:rPr lang="zh-CN" altLang="en-US" sz="1800" dirty="0"/>
+              <a:t>来查看</a:t>
+            </a:r>
+            <a:r>
+              <a:rPr lang="en-US" altLang="zh-CN" sz="1800" dirty="0"/>
+              <a:t>function</a:t>
+            </a:r>
+            <a:r>
+              <a:rPr lang="zh-CN" altLang="en-US" sz="1800"/>
+              <a:t>的使用</a:t>
+            </a:r>
+            <a:endParaRPr lang="zh-CN" altLang="en-US" sz="1800" dirty="0"/>
           </a:p>
         </p:txBody>
       </p:sp>
     </p:spTree>
     <p:extLst>
       <p:ext uri="{BB962C8B-B14F-4D97-AF65-F5344CB8AC3E}">
-        <p14:creationId xmlns:p14="http://schemas.microsoft.com/office/powerpoint/2010/main" val="3865072900"/>
+        <p14:creationId xmlns:p14="http://schemas.microsoft.com/office/powerpoint/2010/main" val="100691541"/>
       </p:ext>
     </p:extLst>
   </p:cSld>
@@ -19124,6 +19262,114 @@
       </p:grpSpPr>
       <p:sp>
         <p:nvSpPr>
+          <p:cNvPr id="273" name="Shape 273"/>
+          <p:cNvSpPr/>
+          <p:nvPr/>
+        </p:nvSpPr>
+        <p:spPr>
+          <a:xfrm>
+            <a:off x="1052829" y="2964180"/>
+            <a:ext cx="11060613" cy="920445"/>
+          </a:xfrm>
+          <a:prstGeom prst="rect">
+            <a:avLst/>
+          </a:prstGeom>
+          <a:ln w="12700">
+            <a:miter lim="400000"/>
+          </a:ln>
+        </p:spPr>
+        <p:txBody>
+          <a:bodyPr wrap="square" lIns="45719" rIns="45719">
+            <a:spAutoFit/>
+          </a:bodyPr>
+          <a:lstStyle>
+            <a:lvl1pPr>
+              <a:lnSpc>
+                <a:spcPct val="80000"/>
+              </a:lnSpc>
+              <a:defRPr sz="6600">
+                <a:solidFill>
+                  <a:srgbClr val="535353"/>
+                </a:solidFill>
+                <a:latin typeface="Source Han Sans CN Bold Bold"/>
+                <a:ea typeface="Source Han Sans CN Bold Bold"/>
+                <a:cs typeface="Source Han Sans CN Bold Bold"/>
+                <a:sym typeface="Source Han Sans CN Bold Bold"/>
+              </a:defRPr>
+            </a:lvl1pPr>
+          </a:lstStyle>
+          <a:p>
+            <a:r>
+              <a:rPr lang="zh-CN" altLang="en-US" dirty="0">
+                <a:solidFill>
+                  <a:schemeClr val="tx1">
+                    <a:lumMod val="95000"/>
+                  </a:schemeClr>
+                </a:solidFill>
+              </a:rPr>
+              <a:t>机器学习之</a:t>
+            </a:r>
+            <a:r>
+              <a:rPr lang="en-US" altLang="zh-CN" dirty="0">
+                <a:solidFill>
+                  <a:schemeClr val="tx1">
+                    <a:lumMod val="95000"/>
+                  </a:schemeClr>
+                </a:solidFill>
+              </a:rPr>
+              <a:t>Python</a:t>
+            </a:r>
+            <a:r>
+              <a:rPr lang="zh-CN" altLang="en-US" dirty="0">
+                <a:solidFill>
+                  <a:schemeClr val="tx1">
+                    <a:lumMod val="95000"/>
+                  </a:schemeClr>
+                </a:solidFill>
+              </a:rPr>
+              <a:t>编程基础</a:t>
+            </a:r>
+            <a:endParaRPr dirty="0">
+              <a:solidFill>
+                <a:schemeClr val="tx1"/>
+              </a:solidFill>
+            </a:endParaRPr>
+          </a:p>
+        </p:txBody>
+      </p:sp>
+    </p:spTree>
+    <p:extLst>
+      <p:ext uri="{BB962C8B-B14F-4D97-AF65-F5344CB8AC3E}">
+        <p14:creationId xmlns:p14="http://schemas.microsoft.com/office/powerpoint/2010/main" val="3957930990"/>
+      </p:ext>
+    </p:extLst>
+  </p:cSld>
+  <p:clrMapOvr>
+    <a:masterClrMapping/>
+  </p:clrMapOvr>
+  <p:transition spd="slow"/>
+</p:sld>
+</file>
+
+<file path=ppt/slides/slide55.xml><?xml version="1.0" encoding="utf-8"?>
+<p:sld xmlns:a="http://schemas.openxmlformats.org/drawingml/2006/main" xmlns:r="http://schemas.openxmlformats.org/officeDocument/2006/relationships" xmlns:p="http://schemas.openxmlformats.org/presentationml/2006/main">
+  <p:cSld>
+    <p:spTree>
+      <p:nvGrpSpPr>
+        <p:cNvPr id="1" name=""/>
+        <p:cNvGrpSpPr/>
+        <p:nvPr/>
+      </p:nvGrpSpPr>
+      <p:grpSpPr>
+        <a:xfrm>
+          <a:off x="0" y="0"/>
+          <a:ext cx="0" cy="0"/>
+          <a:chOff x="0" y="0"/>
+          <a:chExt cx="0" cy="0"/>
+        </a:xfrm>
+      </p:grpSpPr>
+      <p:sp>
+        <p:nvSpPr>
           <p:cNvPr id="2" name="标题 1">
             <a:extLst>
               <a:ext uri="{FF2B5EF4-FFF2-40B4-BE49-F238E27FC236}">
@@ -19153,7 +19399,7 @@
             </a:r>
             <a:r>
               <a:rPr lang="zh-CN" altLang="en-US" dirty="0"/>
-              <a:t>实现逻辑回归</a:t>
+              <a:t>实现线性回归</a:t>
             </a:r>
           </a:p>
         </p:txBody>
@@ -19186,6 +19432,97 @@
     </p:spTree>
     <p:extLst>
       <p:ext uri="{BB962C8B-B14F-4D97-AF65-F5344CB8AC3E}">
+        <p14:creationId xmlns:p14="http://schemas.microsoft.com/office/powerpoint/2010/main" val="3865072900"/>
+      </p:ext>
+    </p:extLst>
+  </p:cSld>
+  <p:clrMapOvr>
+    <a:masterClrMapping/>
+  </p:clrMapOvr>
+</p:sld>
+</file>
+
+<file path=ppt/slides/slide56.xml><?xml version="1.0" encoding="utf-8"?>
+<p:sld xmlns:a="http://schemas.openxmlformats.org/drawingml/2006/main" xmlns:r="http://schemas.openxmlformats.org/officeDocument/2006/relationships" xmlns:p="http://schemas.openxmlformats.org/presentationml/2006/main">
+  <p:cSld>
+    <p:spTree>
+      <p:nvGrpSpPr>
+        <p:cNvPr id="1" name=""/>
+        <p:cNvGrpSpPr/>
+        <p:nvPr/>
+      </p:nvGrpSpPr>
+      <p:grpSpPr>
+        <a:xfrm>
+          <a:off x="0" y="0"/>
+          <a:ext cx="0" cy="0"/>
+          <a:chOff x="0" y="0"/>
+          <a:chExt cx="0" cy="0"/>
+        </a:xfrm>
+      </p:grpSpPr>
+      <p:sp>
+        <p:nvSpPr>
+          <p:cNvPr id="2" name="标题 1">
+            <a:extLst>
+              <a:ext uri="{FF2B5EF4-FFF2-40B4-BE49-F238E27FC236}">
+                <a16:creationId xmlns:a16="http://schemas.microsoft.com/office/drawing/2014/main" id="{4D19DDBE-89A4-45C4-B25A-7BC7E8067691}"/>
+              </a:ext>
+            </a:extLst>
+          </p:cNvPr>
+          <p:cNvSpPr>
+            <a:spLocks noGrp="1"/>
+          </p:cNvSpPr>
+          <p:nvPr>
+            <p:ph type="title"/>
+          </p:nvPr>
+        </p:nvSpPr>
+        <p:spPr/>
+        <p:txBody>
+          <a:bodyPr/>
+          <a:lstStyle/>
+          <a:p>
+            <a:r>
+              <a:rPr lang="zh-CN" altLang="en-US" dirty="0"/>
+              <a:t>用</a:t>
+            </a:r>
+            <a:r>
+              <a:rPr lang="en-US" altLang="zh-CN" dirty="0"/>
+              <a:t>MATLAB</a:t>
+            </a:r>
+            <a:r>
+              <a:rPr lang="zh-CN" altLang="en-US" dirty="0"/>
+              <a:t>实现逻辑回归</a:t>
+            </a:r>
+          </a:p>
+        </p:txBody>
+      </p:sp>
+      <p:sp>
+        <p:nvSpPr>
+          <p:cNvPr id="8" name="内容占位符 7">
+            <a:extLst>
+              <a:ext uri="{FF2B5EF4-FFF2-40B4-BE49-F238E27FC236}">
+                <a16:creationId xmlns:a16="http://schemas.microsoft.com/office/drawing/2014/main" id="{5677D24B-F200-4769-8403-A03052F9567F}"/>
+              </a:ext>
+            </a:extLst>
+          </p:cNvPr>
+          <p:cNvSpPr>
+            <a:spLocks noGrp="1"/>
+          </p:cNvSpPr>
+          <p:nvPr>
+            <p:ph idx="1"/>
+          </p:nvPr>
+        </p:nvSpPr>
+        <p:spPr/>
+        <p:txBody>
+          <a:bodyPr/>
+          <a:lstStyle/>
+          <a:p>
+            <a:endParaRPr lang="zh-CN" altLang="en-US" dirty="0"/>
+          </a:p>
+        </p:txBody>
+      </p:sp>
+    </p:spTree>
+    <p:extLst>
+      <p:ext uri="{BB962C8B-B14F-4D97-AF65-F5344CB8AC3E}">
         <p14:creationId xmlns:p14="http://schemas.microsoft.com/office/powerpoint/2010/main" val="3123598562"/>
       </p:ext>
     </p:extLst>
@@ -19196,7 +19533,7 @@
 </p:sld>
 </file>
 
-<file path=ppt/slides/slide55.xml><?xml version="1.0" encoding="utf-8"?>
+<file path=ppt/slides/slide57.xml><?xml version="1.0" encoding="utf-8"?>
 <p:sld xmlns:a="http://schemas.openxmlformats.org/drawingml/2006/main" xmlns:r="http://schemas.openxmlformats.org/officeDocument/2006/relationships" xmlns:p="http://schemas.openxmlformats.org/presentationml/2006/main">
   <p:cSld>
     <p:spTree>

--- a/The_first_ml_training/第一届机器学习实战班.pptx
+++ b/The_first_ml_training/第一届机器学习实战班.pptx
@@ -61,10 +61,10 @@
     <p:sldId id="416" r:id="rId52"/>
     <p:sldId id="415" r:id="rId53"/>
     <p:sldId id="417" r:id="rId54"/>
-    <p:sldId id="402" r:id="rId55"/>
-    <p:sldId id="403" r:id="rId56"/>
-    <p:sldId id="404" r:id="rId57"/>
-    <p:sldId id="405" r:id="rId58"/>
+    <p:sldId id="405" r:id="rId55"/>
+    <p:sldId id="402" r:id="rId56"/>
+    <p:sldId id="403" r:id="rId57"/>
+    <p:sldId id="404" r:id="rId58"/>
   </p:sldIdLst>
   <p:sldSz cx="12192000" cy="6858000"/>
   <p:notesSz cx="6858000" cy="9144000"/>
@@ -19083,6 +19083,16 @@
               </a:rPr>
               <a:t>编程作业</a:t>
             </a:r>
+            <a:r>
+              <a:rPr lang="en-US" altLang="zh-CN" dirty="0">
+                <a:solidFill>
+                  <a:schemeClr val="tx1">
+                    <a:lumMod val="95000"/>
+                  </a:schemeClr>
+                </a:solidFill>
+              </a:rPr>
+              <a:t>1</a:t>
+            </a:r>
             <a:endParaRPr lang="zh-CN" altLang="en-US" dirty="0">
               <a:solidFill>
                 <a:schemeClr val="tx1"/>
@@ -19262,43 +19272,35 @@
       </p:grpSpPr>
       <p:sp>
         <p:nvSpPr>
-          <p:cNvPr id="273" name="Shape 273"/>
-          <p:cNvSpPr/>
-          <p:nvPr/>
-        </p:nvSpPr>
-        <p:spPr>
-          <a:xfrm>
-            <a:off x="1052829" y="2964180"/>
-            <a:ext cx="11060613" cy="920445"/>
-          </a:xfrm>
-          <a:prstGeom prst="rect">
-            <a:avLst/>
-          </a:prstGeom>
-          <a:ln w="12700">
-            <a:miter lim="400000"/>
-          </a:ln>
-        </p:spPr>
-        <p:txBody>
-          <a:bodyPr wrap="square" lIns="45719" rIns="45719">
-            <a:spAutoFit/>
-          </a:bodyPr>
-          <a:lstStyle>
-            <a:lvl1pPr>
-              <a:lnSpc>
-                <a:spcPct val="80000"/>
-              </a:lnSpc>
-              <a:defRPr sz="6600">
+          <p:cNvPr id="2" name="标题 1">
+            <a:extLst>
+              <a:ext uri="{FF2B5EF4-FFF2-40B4-BE49-F238E27FC236}">
+                <a16:creationId xmlns:a16="http://schemas.microsoft.com/office/drawing/2014/main" id="{4D19DDBE-89A4-45C4-B25A-7BC7E8067691}"/>
+              </a:ext>
+            </a:extLst>
+          </p:cNvPr>
+          <p:cNvSpPr>
+            <a:spLocks noGrp="1"/>
+          </p:cNvSpPr>
+          <p:nvPr>
+            <p:ph type="title"/>
+          </p:nvPr>
+        </p:nvSpPr>
+        <p:spPr/>
+        <p:txBody>
+          <a:bodyPr/>
+          <a:lstStyle/>
+          <a:p>
+            <a:r>
+              <a:rPr lang="en-US" altLang="zh-CN" dirty="0">
                 <a:solidFill>
-                  <a:srgbClr val="535353"/>
+                  <a:schemeClr val="tx1">
+                    <a:lumMod val="95000"/>
+                  </a:schemeClr>
                 </a:solidFill>
-                <a:latin typeface="Source Han Sans CN Bold Bold"/>
-                <a:ea typeface="Source Han Sans CN Bold Bold"/>
-                <a:cs typeface="Source Han Sans CN Bold Bold"/>
-                <a:sym typeface="Source Han Sans CN Bold Bold"/>
-              </a:defRPr>
-            </a:lvl1pPr>
-          </a:lstStyle>
-          <a:p>
+              </a:rPr>
+              <a:t>MATLAB</a:t>
+            </a:r>
             <a:r>
               <a:rPr lang="zh-CN" altLang="en-US" dirty="0">
                 <a:solidFill>
@@ -19307,7 +19309,7 @@
                   </a:schemeClr>
                 </a:solidFill>
               </a:rPr>
-              <a:t>机器学习之</a:t>
+              <a:t>编程作业</a:t>
             </a:r>
             <a:r>
               <a:rPr lang="en-US" altLang="zh-CN" dirty="0">
@@ -19317,37 +19319,127 @@
                   </a:schemeClr>
                 </a:solidFill>
               </a:rPr>
-              <a:t>Python</a:t>
-            </a:r>
-            <a:r>
-              <a:rPr lang="zh-CN" altLang="en-US" dirty="0">
-                <a:solidFill>
-                  <a:schemeClr val="tx1">
-                    <a:lumMod val="95000"/>
-                  </a:schemeClr>
-                </a:solidFill>
-              </a:rPr>
-              <a:t>编程基础</a:t>
-            </a:r>
-            <a:endParaRPr dirty="0">
-              <a:solidFill>
-                <a:schemeClr val="tx1"/>
-              </a:solidFill>
-            </a:endParaRPr>
+              <a:t>2</a:t>
+            </a:r>
+            <a:endParaRPr lang="zh-CN" altLang="en-US" dirty="0"/>
+          </a:p>
+        </p:txBody>
+      </p:sp>
+      <p:sp>
+        <p:nvSpPr>
+          <p:cNvPr id="8" name="内容占位符 7">
+            <a:extLst>
+              <a:ext uri="{FF2B5EF4-FFF2-40B4-BE49-F238E27FC236}">
+                <a16:creationId xmlns:a16="http://schemas.microsoft.com/office/drawing/2014/main" id="{5677D24B-F200-4769-8403-A03052F9567F}"/>
+              </a:ext>
+            </a:extLst>
+          </p:cNvPr>
+          <p:cNvSpPr>
+            <a:spLocks noGrp="1"/>
+          </p:cNvSpPr>
+          <p:nvPr>
+            <p:ph idx="1"/>
+          </p:nvPr>
+        </p:nvSpPr>
+        <p:spPr/>
+        <p:txBody>
+          <a:bodyPr/>
+          <a:lstStyle/>
+          <a:p>
+            <a:r>
+              <a:rPr lang="zh-CN" altLang="en-US" dirty="0"/>
+              <a:t>用</a:t>
+            </a:r>
+            <a:r>
+              <a:rPr lang="en-US" altLang="zh-CN" dirty="0" err="1"/>
+              <a:t>matlab</a:t>
+            </a:r>
+            <a:r>
+              <a:rPr lang="zh-CN" altLang="en-US" dirty="0"/>
+              <a:t>实现</a:t>
+            </a:r>
+            <a:r>
+              <a:rPr lang="en-US" altLang="zh-CN" dirty="0"/>
+              <a:t>linear_svm_bmi.py</a:t>
+            </a:r>
+          </a:p>
+          <a:p>
+            <a:r>
+              <a:rPr lang="zh-CN" altLang="en-US" dirty="0"/>
+              <a:t>训练：</a:t>
+            </a:r>
+            <a:r>
+              <a:rPr lang="en-US" altLang="zh-CN" dirty="0"/>
+              <a:t>model = </a:t>
+            </a:r>
+            <a:r>
+              <a:rPr lang="en-US" altLang="zh-CN" dirty="0" err="1"/>
+              <a:t>fitcsvm</a:t>
+            </a:r>
+            <a:r>
+              <a:rPr lang="en-US" altLang="zh-CN" dirty="0"/>
+              <a:t>(</a:t>
+            </a:r>
+            <a:r>
+              <a:rPr lang="en-US" altLang="zh-CN" dirty="0" err="1"/>
+              <a:t>x_train</a:t>
+            </a:r>
+            <a:r>
+              <a:rPr lang="en-US" altLang="zh-CN" dirty="0"/>
+              <a:t>, </a:t>
+            </a:r>
+            <a:r>
+              <a:rPr lang="en-US" altLang="zh-CN" dirty="0" err="1"/>
+              <a:t>y_train</a:t>
+            </a:r>
+            <a:r>
+              <a:rPr lang="en-US" altLang="zh-CN" dirty="0"/>
+              <a:t>)</a:t>
+            </a:r>
+          </a:p>
+          <a:p>
+            <a:r>
+              <a:rPr lang="zh-CN" altLang="en-US" dirty="0"/>
+              <a:t>测试：</a:t>
+            </a:r>
+            <a:r>
+              <a:rPr lang="en-US" altLang="zh-CN" dirty="0" err="1"/>
+              <a:t>yhat</a:t>
+            </a:r>
+            <a:r>
+              <a:rPr lang="en-US" altLang="zh-CN" dirty="0"/>
+              <a:t> = </a:t>
+            </a:r>
+            <a:r>
+              <a:rPr lang="en-US" altLang="zh-CN" dirty="0" err="1"/>
+              <a:t>model.predict</a:t>
+            </a:r>
+            <a:r>
+              <a:rPr lang="en-US" altLang="zh-CN" dirty="0"/>
+              <a:t>(</a:t>
+            </a:r>
+            <a:r>
+              <a:rPr lang="en-US" altLang="zh-CN" dirty="0" err="1"/>
+              <a:t>x_test</a:t>
+            </a:r>
+            <a:r>
+              <a:rPr lang="en-US" altLang="zh-CN" dirty="0"/>
+              <a:t>)</a:t>
+            </a:r>
+            <a:endParaRPr lang="zh-CN" altLang="en-US" dirty="0"/>
           </a:p>
         </p:txBody>
       </p:sp>
     </p:spTree>
     <p:extLst>
       <p:ext uri="{BB962C8B-B14F-4D97-AF65-F5344CB8AC3E}">
-        <p14:creationId xmlns:p14="http://schemas.microsoft.com/office/powerpoint/2010/main" val="3957930990"/>
+        <p14:creationId xmlns:p14="http://schemas.microsoft.com/office/powerpoint/2010/main" val="3549238904"/>
       </p:ext>
     </p:extLst>
   </p:cSld>
   <p:clrMapOvr>
     <a:masterClrMapping/>
   </p:clrMapOvr>
-  <p:transition spd="slow"/>
 </p:sld>
 </file>
 
@@ -19370,75 +19462,92 @@
       </p:grpSpPr>
       <p:sp>
         <p:nvSpPr>
-          <p:cNvPr id="2" name="标题 1">
-            <a:extLst>
-              <a:ext uri="{FF2B5EF4-FFF2-40B4-BE49-F238E27FC236}">
-                <a16:creationId xmlns:a16="http://schemas.microsoft.com/office/drawing/2014/main" id="{4D19DDBE-89A4-45C4-B25A-7BC7E8067691}"/>
-              </a:ext>
-            </a:extLst>
-          </p:cNvPr>
-          <p:cNvSpPr>
-            <a:spLocks noGrp="1"/>
-          </p:cNvSpPr>
-          <p:nvPr>
-            <p:ph type="title"/>
-          </p:nvPr>
-        </p:nvSpPr>
-        <p:spPr/>
-        <p:txBody>
-          <a:bodyPr/>
-          <a:lstStyle/>
-          <a:p>
-            <a:r>
-              <a:rPr lang="zh-CN" altLang="en-US" dirty="0"/>
-              <a:t>用</a:t>
-            </a:r>
-            <a:r>
-              <a:rPr lang="en-US" altLang="zh-CN" dirty="0"/>
-              <a:t>MATLAB</a:t>
-            </a:r>
-            <a:r>
-              <a:rPr lang="zh-CN" altLang="en-US" dirty="0"/>
-              <a:t>实现线性回归</a:t>
-            </a:r>
-          </a:p>
-        </p:txBody>
-      </p:sp>
-      <p:sp>
-        <p:nvSpPr>
-          <p:cNvPr id="8" name="内容占位符 7">
-            <a:extLst>
-              <a:ext uri="{FF2B5EF4-FFF2-40B4-BE49-F238E27FC236}">
-                <a16:creationId xmlns:a16="http://schemas.microsoft.com/office/drawing/2014/main" id="{5677D24B-F200-4769-8403-A03052F9567F}"/>
-              </a:ext>
-            </a:extLst>
-          </p:cNvPr>
-          <p:cNvSpPr>
-            <a:spLocks noGrp="1"/>
-          </p:cNvSpPr>
-          <p:nvPr>
-            <p:ph idx="1"/>
-          </p:nvPr>
-        </p:nvSpPr>
-        <p:spPr/>
-        <p:txBody>
-          <a:bodyPr/>
-          <a:lstStyle/>
-          <a:p>
-            <a:endParaRPr lang="zh-CN" altLang="en-US" dirty="0"/>
+          <p:cNvPr id="273" name="Shape 273"/>
+          <p:cNvSpPr/>
+          <p:nvPr/>
+        </p:nvSpPr>
+        <p:spPr>
+          <a:xfrm>
+            <a:off x="1052829" y="2964180"/>
+            <a:ext cx="11060613" cy="920445"/>
+          </a:xfrm>
+          <a:prstGeom prst="rect">
+            <a:avLst/>
+          </a:prstGeom>
+          <a:ln w="12700">
+            <a:miter lim="400000"/>
+          </a:ln>
+        </p:spPr>
+        <p:txBody>
+          <a:bodyPr wrap="square" lIns="45719" rIns="45719">
+            <a:spAutoFit/>
+          </a:bodyPr>
+          <a:lstStyle>
+            <a:lvl1pPr>
+              <a:lnSpc>
+                <a:spcPct val="80000"/>
+              </a:lnSpc>
+              <a:defRPr sz="6600">
+                <a:solidFill>
+                  <a:srgbClr val="535353"/>
+                </a:solidFill>
+                <a:latin typeface="Source Han Sans CN Bold Bold"/>
+                <a:ea typeface="Source Han Sans CN Bold Bold"/>
+                <a:cs typeface="Source Han Sans CN Bold Bold"/>
+                <a:sym typeface="Source Han Sans CN Bold Bold"/>
+              </a:defRPr>
+            </a:lvl1pPr>
+          </a:lstStyle>
+          <a:p>
+            <a:r>
+              <a:rPr lang="zh-CN" altLang="en-US" dirty="0">
+                <a:solidFill>
+                  <a:schemeClr val="tx1">
+                    <a:lumMod val="95000"/>
+                  </a:schemeClr>
+                </a:solidFill>
+              </a:rPr>
+              <a:t>机器学习之</a:t>
+            </a:r>
+            <a:r>
+              <a:rPr lang="en-US" altLang="zh-CN" dirty="0">
+                <a:solidFill>
+                  <a:schemeClr val="tx1">
+                    <a:lumMod val="95000"/>
+                  </a:schemeClr>
+                </a:solidFill>
+              </a:rPr>
+              <a:t>Python</a:t>
+            </a:r>
+            <a:r>
+              <a:rPr lang="zh-CN" altLang="en-US" dirty="0">
+                <a:solidFill>
+                  <a:schemeClr val="tx1">
+                    <a:lumMod val="95000"/>
+                  </a:schemeClr>
+                </a:solidFill>
+              </a:rPr>
+              <a:t>编程基础</a:t>
+            </a:r>
+            <a:endParaRPr dirty="0">
+              <a:solidFill>
+                <a:schemeClr val="tx1"/>
+              </a:solidFill>
+            </a:endParaRPr>
           </a:p>
         </p:txBody>
       </p:sp>
     </p:spTree>
     <p:extLst>
       <p:ext uri="{BB962C8B-B14F-4D97-AF65-F5344CB8AC3E}">
-        <p14:creationId xmlns:p14="http://schemas.microsoft.com/office/powerpoint/2010/main" val="3865072900"/>
+        <p14:creationId xmlns:p14="http://schemas.microsoft.com/office/powerpoint/2010/main" val="3957930990"/>
       </p:ext>
     </p:extLst>
   </p:cSld>
   <p:clrMapOvr>
     <a:masterClrMapping/>
   </p:clrMapOvr>
+  <p:transition spd="slow"/>
 </p:sld>
 </file>
 
@@ -19490,7 +19599,7 @@
             </a:r>
             <a:r>
               <a:rPr lang="zh-CN" altLang="en-US" dirty="0"/>
-              <a:t>实现逻辑回归</a:t>
+              <a:t>实现线性回归</a:t>
             </a:r>
           </a:p>
         </p:txBody>
@@ -19523,7 +19632,7 @@
     </p:spTree>
     <p:extLst>
       <p:ext uri="{BB962C8B-B14F-4D97-AF65-F5344CB8AC3E}">
-        <p14:creationId xmlns:p14="http://schemas.microsoft.com/office/powerpoint/2010/main" val="3123598562"/>
+        <p14:creationId xmlns:p14="http://schemas.microsoft.com/office/powerpoint/2010/main" val="3865072900"/>
       </p:ext>
     </p:extLst>
   </p:cSld>
@@ -19581,13 +19690,8 @@
             </a:r>
             <a:r>
               <a:rPr lang="zh-CN" altLang="en-US" dirty="0"/>
-              <a:t>实现</a:t>
-            </a:r>
-            <a:r>
-              <a:rPr lang="en-US" altLang="zh-CN" dirty="0"/>
-              <a:t>SVM</a:t>
-            </a:r>
-            <a:endParaRPr lang="zh-CN" altLang="en-US" dirty="0"/>
+              <a:t>实现逻辑回归</a:t>
+            </a:r>
           </a:p>
         </p:txBody>
       </p:sp>
@@ -19612,68 +19716,6 @@
           <a:bodyPr/>
           <a:lstStyle/>
           <a:p>
-            <a:r>
-              <a:rPr lang="zh-CN" altLang="en-US" dirty="0"/>
-              <a:t>训练：</a:t>
-            </a:r>
-            <a:r>
-              <a:rPr lang="en-US" altLang="zh-CN" dirty="0"/>
-              <a:t>model = </a:t>
-            </a:r>
-            <a:r>
-              <a:rPr lang="en-US" altLang="zh-CN" dirty="0" err="1"/>
-              <a:t>fitcsvm</a:t>
-            </a:r>
-            <a:r>
-              <a:rPr lang="en-US" altLang="zh-CN" dirty="0"/>
-              <a:t>(</a:t>
-            </a:r>
-            <a:r>
-              <a:rPr lang="en-US" altLang="zh-CN" dirty="0" err="1"/>
-              <a:t>x_train</a:t>
-            </a:r>
-            <a:r>
-              <a:rPr lang="en-US" altLang="zh-CN" dirty="0"/>
-              <a:t>, </a:t>
-            </a:r>
-            <a:r>
-              <a:rPr lang="en-US" altLang="zh-CN" dirty="0" err="1"/>
-              <a:t>y_train</a:t>
-            </a:r>
-            <a:r>
-              <a:rPr lang="en-US" altLang="zh-CN" dirty="0"/>
-              <a:t>)</a:t>
-            </a:r>
-          </a:p>
-          <a:p>
-            <a:r>
-              <a:rPr lang="zh-CN" altLang="en-US" dirty="0"/>
-              <a:t>测试：</a:t>
-            </a:r>
-            <a:r>
-              <a:rPr lang="en-US" altLang="zh-CN" dirty="0" err="1"/>
-              <a:t>yhat</a:t>
-            </a:r>
-            <a:r>
-              <a:rPr lang="en-US" altLang="zh-CN" dirty="0"/>
-              <a:t> = </a:t>
-            </a:r>
-            <a:r>
-              <a:rPr lang="en-US" altLang="zh-CN" dirty="0" err="1"/>
-              <a:t>model.predict</a:t>
-            </a:r>
-            <a:r>
-              <a:rPr lang="en-US" altLang="zh-CN" dirty="0"/>
-              <a:t>(</a:t>
-            </a:r>
-            <a:r>
-              <a:rPr lang="en-US" altLang="zh-CN" dirty="0" err="1"/>
-              <a:t>x_test</a:t>
-            </a:r>
-            <a:r>
-              <a:rPr lang="en-US" altLang="zh-CN" dirty="0"/>
-              <a:t>)</a:t>
-            </a:r>
             <a:endParaRPr lang="zh-CN" altLang="en-US" dirty="0"/>
           </a:p>
         </p:txBody>
@@ -19681,7 +19723,7 @@
     </p:spTree>
     <p:extLst>
       <p:ext uri="{BB962C8B-B14F-4D97-AF65-F5344CB8AC3E}">
-        <p14:creationId xmlns:p14="http://schemas.microsoft.com/office/powerpoint/2010/main" val="4197624371"/>
+        <p14:creationId xmlns:p14="http://schemas.microsoft.com/office/powerpoint/2010/main" val="3123598562"/>
       </p:ext>
     </p:extLst>
   </p:cSld>

--- a/The_first_ml_training/第一届机器学习实战班.pptx
+++ b/The_first_ml_training/第一届机器学习实战班.pptx
@@ -5,7 +5,7 @@
     <p:sldMasterId id="2147483727" r:id="rId1"/>
   </p:sldMasterIdLst>
   <p:notesMasterIdLst>
-    <p:notesMasterId r:id="rId59"/>
+    <p:notesMasterId r:id="rId63"/>
   </p:notesMasterIdLst>
   <p:sldIdLst>
     <p:sldId id="256" r:id="rId2"/>
@@ -63,8 +63,12 @@
     <p:sldId id="417" r:id="rId54"/>
     <p:sldId id="405" r:id="rId55"/>
     <p:sldId id="402" r:id="rId56"/>
-    <p:sldId id="403" r:id="rId57"/>
-    <p:sldId id="404" r:id="rId58"/>
+    <p:sldId id="420" r:id="rId57"/>
+    <p:sldId id="421" r:id="rId58"/>
+    <p:sldId id="422" r:id="rId59"/>
+    <p:sldId id="423" r:id="rId60"/>
+    <p:sldId id="424" r:id="rId61"/>
+    <p:sldId id="425" r:id="rId62"/>
   </p:sldIdLst>
   <p:sldSz cx="12192000" cy="6858000"/>
   <p:notesSz cx="6858000" cy="9144000"/>
@@ -4169,7 +4173,7 @@
           <a:p>
             <a:fld id="{F9240C15-84E4-4753-B92D-ACDA520CEF05}" type="datetimeFigureOut">
               <a:rPr lang="zh-CN" altLang="en-US" smtClean="0"/>
-              <a:t>2020/12/15</a:t>
+              <a:t>2020/12/16</a:t>
             </a:fld>
             <a:endParaRPr lang="zh-CN" altLang="en-US"/>
           </a:p>
@@ -4801,7 +4805,7 @@
           <a:p>
             <a:fld id="{5F7787EC-2923-4DE8-84F8-CB4FE5744F4A}" type="datetimeFigureOut">
               <a:rPr lang="zh-CN" altLang="en-US" smtClean="0"/>
-              <a:t>2020/12/15</a:t>
+              <a:t>2020/12/16</a:t>
             </a:fld>
             <a:endParaRPr lang="zh-CN" altLang="en-US"/>
           </a:p>
@@ -4971,7 +4975,7 @@
           <a:p>
             <a:fld id="{5F7787EC-2923-4DE8-84F8-CB4FE5744F4A}" type="datetimeFigureOut">
               <a:rPr lang="zh-CN" altLang="en-US" smtClean="0"/>
-              <a:t>2020/12/15</a:t>
+              <a:t>2020/12/16</a:t>
             </a:fld>
             <a:endParaRPr lang="zh-CN" altLang="en-US"/>
           </a:p>
@@ -5151,7 +5155,7 @@
           <a:p>
             <a:fld id="{5F7787EC-2923-4DE8-84F8-CB4FE5744F4A}" type="datetimeFigureOut">
               <a:rPr lang="zh-CN" altLang="en-US" smtClean="0"/>
-              <a:t>2020/12/15</a:t>
+              <a:t>2020/12/16</a:t>
             </a:fld>
             <a:endParaRPr lang="zh-CN" altLang="en-US"/>
           </a:p>
@@ -5352,7 +5356,7 @@
           <a:p>
             <a:fld id="{5F7787EC-2923-4DE8-84F8-CB4FE5744F4A}" type="datetimeFigureOut">
               <a:rPr lang="zh-CN" altLang="en-US" smtClean="0"/>
-              <a:t>2020/12/15</a:t>
+              <a:t>2020/12/16</a:t>
             </a:fld>
             <a:endParaRPr lang="zh-CN" altLang="en-US"/>
           </a:p>
@@ -5598,7 +5602,7 @@
           <a:p>
             <a:fld id="{5F7787EC-2923-4DE8-84F8-CB4FE5744F4A}" type="datetimeFigureOut">
               <a:rPr lang="zh-CN" altLang="en-US" smtClean="0"/>
-              <a:t>2020/12/15</a:t>
+              <a:t>2020/12/16</a:t>
             </a:fld>
             <a:endParaRPr lang="zh-CN" altLang="en-US"/>
           </a:p>
@@ -5830,7 +5834,7 @@
           <a:p>
             <a:fld id="{5F7787EC-2923-4DE8-84F8-CB4FE5744F4A}" type="datetimeFigureOut">
               <a:rPr lang="zh-CN" altLang="en-US" smtClean="0"/>
-              <a:t>2020/12/15</a:t>
+              <a:t>2020/12/16</a:t>
             </a:fld>
             <a:endParaRPr lang="zh-CN" altLang="en-US"/>
           </a:p>
@@ -6197,7 +6201,7 @@
           <a:p>
             <a:fld id="{5F7787EC-2923-4DE8-84F8-CB4FE5744F4A}" type="datetimeFigureOut">
               <a:rPr lang="zh-CN" altLang="en-US" smtClean="0"/>
-              <a:t>2020/12/15</a:t>
+              <a:t>2020/12/16</a:t>
             </a:fld>
             <a:endParaRPr lang="zh-CN" altLang="en-US"/>
           </a:p>
@@ -6315,7 +6319,7 @@
           <a:p>
             <a:fld id="{5F7787EC-2923-4DE8-84F8-CB4FE5744F4A}" type="datetimeFigureOut">
               <a:rPr lang="zh-CN" altLang="en-US" smtClean="0"/>
-              <a:t>2020/12/15</a:t>
+              <a:t>2020/12/16</a:t>
             </a:fld>
             <a:endParaRPr lang="zh-CN" altLang="en-US"/>
           </a:p>
@@ -6410,7 +6414,7 @@
           <a:p>
             <a:fld id="{5F7787EC-2923-4DE8-84F8-CB4FE5744F4A}" type="datetimeFigureOut">
               <a:rPr lang="zh-CN" altLang="en-US" smtClean="0"/>
-              <a:t>2020/12/15</a:t>
+              <a:t>2020/12/16</a:t>
             </a:fld>
             <a:endParaRPr lang="zh-CN" altLang="en-US"/>
           </a:p>
@@ -6687,7 +6691,7 @@
           <a:p>
             <a:fld id="{5F7787EC-2923-4DE8-84F8-CB4FE5744F4A}" type="datetimeFigureOut">
               <a:rPr lang="zh-CN" altLang="en-US" smtClean="0"/>
-              <a:t>2020/12/15</a:t>
+              <a:t>2020/12/16</a:t>
             </a:fld>
             <a:endParaRPr lang="zh-CN" altLang="en-US"/>
           </a:p>
@@ -6944,7 +6948,7 @@
           <a:p>
             <a:fld id="{5F7787EC-2923-4DE8-84F8-CB4FE5744F4A}" type="datetimeFigureOut">
               <a:rPr lang="zh-CN" altLang="en-US" smtClean="0"/>
-              <a:t>2020/12/15</a:t>
+              <a:t>2020/12/16</a:t>
             </a:fld>
             <a:endParaRPr lang="zh-CN" altLang="en-US"/>
           </a:p>
@@ -7157,7 +7161,7 @@
           <a:p>
             <a:fld id="{5F7787EC-2923-4DE8-84F8-CB4FE5744F4A}" type="datetimeFigureOut">
               <a:rPr lang="zh-CN" altLang="en-US" smtClean="0"/>
-              <a:t>2020/12/15</a:t>
+              <a:t>2020/12/16</a:t>
             </a:fld>
             <a:endParaRPr lang="zh-CN" altLang="en-US"/>
           </a:p>
@@ -13633,10 +13637,10 @@
       </p:sp>
       <p:pic>
         <p:nvPicPr>
-          <p:cNvPr id="5" name="图片 4">
+          <p:cNvPr id="6" name="图片 5">
             <a:extLst>
               <a:ext uri="{FF2B5EF4-FFF2-40B4-BE49-F238E27FC236}">
-                <a16:creationId xmlns:a16="http://schemas.microsoft.com/office/drawing/2014/main" id="{92DB0359-0366-481A-AF5F-CE31369B1C3C}"/>
+                <a16:creationId xmlns:a16="http://schemas.microsoft.com/office/drawing/2014/main" id="{6521451B-FCA2-424E-95AC-DA61BFD56207}"/>
               </a:ext>
             </a:extLst>
           </p:cNvPr>
@@ -13659,8 +13663,8 @@
         </p:blipFill>
         <p:spPr>
           <a:xfrm>
-            <a:off x="0" y="0"/>
-            <a:ext cx="9275339" cy="6858000"/>
+            <a:off x="423862" y="361950"/>
+            <a:ext cx="11344275" cy="6134100"/>
           </a:xfrm>
           <a:prstGeom prst="rect">
             <a:avLst/>
@@ -19573,7 +19577,7 @@
           <p:cNvPr id="2" name="标题 1">
             <a:extLst>
               <a:ext uri="{FF2B5EF4-FFF2-40B4-BE49-F238E27FC236}">
-                <a16:creationId xmlns:a16="http://schemas.microsoft.com/office/drawing/2014/main" id="{4D19DDBE-89A4-45C4-B25A-7BC7E8067691}"/>
+                <a16:creationId xmlns:a16="http://schemas.microsoft.com/office/drawing/2014/main" id="{699614AB-185E-47F4-B9E3-47FDB1895ADD}"/>
               </a:ext>
             </a:extLst>
           </p:cNvPr>
@@ -19591,25 +19595,17 @@
           <a:p>
             <a:r>
               <a:rPr lang="zh-CN" altLang="en-US" dirty="0"/>
-              <a:t>用</a:t>
-            </a:r>
-            <a:r>
-              <a:rPr lang="en-US" altLang="zh-CN" dirty="0"/>
-              <a:t>MATLAB</a:t>
-            </a:r>
-            <a:r>
-              <a:rPr lang="zh-CN" altLang="en-US" dirty="0"/>
-              <a:t>实现线性回归</a:t>
-            </a:r>
-          </a:p>
-        </p:txBody>
-      </p:sp>
-      <p:sp>
-        <p:nvSpPr>
-          <p:cNvPr id="8" name="内容占位符 7">
+              <a:t>常用数值类型</a:t>
+            </a:r>
+          </a:p>
+        </p:txBody>
+      </p:sp>
+      <p:sp>
+        <p:nvSpPr>
+          <p:cNvPr id="3" name="内容占位符 2">
             <a:extLst>
               <a:ext uri="{FF2B5EF4-FFF2-40B4-BE49-F238E27FC236}">
-                <a16:creationId xmlns:a16="http://schemas.microsoft.com/office/drawing/2014/main" id="{5677D24B-F200-4769-8403-A03052F9567F}"/>
+                <a16:creationId xmlns:a16="http://schemas.microsoft.com/office/drawing/2014/main" id="{1BCF73C3-A217-4CAB-9685-E2F3542C3D72}"/>
               </a:ext>
             </a:extLst>
           </p:cNvPr>
@@ -19622,17 +19618,172 @@
         </p:nvSpPr>
         <p:spPr/>
         <p:txBody>
-          <a:bodyPr/>
+          <a:bodyPr>
+            <a:normAutofit/>
+          </a:bodyPr>
           <a:lstStyle/>
           <a:p>
-            <a:endParaRPr lang="zh-CN" altLang="en-US" dirty="0"/>
+            <a:pPr marL="0" marR="0" lvl="0" indent="0" algn="l" defTabSz="914400" rtl="0" eaLnBrk="0" fontAlgn="base" latinLnBrk="0" hangingPunct="0">
+              <a:lnSpc>
+                <a:spcPct val="100000"/>
+              </a:lnSpc>
+              <a:spcBef>
+                <a:spcPct val="0"/>
+              </a:spcBef>
+              <a:spcAft>
+                <a:spcPct val="0"/>
+              </a:spcAft>
+              <a:buClrTx/>
+              <a:buSzTx/>
+              <a:buFontTx/>
+              <a:buChar char="•"/>
+              <a:tabLst/>
+            </a:pPr>
+            <a:r>
+              <a:rPr kumimoji="0" lang="zh-CN" altLang="en-US" sz="2400" b="0" i="0" u="none" strike="noStrike" cap="none" normalizeH="0" baseline="0" dirty="0">
+                <a:ln>
+                  <a:noFill/>
+                </a:ln>
+                <a:solidFill>
+                  <a:schemeClr val="tx1"/>
+                </a:solidFill>
+                <a:effectLst/>
+                <a:latin typeface="Arial" panose="020B0604020202020204" pitchFamily="34" charset="0"/>
+              </a:rPr>
+              <a:t>整型</a:t>
+            </a:r>
+            <a:endParaRPr kumimoji="0" lang="en-US" altLang="zh-CN" sz="2400" b="0" i="0" u="none" strike="noStrike" cap="none" normalizeH="0" baseline="0" dirty="0">
+              <a:ln>
+                <a:noFill/>
+              </a:ln>
+              <a:solidFill>
+                <a:schemeClr val="tx1"/>
+              </a:solidFill>
+              <a:effectLst/>
+              <a:latin typeface="Arial" panose="020B0604020202020204" pitchFamily="34" charset="0"/>
+            </a:endParaRPr>
+          </a:p>
+          <a:p>
+            <a:pPr marL="0" marR="0" lvl="0" indent="0" algn="l" defTabSz="914400" rtl="0" eaLnBrk="0" fontAlgn="base" latinLnBrk="0" hangingPunct="0">
+              <a:lnSpc>
+                <a:spcPct val="100000"/>
+              </a:lnSpc>
+              <a:spcBef>
+                <a:spcPct val="0"/>
+              </a:spcBef>
+              <a:spcAft>
+                <a:spcPct val="0"/>
+              </a:spcAft>
+              <a:buClrTx/>
+              <a:buSzTx/>
+              <a:buFontTx/>
+              <a:buChar char="•"/>
+              <a:tabLst/>
+            </a:pPr>
+            <a:r>
+              <a:rPr kumimoji="0" lang="zh-CN" altLang="en-US" sz="2400" b="0" i="0" u="none" strike="noStrike" cap="none" normalizeH="0" baseline="0" dirty="0">
+                <a:ln>
+                  <a:noFill/>
+                </a:ln>
+                <a:solidFill>
+                  <a:schemeClr val="tx1"/>
+                </a:solidFill>
+                <a:effectLst/>
+                <a:latin typeface="Arial" panose="020B0604020202020204" pitchFamily="34" charset="0"/>
+              </a:rPr>
+              <a:t>浮点型</a:t>
+            </a:r>
+            <a:endParaRPr kumimoji="0" lang="en-US" altLang="zh-CN" sz="2400" b="0" i="0" u="none" strike="noStrike" cap="none" normalizeH="0" baseline="0" dirty="0">
+              <a:ln>
+                <a:noFill/>
+              </a:ln>
+              <a:solidFill>
+                <a:schemeClr val="tx1"/>
+              </a:solidFill>
+              <a:effectLst/>
+              <a:latin typeface="Arial" panose="020B0604020202020204" pitchFamily="34" charset="0"/>
+            </a:endParaRPr>
+          </a:p>
+          <a:p>
+            <a:pPr marL="0" marR="0" lvl="0" indent="0" algn="l" defTabSz="914400" rtl="0" eaLnBrk="0" fontAlgn="base" latinLnBrk="0" hangingPunct="0">
+              <a:lnSpc>
+                <a:spcPct val="100000"/>
+              </a:lnSpc>
+              <a:spcBef>
+                <a:spcPct val="0"/>
+              </a:spcBef>
+              <a:spcAft>
+                <a:spcPct val="0"/>
+              </a:spcAft>
+              <a:buClrTx/>
+              <a:buSzTx/>
+              <a:buFontTx/>
+              <a:buChar char="•"/>
+              <a:tabLst/>
+            </a:pPr>
+            <a:endParaRPr lang="en-US" altLang="zh-CN" sz="2400" dirty="0">
+              <a:latin typeface="Arial" panose="020B0604020202020204" pitchFamily="34" charset="0"/>
+            </a:endParaRPr>
+          </a:p>
+          <a:p>
+            <a:pPr marL="0" marR="0" lvl="0" indent="0" algn="l" defTabSz="914400" rtl="0" eaLnBrk="0" fontAlgn="base" latinLnBrk="0" hangingPunct="0">
+              <a:lnSpc>
+                <a:spcPct val="100000"/>
+              </a:lnSpc>
+              <a:spcBef>
+                <a:spcPct val="0"/>
+              </a:spcBef>
+              <a:spcAft>
+                <a:spcPct val="0"/>
+              </a:spcAft>
+              <a:buClrTx/>
+              <a:buSzTx/>
+              <a:buFontTx/>
+              <a:buChar char="•"/>
+              <a:tabLst/>
+            </a:pPr>
+            <a:r>
+              <a:rPr lang="zh-CN" altLang="en-US" sz="2400" dirty="0">
+                <a:latin typeface="Arial" panose="020B0604020202020204" pitchFamily="34" charset="0"/>
+              </a:rPr>
+              <a:t>练习</a:t>
+            </a:r>
+            <a:r>
+              <a:rPr lang="en-US" altLang="zh-CN" sz="2400" dirty="0">
+                <a:latin typeface="Arial" panose="020B0604020202020204" pitchFamily="34" charset="0"/>
+              </a:rPr>
+              <a:t>n</a:t>
+            </a:r>
+            <a:r>
+              <a:rPr kumimoji="0" lang="en-US" altLang="zh-CN" sz="2400" b="0" i="0" u="none" strike="noStrike" cap="none" normalizeH="0" baseline="0" dirty="0">
+                <a:ln>
+                  <a:noFill/>
+                </a:ln>
+                <a:solidFill>
+                  <a:schemeClr val="tx1"/>
+                </a:solidFill>
+                <a:effectLst/>
+                <a:latin typeface="Arial" panose="020B0604020202020204" pitchFamily="34" charset="0"/>
+              </a:rPr>
+              <a:t>umber.py</a:t>
+            </a:r>
+            <a:endParaRPr kumimoji="0" lang="zh-CN" altLang="zh-CN" sz="2400" b="0" i="0" u="none" strike="noStrike" cap="none" normalizeH="0" baseline="0" dirty="0">
+              <a:ln>
+                <a:noFill/>
+              </a:ln>
+              <a:solidFill>
+                <a:schemeClr val="tx1"/>
+              </a:solidFill>
+              <a:effectLst/>
+              <a:latin typeface="Arial" panose="020B0604020202020204" pitchFamily="34" charset="0"/>
+            </a:endParaRPr>
           </a:p>
         </p:txBody>
       </p:sp>
     </p:spTree>
     <p:extLst>
       <p:ext uri="{BB962C8B-B14F-4D97-AF65-F5344CB8AC3E}">
-        <p14:creationId xmlns:p14="http://schemas.microsoft.com/office/powerpoint/2010/main" val="3865072900"/>
+        <p14:creationId xmlns:p14="http://schemas.microsoft.com/office/powerpoint/2010/main" val="4080238264"/>
       </p:ext>
     </p:extLst>
   </p:cSld>
@@ -19664,7 +19815,7 @@
           <p:cNvPr id="2" name="标题 1">
             <a:extLst>
               <a:ext uri="{FF2B5EF4-FFF2-40B4-BE49-F238E27FC236}">
-                <a16:creationId xmlns:a16="http://schemas.microsoft.com/office/drawing/2014/main" id="{4D19DDBE-89A4-45C4-B25A-7BC7E8067691}"/>
+                <a16:creationId xmlns:a16="http://schemas.microsoft.com/office/drawing/2014/main" id="{699614AB-185E-47F4-B9E3-47FDB1895ADD}"/>
               </a:ext>
             </a:extLst>
           </p:cNvPr>
@@ -19682,25 +19833,17 @@
           <a:p>
             <a:r>
               <a:rPr lang="zh-CN" altLang="en-US" dirty="0"/>
-              <a:t>用</a:t>
-            </a:r>
-            <a:r>
-              <a:rPr lang="en-US" altLang="zh-CN" dirty="0"/>
-              <a:t>MATLAB</a:t>
-            </a:r>
-            <a:r>
-              <a:rPr lang="zh-CN" altLang="en-US" dirty="0"/>
-              <a:t>实现逻辑回归</a:t>
-            </a:r>
-          </a:p>
-        </p:txBody>
-      </p:sp>
-      <p:sp>
-        <p:nvSpPr>
-          <p:cNvPr id="8" name="内容占位符 7">
+              <a:t>字符串</a:t>
+            </a:r>
+          </a:p>
+        </p:txBody>
+      </p:sp>
+      <p:sp>
+        <p:nvSpPr>
+          <p:cNvPr id="3" name="内容占位符 2">
             <a:extLst>
               <a:ext uri="{FF2B5EF4-FFF2-40B4-BE49-F238E27FC236}">
-                <a16:creationId xmlns:a16="http://schemas.microsoft.com/office/drawing/2014/main" id="{5677D24B-F200-4769-8403-A03052F9567F}"/>
+                <a16:creationId xmlns:a16="http://schemas.microsoft.com/office/drawing/2014/main" id="{1BCF73C3-A217-4CAB-9685-E2F3542C3D72}"/>
               </a:ext>
             </a:extLst>
           </p:cNvPr>
@@ -19713,17 +19856,272 @@
         </p:nvSpPr>
         <p:spPr/>
         <p:txBody>
-          <a:bodyPr/>
+          <a:bodyPr>
+            <a:normAutofit/>
+          </a:bodyPr>
           <a:lstStyle/>
           <a:p>
-            <a:endParaRPr lang="zh-CN" altLang="en-US" dirty="0"/>
+            <a:pPr marL="0" marR="0" lvl="0" indent="0" algn="l" defTabSz="914400" rtl="0" eaLnBrk="0" fontAlgn="base" latinLnBrk="0" hangingPunct="0">
+              <a:lnSpc>
+                <a:spcPct val="100000"/>
+              </a:lnSpc>
+              <a:spcBef>
+                <a:spcPct val="0"/>
+              </a:spcBef>
+              <a:spcAft>
+                <a:spcPct val="0"/>
+              </a:spcAft>
+              <a:buClrTx/>
+              <a:buSzTx/>
+              <a:buFontTx/>
+              <a:buChar char="•"/>
+              <a:tabLst/>
+            </a:pPr>
+            <a:endParaRPr lang="en-US" altLang="zh-CN" sz="2400" dirty="0">
+              <a:latin typeface="Arial" panose="020B0604020202020204" pitchFamily="34" charset="0"/>
+            </a:endParaRPr>
+          </a:p>
+          <a:p>
+            <a:pPr marL="0" marR="0" lvl="0" indent="0" algn="l" defTabSz="914400" rtl="0" eaLnBrk="0" fontAlgn="base" latinLnBrk="0" hangingPunct="0">
+              <a:lnSpc>
+                <a:spcPct val="100000"/>
+              </a:lnSpc>
+              <a:spcBef>
+                <a:spcPct val="0"/>
+              </a:spcBef>
+              <a:spcAft>
+                <a:spcPct val="0"/>
+              </a:spcAft>
+              <a:buClrTx/>
+              <a:buSzTx/>
+              <a:buFontTx/>
+              <a:buChar char="•"/>
+              <a:tabLst/>
+            </a:pPr>
+            <a:r>
+              <a:rPr lang="zh-CN" altLang="en-US" sz="2400" dirty="0">
+                <a:latin typeface="Arial" panose="020B0604020202020204" pitchFamily="34" charset="0"/>
+              </a:rPr>
+              <a:t>练习</a:t>
+            </a:r>
+            <a:r>
+              <a:rPr lang="en-US" altLang="zh-CN" sz="2400" dirty="0">
+                <a:latin typeface="Arial" panose="020B0604020202020204" pitchFamily="34" charset="0"/>
+              </a:rPr>
+              <a:t>string.</a:t>
+            </a:r>
+            <a:r>
+              <a:rPr kumimoji="0" lang="en-US" altLang="zh-CN" sz="2400" b="0" i="0" u="none" strike="noStrike" cap="none" normalizeH="0" baseline="0" dirty="0">
+                <a:ln>
+                  <a:noFill/>
+                </a:ln>
+                <a:solidFill>
+                  <a:schemeClr val="tx1"/>
+                </a:solidFill>
+                <a:effectLst/>
+                <a:latin typeface="Arial" panose="020B0604020202020204" pitchFamily="34" charset="0"/>
+              </a:rPr>
+              <a:t>py</a:t>
+            </a:r>
+            <a:endParaRPr kumimoji="0" lang="zh-CN" altLang="zh-CN" sz="2400" b="0" i="0" u="none" strike="noStrike" cap="none" normalizeH="0" baseline="0" dirty="0">
+              <a:ln>
+                <a:noFill/>
+              </a:ln>
+              <a:solidFill>
+                <a:schemeClr val="tx1"/>
+              </a:solidFill>
+              <a:effectLst/>
+              <a:latin typeface="Arial" panose="020B0604020202020204" pitchFamily="34" charset="0"/>
+            </a:endParaRPr>
           </a:p>
         </p:txBody>
       </p:sp>
     </p:spTree>
     <p:extLst>
       <p:ext uri="{BB962C8B-B14F-4D97-AF65-F5344CB8AC3E}">
-        <p14:creationId xmlns:p14="http://schemas.microsoft.com/office/powerpoint/2010/main" val="3123598562"/>
+        <p14:creationId xmlns:p14="http://schemas.microsoft.com/office/powerpoint/2010/main" val="3644380316"/>
+      </p:ext>
+    </p:extLst>
+  </p:cSld>
+  <p:clrMapOvr>
+    <a:masterClrMapping/>
+  </p:clrMapOvr>
+</p:sld>
+</file>
+
+<file path=ppt/slides/slide58.xml><?xml version="1.0" encoding="utf-8"?>
+<p:sld xmlns:a="http://schemas.openxmlformats.org/drawingml/2006/main" xmlns:r="http://schemas.openxmlformats.org/officeDocument/2006/relationships" xmlns:p="http://schemas.openxmlformats.org/presentationml/2006/main">
+  <p:cSld>
+    <p:spTree>
+      <p:nvGrpSpPr>
+        <p:cNvPr id="1" name=""/>
+        <p:cNvGrpSpPr/>
+        <p:nvPr/>
+      </p:nvGrpSpPr>
+      <p:grpSpPr>
+        <a:xfrm>
+          <a:off x="0" y="0"/>
+          <a:ext cx="0" cy="0"/>
+          <a:chOff x="0" y="0"/>
+          <a:chExt cx="0" cy="0"/>
+        </a:xfrm>
+      </p:grpSpPr>
+      <p:sp>
+        <p:nvSpPr>
+          <p:cNvPr id="2" name="标题 1">
+            <a:extLst>
+              <a:ext uri="{FF2B5EF4-FFF2-40B4-BE49-F238E27FC236}">
+                <a16:creationId xmlns:a16="http://schemas.microsoft.com/office/drawing/2014/main" id="{75D63CD5-FA15-4281-86B7-DD3EF2B24E4C}"/>
+              </a:ext>
+            </a:extLst>
+          </p:cNvPr>
+          <p:cNvSpPr>
+            <a:spLocks noGrp="1"/>
+          </p:cNvSpPr>
+          <p:nvPr>
+            <p:ph type="title"/>
+          </p:nvPr>
+        </p:nvSpPr>
+        <p:spPr/>
+        <p:txBody>
+          <a:bodyPr/>
+          <a:lstStyle/>
+          <a:p>
+            <a:r>
+              <a:rPr lang="zh-CN" altLang="en-US" dirty="0"/>
+              <a:t>布尔类型</a:t>
+            </a:r>
+          </a:p>
+        </p:txBody>
+      </p:sp>
+      <p:sp>
+        <p:nvSpPr>
+          <p:cNvPr id="3" name="内容占位符 2">
+            <a:extLst>
+              <a:ext uri="{FF2B5EF4-FFF2-40B4-BE49-F238E27FC236}">
+                <a16:creationId xmlns:a16="http://schemas.microsoft.com/office/drawing/2014/main" id="{AF8EE733-EA57-4A69-88F4-E96B58C84BC5}"/>
+              </a:ext>
+            </a:extLst>
+          </p:cNvPr>
+          <p:cNvSpPr>
+            <a:spLocks noGrp="1"/>
+          </p:cNvSpPr>
+          <p:nvPr>
+            <p:ph idx="1"/>
+          </p:nvPr>
+        </p:nvSpPr>
+        <p:spPr/>
+        <p:txBody>
+          <a:bodyPr/>
+          <a:lstStyle/>
+          <a:p>
+            <a:r>
+              <a:rPr lang="zh-CN" altLang="en-US" dirty="0"/>
+              <a:t>练习</a:t>
+            </a:r>
+            <a:r>
+              <a:rPr lang="en-US" altLang="zh-CN" dirty="0"/>
+              <a:t>bool.py</a:t>
+            </a:r>
+            <a:endParaRPr lang="zh-CN" altLang="en-US" dirty="0"/>
+          </a:p>
+        </p:txBody>
+      </p:sp>
+    </p:spTree>
+    <p:extLst>
+      <p:ext uri="{BB962C8B-B14F-4D97-AF65-F5344CB8AC3E}">
+        <p14:creationId xmlns:p14="http://schemas.microsoft.com/office/powerpoint/2010/main" val="1566091338"/>
+      </p:ext>
+    </p:extLst>
+  </p:cSld>
+  <p:clrMapOvr>
+    <a:masterClrMapping/>
+  </p:clrMapOvr>
+</p:sld>
+</file>
+
+<file path=ppt/slides/slide59.xml><?xml version="1.0" encoding="utf-8"?>
+<p:sld xmlns:a="http://schemas.openxmlformats.org/drawingml/2006/main" xmlns:r="http://schemas.openxmlformats.org/officeDocument/2006/relationships" xmlns:p="http://schemas.openxmlformats.org/presentationml/2006/main">
+  <p:cSld>
+    <p:spTree>
+      <p:nvGrpSpPr>
+        <p:cNvPr id="1" name=""/>
+        <p:cNvGrpSpPr/>
+        <p:nvPr/>
+      </p:nvGrpSpPr>
+      <p:grpSpPr>
+        <a:xfrm>
+          <a:off x="0" y="0"/>
+          <a:ext cx="0" cy="0"/>
+          <a:chOff x="0" y="0"/>
+          <a:chExt cx="0" cy="0"/>
+        </a:xfrm>
+      </p:grpSpPr>
+      <p:sp>
+        <p:nvSpPr>
+          <p:cNvPr id="2" name="标题 1">
+            <a:extLst>
+              <a:ext uri="{FF2B5EF4-FFF2-40B4-BE49-F238E27FC236}">
+                <a16:creationId xmlns:a16="http://schemas.microsoft.com/office/drawing/2014/main" id="{75D63CD5-FA15-4281-86B7-DD3EF2B24E4C}"/>
+              </a:ext>
+            </a:extLst>
+          </p:cNvPr>
+          <p:cNvSpPr>
+            <a:spLocks noGrp="1"/>
+          </p:cNvSpPr>
+          <p:nvPr>
+            <p:ph type="title"/>
+          </p:nvPr>
+        </p:nvSpPr>
+        <p:spPr/>
+        <p:txBody>
+          <a:bodyPr/>
+          <a:lstStyle/>
+          <a:p>
+            <a:r>
+              <a:rPr lang="zh-CN" altLang="en-US" dirty="0"/>
+              <a:t>列表</a:t>
+            </a:r>
+          </a:p>
+        </p:txBody>
+      </p:sp>
+      <p:sp>
+        <p:nvSpPr>
+          <p:cNvPr id="3" name="内容占位符 2">
+            <a:extLst>
+              <a:ext uri="{FF2B5EF4-FFF2-40B4-BE49-F238E27FC236}">
+                <a16:creationId xmlns:a16="http://schemas.microsoft.com/office/drawing/2014/main" id="{AF8EE733-EA57-4A69-88F4-E96B58C84BC5}"/>
+              </a:ext>
+            </a:extLst>
+          </p:cNvPr>
+          <p:cNvSpPr>
+            <a:spLocks noGrp="1"/>
+          </p:cNvSpPr>
+          <p:nvPr>
+            <p:ph idx="1"/>
+          </p:nvPr>
+        </p:nvSpPr>
+        <p:spPr/>
+        <p:txBody>
+          <a:bodyPr/>
+          <a:lstStyle/>
+          <a:p>
+            <a:r>
+              <a:rPr lang="zh-CN" altLang="en-US" dirty="0"/>
+              <a:t>练习</a:t>
+            </a:r>
+            <a:r>
+              <a:rPr lang="en-US" altLang="zh-CN" dirty="0"/>
+              <a:t>list.py</a:t>
+            </a:r>
+            <a:endParaRPr lang="zh-CN" altLang="en-US" dirty="0"/>
+          </a:p>
+        </p:txBody>
+      </p:sp>
+    </p:spTree>
+    <p:extLst>
+      <p:ext uri="{BB962C8B-B14F-4D97-AF65-F5344CB8AC3E}">
+        <p14:creationId xmlns:p14="http://schemas.microsoft.com/office/powerpoint/2010/main" val="588217695"/>
       </p:ext>
     </p:extLst>
   </p:cSld>
@@ -20405,6 +20803,205 @@
     <a:masterClrMapping/>
   </p:clrMapOvr>
   <p:transition spd="slow"/>
+</p:sld>
+</file>
+
+<file path=ppt/slides/slide60.xml><?xml version="1.0" encoding="utf-8"?>
+<p:sld xmlns:a="http://schemas.openxmlformats.org/drawingml/2006/main" xmlns:r="http://schemas.openxmlformats.org/officeDocument/2006/relationships" xmlns:p="http://schemas.openxmlformats.org/presentationml/2006/main">
+  <p:cSld>
+    <p:spTree>
+      <p:nvGrpSpPr>
+        <p:cNvPr id="1" name=""/>
+        <p:cNvGrpSpPr/>
+        <p:nvPr/>
+      </p:nvGrpSpPr>
+      <p:grpSpPr>
+        <a:xfrm>
+          <a:off x="0" y="0"/>
+          <a:ext cx="0" cy="0"/>
+          <a:chOff x="0" y="0"/>
+          <a:chExt cx="0" cy="0"/>
+        </a:xfrm>
+      </p:grpSpPr>
+      <p:sp>
+        <p:nvSpPr>
+          <p:cNvPr id="2" name="标题 1">
+            <a:extLst>
+              <a:ext uri="{FF2B5EF4-FFF2-40B4-BE49-F238E27FC236}">
+                <a16:creationId xmlns:a16="http://schemas.microsoft.com/office/drawing/2014/main" id="{75D63CD5-FA15-4281-86B7-DD3EF2B24E4C}"/>
+              </a:ext>
+            </a:extLst>
+          </p:cNvPr>
+          <p:cNvSpPr>
+            <a:spLocks noGrp="1"/>
+          </p:cNvSpPr>
+          <p:nvPr>
+            <p:ph type="title"/>
+          </p:nvPr>
+        </p:nvSpPr>
+        <p:spPr/>
+        <p:txBody>
+          <a:bodyPr/>
+          <a:lstStyle/>
+          <a:p>
+            <a:r>
+              <a:rPr lang="zh-CN" altLang="en-US" dirty="0"/>
+              <a:t>元组</a:t>
+            </a:r>
+          </a:p>
+        </p:txBody>
+      </p:sp>
+      <p:sp>
+        <p:nvSpPr>
+          <p:cNvPr id="3" name="内容占位符 2">
+            <a:extLst>
+              <a:ext uri="{FF2B5EF4-FFF2-40B4-BE49-F238E27FC236}">
+                <a16:creationId xmlns:a16="http://schemas.microsoft.com/office/drawing/2014/main" id="{AF8EE733-EA57-4A69-88F4-E96B58C84BC5}"/>
+              </a:ext>
+            </a:extLst>
+          </p:cNvPr>
+          <p:cNvSpPr>
+            <a:spLocks noGrp="1"/>
+          </p:cNvSpPr>
+          <p:nvPr>
+            <p:ph idx="1"/>
+          </p:nvPr>
+        </p:nvSpPr>
+        <p:spPr/>
+        <p:txBody>
+          <a:bodyPr/>
+          <a:lstStyle/>
+          <a:p>
+            <a:r>
+              <a:rPr lang="zh-CN" altLang="en-US" dirty="0"/>
+              <a:t>练习</a:t>
+            </a:r>
+            <a:r>
+              <a:rPr lang="en-US" altLang="zh-CN" dirty="0"/>
+              <a:t>tuple.py</a:t>
+            </a:r>
+          </a:p>
+          <a:p>
+            <a:endParaRPr lang="en-US" altLang="zh-CN" dirty="0"/>
+          </a:p>
+        </p:txBody>
+      </p:sp>
+    </p:spTree>
+    <p:extLst>
+      <p:ext uri="{BB962C8B-B14F-4D97-AF65-F5344CB8AC3E}">
+        <p14:creationId xmlns:p14="http://schemas.microsoft.com/office/powerpoint/2010/main" val="895171635"/>
+      </p:ext>
+    </p:extLst>
+  </p:cSld>
+  <p:clrMapOvr>
+    <a:masterClrMapping/>
+  </p:clrMapOvr>
+</p:sld>
+</file>
+
+<file path=ppt/slides/slide61.xml><?xml version="1.0" encoding="utf-8"?>
+<p:sld xmlns:a="http://schemas.openxmlformats.org/drawingml/2006/main" xmlns:r="http://schemas.openxmlformats.org/officeDocument/2006/relationships" xmlns:p="http://schemas.openxmlformats.org/presentationml/2006/main">
+  <p:cSld>
+    <p:spTree>
+      <p:nvGrpSpPr>
+        <p:cNvPr id="1" name=""/>
+        <p:cNvGrpSpPr/>
+        <p:nvPr/>
+      </p:nvGrpSpPr>
+      <p:grpSpPr>
+        <a:xfrm>
+          <a:off x="0" y="0"/>
+          <a:ext cx="0" cy="0"/>
+          <a:chOff x="0" y="0"/>
+          <a:chExt cx="0" cy="0"/>
+        </a:xfrm>
+      </p:grpSpPr>
+      <p:sp>
+        <p:nvSpPr>
+          <p:cNvPr id="2" name="标题 1">
+            <a:extLst>
+              <a:ext uri="{FF2B5EF4-FFF2-40B4-BE49-F238E27FC236}">
+                <a16:creationId xmlns:a16="http://schemas.microsoft.com/office/drawing/2014/main" id="{75D63CD5-FA15-4281-86B7-DD3EF2B24E4C}"/>
+              </a:ext>
+            </a:extLst>
+          </p:cNvPr>
+          <p:cNvSpPr>
+            <a:spLocks noGrp="1"/>
+          </p:cNvSpPr>
+          <p:nvPr>
+            <p:ph type="title"/>
+          </p:nvPr>
+        </p:nvSpPr>
+        <p:spPr/>
+        <p:txBody>
+          <a:bodyPr/>
+          <a:lstStyle/>
+          <a:p>
+            <a:r>
+              <a:rPr lang="zh-CN" altLang="en-US" dirty="0"/>
+              <a:t>字典</a:t>
+            </a:r>
+          </a:p>
+        </p:txBody>
+      </p:sp>
+      <p:sp>
+        <p:nvSpPr>
+          <p:cNvPr id="3" name="内容占位符 2">
+            <a:extLst>
+              <a:ext uri="{FF2B5EF4-FFF2-40B4-BE49-F238E27FC236}">
+                <a16:creationId xmlns:a16="http://schemas.microsoft.com/office/drawing/2014/main" id="{AF8EE733-EA57-4A69-88F4-E96B58C84BC5}"/>
+              </a:ext>
+            </a:extLst>
+          </p:cNvPr>
+          <p:cNvSpPr>
+            <a:spLocks noGrp="1"/>
+          </p:cNvSpPr>
+          <p:nvPr>
+            <p:ph idx="1"/>
+          </p:nvPr>
+        </p:nvSpPr>
+        <p:spPr/>
+        <p:txBody>
+          <a:bodyPr/>
+          <a:lstStyle/>
+          <a:p>
+            <a:r>
+              <a:rPr lang="zh-CN" altLang="en-US" dirty="0"/>
+              <a:t>练习</a:t>
+            </a:r>
+            <a:r>
+              <a:rPr lang="en-US" altLang="zh-CN" dirty="0"/>
+              <a:t>dict.py</a:t>
+            </a:r>
+          </a:p>
+          <a:p>
+            <a:endParaRPr lang="en-US" altLang="zh-CN" dirty="0"/>
+          </a:p>
+          <a:p>
+            <a:r>
+              <a:rPr lang="zh-CN" altLang="en-US" dirty="0"/>
+              <a:t>字典一般形式</a:t>
+            </a:r>
+            <a:endParaRPr lang="en-US" altLang="zh-CN" dirty="0"/>
+          </a:p>
+          <a:p>
+            <a:r>
+              <a:rPr lang="en-US" altLang="zh-CN" dirty="0"/>
+              <a:t>d = {key1 : value1, key2 : value2 }</a:t>
+            </a:r>
+          </a:p>
+        </p:txBody>
+      </p:sp>
+    </p:spTree>
+    <p:extLst>
+      <p:ext uri="{BB962C8B-B14F-4D97-AF65-F5344CB8AC3E}">
+        <p14:creationId xmlns:p14="http://schemas.microsoft.com/office/powerpoint/2010/main" val="3830333629"/>
+      </p:ext>
+    </p:extLst>
+  </p:cSld>
+  <p:clrMapOvr>
+    <a:masterClrMapping/>
+  </p:clrMapOvr>
 </p:sld>
 </file>
 

--- a/The_first_ml_training/第一届机器学习实战班.pptx
+++ b/The_first_ml_training/第一届机器学习实战班.pptx
@@ -5,7 +5,7 @@
     <p:sldMasterId id="2147483727" r:id="rId1"/>
   </p:sldMasterIdLst>
   <p:notesMasterIdLst>
-    <p:notesMasterId r:id="rId63"/>
+    <p:notesMasterId r:id="rId70"/>
   </p:notesMasterIdLst>
   <p:sldIdLst>
     <p:sldId id="256" r:id="rId2"/>
@@ -69,6 +69,13 @@
     <p:sldId id="423" r:id="rId60"/>
     <p:sldId id="424" r:id="rId61"/>
     <p:sldId id="425" r:id="rId62"/>
+    <p:sldId id="426" r:id="rId63"/>
+    <p:sldId id="427" r:id="rId64"/>
+    <p:sldId id="428" r:id="rId65"/>
+    <p:sldId id="429" r:id="rId66"/>
+    <p:sldId id="430" r:id="rId67"/>
+    <p:sldId id="431" r:id="rId68"/>
+    <p:sldId id="432" r:id="rId69"/>
   </p:sldIdLst>
   <p:sldSz cx="12192000" cy="6858000"/>
   <p:notesSz cx="6858000" cy="9144000"/>
@@ -4173,7 +4180,7 @@
           <a:p>
             <a:fld id="{F9240C15-84E4-4753-B92D-ACDA520CEF05}" type="datetimeFigureOut">
               <a:rPr lang="zh-CN" altLang="en-US" smtClean="0"/>
-              <a:t>2020/12/16</a:t>
+              <a:t>2020/12/17</a:t>
             </a:fld>
             <a:endParaRPr lang="zh-CN" altLang="en-US"/>
           </a:p>
@@ -4805,7 +4812,7 @@
           <a:p>
             <a:fld id="{5F7787EC-2923-4DE8-84F8-CB4FE5744F4A}" type="datetimeFigureOut">
               <a:rPr lang="zh-CN" altLang="en-US" smtClean="0"/>
-              <a:t>2020/12/16</a:t>
+              <a:t>2020/12/17</a:t>
             </a:fld>
             <a:endParaRPr lang="zh-CN" altLang="en-US"/>
           </a:p>
@@ -4975,7 +4982,7 @@
           <a:p>
             <a:fld id="{5F7787EC-2923-4DE8-84F8-CB4FE5744F4A}" type="datetimeFigureOut">
               <a:rPr lang="zh-CN" altLang="en-US" smtClean="0"/>
-              <a:t>2020/12/16</a:t>
+              <a:t>2020/12/17</a:t>
             </a:fld>
             <a:endParaRPr lang="zh-CN" altLang="en-US"/>
           </a:p>
@@ -5155,7 +5162,7 @@
           <a:p>
             <a:fld id="{5F7787EC-2923-4DE8-84F8-CB4FE5744F4A}" type="datetimeFigureOut">
               <a:rPr lang="zh-CN" altLang="en-US" smtClean="0"/>
-              <a:t>2020/12/16</a:t>
+              <a:t>2020/12/17</a:t>
             </a:fld>
             <a:endParaRPr lang="zh-CN" altLang="en-US"/>
           </a:p>
@@ -5356,7 +5363,7 @@
           <a:p>
             <a:fld id="{5F7787EC-2923-4DE8-84F8-CB4FE5744F4A}" type="datetimeFigureOut">
               <a:rPr lang="zh-CN" altLang="en-US" smtClean="0"/>
-              <a:t>2020/12/16</a:t>
+              <a:t>2020/12/17</a:t>
             </a:fld>
             <a:endParaRPr lang="zh-CN" altLang="en-US"/>
           </a:p>
@@ -5602,7 +5609,7 @@
           <a:p>
             <a:fld id="{5F7787EC-2923-4DE8-84F8-CB4FE5744F4A}" type="datetimeFigureOut">
               <a:rPr lang="zh-CN" altLang="en-US" smtClean="0"/>
-              <a:t>2020/12/16</a:t>
+              <a:t>2020/12/17</a:t>
             </a:fld>
             <a:endParaRPr lang="zh-CN" altLang="en-US"/>
           </a:p>
@@ -5834,7 +5841,7 @@
           <a:p>
             <a:fld id="{5F7787EC-2923-4DE8-84F8-CB4FE5744F4A}" type="datetimeFigureOut">
               <a:rPr lang="zh-CN" altLang="en-US" smtClean="0"/>
-              <a:t>2020/12/16</a:t>
+              <a:t>2020/12/17</a:t>
             </a:fld>
             <a:endParaRPr lang="zh-CN" altLang="en-US"/>
           </a:p>
@@ -6201,7 +6208,7 @@
           <a:p>
             <a:fld id="{5F7787EC-2923-4DE8-84F8-CB4FE5744F4A}" type="datetimeFigureOut">
               <a:rPr lang="zh-CN" altLang="en-US" smtClean="0"/>
-              <a:t>2020/12/16</a:t>
+              <a:t>2020/12/17</a:t>
             </a:fld>
             <a:endParaRPr lang="zh-CN" altLang="en-US"/>
           </a:p>
@@ -6319,7 +6326,7 @@
           <a:p>
             <a:fld id="{5F7787EC-2923-4DE8-84F8-CB4FE5744F4A}" type="datetimeFigureOut">
               <a:rPr lang="zh-CN" altLang="en-US" smtClean="0"/>
-              <a:t>2020/12/16</a:t>
+              <a:t>2020/12/17</a:t>
             </a:fld>
             <a:endParaRPr lang="zh-CN" altLang="en-US"/>
           </a:p>
@@ -6414,7 +6421,7 @@
           <a:p>
             <a:fld id="{5F7787EC-2923-4DE8-84F8-CB4FE5744F4A}" type="datetimeFigureOut">
               <a:rPr lang="zh-CN" altLang="en-US" smtClean="0"/>
-              <a:t>2020/12/16</a:t>
+              <a:t>2020/12/17</a:t>
             </a:fld>
             <a:endParaRPr lang="zh-CN" altLang="en-US"/>
           </a:p>
@@ -6691,7 +6698,7 @@
           <a:p>
             <a:fld id="{5F7787EC-2923-4DE8-84F8-CB4FE5744F4A}" type="datetimeFigureOut">
               <a:rPr lang="zh-CN" altLang="en-US" smtClean="0"/>
-              <a:t>2020/12/16</a:t>
+              <a:t>2020/12/17</a:t>
             </a:fld>
             <a:endParaRPr lang="zh-CN" altLang="en-US"/>
           </a:p>
@@ -6948,7 +6955,7 @@
           <a:p>
             <a:fld id="{5F7787EC-2923-4DE8-84F8-CB4FE5744F4A}" type="datetimeFigureOut">
               <a:rPr lang="zh-CN" altLang="en-US" smtClean="0"/>
-              <a:t>2020/12/16</a:t>
+              <a:t>2020/12/17</a:t>
             </a:fld>
             <a:endParaRPr lang="zh-CN" altLang="en-US"/>
           </a:p>
@@ -7161,7 +7168,7 @@
           <a:p>
             <a:fld id="{5F7787EC-2923-4DE8-84F8-CB4FE5744F4A}" type="datetimeFigureOut">
               <a:rPr lang="zh-CN" altLang="en-US" smtClean="0"/>
-              <a:t>2020/12/16</a:t>
+              <a:t>2020/12/17</a:t>
             </a:fld>
             <a:endParaRPr lang="zh-CN" altLang="en-US"/>
           </a:p>
@@ -21005,6 +21012,872 @@
 </p:sld>
 </file>
 
+<file path=ppt/slides/slide62.xml><?xml version="1.0" encoding="utf-8"?>
+<p:sld xmlns:a="http://schemas.openxmlformats.org/drawingml/2006/main" xmlns:r="http://schemas.openxmlformats.org/officeDocument/2006/relationships" xmlns:p="http://schemas.openxmlformats.org/presentationml/2006/main">
+  <p:cSld>
+    <p:spTree>
+      <p:nvGrpSpPr>
+        <p:cNvPr id="1" name=""/>
+        <p:cNvGrpSpPr/>
+        <p:nvPr/>
+      </p:nvGrpSpPr>
+      <p:grpSpPr>
+        <a:xfrm>
+          <a:off x="0" y="0"/>
+          <a:ext cx="0" cy="0"/>
+          <a:chOff x="0" y="0"/>
+          <a:chExt cx="0" cy="0"/>
+        </a:xfrm>
+      </p:grpSpPr>
+      <p:sp>
+        <p:nvSpPr>
+          <p:cNvPr id="2" name="标题 1">
+            <a:extLst>
+              <a:ext uri="{FF2B5EF4-FFF2-40B4-BE49-F238E27FC236}">
+                <a16:creationId xmlns:a16="http://schemas.microsoft.com/office/drawing/2014/main" id="{37067A1F-B57B-4F10-B7BE-BD1305E6BA7E}"/>
+              </a:ext>
+            </a:extLst>
+          </p:cNvPr>
+          <p:cNvSpPr>
+            <a:spLocks noGrp="1"/>
+          </p:cNvSpPr>
+          <p:nvPr>
+            <p:ph type="title"/>
+          </p:nvPr>
+        </p:nvSpPr>
+        <p:spPr/>
+        <p:txBody>
+          <a:bodyPr/>
+          <a:lstStyle/>
+          <a:p>
+            <a:r>
+              <a:rPr lang="zh-CN" altLang="en-US" dirty="0"/>
+              <a:t>程序控制结构之条件控制</a:t>
+            </a:r>
+          </a:p>
+        </p:txBody>
+      </p:sp>
+      <p:sp>
+        <p:nvSpPr>
+          <p:cNvPr id="3" name="内容占位符 2">
+            <a:extLst>
+              <a:ext uri="{FF2B5EF4-FFF2-40B4-BE49-F238E27FC236}">
+                <a16:creationId xmlns:a16="http://schemas.microsoft.com/office/drawing/2014/main" id="{2677C92A-371B-4558-AE7B-FE491CAA9B23}"/>
+              </a:ext>
+            </a:extLst>
+          </p:cNvPr>
+          <p:cNvSpPr>
+            <a:spLocks noGrp="1"/>
+          </p:cNvSpPr>
+          <p:nvPr>
+            <p:ph idx="1"/>
+          </p:nvPr>
+        </p:nvSpPr>
+        <p:spPr/>
+        <p:txBody>
+          <a:bodyPr/>
+          <a:lstStyle/>
+          <a:p>
+            <a:r>
+              <a:rPr lang="zh-CN" altLang="en-US" dirty="0"/>
+              <a:t>练习</a:t>
+            </a:r>
+            <a:r>
+              <a:rPr lang="en-US" altLang="zh-CN" dirty="0"/>
+              <a:t>ifelse.py</a:t>
+            </a:r>
+            <a:endParaRPr lang="zh-CN" altLang="en-US" dirty="0"/>
+          </a:p>
+        </p:txBody>
+      </p:sp>
+    </p:spTree>
+    <p:extLst>
+      <p:ext uri="{BB962C8B-B14F-4D97-AF65-F5344CB8AC3E}">
+        <p14:creationId xmlns:p14="http://schemas.microsoft.com/office/powerpoint/2010/main" val="876939580"/>
+      </p:ext>
+    </p:extLst>
+  </p:cSld>
+  <p:clrMapOvr>
+    <a:masterClrMapping/>
+  </p:clrMapOvr>
+</p:sld>
+</file>
+
+<file path=ppt/slides/slide63.xml><?xml version="1.0" encoding="utf-8"?>
+<p:sld xmlns:a="http://schemas.openxmlformats.org/drawingml/2006/main" xmlns:r="http://schemas.openxmlformats.org/officeDocument/2006/relationships" xmlns:p="http://schemas.openxmlformats.org/presentationml/2006/main">
+  <p:cSld>
+    <p:spTree>
+      <p:nvGrpSpPr>
+        <p:cNvPr id="1" name=""/>
+        <p:cNvGrpSpPr/>
+        <p:nvPr/>
+      </p:nvGrpSpPr>
+      <p:grpSpPr>
+        <a:xfrm>
+          <a:off x="0" y="0"/>
+          <a:ext cx="0" cy="0"/>
+          <a:chOff x="0" y="0"/>
+          <a:chExt cx="0" cy="0"/>
+        </a:xfrm>
+      </p:grpSpPr>
+      <p:sp>
+        <p:nvSpPr>
+          <p:cNvPr id="2" name="标题 1">
+            <a:extLst>
+              <a:ext uri="{FF2B5EF4-FFF2-40B4-BE49-F238E27FC236}">
+                <a16:creationId xmlns:a16="http://schemas.microsoft.com/office/drawing/2014/main" id="{37067A1F-B57B-4F10-B7BE-BD1305E6BA7E}"/>
+              </a:ext>
+            </a:extLst>
+          </p:cNvPr>
+          <p:cNvSpPr>
+            <a:spLocks noGrp="1"/>
+          </p:cNvSpPr>
+          <p:nvPr>
+            <p:ph type="title"/>
+          </p:nvPr>
+        </p:nvSpPr>
+        <p:spPr/>
+        <p:txBody>
+          <a:bodyPr/>
+          <a:lstStyle/>
+          <a:p>
+            <a:r>
+              <a:rPr lang="zh-CN" altLang="en-US" dirty="0"/>
+              <a:t>程序控制结构之探试结构</a:t>
+            </a:r>
+          </a:p>
+        </p:txBody>
+      </p:sp>
+      <p:sp>
+        <p:nvSpPr>
+          <p:cNvPr id="3" name="内容占位符 2">
+            <a:extLst>
+              <a:ext uri="{FF2B5EF4-FFF2-40B4-BE49-F238E27FC236}">
+                <a16:creationId xmlns:a16="http://schemas.microsoft.com/office/drawing/2014/main" id="{2677C92A-371B-4558-AE7B-FE491CAA9B23}"/>
+              </a:ext>
+            </a:extLst>
+          </p:cNvPr>
+          <p:cNvSpPr>
+            <a:spLocks noGrp="1"/>
+          </p:cNvSpPr>
+          <p:nvPr>
+            <p:ph idx="1"/>
+          </p:nvPr>
+        </p:nvSpPr>
+        <p:spPr/>
+        <p:txBody>
+          <a:bodyPr/>
+          <a:lstStyle/>
+          <a:p>
+            <a:r>
+              <a:rPr lang="zh-CN" altLang="en-US" dirty="0"/>
+              <a:t>练习</a:t>
+            </a:r>
+            <a:r>
+              <a:rPr lang="en-US" altLang="zh-CN" dirty="0"/>
+              <a:t>try_exception.py</a:t>
+            </a:r>
+            <a:endParaRPr lang="zh-CN" altLang="en-US" dirty="0"/>
+          </a:p>
+        </p:txBody>
+      </p:sp>
+    </p:spTree>
+    <p:extLst>
+      <p:ext uri="{BB962C8B-B14F-4D97-AF65-F5344CB8AC3E}">
+        <p14:creationId xmlns:p14="http://schemas.microsoft.com/office/powerpoint/2010/main" val="3877107294"/>
+      </p:ext>
+    </p:extLst>
+  </p:cSld>
+  <p:clrMapOvr>
+    <a:masterClrMapping/>
+  </p:clrMapOvr>
+</p:sld>
+</file>
+
+<file path=ppt/slides/slide64.xml><?xml version="1.0" encoding="utf-8"?>
+<p:sld xmlns:a="http://schemas.openxmlformats.org/drawingml/2006/main" xmlns:r="http://schemas.openxmlformats.org/officeDocument/2006/relationships" xmlns:p="http://schemas.openxmlformats.org/presentationml/2006/main">
+  <p:cSld>
+    <p:spTree>
+      <p:nvGrpSpPr>
+        <p:cNvPr id="1" name=""/>
+        <p:cNvGrpSpPr/>
+        <p:nvPr/>
+      </p:nvGrpSpPr>
+      <p:grpSpPr>
+        <a:xfrm>
+          <a:off x="0" y="0"/>
+          <a:ext cx="0" cy="0"/>
+          <a:chOff x="0" y="0"/>
+          <a:chExt cx="0" cy="0"/>
+        </a:xfrm>
+      </p:grpSpPr>
+      <p:sp>
+        <p:nvSpPr>
+          <p:cNvPr id="2" name="标题 1">
+            <a:extLst>
+              <a:ext uri="{FF2B5EF4-FFF2-40B4-BE49-F238E27FC236}">
+                <a16:creationId xmlns:a16="http://schemas.microsoft.com/office/drawing/2014/main" id="{37067A1F-B57B-4F10-B7BE-BD1305E6BA7E}"/>
+              </a:ext>
+            </a:extLst>
+          </p:cNvPr>
+          <p:cNvSpPr>
+            <a:spLocks noGrp="1"/>
+          </p:cNvSpPr>
+          <p:nvPr>
+            <p:ph type="title"/>
+          </p:nvPr>
+        </p:nvSpPr>
+        <p:spPr/>
+        <p:txBody>
+          <a:bodyPr/>
+          <a:lstStyle/>
+          <a:p>
+            <a:r>
+              <a:rPr lang="zh-CN" altLang="en-US" dirty="0"/>
+              <a:t>程序控制结构之</a:t>
+            </a:r>
+            <a:r>
+              <a:rPr lang="en-US" altLang="zh-CN" dirty="0"/>
+              <a:t>while</a:t>
+            </a:r>
+            <a:r>
+              <a:rPr lang="zh-CN" altLang="en-US" dirty="0"/>
+              <a:t>循环</a:t>
+            </a:r>
+          </a:p>
+        </p:txBody>
+      </p:sp>
+      <p:sp>
+        <p:nvSpPr>
+          <p:cNvPr id="3" name="内容占位符 2">
+            <a:extLst>
+              <a:ext uri="{FF2B5EF4-FFF2-40B4-BE49-F238E27FC236}">
+                <a16:creationId xmlns:a16="http://schemas.microsoft.com/office/drawing/2014/main" id="{2677C92A-371B-4558-AE7B-FE491CAA9B23}"/>
+              </a:ext>
+            </a:extLst>
+          </p:cNvPr>
+          <p:cNvSpPr>
+            <a:spLocks noGrp="1"/>
+          </p:cNvSpPr>
+          <p:nvPr>
+            <p:ph idx="1"/>
+          </p:nvPr>
+        </p:nvSpPr>
+        <p:spPr/>
+        <p:txBody>
+          <a:bodyPr/>
+          <a:lstStyle/>
+          <a:p>
+            <a:r>
+              <a:rPr lang="zh-CN" altLang="en-US" dirty="0"/>
+              <a:t>练习</a:t>
+            </a:r>
+            <a:r>
+              <a:rPr lang="en-US" altLang="zh-CN" dirty="0"/>
+              <a:t>while.py</a:t>
+            </a:r>
+          </a:p>
+          <a:p>
+            <a:endParaRPr lang="en-US" altLang="zh-CN" dirty="0"/>
+          </a:p>
+          <a:p>
+            <a:r>
+              <a:rPr lang="zh-CN" altLang="en-US" dirty="0"/>
+              <a:t>作业：用</a:t>
+            </a:r>
+            <a:r>
+              <a:rPr lang="en-US" altLang="zh-CN" dirty="0"/>
+              <a:t>while</a:t>
+            </a:r>
+            <a:r>
+              <a:rPr lang="zh-CN" altLang="en-US" dirty="0"/>
+              <a:t>循环求从</a:t>
+            </a:r>
+            <a:r>
+              <a:rPr lang="en-US" altLang="zh-CN" dirty="0"/>
+              <a:t>1</a:t>
+            </a:r>
+            <a:r>
+              <a:rPr lang="zh-CN" altLang="en-US" dirty="0"/>
+              <a:t>到</a:t>
+            </a:r>
+            <a:r>
+              <a:rPr lang="en-US" altLang="zh-CN" dirty="0"/>
+              <a:t>100</a:t>
+            </a:r>
+            <a:r>
+              <a:rPr lang="zh-CN" altLang="en-US" dirty="0"/>
+              <a:t>的和</a:t>
+            </a:r>
+            <a:endParaRPr lang="en-US" altLang="zh-CN" dirty="0"/>
+          </a:p>
+        </p:txBody>
+      </p:sp>
+    </p:spTree>
+    <p:extLst>
+      <p:ext uri="{BB962C8B-B14F-4D97-AF65-F5344CB8AC3E}">
+        <p14:creationId xmlns:p14="http://schemas.microsoft.com/office/powerpoint/2010/main" val="2202360962"/>
+      </p:ext>
+    </p:extLst>
+  </p:cSld>
+  <p:clrMapOvr>
+    <a:masterClrMapping/>
+  </p:clrMapOvr>
+</p:sld>
+</file>
+
+<file path=ppt/slides/slide65.xml><?xml version="1.0" encoding="utf-8"?>
+<p:sld xmlns:a="http://schemas.openxmlformats.org/drawingml/2006/main" xmlns:r="http://schemas.openxmlformats.org/officeDocument/2006/relationships" xmlns:p="http://schemas.openxmlformats.org/presentationml/2006/main">
+  <p:cSld>
+    <p:spTree>
+      <p:nvGrpSpPr>
+        <p:cNvPr id="1" name=""/>
+        <p:cNvGrpSpPr/>
+        <p:nvPr/>
+      </p:nvGrpSpPr>
+      <p:grpSpPr>
+        <a:xfrm>
+          <a:off x="0" y="0"/>
+          <a:ext cx="0" cy="0"/>
+          <a:chOff x="0" y="0"/>
+          <a:chExt cx="0" cy="0"/>
+        </a:xfrm>
+      </p:grpSpPr>
+      <p:sp>
+        <p:nvSpPr>
+          <p:cNvPr id="2" name="标题 1">
+            <a:extLst>
+              <a:ext uri="{FF2B5EF4-FFF2-40B4-BE49-F238E27FC236}">
+                <a16:creationId xmlns:a16="http://schemas.microsoft.com/office/drawing/2014/main" id="{37067A1F-B57B-4F10-B7BE-BD1305E6BA7E}"/>
+              </a:ext>
+            </a:extLst>
+          </p:cNvPr>
+          <p:cNvSpPr>
+            <a:spLocks noGrp="1"/>
+          </p:cNvSpPr>
+          <p:nvPr>
+            <p:ph type="title"/>
+          </p:nvPr>
+        </p:nvSpPr>
+        <p:spPr/>
+        <p:txBody>
+          <a:bodyPr/>
+          <a:lstStyle/>
+          <a:p>
+            <a:r>
+              <a:rPr lang="zh-CN" altLang="en-US" dirty="0"/>
+              <a:t>程序控制结构之</a:t>
+            </a:r>
+            <a:r>
+              <a:rPr lang="en-US" altLang="zh-CN" dirty="0"/>
+              <a:t>for</a:t>
+            </a:r>
+            <a:r>
+              <a:rPr lang="zh-CN" altLang="en-US" dirty="0"/>
+              <a:t>循环</a:t>
+            </a:r>
+          </a:p>
+        </p:txBody>
+      </p:sp>
+      <p:sp>
+        <p:nvSpPr>
+          <p:cNvPr id="3" name="内容占位符 2">
+            <a:extLst>
+              <a:ext uri="{FF2B5EF4-FFF2-40B4-BE49-F238E27FC236}">
+                <a16:creationId xmlns:a16="http://schemas.microsoft.com/office/drawing/2014/main" id="{2677C92A-371B-4558-AE7B-FE491CAA9B23}"/>
+              </a:ext>
+            </a:extLst>
+          </p:cNvPr>
+          <p:cNvSpPr>
+            <a:spLocks noGrp="1"/>
+          </p:cNvSpPr>
+          <p:nvPr>
+            <p:ph idx="1"/>
+          </p:nvPr>
+        </p:nvSpPr>
+        <p:spPr/>
+        <p:txBody>
+          <a:bodyPr/>
+          <a:lstStyle/>
+          <a:p>
+            <a:r>
+              <a:rPr lang="zh-CN" altLang="en-US" dirty="0"/>
+              <a:t>练习</a:t>
+            </a:r>
+            <a:r>
+              <a:rPr lang="en-US" altLang="zh-CN" dirty="0"/>
+              <a:t>for.py</a:t>
+            </a:r>
+          </a:p>
+          <a:p>
+            <a:endParaRPr lang="en-US" altLang="zh-CN" dirty="0"/>
+          </a:p>
+          <a:p>
+            <a:r>
+              <a:rPr lang="zh-CN" altLang="en-US" dirty="0"/>
+              <a:t>作业：用</a:t>
+            </a:r>
+            <a:r>
+              <a:rPr lang="en-US" altLang="zh-CN" dirty="0"/>
+              <a:t>for</a:t>
+            </a:r>
+            <a:r>
+              <a:rPr lang="zh-CN" altLang="en-US" dirty="0"/>
+              <a:t>循环求从</a:t>
+            </a:r>
+            <a:r>
+              <a:rPr lang="en-US" altLang="zh-CN" dirty="0"/>
+              <a:t>1</a:t>
+            </a:r>
+            <a:r>
+              <a:rPr lang="zh-CN" altLang="en-US" dirty="0"/>
+              <a:t>到</a:t>
+            </a:r>
+            <a:r>
+              <a:rPr lang="en-US" altLang="zh-CN" dirty="0"/>
+              <a:t>100</a:t>
+            </a:r>
+            <a:r>
+              <a:rPr lang="zh-CN" altLang="en-US" dirty="0"/>
+              <a:t>的和</a:t>
+            </a:r>
+            <a:endParaRPr lang="en-US" altLang="zh-CN" dirty="0"/>
+          </a:p>
+        </p:txBody>
+      </p:sp>
+    </p:spTree>
+    <p:extLst>
+      <p:ext uri="{BB962C8B-B14F-4D97-AF65-F5344CB8AC3E}">
+        <p14:creationId xmlns:p14="http://schemas.microsoft.com/office/powerpoint/2010/main" val="1907878379"/>
+      </p:ext>
+    </p:extLst>
+  </p:cSld>
+  <p:clrMapOvr>
+    <a:masterClrMapping/>
+  </p:clrMapOvr>
+</p:sld>
+</file>
+
+<file path=ppt/slides/slide66.xml><?xml version="1.0" encoding="utf-8"?>
+<p:sld xmlns:a="http://schemas.openxmlformats.org/drawingml/2006/main" xmlns:r="http://schemas.openxmlformats.org/officeDocument/2006/relationships" xmlns:p="http://schemas.openxmlformats.org/presentationml/2006/main">
+  <p:cSld>
+    <p:spTree>
+      <p:nvGrpSpPr>
+        <p:cNvPr id="1" name=""/>
+        <p:cNvGrpSpPr/>
+        <p:nvPr/>
+      </p:nvGrpSpPr>
+      <p:grpSpPr>
+        <a:xfrm>
+          <a:off x="0" y="0"/>
+          <a:ext cx="0" cy="0"/>
+          <a:chOff x="0" y="0"/>
+          <a:chExt cx="0" cy="0"/>
+        </a:xfrm>
+      </p:grpSpPr>
+      <p:sp>
+        <p:nvSpPr>
+          <p:cNvPr id="2" name="标题 1">
+            <a:extLst>
+              <a:ext uri="{FF2B5EF4-FFF2-40B4-BE49-F238E27FC236}">
+                <a16:creationId xmlns:a16="http://schemas.microsoft.com/office/drawing/2014/main" id="{D00ADFB7-C222-43EE-9537-536366BC11A3}"/>
+              </a:ext>
+            </a:extLst>
+          </p:cNvPr>
+          <p:cNvSpPr>
+            <a:spLocks noGrp="1"/>
+          </p:cNvSpPr>
+          <p:nvPr>
+            <p:ph type="title"/>
+          </p:nvPr>
+        </p:nvSpPr>
+        <p:spPr/>
+        <p:txBody>
+          <a:bodyPr/>
+          <a:lstStyle/>
+          <a:p>
+            <a:r>
+              <a:rPr lang="zh-CN" altLang="en-US" dirty="0"/>
+              <a:t>数据读取之</a:t>
+            </a:r>
+            <a:r>
+              <a:rPr lang="en-US" altLang="zh-CN" dirty="0"/>
+              <a:t>excel</a:t>
+            </a:r>
+            <a:endParaRPr lang="zh-CN" altLang="en-US" dirty="0"/>
+          </a:p>
+        </p:txBody>
+      </p:sp>
+      <p:sp>
+        <p:nvSpPr>
+          <p:cNvPr id="3" name="内容占位符 2">
+            <a:extLst>
+              <a:ext uri="{FF2B5EF4-FFF2-40B4-BE49-F238E27FC236}">
+                <a16:creationId xmlns:a16="http://schemas.microsoft.com/office/drawing/2014/main" id="{117D6BAE-1799-44FE-86F5-D99D31DF2E92}"/>
+              </a:ext>
+            </a:extLst>
+          </p:cNvPr>
+          <p:cNvSpPr>
+            <a:spLocks noGrp="1"/>
+          </p:cNvSpPr>
+          <p:nvPr>
+            <p:ph idx="1"/>
+          </p:nvPr>
+        </p:nvSpPr>
+        <p:spPr/>
+        <p:txBody>
+          <a:bodyPr/>
+          <a:lstStyle/>
+          <a:p>
+            <a:endParaRPr lang="zh-CN" altLang="en-US"/>
+          </a:p>
+        </p:txBody>
+      </p:sp>
+    </p:spTree>
+    <p:extLst>
+      <p:ext uri="{BB962C8B-B14F-4D97-AF65-F5344CB8AC3E}">
+        <p14:creationId xmlns:p14="http://schemas.microsoft.com/office/powerpoint/2010/main" val="1002912840"/>
+      </p:ext>
+    </p:extLst>
+  </p:cSld>
+  <p:clrMapOvr>
+    <a:masterClrMapping/>
+  </p:clrMapOvr>
+</p:sld>
+</file>
+
+<file path=ppt/slides/slide67.xml><?xml version="1.0" encoding="utf-8"?>
+<p:sld xmlns:a="http://schemas.openxmlformats.org/drawingml/2006/main" xmlns:r="http://schemas.openxmlformats.org/officeDocument/2006/relationships" xmlns:p="http://schemas.openxmlformats.org/presentationml/2006/main">
+  <p:cSld>
+    <p:spTree>
+      <p:nvGrpSpPr>
+        <p:cNvPr id="1" name=""/>
+        <p:cNvGrpSpPr/>
+        <p:nvPr/>
+      </p:nvGrpSpPr>
+      <p:grpSpPr>
+        <a:xfrm>
+          <a:off x="0" y="0"/>
+          <a:ext cx="0" cy="0"/>
+          <a:chOff x="0" y="0"/>
+          <a:chExt cx="0" cy="0"/>
+        </a:xfrm>
+      </p:grpSpPr>
+      <p:sp>
+        <p:nvSpPr>
+          <p:cNvPr id="2" name="标题 1">
+            <a:extLst>
+              <a:ext uri="{FF2B5EF4-FFF2-40B4-BE49-F238E27FC236}">
+                <a16:creationId xmlns:a16="http://schemas.microsoft.com/office/drawing/2014/main" id="{89C95D71-CA4F-41AC-B4F3-63C17E5FFBB0}"/>
+              </a:ext>
+            </a:extLst>
+          </p:cNvPr>
+          <p:cNvSpPr>
+            <a:spLocks noGrp="1"/>
+          </p:cNvSpPr>
+          <p:nvPr>
+            <p:ph type="title"/>
+          </p:nvPr>
+        </p:nvSpPr>
+        <p:spPr/>
+        <p:txBody>
+          <a:bodyPr/>
+          <a:lstStyle/>
+          <a:p>
+            <a:r>
+              <a:rPr lang="zh-CN" altLang="en-US" dirty="0"/>
+              <a:t>红葡萄酒质量预测</a:t>
+            </a:r>
+          </a:p>
+        </p:txBody>
+      </p:sp>
+      <p:sp>
+        <p:nvSpPr>
+          <p:cNvPr id="3" name="内容占位符 2">
+            <a:extLst>
+              <a:ext uri="{FF2B5EF4-FFF2-40B4-BE49-F238E27FC236}">
+                <a16:creationId xmlns:a16="http://schemas.microsoft.com/office/drawing/2014/main" id="{BBD096CA-8EB5-4CD3-A814-7C0309B48DA7}"/>
+              </a:ext>
+            </a:extLst>
+          </p:cNvPr>
+          <p:cNvSpPr>
+            <a:spLocks noGrp="1"/>
+          </p:cNvSpPr>
+          <p:nvPr>
+            <p:ph idx="1"/>
+          </p:nvPr>
+        </p:nvSpPr>
+        <p:spPr/>
+        <p:txBody>
+          <a:bodyPr>
+            <a:noAutofit/>
+          </a:bodyPr>
+          <a:lstStyle/>
+          <a:p>
+            <a:pPr rtl="0"/>
+            <a:r>
+              <a:rPr lang="en-US" altLang="zh-CN" sz="1800" dirty="0">
+                <a:effectLst/>
+              </a:rPr>
+              <a:t>1-</a:t>
+            </a:r>
+            <a:r>
+              <a:rPr lang="zh-CN" altLang="en-US" sz="1800" dirty="0">
+                <a:effectLst/>
+              </a:rPr>
+              <a:t>固定酸度 </a:t>
+            </a:r>
+          </a:p>
+          <a:p>
+            <a:pPr rtl="0"/>
+            <a:r>
+              <a:rPr lang="en-US" altLang="zh-CN" sz="1800" dirty="0">
+                <a:effectLst/>
+              </a:rPr>
+              <a:t>2-</a:t>
+            </a:r>
+            <a:r>
+              <a:rPr lang="zh-CN" altLang="en-US" sz="1800" dirty="0">
+                <a:effectLst/>
+              </a:rPr>
+              <a:t>挥发性酸度 </a:t>
+            </a:r>
+          </a:p>
+          <a:p>
+            <a:pPr rtl="0"/>
+            <a:r>
+              <a:rPr lang="en-US" altLang="zh-CN" sz="1800" dirty="0">
+                <a:effectLst/>
+              </a:rPr>
+              <a:t>3-</a:t>
+            </a:r>
+            <a:r>
+              <a:rPr lang="zh-CN" altLang="en-US" sz="1800" dirty="0">
+                <a:effectLst/>
+              </a:rPr>
+              <a:t>柠檬酸 </a:t>
+            </a:r>
+          </a:p>
+          <a:p>
+            <a:pPr rtl="0"/>
+            <a:r>
+              <a:rPr lang="en-US" altLang="zh-CN" sz="1800" dirty="0">
+                <a:effectLst/>
+              </a:rPr>
+              <a:t>4-</a:t>
+            </a:r>
+            <a:r>
+              <a:rPr lang="zh-CN" altLang="en-US" sz="1800" dirty="0">
+                <a:effectLst/>
+              </a:rPr>
+              <a:t>残糖 </a:t>
+            </a:r>
+          </a:p>
+          <a:p>
+            <a:pPr rtl="0"/>
+            <a:r>
+              <a:rPr lang="en-US" altLang="zh-CN" sz="1800" dirty="0">
+                <a:effectLst/>
+              </a:rPr>
+              <a:t>5-</a:t>
+            </a:r>
+            <a:r>
+              <a:rPr lang="zh-CN" altLang="en-US" sz="1800" dirty="0">
+                <a:effectLst/>
+              </a:rPr>
+              <a:t>氯化物 </a:t>
+            </a:r>
+          </a:p>
+          <a:p>
+            <a:pPr rtl="0"/>
+            <a:r>
+              <a:rPr lang="en-US" altLang="zh-CN" sz="1800" dirty="0">
+                <a:effectLst/>
+              </a:rPr>
+              <a:t>6-</a:t>
+            </a:r>
+            <a:r>
+              <a:rPr lang="zh-CN" altLang="en-US" sz="1800" dirty="0">
+                <a:effectLst/>
+              </a:rPr>
+              <a:t>游离二氧化硫 </a:t>
+            </a:r>
+          </a:p>
+          <a:p>
+            <a:pPr rtl="0"/>
+            <a:r>
+              <a:rPr lang="en-US" altLang="zh-CN" sz="1800" dirty="0">
+                <a:effectLst/>
+              </a:rPr>
+              <a:t>7-</a:t>
+            </a:r>
+            <a:r>
+              <a:rPr lang="zh-CN" altLang="en-US" sz="1800" dirty="0">
+                <a:effectLst/>
+              </a:rPr>
+              <a:t>总二氧化硫 </a:t>
+            </a:r>
+          </a:p>
+          <a:p>
+            <a:pPr rtl="0"/>
+            <a:r>
+              <a:rPr lang="en-US" altLang="zh-CN" sz="1800" dirty="0">
+                <a:effectLst/>
+              </a:rPr>
+              <a:t>8-</a:t>
+            </a:r>
+            <a:r>
+              <a:rPr lang="zh-CN" altLang="en-US" sz="1800" dirty="0">
+                <a:effectLst/>
+              </a:rPr>
+              <a:t>密度 </a:t>
+            </a:r>
+          </a:p>
+          <a:p>
+            <a:pPr rtl="0"/>
+            <a:r>
+              <a:rPr lang="en-US" altLang="zh-CN" sz="1800" dirty="0">
+                <a:effectLst/>
+              </a:rPr>
+              <a:t>9</a:t>
+            </a:r>
+            <a:r>
+              <a:rPr lang="zh-CN" altLang="en-US" sz="1800" dirty="0">
+                <a:effectLst/>
+              </a:rPr>
+              <a:t>相 </a:t>
+            </a:r>
+          </a:p>
+          <a:p>
+            <a:pPr rtl="0"/>
+            <a:r>
+              <a:rPr lang="en-US" altLang="zh-CN" sz="1800" dirty="0">
+                <a:effectLst/>
+              </a:rPr>
+              <a:t>10-</a:t>
+            </a:r>
+            <a:r>
+              <a:rPr lang="zh-CN" altLang="en-US" sz="1800" dirty="0">
+                <a:effectLst/>
+              </a:rPr>
+              <a:t>硫酸盐 </a:t>
+            </a:r>
+          </a:p>
+          <a:p>
+            <a:pPr rtl="0"/>
+            <a:r>
+              <a:rPr lang="en-US" altLang="zh-CN" sz="1800" dirty="0">
+                <a:effectLst/>
+              </a:rPr>
+              <a:t>11-</a:t>
+            </a:r>
+            <a:r>
+              <a:rPr lang="zh-CN" altLang="en-US" sz="1800" dirty="0">
+                <a:effectLst/>
+              </a:rPr>
+              <a:t>酒精 </a:t>
+            </a:r>
+            <a:endParaRPr lang="zh-CN" altLang="en-US" sz="1800" dirty="0"/>
+          </a:p>
+        </p:txBody>
+      </p:sp>
+    </p:spTree>
+    <p:extLst>
+      <p:ext uri="{BB962C8B-B14F-4D97-AF65-F5344CB8AC3E}">
+        <p14:creationId xmlns:p14="http://schemas.microsoft.com/office/powerpoint/2010/main" val="1975671821"/>
+      </p:ext>
+    </p:extLst>
+  </p:cSld>
+  <p:clrMapOvr>
+    <a:masterClrMapping/>
+  </p:clrMapOvr>
+</p:sld>
+</file>
+
+<file path=ppt/slides/slide68.xml><?xml version="1.0" encoding="utf-8"?>
+<p:sld xmlns:a="http://schemas.openxmlformats.org/drawingml/2006/main" xmlns:r="http://schemas.openxmlformats.org/officeDocument/2006/relationships" xmlns:p="http://schemas.openxmlformats.org/presentationml/2006/main">
+  <p:cSld>
+    <p:spTree>
+      <p:nvGrpSpPr>
+        <p:cNvPr id="1" name=""/>
+        <p:cNvGrpSpPr/>
+        <p:nvPr/>
+      </p:nvGrpSpPr>
+      <p:grpSpPr>
+        <a:xfrm>
+          <a:off x="0" y="0"/>
+          <a:ext cx="0" cy="0"/>
+          <a:chOff x="0" y="0"/>
+          <a:chExt cx="0" cy="0"/>
+        </a:xfrm>
+      </p:grpSpPr>
+      <p:sp>
+        <p:nvSpPr>
+          <p:cNvPr id="2" name="标题 1">
+            <a:extLst>
+              <a:ext uri="{FF2B5EF4-FFF2-40B4-BE49-F238E27FC236}">
+                <a16:creationId xmlns:a16="http://schemas.microsoft.com/office/drawing/2014/main" id="{8C993D77-B663-46F8-83BE-AAF320E2BFA5}"/>
+              </a:ext>
+            </a:extLst>
+          </p:cNvPr>
+          <p:cNvSpPr>
+            <a:spLocks noGrp="1"/>
+          </p:cNvSpPr>
+          <p:nvPr>
+            <p:ph type="title"/>
+          </p:nvPr>
+        </p:nvSpPr>
+        <p:spPr/>
+        <p:txBody>
+          <a:bodyPr/>
+          <a:lstStyle/>
+          <a:p>
+            <a:endParaRPr lang="zh-CN" altLang="en-US"/>
+          </a:p>
+        </p:txBody>
+      </p:sp>
+      <p:pic>
+        <p:nvPicPr>
+          <p:cNvPr id="5" name="内容占位符 4">
+            <a:extLst>
+              <a:ext uri="{FF2B5EF4-FFF2-40B4-BE49-F238E27FC236}">
+                <a16:creationId xmlns:a16="http://schemas.microsoft.com/office/drawing/2014/main" id="{746E3294-D8A9-413D-A17B-54D6DE2DEAF6}"/>
+              </a:ext>
+            </a:extLst>
+          </p:cNvPr>
+          <p:cNvPicPr>
+            <a:picLocks noGrp="1" noChangeAspect="1"/>
+          </p:cNvPicPr>
+          <p:nvPr>
+            <p:ph idx="1"/>
+          </p:nvPr>
+        </p:nvPicPr>
+        <p:blipFill>
+          <a:blip r:embed="rId2"/>
+          <a:stretch>
+            <a:fillRect/>
+          </a:stretch>
+        </p:blipFill>
+        <p:spPr>
+          <a:xfrm>
+            <a:off x="2262187" y="3034506"/>
+            <a:ext cx="7667625" cy="1933575"/>
+          </a:xfrm>
+        </p:spPr>
+      </p:pic>
+    </p:spTree>
+    <p:extLst>
+      <p:ext uri="{BB962C8B-B14F-4D97-AF65-F5344CB8AC3E}">
+        <p14:creationId xmlns:p14="http://schemas.microsoft.com/office/powerpoint/2010/main" val="1854670143"/>
+      </p:ext>
+    </p:extLst>
+  </p:cSld>
+  <p:clrMapOvr>
+    <a:masterClrMapping/>
+  </p:clrMapOvr>
+</p:sld>
+</file>
+
 <file path=ppt/slides/slide7.xml><?xml version="1.0" encoding="utf-8"?>
 <p:sld xmlns:a="http://schemas.openxmlformats.org/drawingml/2006/main" xmlns:r="http://schemas.openxmlformats.org/officeDocument/2006/relationships" xmlns:p="http://schemas.openxmlformats.org/presentationml/2006/main">
   <p:cSld>

--- a/The_first_ml_training/第一届机器学习实战班.pptx
+++ b/The_first_ml_training/第一届机器学习实战班.pptx
@@ -5,7 +5,7 @@
     <p:sldMasterId id="2147483727" r:id="rId1"/>
   </p:sldMasterIdLst>
   <p:notesMasterIdLst>
-    <p:notesMasterId r:id="rId70"/>
+    <p:notesMasterId r:id="rId72"/>
   </p:notesMasterIdLst>
   <p:sldIdLst>
     <p:sldId id="256" r:id="rId2"/>
@@ -73,9 +73,11 @@
     <p:sldId id="427" r:id="rId64"/>
     <p:sldId id="428" r:id="rId65"/>
     <p:sldId id="429" r:id="rId66"/>
-    <p:sldId id="430" r:id="rId67"/>
-    <p:sldId id="431" r:id="rId68"/>
-    <p:sldId id="432" r:id="rId69"/>
+    <p:sldId id="433" r:id="rId67"/>
+    <p:sldId id="434" r:id="rId68"/>
+    <p:sldId id="430" r:id="rId69"/>
+    <p:sldId id="432" r:id="rId70"/>
+    <p:sldId id="435" r:id="rId71"/>
   </p:sldIdLst>
   <p:sldSz cx="12192000" cy="6858000"/>
   <p:notesSz cx="6858000" cy="9144000"/>
@@ -4180,7 +4182,7 @@
           <a:p>
             <a:fld id="{F9240C15-84E4-4753-B92D-ACDA520CEF05}" type="datetimeFigureOut">
               <a:rPr lang="zh-CN" altLang="en-US" smtClean="0"/>
-              <a:t>2020/12/17</a:t>
+              <a:t>2020/12/18</a:t>
             </a:fld>
             <a:endParaRPr lang="zh-CN" altLang="en-US"/>
           </a:p>
@@ -4812,7 +4814,7 @@
           <a:p>
             <a:fld id="{5F7787EC-2923-4DE8-84F8-CB4FE5744F4A}" type="datetimeFigureOut">
               <a:rPr lang="zh-CN" altLang="en-US" smtClean="0"/>
-              <a:t>2020/12/17</a:t>
+              <a:t>2020/12/18</a:t>
             </a:fld>
             <a:endParaRPr lang="zh-CN" altLang="en-US"/>
           </a:p>
@@ -4982,7 +4984,7 @@
           <a:p>
             <a:fld id="{5F7787EC-2923-4DE8-84F8-CB4FE5744F4A}" type="datetimeFigureOut">
               <a:rPr lang="zh-CN" altLang="en-US" smtClean="0"/>
-              <a:t>2020/12/17</a:t>
+              <a:t>2020/12/18</a:t>
             </a:fld>
             <a:endParaRPr lang="zh-CN" altLang="en-US"/>
           </a:p>
@@ -5162,7 +5164,7 @@
           <a:p>
             <a:fld id="{5F7787EC-2923-4DE8-84F8-CB4FE5744F4A}" type="datetimeFigureOut">
               <a:rPr lang="zh-CN" altLang="en-US" smtClean="0"/>
-              <a:t>2020/12/17</a:t>
+              <a:t>2020/12/18</a:t>
             </a:fld>
             <a:endParaRPr lang="zh-CN" altLang="en-US"/>
           </a:p>
@@ -5363,7 +5365,7 @@
           <a:p>
             <a:fld id="{5F7787EC-2923-4DE8-84F8-CB4FE5744F4A}" type="datetimeFigureOut">
               <a:rPr lang="zh-CN" altLang="en-US" smtClean="0"/>
-              <a:t>2020/12/17</a:t>
+              <a:t>2020/12/18</a:t>
             </a:fld>
             <a:endParaRPr lang="zh-CN" altLang="en-US"/>
           </a:p>
@@ -5609,7 +5611,7 @@
           <a:p>
             <a:fld id="{5F7787EC-2923-4DE8-84F8-CB4FE5744F4A}" type="datetimeFigureOut">
               <a:rPr lang="zh-CN" altLang="en-US" smtClean="0"/>
-              <a:t>2020/12/17</a:t>
+              <a:t>2020/12/18</a:t>
             </a:fld>
             <a:endParaRPr lang="zh-CN" altLang="en-US"/>
           </a:p>
@@ -5841,7 +5843,7 @@
           <a:p>
             <a:fld id="{5F7787EC-2923-4DE8-84F8-CB4FE5744F4A}" type="datetimeFigureOut">
               <a:rPr lang="zh-CN" altLang="en-US" smtClean="0"/>
-              <a:t>2020/12/17</a:t>
+              <a:t>2020/12/18</a:t>
             </a:fld>
             <a:endParaRPr lang="zh-CN" altLang="en-US"/>
           </a:p>
@@ -6208,7 +6210,7 @@
           <a:p>
             <a:fld id="{5F7787EC-2923-4DE8-84F8-CB4FE5744F4A}" type="datetimeFigureOut">
               <a:rPr lang="zh-CN" altLang="en-US" smtClean="0"/>
-              <a:t>2020/12/17</a:t>
+              <a:t>2020/12/18</a:t>
             </a:fld>
             <a:endParaRPr lang="zh-CN" altLang="en-US"/>
           </a:p>
@@ -6326,7 +6328,7 @@
           <a:p>
             <a:fld id="{5F7787EC-2923-4DE8-84F8-CB4FE5744F4A}" type="datetimeFigureOut">
               <a:rPr lang="zh-CN" altLang="en-US" smtClean="0"/>
-              <a:t>2020/12/17</a:t>
+              <a:t>2020/12/18</a:t>
             </a:fld>
             <a:endParaRPr lang="zh-CN" altLang="en-US"/>
           </a:p>
@@ -6421,7 +6423,7 @@
           <a:p>
             <a:fld id="{5F7787EC-2923-4DE8-84F8-CB4FE5744F4A}" type="datetimeFigureOut">
               <a:rPr lang="zh-CN" altLang="en-US" smtClean="0"/>
-              <a:t>2020/12/17</a:t>
+              <a:t>2020/12/18</a:t>
             </a:fld>
             <a:endParaRPr lang="zh-CN" altLang="en-US"/>
           </a:p>
@@ -6698,7 +6700,7 @@
           <a:p>
             <a:fld id="{5F7787EC-2923-4DE8-84F8-CB4FE5744F4A}" type="datetimeFigureOut">
               <a:rPr lang="zh-CN" altLang="en-US" smtClean="0"/>
-              <a:t>2020/12/17</a:t>
+              <a:t>2020/12/18</a:t>
             </a:fld>
             <a:endParaRPr lang="zh-CN" altLang="en-US"/>
           </a:p>
@@ -6955,7 +6957,7 @@
           <a:p>
             <a:fld id="{5F7787EC-2923-4DE8-84F8-CB4FE5744F4A}" type="datetimeFigureOut">
               <a:rPr lang="zh-CN" altLang="en-US" smtClean="0"/>
-              <a:t>2020/12/17</a:t>
+              <a:t>2020/12/18</a:t>
             </a:fld>
             <a:endParaRPr lang="zh-CN" altLang="en-US"/>
           </a:p>
@@ -7168,7 +7170,7 @@
           <a:p>
             <a:fld id="{5F7787EC-2923-4DE8-84F8-CB4FE5744F4A}" type="datetimeFigureOut">
               <a:rPr lang="zh-CN" altLang="en-US" smtClean="0"/>
-              <a:t>2020/12/17</a:t>
+              <a:t>2020/12/18</a:t>
             </a:fld>
             <a:endParaRPr lang="zh-CN" altLang="en-US"/>
           </a:p>
@@ -21480,7 +21482,7 @@
           <p:cNvPr id="2" name="标题 1">
             <a:extLst>
               <a:ext uri="{FF2B5EF4-FFF2-40B4-BE49-F238E27FC236}">
-                <a16:creationId xmlns:a16="http://schemas.microsoft.com/office/drawing/2014/main" id="{D00ADFB7-C222-43EE-9537-536366BC11A3}"/>
+                <a16:creationId xmlns:a16="http://schemas.microsoft.com/office/drawing/2014/main" id="{824B8582-8DE6-469C-84F2-50038C44F859}"/>
               </a:ext>
             </a:extLst>
           </p:cNvPr>
@@ -21497,14 +21499,13 @@
           <a:lstStyle/>
           <a:p>
             <a:r>
+              <a:rPr lang="en-US" altLang="zh-CN" dirty="0"/>
+              <a:t>csv/excel</a:t>
+            </a:r>
+            <a:r>
               <a:rPr lang="zh-CN" altLang="en-US" dirty="0"/>
-              <a:t>数据读取之</a:t>
-            </a:r>
-            <a:r>
-              <a:rPr lang="en-US" altLang="zh-CN" dirty="0"/>
-              <a:t>excel</a:t>
-            </a:r>
-            <a:endParaRPr lang="zh-CN" altLang="en-US" dirty="0"/>
+              <a:t>文件读取</a:t>
+            </a:r>
           </a:p>
         </p:txBody>
       </p:sp>
@@ -21513,7 +21514,7 @@
           <p:cNvPr id="3" name="内容占位符 2">
             <a:extLst>
               <a:ext uri="{FF2B5EF4-FFF2-40B4-BE49-F238E27FC236}">
-                <a16:creationId xmlns:a16="http://schemas.microsoft.com/office/drawing/2014/main" id="{117D6BAE-1799-44FE-86F5-D99D31DF2E92}"/>
+                <a16:creationId xmlns:a16="http://schemas.microsoft.com/office/drawing/2014/main" id="{2B719DD2-5995-425D-A8E3-04D162A37FBF}"/>
               </a:ext>
             </a:extLst>
           </p:cNvPr>
@@ -21529,14 +21530,27 @@
           <a:bodyPr/>
           <a:lstStyle/>
           <a:p>
-            <a:endParaRPr lang="zh-CN" altLang="en-US"/>
+            <a:r>
+              <a:rPr lang="zh-CN" altLang="en-US" dirty="0"/>
+              <a:t>练习</a:t>
+            </a:r>
+            <a:r>
+              <a:rPr lang="en-US" altLang="zh-CN" dirty="0"/>
+              <a:t>io_csv_redwine.py</a:t>
+            </a:r>
+          </a:p>
+          <a:p>
+            <a:r>
+              <a:rPr lang="zh-CN" altLang="en-US" dirty="0"/>
+              <a:t>为后面的学习做准备</a:t>
+            </a:r>
           </a:p>
         </p:txBody>
       </p:sp>
     </p:spTree>
     <p:extLst>
       <p:ext uri="{BB962C8B-B14F-4D97-AF65-F5344CB8AC3E}">
-        <p14:creationId xmlns:p14="http://schemas.microsoft.com/office/powerpoint/2010/main" val="1002912840"/>
+        <p14:creationId xmlns:p14="http://schemas.microsoft.com/office/powerpoint/2010/main" val="1968698320"/>
       </p:ext>
     </p:extLst>
   </p:cSld>
@@ -21565,232 +21579,70 @@
       </p:grpSpPr>
       <p:sp>
         <p:nvSpPr>
-          <p:cNvPr id="2" name="标题 1">
-            <a:extLst>
-              <a:ext uri="{FF2B5EF4-FFF2-40B4-BE49-F238E27FC236}">
-                <a16:creationId xmlns:a16="http://schemas.microsoft.com/office/drawing/2014/main" id="{89C95D71-CA4F-41AC-B4F3-63C17E5FFBB0}"/>
-              </a:ext>
-            </a:extLst>
-          </p:cNvPr>
-          <p:cNvSpPr>
-            <a:spLocks noGrp="1"/>
-          </p:cNvSpPr>
-          <p:nvPr>
-            <p:ph type="title"/>
-          </p:nvPr>
-        </p:nvSpPr>
-        <p:spPr/>
-        <p:txBody>
-          <a:bodyPr/>
-          <a:lstStyle/>
-          <a:p>
-            <a:r>
-              <a:rPr lang="zh-CN" altLang="en-US" dirty="0"/>
-              <a:t>红葡萄酒质量预测</a:t>
-            </a:r>
-          </a:p>
-        </p:txBody>
-      </p:sp>
-      <p:sp>
-        <p:nvSpPr>
-          <p:cNvPr id="3" name="内容占位符 2">
-            <a:extLst>
-              <a:ext uri="{FF2B5EF4-FFF2-40B4-BE49-F238E27FC236}">
-                <a16:creationId xmlns:a16="http://schemas.microsoft.com/office/drawing/2014/main" id="{BBD096CA-8EB5-4CD3-A814-7C0309B48DA7}"/>
-              </a:ext>
-            </a:extLst>
-          </p:cNvPr>
-          <p:cNvSpPr>
-            <a:spLocks noGrp="1"/>
-          </p:cNvSpPr>
-          <p:nvPr>
-            <p:ph idx="1"/>
-          </p:nvPr>
-        </p:nvSpPr>
-        <p:spPr/>
-        <p:txBody>
-          <a:bodyPr>
-            <a:noAutofit/>
+          <p:cNvPr id="273" name="Shape 273"/>
+          <p:cNvSpPr/>
+          <p:nvPr/>
+        </p:nvSpPr>
+        <p:spPr>
+          <a:xfrm>
+            <a:off x="1052829" y="2964180"/>
+            <a:ext cx="11060613" cy="920445"/>
+          </a:xfrm>
+          <a:prstGeom prst="rect">
+            <a:avLst/>
+          </a:prstGeom>
+          <a:ln w="12700">
+            <a:miter lim="400000"/>
+          </a:ln>
+        </p:spPr>
+        <p:txBody>
+          <a:bodyPr wrap="square" lIns="45719" rIns="45719">
+            <a:spAutoFit/>
           </a:bodyPr>
-          <a:lstStyle/>
-          <a:p>
-            <a:pPr rtl="0"/>
-            <a:r>
-              <a:rPr lang="en-US" altLang="zh-CN" sz="1800" dirty="0">
-                <a:effectLst/>
+          <a:lstStyle>
+            <a:lvl1pPr>
+              <a:lnSpc>
+                <a:spcPct val="80000"/>
+              </a:lnSpc>
+              <a:defRPr sz="6600">
+                <a:solidFill>
+                  <a:srgbClr val="535353"/>
+                </a:solidFill>
+                <a:latin typeface="Source Han Sans CN Bold Bold"/>
+                <a:ea typeface="Source Han Sans CN Bold Bold"/>
+                <a:cs typeface="Source Han Sans CN Bold Bold"/>
+                <a:sym typeface="Source Han Sans CN Bold Bold"/>
+              </a:defRPr>
+            </a:lvl1pPr>
+          </a:lstStyle>
+          <a:p>
+            <a:r>
+              <a:rPr lang="zh-CN" altLang="en-US" dirty="0">
+                <a:solidFill>
+                  <a:schemeClr val="tx1"/>
+                </a:solidFill>
               </a:rPr>
-              <a:t>1-</a:t>
-            </a:r>
-            <a:r>
-              <a:rPr lang="zh-CN" altLang="en-US" sz="1800" dirty="0">
-                <a:effectLst/>
-              </a:rPr>
-              <a:t>固定酸度 </a:t>
-            </a:r>
-          </a:p>
-          <a:p>
-            <a:pPr rtl="0"/>
-            <a:r>
-              <a:rPr lang="en-US" altLang="zh-CN" sz="1800" dirty="0">
-                <a:effectLst/>
-              </a:rPr>
-              <a:t>2-</a:t>
-            </a:r>
-            <a:r>
-              <a:rPr lang="zh-CN" altLang="en-US" sz="1800" dirty="0">
-                <a:effectLst/>
-              </a:rPr>
-              <a:t>挥发性酸度 </a:t>
-            </a:r>
-          </a:p>
-          <a:p>
-            <a:pPr rtl="0"/>
-            <a:r>
-              <a:rPr lang="en-US" altLang="zh-CN" sz="1800" dirty="0">
-                <a:effectLst/>
-              </a:rPr>
-              <a:t>3-</a:t>
-            </a:r>
-            <a:r>
-              <a:rPr lang="zh-CN" altLang="en-US" sz="1800" dirty="0">
-                <a:effectLst/>
-              </a:rPr>
-              <a:t>柠檬酸 </a:t>
-            </a:r>
-          </a:p>
-          <a:p>
-            <a:pPr rtl="0"/>
-            <a:r>
-              <a:rPr lang="en-US" altLang="zh-CN" sz="1800" dirty="0">
-                <a:effectLst/>
-              </a:rPr>
-              <a:t>4-</a:t>
-            </a:r>
-            <a:r>
-              <a:rPr lang="zh-CN" altLang="en-US" sz="1800" dirty="0">
-                <a:effectLst/>
-              </a:rPr>
-              <a:t>残糖 </a:t>
-            </a:r>
-          </a:p>
-          <a:p>
-            <a:pPr rtl="0"/>
-            <a:r>
-              <a:rPr lang="en-US" altLang="zh-CN" sz="1800" dirty="0">
-                <a:effectLst/>
-              </a:rPr>
-              <a:t>5-</a:t>
-            </a:r>
-            <a:r>
-              <a:rPr lang="zh-CN" altLang="en-US" sz="1800" dirty="0">
-                <a:effectLst/>
-              </a:rPr>
-              <a:t>氯化物 </a:t>
-            </a:r>
-          </a:p>
-          <a:p>
-            <a:pPr rtl="0"/>
-            <a:r>
-              <a:rPr lang="en-US" altLang="zh-CN" sz="1800" dirty="0">
-                <a:effectLst/>
-              </a:rPr>
-              <a:t>6-</a:t>
-            </a:r>
-            <a:r>
-              <a:rPr lang="zh-CN" altLang="en-US" sz="1800" dirty="0">
-                <a:effectLst/>
-              </a:rPr>
-              <a:t>游离二氧化硫 </a:t>
-            </a:r>
-          </a:p>
-          <a:p>
-            <a:pPr rtl="0"/>
-            <a:r>
-              <a:rPr lang="en-US" altLang="zh-CN" sz="1800" dirty="0">
-                <a:effectLst/>
-              </a:rPr>
-              <a:t>7-</a:t>
-            </a:r>
-            <a:r>
-              <a:rPr lang="zh-CN" altLang="en-US" sz="1800" dirty="0">
-                <a:effectLst/>
-              </a:rPr>
-              <a:t>总二氧化硫 </a:t>
-            </a:r>
-          </a:p>
-          <a:p>
-            <a:pPr rtl="0"/>
-            <a:r>
-              <a:rPr lang="en-US" altLang="zh-CN" sz="1800" dirty="0">
-                <a:effectLst/>
-              </a:rPr>
-              <a:t>8-</a:t>
-            </a:r>
-            <a:r>
-              <a:rPr lang="zh-CN" altLang="en-US" sz="1800" dirty="0">
-                <a:effectLst/>
-              </a:rPr>
-              <a:t>密度 </a:t>
-            </a:r>
-          </a:p>
-          <a:p>
-            <a:pPr rtl="0"/>
-            <a:r>
-              <a:rPr lang="en-US" altLang="zh-CN" sz="1800" dirty="0">
-                <a:effectLst/>
-              </a:rPr>
-              <a:t>9</a:t>
-            </a:r>
-            <a:r>
-              <a:rPr lang="zh-CN" altLang="en-US" sz="1800" dirty="0">
-                <a:effectLst/>
-              </a:rPr>
-              <a:t>相 </a:t>
-            </a:r>
-          </a:p>
-          <a:p>
-            <a:pPr rtl="0"/>
-            <a:r>
-              <a:rPr lang="en-US" altLang="zh-CN" sz="1800" dirty="0">
-                <a:effectLst/>
-              </a:rPr>
-              <a:t>10-</a:t>
-            </a:r>
-            <a:r>
-              <a:rPr lang="zh-CN" altLang="en-US" sz="1800" dirty="0">
-                <a:effectLst/>
-              </a:rPr>
-              <a:t>硫酸盐 </a:t>
-            </a:r>
-          </a:p>
-          <a:p>
-            <a:pPr rtl="0"/>
-            <a:r>
-              <a:rPr lang="en-US" altLang="zh-CN" sz="1800" dirty="0">
-                <a:effectLst/>
-              </a:rPr>
-              <a:t>11-</a:t>
-            </a:r>
-            <a:r>
-              <a:rPr lang="zh-CN" altLang="en-US" sz="1800" dirty="0">
-                <a:effectLst/>
-              </a:rPr>
-              <a:t>酒精 </a:t>
-            </a:r>
-            <a:endParaRPr lang="zh-CN" altLang="en-US" sz="1800" dirty="0"/>
+              <a:t>感受机器学习代码实际操作</a:t>
+            </a:r>
+            <a:endParaRPr dirty="0">
+              <a:solidFill>
+                <a:schemeClr val="tx1"/>
+              </a:solidFill>
+            </a:endParaRPr>
           </a:p>
         </p:txBody>
       </p:sp>
     </p:spTree>
     <p:extLst>
       <p:ext uri="{BB962C8B-B14F-4D97-AF65-F5344CB8AC3E}">
-        <p14:creationId xmlns:p14="http://schemas.microsoft.com/office/powerpoint/2010/main" val="1975671821"/>
+        <p14:creationId xmlns:p14="http://schemas.microsoft.com/office/powerpoint/2010/main" val="3600234782"/>
       </p:ext>
     </p:extLst>
   </p:cSld>
   <p:clrMapOvr>
     <a:masterClrMapping/>
   </p:clrMapOvr>
+  <p:transition spd="slow"/>
 </p:sld>
 </file>
 
@@ -21816,6 +21668,292 @@
           <p:cNvPr id="2" name="标题 1">
             <a:extLst>
               <a:ext uri="{FF2B5EF4-FFF2-40B4-BE49-F238E27FC236}">
+                <a16:creationId xmlns:a16="http://schemas.microsoft.com/office/drawing/2014/main" id="{D00ADFB7-C222-43EE-9537-536366BC11A3}"/>
+              </a:ext>
+            </a:extLst>
+          </p:cNvPr>
+          <p:cNvSpPr>
+            <a:spLocks noGrp="1"/>
+          </p:cNvSpPr>
+          <p:nvPr>
+            <p:ph type="title"/>
+          </p:nvPr>
+        </p:nvSpPr>
+        <p:spPr/>
+        <p:txBody>
+          <a:bodyPr/>
+          <a:lstStyle/>
+          <a:p>
+            <a:r>
+              <a:rPr lang="zh-CN" altLang="en-US" dirty="0"/>
+              <a:t>红葡萄酒质量预测</a:t>
+            </a:r>
+          </a:p>
+        </p:txBody>
+      </p:sp>
+      <p:sp>
+        <p:nvSpPr>
+          <p:cNvPr id="3" name="内容占位符 2">
+            <a:extLst>
+              <a:ext uri="{FF2B5EF4-FFF2-40B4-BE49-F238E27FC236}">
+                <a16:creationId xmlns:a16="http://schemas.microsoft.com/office/drawing/2014/main" id="{117D6BAE-1799-44FE-86F5-D99D31DF2E92}"/>
+              </a:ext>
+            </a:extLst>
+          </p:cNvPr>
+          <p:cNvSpPr>
+            <a:spLocks noGrp="1"/>
+          </p:cNvSpPr>
+          <p:nvPr>
+            <p:ph idx="1"/>
+          </p:nvPr>
+        </p:nvSpPr>
+        <p:spPr/>
+        <p:txBody>
+          <a:bodyPr/>
+          <a:lstStyle/>
+          <a:p>
+            <a:r>
+              <a:rPr lang="zh-CN" altLang="en-US" dirty="0"/>
+              <a:t>练习</a:t>
+            </a:r>
+            <a:r>
+              <a:rPr lang="en-US" altLang="zh-CN" dirty="0"/>
+              <a:t>redwine.py</a:t>
+            </a:r>
+            <a:endParaRPr lang="zh-CN" altLang="en-US" dirty="0"/>
+          </a:p>
+        </p:txBody>
+      </p:sp>
+      <p:sp>
+        <p:nvSpPr>
+          <p:cNvPr id="5" name="文本框 4">
+            <a:extLst>
+              <a:ext uri="{FF2B5EF4-FFF2-40B4-BE49-F238E27FC236}">
+                <a16:creationId xmlns:a16="http://schemas.microsoft.com/office/drawing/2014/main" id="{5251277A-9041-4A44-9D14-B38FDEEA8972}"/>
+              </a:ext>
+            </a:extLst>
+          </p:cNvPr>
+          <p:cNvSpPr txBox="1"/>
+          <p:nvPr/>
+        </p:nvSpPr>
+        <p:spPr>
+          <a:xfrm>
+            <a:off x="838200" y="2596986"/>
+            <a:ext cx="6094428" cy="3139321"/>
+          </a:xfrm>
+          <a:prstGeom prst="rect">
+            <a:avLst/>
+          </a:prstGeom>
+          <a:noFill/>
+        </p:spPr>
+        <p:txBody>
+          <a:bodyPr wrap="square">
+            <a:spAutoFit/>
+          </a:bodyPr>
+          <a:lstStyle/>
+          <a:p>
+            <a:pPr rtl="0"/>
+            <a:r>
+              <a:rPr lang="en-US" altLang="zh-CN" sz="1800" dirty="0">
+                <a:effectLst/>
+              </a:rPr>
+              <a:t>1-</a:t>
+            </a:r>
+            <a:r>
+              <a:rPr lang="zh-CN" altLang="en-US" sz="1800" dirty="0">
+                <a:effectLst/>
+              </a:rPr>
+              <a:t>固定酸度 </a:t>
+            </a:r>
+          </a:p>
+          <a:p>
+            <a:pPr rtl="0"/>
+            <a:r>
+              <a:rPr lang="en-US" altLang="zh-CN" sz="1800" dirty="0">
+                <a:effectLst/>
+              </a:rPr>
+              <a:t>2-</a:t>
+            </a:r>
+            <a:r>
+              <a:rPr lang="zh-CN" altLang="en-US" sz="1800" dirty="0">
+                <a:effectLst/>
+              </a:rPr>
+              <a:t>挥发性酸度 </a:t>
+            </a:r>
+          </a:p>
+          <a:p>
+            <a:pPr rtl="0"/>
+            <a:r>
+              <a:rPr lang="en-US" altLang="zh-CN" sz="1800" dirty="0">
+                <a:effectLst/>
+              </a:rPr>
+              <a:t>3-</a:t>
+            </a:r>
+            <a:r>
+              <a:rPr lang="zh-CN" altLang="en-US" sz="1800" dirty="0">
+                <a:effectLst/>
+              </a:rPr>
+              <a:t>柠檬酸 </a:t>
+            </a:r>
+          </a:p>
+          <a:p>
+            <a:pPr rtl="0"/>
+            <a:r>
+              <a:rPr lang="en-US" altLang="zh-CN" sz="1800" dirty="0">
+                <a:effectLst/>
+              </a:rPr>
+              <a:t>4-</a:t>
+            </a:r>
+            <a:r>
+              <a:rPr lang="zh-CN" altLang="en-US" sz="1800" dirty="0">
+                <a:effectLst/>
+              </a:rPr>
+              <a:t>残糖 </a:t>
+            </a:r>
+          </a:p>
+          <a:p>
+            <a:pPr rtl="0"/>
+            <a:r>
+              <a:rPr lang="en-US" altLang="zh-CN" sz="1800" dirty="0">
+                <a:effectLst/>
+              </a:rPr>
+              <a:t>5-</a:t>
+            </a:r>
+            <a:r>
+              <a:rPr lang="zh-CN" altLang="en-US" sz="1800" dirty="0">
+                <a:effectLst/>
+              </a:rPr>
+              <a:t>氯化物 </a:t>
+            </a:r>
+          </a:p>
+          <a:p>
+            <a:pPr rtl="0"/>
+            <a:r>
+              <a:rPr lang="en-US" altLang="zh-CN" sz="1800" dirty="0">
+                <a:effectLst/>
+              </a:rPr>
+              <a:t>6-</a:t>
+            </a:r>
+            <a:r>
+              <a:rPr lang="zh-CN" altLang="en-US" sz="1800" dirty="0">
+                <a:effectLst/>
+              </a:rPr>
+              <a:t>游离二氧化硫 </a:t>
+            </a:r>
+          </a:p>
+          <a:p>
+            <a:pPr rtl="0"/>
+            <a:r>
+              <a:rPr lang="en-US" altLang="zh-CN" sz="1800" dirty="0">
+                <a:effectLst/>
+              </a:rPr>
+              <a:t>7-</a:t>
+            </a:r>
+            <a:r>
+              <a:rPr lang="zh-CN" altLang="en-US" sz="1800" dirty="0">
+                <a:effectLst/>
+              </a:rPr>
+              <a:t>总二氧化硫 </a:t>
+            </a:r>
+          </a:p>
+          <a:p>
+            <a:pPr rtl="0"/>
+            <a:r>
+              <a:rPr lang="en-US" altLang="zh-CN" sz="1800" dirty="0">
+                <a:effectLst/>
+              </a:rPr>
+              <a:t>8-</a:t>
+            </a:r>
+            <a:r>
+              <a:rPr lang="zh-CN" altLang="en-US" sz="1800" dirty="0">
+                <a:effectLst/>
+              </a:rPr>
+              <a:t>密度 </a:t>
+            </a:r>
+          </a:p>
+          <a:p>
+            <a:pPr rtl="0"/>
+            <a:r>
+              <a:rPr lang="en-US" altLang="zh-CN" sz="1800" dirty="0">
+                <a:effectLst/>
+              </a:rPr>
+              <a:t>9</a:t>
+            </a:r>
+            <a:r>
+              <a:rPr lang="zh-CN" altLang="en-US" sz="1800" dirty="0">
+                <a:effectLst/>
+              </a:rPr>
+              <a:t>相 </a:t>
+            </a:r>
+          </a:p>
+          <a:p>
+            <a:pPr rtl="0"/>
+            <a:r>
+              <a:rPr lang="en-US" altLang="zh-CN" sz="1800" dirty="0">
+                <a:effectLst/>
+              </a:rPr>
+              <a:t>10-</a:t>
+            </a:r>
+            <a:r>
+              <a:rPr lang="zh-CN" altLang="en-US" sz="1800" dirty="0">
+                <a:effectLst/>
+              </a:rPr>
+              <a:t>硫酸盐 </a:t>
+            </a:r>
+          </a:p>
+          <a:p>
+            <a:pPr rtl="0"/>
+            <a:r>
+              <a:rPr lang="en-US" altLang="zh-CN" sz="1800" dirty="0">
+                <a:effectLst/>
+              </a:rPr>
+              <a:t>11-</a:t>
+            </a:r>
+            <a:r>
+              <a:rPr lang="zh-CN" altLang="en-US" sz="1800" dirty="0">
+                <a:effectLst/>
+              </a:rPr>
+              <a:t>酒精 </a:t>
+            </a:r>
+            <a:endParaRPr lang="zh-CN" altLang="en-US" sz="1800" dirty="0"/>
+          </a:p>
+        </p:txBody>
+      </p:sp>
+    </p:spTree>
+    <p:extLst>
+      <p:ext uri="{BB962C8B-B14F-4D97-AF65-F5344CB8AC3E}">
+        <p14:creationId xmlns:p14="http://schemas.microsoft.com/office/powerpoint/2010/main" val="1002912840"/>
+      </p:ext>
+    </p:extLst>
+  </p:cSld>
+  <p:clrMapOvr>
+    <a:masterClrMapping/>
+  </p:clrMapOvr>
+</p:sld>
+</file>
+
+<file path=ppt/slides/slide69.xml><?xml version="1.0" encoding="utf-8"?>
+<p:sld xmlns:a="http://schemas.openxmlformats.org/drawingml/2006/main" xmlns:r="http://schemas.openxmlformats.org/officeDocument/2006/relationships" xmlns:p="http://schemas.openxmlformats.org/presentationml/2006/main">
+  <p:cSld>
+    <p:spTree>
+      <p:nvGrpSpPr>
+        <p:cNvPr id="1" name=""/>
+        <p:cNvGrpSpPr/>
+        <p:nvPr/>
+      </p:nvGrpSpPr>
+      <p:grpSpPr>
+        <a:xfrm>
+          <a:off x="0" y="0"/>
+          <a:ext cx="0" cy="0"/>
+          <a:chOff x="0" y="0"/>
+          <a:chExt cx="0" cy="0"/>
+        </a:xfrm>
+      </p:grpSpPr>
+      <p:sp>
+        <p:nvSpPr>
+          <p:cNvPr id="2" name="标题 1">
+            <a:extLst>
+              <a:ext uri="{FF2B5EF4-FFF2-40B4-BE49-F238E27FC236}">
                 <a16:creationId xmlns:a16="http://schemas.microsoft.com/office/drawing/2014/main" id="{8C993D77-B663-46F8-83BE-AAF320E2BFA5}"/>
               </a:ext>
             </a:extLst>
@@ -21836,21 +21974,51 @@
           </a:p>
         </p:txBody>
       </p:sp>
+      <p:sp>
+        <p:nvSpPr>
+          <p:cNvPr id="4" name="内容占位符 3">
+            <a:extLst>
+              <a:ext uri="{FF2B5EF4-FFF2-40B4-BE49-F238E27FC236}">
+                <a16:creationId xmlns:a16="http://schemas.microsoft.com/office/drawing/2014/main" id="{03A1F0F2-1961-4A37-A495-CA44AB10FAE0}"/>
+              </a:ext>
+            </a:extLst>
+          </p:cNvPr>
+          <p:cNvSpPr>
+            <a:spLocks noGrp="1"/>
+          </p:cNvSpPr>
+          <p:nvPr>
+            <p:ph idx="1"/>
+          </p:nvPr>
+        </p:nvSpPr>
+        <p:spPr/>
+        <p:txBody>
+          <a:bodyPr/>
+          <a:lstStyle/>
+          <a:p>
+            <a:r>
+              <a:rPr lang="zh-CN" altLang="en-US" dirty="0"/>
+              <a:t>练习题：根据如下公式计算模型对红葡萄酒测试集的敏感度、特异度和召唤率。</a:t>
+            </a:r>
+            <a:endParaRPr lang="en-US" altLang="zh-CN" dirty="0"/>
+          </a:p>
+          <a:p>
+            <a:endParaRPr lang="zh-CN" altLang="en-US" dirty="0"/>
+          </a:p>
+        </p:txBody>
+      </p:sp>
       <p:pic>
         <p:nvPicPr>
-          <p:cNvPr id="5" name="内容占位符 4">
+          <p:cNvPr id="6" name="内容占位符 4">
             <a:extLst>
               <a:ext uri="{FF2B5EF4-FFF2-40B4-BE49-F238E27FC236}">
-                <a16:creationId xmlns:a16="http://schemas.microsoft.com/office/drawing/2014/main" id="{746E3294-D8A9-413D-A17B-54D6DE2DEAF6}"/>
+                <a16:creationId xmlns:a16="http://schemas.microsoft.com/office/drawing/2014/main" id="{352758D2-19EA-4B18-8508-299C1BE6192E}"/>
               </a:ext>
             </a:extLst>
           </p:cNvPr>
           <p:cNvPicPr>
-            <a:picLocks noGrp="1" noChangeAspect="1"/>
+            <a:picLocks noChangeAspect="1"/>
           </p:cNvPicPr>
-          <p:nvPr>
-            <p:ph idx="1"/>
-          </p:nvPr>
+          <p:nvPr/>
         </p:nvPicPr>
         <p:blipFill>
           <a:blip r:embed="rId2"/>
@@ -21860,9 +22028,12 @@
         </p:blipFill>
         <p:spPr>
           <a:xfrm>
-            <a:off x="2262187" y="3034506"/>
+            <a:off x="3515952" y="3842962"/>
             <a:ext cx="7667625" cy="1933575"/>
           </a:xfrm>
+          <a:prstGeom prst="rect">
+            <a:avLst/>
+          </a:prstGeom>
         </p:spPr>
       </p:pic>
     </p:spTree>
@@ -22201,6 +22372,89 @@
     <a:masterClrMapping/>
   </p:clrMapOvr>
   <p:transition spd="slow"/>
+</p:sld>
+</file>
+
+<file path=ppt/slides/slide70.xml><?xml version="1.0" encoding="utf-8"?>
+<p:sld xmlns:a="http://schemas.openxmlformats.org/drawingml/2006/main" xmlns:r="http://schemas.openxmlformats.org/officeDocument/2006/relationships" xmlns:p="http://schemas.openxmlformats.org/presentationml/2006/main">
+  <p:cSld>
+    <p:spTree>
+      <p:nvGrpSpPr>
+        <p:cNvPr id="1" name=""/>
+        <p:cNvGrpSpPr/>
+        <p:nvPr/>
+      </p:nvGrpSpPr>
+      <p:grpSpPr>
+        <a:xfrm>
+          <a:off x="0" y="0"/>
+          <a:ext cx="0" cy="0"/>
+          <a:chOff x="0" y="0"/>
+          <a:chExt cx="0" cy="0"/>
+        </a:xfrm>
+      </p:grpSpPr>
+      <p:sp>
+        <p:nvSpPr>
+          <p:cNvPr id="2" name="标题 1">
+            <a:extLst>
+              <a:ext uri="{FF2B5EF4-FFF2-40B4-BE49-F238E27FC236}">
+                <a16:creationId xmlns:a16="http://schemas.microsoft.com/office/drawing/2014/main" id="{DEB4FF1E-5492-4E1A-BB19-5ABBB3587F29}"/>
+              </a:ext>
+            </a:extLst>
+          </p:cNvPr>
+          <p:cNvSpPr>
+            <a:spLocks noGrp="1"/>
+          </p:cNvSpPr>
+          <p:nvPr>
+            <p:ph type="title"/>
+          </p:nvPr>
+        </p:nvSpPr>
+        <p:spPr/>
+        <p:txBody>
+          <a:bodyPr/>
+          <a:lstStyle/>
+          <a:p>
+            <a:endParaRPr lang="zh-CN" altLang="en-US" dirty="0"/>
+          </a:p>
+        </p:txBody>
+      </p:sp>
+      <p:sp>
+        <p:nvSpPr>
+          <p:cNvPr id="3" name="内容占位符 2">
+            <a:extLst>
+              <a:ext uri="{FF2B5EF4-FFF2-40B4-BE49-F238E27FC236}">
+                <a16:creationId xmlns:a16="http://schemas.microsoft.com/office/drawing/2014/main" id="{F4BC702A-CAE0-4258-9302-287A7A7BA817}"/>
+              </a:ext>
+            </a:extLst>
+          </p:cNvPr>
+          <p:cNvSpPr>
+            <a:spLocks noGrp="1"/>
+          </p:cNvSpPr>
+          <p:nvPr>
+            <p:ph idx="1"/>
+          </p:nvPr>
+        </p:nvSpPr>
+        <p:spPr/>
+        <p:txBody>
+          <a:bodyPr/>
+          <a:lstStyle/>
+          <a:p>
+            <a:r>
+              <a:rPr lang="zh-CN" altLang="en-US" dirty="0"/>
+              <a:t>练习题：根据红葡萄酒代码，完成白葡萄 酒的质量预测</a:t>
+            </a:r>
+          </a:p>
+        </p:txBody>
+      </p:sp>
+    </p:spTree>
+    <p:extLst>
+      <p:ext uri="{BB962C8B-B14F-4D97-AF65-F5344CB8AC3E}">
+        <p14:creationId xmlns:p14="http://schemas.microsoft.com/office/powerpoint/2010/main" val="1413995680"/>
+      </p:ext>
+    </p:extLst>
+  </p:cSld>
+  <p:clrMapOvr>
+    <a:masterClrMapping/>
+  </p:clrMapOvr>
 </p:sld>
 </file>
 

--- a/The_first_ml_training/第一届机器学习实战班.pptx
+++ b/The_first_ml_training/第一届机器学习实战班.pptx
@@ -5,7 +5,7 @@
     <p:sldMasterId id="2147483727" r:id="rId1"/>
   </p:sldMasterIdLst>
   <p:notesMasterIdLst>
-    <p:notesMasterId r:id="rId72"/>
+    <p:notesMasterId r:id="rId95"/>
   </p:notesMasterIdLst>
   <p:sldIdLst>
     <p:sldId id="256" r:id="rId2"/>
@@ -74,10 +74,33 @@
     <p:sldId id="428" r:id="rId65"/>
     <p:sldId id="429" r:id="rId66"/>
     <p:sldId id="433" r:id="rId67"/>
-    <p:sldId id="434" r:id="rId68"/>
-    <p:sldId id="430" r:id="rId69"/>
-    <p:sldId id="432" r:id="rId70"/>
-    <p:sldId id="435" r:id="rId71"/>
+    <p:sldId id="436" r:id="rId68"/>
+    <p:sldId id="437" r:id="rId69"/>
+    <p:sldId id="434" r:id="rId70"/>
+    <p:sldId id="430" r:id="rId71"/>
+    <p:sldId id="432" r:id="rId72"/>
+    <p:sldId id="435" r:id="rId73"/>
+    <p:sldId id="438" r:id="rId74"/>
+    <p:sldId id="440" r:id="rId75"/>
+    <p:sldId id="441" r:id="rId76"/>
+    <p:sldId id="444" r:id="rId77"/>
+    <p:sldId id="445" r:id="rId78"/>
+    <p:sldId id="449" r:id="rId79"/>
+    <p:sldId id="450" r:id="rId80"/>
+    <p:sldId id="451" r:id="rId81"/>
+    <p:sldId id="452" r:id="rId82"/>
+    <p:sldId id="442" r:id="rId83"/>
+    <p:sldId id="443" r:id="rId84"/>
+    <p:sldId id="447" r:id="rId85"/>
+    <p:sldId id="448" r:id="rId86"/>
+    <p:sldId id="453" r:id="rId87"/>
+    <p:sldId id="454" r:id="rId88"/>
+    <p:sldId id="455" r:id="rId89"/>
+    <p:sldId id="457" r:id="rId90"/>
+    <p:sldId id="456" r:id="rId91"/>
+    <p:sldId id="458" r:id="rId92"/>
+    <p:sldId id="459" r:id="rId93"/>
+    <p:sldId id="460" r:id="rId94"/>
   </p:sldIdLst>
   <p:sldSz cx="12192000" cy="6858000"/>
   <p:notesSz cx="6858000" cy="9144000"/>
@@ -4182,7 +4205,7 @@
           <a:p>
             <a:fld id="{F9240C15-84E4-4753-B92D-ACDA520CEF05}" type="datetimeFigureOut">
               <a:rPr lang="zh-CN" altLang="en-US" smtClean="0"/>
-              <a:t>2020/12/18</a:t>
+              <a:t>2020/12/19</a:t>
             </a:fld>
             <a:endParaRPr lang="zh-CN" altLang="en-US"/>
           </a:p>
@@ -4814,7 +4837,7 @@
           <a:p>
             <a:fld id="{5F7787EC-2923-4DE8-84F8-CB4FE5744F4A}" type="datetimeFigureOut">
               <a:rPr lang="zh-CN" altLang="en-US" smtClean="0"/>
-              <a:t>2020/12/18</a:t>
+              <a:t>2020/12/19</a:t>
             </a:fld>
             <a:endParaRPr lang="zh-CN" altLang="en-US"/>
           </a:p>
@@ -4984,7 +5007,7 @@
           <a:p>
             <a:fld id="{5F7787EC-2923-4DE8-84F8-CB4FE5744F4A}" type="datetimeFigureOut">
               <a:rPr lang="zh-CN" altLang="en-US" smtClean="0"/>
-              <a:t>2020/12/18</a:t>
+              <a:t>2020/12/19</a:t>
             </a:fld>
             <a:endParaRPr lang="zh-CN" altLang="en-US"/>
           </a:p>
@@ -5164,7 +5187,7 @@
           <a:p>
             <a:fld id="{5F7787EC-2923-4DE8-84F8-CB4FE5744F4A}" type="datetimeFigureOut">
               <a:rPr lang="zh-CN" altLang="en-US" smtClean="0"/>
-              <a:t>2020/12/18</a:t>
+              <a:t>2020/12/19</a:t>
             </a:fld>
             <a:endParaRPr lang="zh-CN" altLang="en-US"/>
           </a:p>
@@ -5365,7 +5388,7 @@
           <a:p>
             <a:fld id="{5F7787EC-2923-4DE8-84F8-CB4FE5744F4A}" type="datetimeFigureOut">
               <a:rPr lang="zh-CN" altLang="en-US" smtClean="0"/>
-              <a:t>2020/12/18</a:t>
+              <a:t>2020/12/19</a:t>
             </a:fld>
             <a:endParaRPr lang="zh-CN" altLang="en-US"/>
           </a:p>
@@ -5611,7 +5634,7 @@
           <a:p>
             <a:fld id="{5F7787EC-2923-4DE8-84F8-CB4FE5744F4A}" type="datetimeFigureOut">
               <a:rPr lang="zh-CN" altLang="en-US" smtClean="0"/>
-              <a:t>2020/12/18</a:t>
+              <a:t>2020/12/19</a:t>
             </a:fld>
             <a:endParaRPr lang="zh-CN" altLang="en-US"/>
           </a:p>
@@ -5843,7 +5866,7 @@
           <a:p>
             <a:fld id="{5F7787EC-2923-4DE8-84F8-CB4FE5744F4A}" type="datetimeFigureOut">
               <a:rPr lang="zh-CN" altLang="en-US" smtClean="0"/>
-              <a:t>2020/12/18</a:t>
+              <a:t>2020/12/19</a:t>
             </a:fld>
             <a:endParaRPr lang="zh-CN" altLang="en-US"/>
           </a:p>
@@ -6210,7 +6233,7 @@
           <a:p>
             <a:fld id="{5F7787EC-2923-4DE8-84F8-CB4FE5744F4A}" type="datetimeFigureOut">
               <a:rPr lang="zh-CN" altLang="en-US" smtClean="0"/>
-              <a:t>2020/12/18</a:t>
+              <a:t>2020/12/19</a:t>
             </a:fld>
             <a:endParaRPr lang="zh-CN" altLang="en-US"/>
           </a:p>
@@ -6328,7 +6351,7 @@
           <a:p>
             <a:fld id="{5F7787EC-2923-4DE8-84F8-CB4FE5744F4A}" type="datetimeFigureOut">
               <a:rPr lang="zh-CN" altLang="en-US" smtClean="0"/>
-              <a:t>2020/12/18</a:t>
+              <a:t>2020/12/19</a:t>
             </a:fld>
             <a:endParaRPr lang="zh-CN" altLang="en-US"/>
           </a:p>
@@ -6423,7 +6446,7 @@
           <a:p>
             <a:fld id="{5F7787EC-2923-4DE8-84F8-CB4FE5744F4A}" type="datetimeFigureOut">
               <a:rPr lang="zh-CN" altLang="en-US" smtClean="0"/>
-              <a:t>2020/12/18</a:t>
+              <a:t>2020/12/19</a:t>
             </a:fld>
             <a:endParaRPr lang="zh-CN" altLang="en-US"/>
           </a:p>
@@ -6700,7 +6723,7 @@
           <a:p>
             <a:fld id="{5F7787EC-2923-4DE8-84F8-CB4FE5744F4A}" type="datetimeFigureOut">
               <a:rPr lang="zh-CN" altLang="en-US" smtClean="0"/>
-              <a:t>2020/12/18</a:t>
+              <a:t>2020/12/19</a:t>
             </a:fld>
             <a:endParaRPr lang="zh-CN" altLang="en-US"/>
           </a:p>
@@ -6957,7 +6980,7 @@
           <a:p>
             <a:fld id="{5F7787EC-2923-4DE8-84F8-CB4FE5744F4A}" type="datetimeFigureOut">
               <a:rPr lang="zh-CN" altLang="en-US" smtClean="0"/>
-              <a:t>2020/12/18</a:t>
+              <a:t>2020/12/19</a:t>
             </a:fld>
             <a:endParaRPr lang="zh-CN" altLang="en-US"/>
           </a:p>
@@ -7170,7 +7193,7 @@
           <a:p>
             <a:fld id="{5F7787EC-2923-4DE8-84F8-CB4FE5744F4A}" type="datetimeFigureOut">
               <a:rPr lang="zh-CN" altLang="en-US" smtClean="0"/>
-              <a:t>2020/12/18</a:t>
+              <a:t>2020/12/19</a:t>
             </a:fld>
             <a:endParaRPr lang="zh-CN" altLang="en-US"/>
           </a:p>
@@ -13646,10 +13669,10 @@
       </p:sp>
       <p:pic>
         <p:nvPicPr>
-          <p:cNvPr id="6" name="图片 5">
+          <p:cNvPr id="5" name="图片 4">
             <a:extLst>
               <a:ext uri="{FF2B5EF4-FFF2-40B4-BE49-F238E27FC236}">
-                <a16:creationId xmlns:a16="http://schemas.microsoft.com/office/drawing/2014/main" id="{6521451B-FCA2-424E-95AC-DA61BFD56207}"/>
+                <a16:creationId xmlns:a16="http://schemas.microsoft.com/office/drawing/2014/main" id="{B22B88B1-1D88-4D1E-AC1F-9BCACD40CCAF}"/>
               </a:ext>
             </a:extLst>
           </p:cNvPr>
@@ -13672,8 +13695,8 @@
         </p:blipFill>
         <p:spPr>
           <a:xfrm>
-            <a:off x="423862" y="361950"/>
-            <a:ext cx="11344275" cy="6134100"/>
+            <a:off x="546438" y="0"/>
+            <a:ext cx="7347255" cy="6858000"/>
           </a:xfrm>
           <a:prstGeom prst="rect">
             <a:avLst/>
@@ -21585,8 +21608,8 @@
         </p:nvSpPr>
         <p:spPr>
           <a:xfrm>
-            <a:off x="1052829" y="2964180"/>
-            <a:ext cx="11060613" cy="920445"/>
+            <a:off x="1052830" y="2964180"/>
+            <a:ext cx="10975772" cy="1737720"/>
           </a:xfrm>
           <a:prstGeom prst="rect">
             <a:avLst/>
@@ -21619,11 +21642,15 @@
             <a:r>
               <a:rPr lang="zh-CN" altLang="en-US" dirty="0">
                 <a:solidFill>
-                  <a:schemeClr val="tx1"/>
+                  <a:schemeClr val="tx1">
+                    <a:lumMod val="95000"/>
+                  </a:schemeClr>
                 </a:solidFill>
               </a:rPr>
-              <a:t>感受机器学习代码实际操作</a:t>
-            </a:r>
+              <a:t>神经影像机器学习一般流程</a:t>
+            </a:r>
+          </a:p>
+          <a:p>
             <a:endParaRPr dirty="0">
               <a:solidFill>
                 <a:schemeClr val="tx1"/>
@@ -21635,7 +21662,7 @@
     </p:spTree>
     <p:extLst>
       <p:ext uri="{BB962C8B-B14F-4D97-AF65-F5344CB8AC3E}">
-        <p14:creationId xmlns:p14="http://schemas.microsoft.com/office/powerpoint/2010/main" val="3600234782"/>
+        <p14:creationId xmlns:p14="http://schemas.microsoft.com/office/powerpoint/2010/main" val="661409936"/>
       </p:ext>
     </p:extLst>
   </p:cSld>
@@ -21665,6 +21692,487 @@
       </p:grpSpPr>
       <p:sp>
         <p:nvSpPr>
+          <p:cNvPr id="3" name="文本框 2">
+            <a:extLst>
+              <a:ext uri="{FF2B5EF4-FFF2-40B4-BE49-F238E27FC236}">
+                <a16:creationId xmlns:a16="http://schemas.microsoft.com/office/drawing/2014/main" id="{EFE84C67-4BA8-4294-B88B-9579574BF4F4}"/>
+              </a:ext>
+            </a:extLst>
+          </p:cNvPr>
+          <p:cNvSpPr txBox="1"/>
+          <p:nvPr/>
+        </p:nvSpPr>
+        <p:spPr>
+          <a:xfrm>
+            <a:off x="263950" y="2863392"/>
+            <a:ext cx="11928049" cy="584775"/>
+          </a:xfrm>
+          <a:prstGeom prst="rect">
+            <a:avLst/>
+          </a:prstGeom>
+          <a:noFill/>
+        </p:spPr>
+        <p:txBody>
+          <a:bodyPr wrap="square">
+            <a:spAutoFit/>
+          </a:bodyPr>
+          <a:lstStyle/>
+          <a:p>
+            <a:r>
+              <a:rPr lang="zh-CN" altLang="en-US" sz="3200" dirty="0">
+                <a:hlinkClick r:id="rId2"/>
+              </a:rPr>
+              <a:t>https://www.processon.com/mindmap/5fa3c09d5653bb256348fb36</a:t>
+            </a:r>
+            <a:endParaRPr lang="zh-CN" altLang="en-US" sz="3200" dirty="0"/>
+          </a:p>
+        </p:txBody>
+      </p:sp>
+    </p:spTree>
+    <p:extLst>
+      <p:ext uri="{BB962C8B-B14F-4D97-AF65-F5344CB8AC3E}">
+        <p14:creationId xmlns:p14="http://schemas.microsoft.com/office/powerpoint/2010/main" val="1231059588"/>
+      </p:ext>
+    </p:extLst>
+  </p:cSld>
+  <p:clrMapOvr>
+    <a:masterClrMapping/>
+  </p:clrMapOvr>
+  <p:transition spd="med"/>
+</p:sld>
+</file>
+
+<file path=ppt/slides/slide69.xml><?xml version="1.0" encoding="utf-8"?>
+<p:sld xmlns:a="http://schemas.openxmlformats.org/drawingml/2006/main" xmlns:r="http://schemas.openxmlformats.org/officeDocument/2006/relationships" xmlns:p="http://schemas.openxmlformats.org/presentationml/2006/main">
+  <p:cSld>
+    <p:spTree>
+      <p:nvGrpSpPr>
+        <p:cNvPr id="1" name=""/>
+        <p:cNvGrpSpPr/>
+        <p:nvPr/>
+      </p:nvGrpSpPr>
+      <p:grpSpPr>
+        <a:xfrm>
+          <a:off x="0" y="0"/>
+          <a:ext cx="0" cy="0"/>
+          <a:chOff x="0" y="0"/>
+          <a:chExt cx="0" cy="0"/>
+        </a:xfrm>
+      </p:grpSpPr>
+      <p:sp>
+        <p:nvSpPr>
+          <p:cNvPr id="273" name="Shape 273"/>
+          <p:cNvSpPr/>
+          <p:nvPr/>
+        </p:nvSpPr>
+        <p:spPr>
+          <a:xfrm>
+            <a:off x="1052829" y="2964180"/>
+            <a:ext cx="11060613" cy="920445"/>
+          </a:xfrm>
+          <a:prstGeom prst="rect">
+            <a:avLst/>
+          </a:prstGeom>
+          <a:ln w="12700">
+            <a:miter lim="400000"/>
+          </a:ln>
+        </p:spPr>
+        <p:txBody>
+          <a:bodyPr wrap="square" lIns="45719" rIns="45719">
+            <a:spAutoFit/>
+          </a:bodyPr>
+          <a:lstStyle>
+            <a:lvl1pPr>
+              <a:lnSpc>
+                <a:spcPct val="80000"/>
+              </a:lnSpc>
+              <a:defRPr sz="6600">
+                <a:solidFill>
+                  <a:srgbClr val="535353"/>
+                </a:solidFill>
+                <a:latin typeface="Source Han Sans CN Bold Bold"/>
+                <a:ea typeface="Source Han Sans CN Bold Bold"/>
+                <a:cs typeface="Source Han Sans CN Bold Bold"/>
+                <a:sym typeface="Source Han Sans CN Bold Bold"/>
+              </a:defRPr>
+            </a:lvl1pPr>
+          </a:lstStyle>
+          <a:p>
+            <a:r>
+              <a:rPr lang="zh-CN" altLang="en-US" dirty="0">
+                <a:solidFill>
+                  <a:schemeClr val="tx1"/>
+                </a:solidFill>
+              </a:rPr>
+              <a:t>机器学习代码实际操作</a:t>
+            </a:r>
+            <a:endParaRPr dirty="0">
+              <a:solidFill>
+                <a:schemeClr val="tx1"/>
+              </a:solidFill>
+            </a:endParaRPr>
+          </a:p>
+        </p:txBody>
+      </p:sp>
+    </p:spTree>
+    <p:extLst>
+      <p:ext uri="{BB962C8B-B14F-4D97-AF65-F5344CB8AC3E}">
+        <p14:creationId xmlns:p14="http://schemas.microsoft.com/office/powerpoint/2010/main" val="3600234782"/>
+      </p:ext>
+    </p:extLst>
+  </p:cSld>
+  <p:clrMapOvr>
+    <a:masterClrMapping/>
+  </p:clrMapOvr>
+  <p:transition spd="slow"/>
+</p:sld>
+</file>
+
+<file path=ppt/slides/slide7.xml><?xml version="1.0" encoding="utf-8"?>
+<p:sld xmlns:a="http://schemas.openxmlformats.org/drawingml/2006/main" xmlns:r="http://schemas.openxmlformats.org/officeDocument/2006/relationships" xmlns:p="http://schemas.openxmlformats.org/presentationml/2006/main">
+  <p:cSld>
+    <p:spTree>
+      <p:nvGrpSpPr>
+        <p:cNvPr id="1" name=""/>
+        <p:cNvGrpSpPr/>
+        <p:nvPr/>
+      </p:nvGrpSpPr>
+      <p:grpSpPr>
+        <a:xfrm>
+          <a:off x="0" y="0"/>
+          <a:ext cx="0" cy="0"/>
+          <a:chOff x="0" y="0"/>
+          <a:chExt cx="0" cy="0"/>
+        </a:xfrm>
+      </p:grpSpPr>
+      <p:sp>
+        <p:nvSpPr>
+          <p:cNvPr id="212" name="Shape 212"/>
+          <p:cNvSpPr/>
+          <p:nvPr/>
+        </p:nvSpPr>
+        <p:spPr>
+          <a:xfrm>
+            <a:off x="184496" y="378396"/>
+            <a:ext cx="5886228" cy="461665"/>
+          </a:xfrm>
+          <a:prstGeom prst="rect">
+            <a:avLst/>
+          </a:prstGeom>
+          <a:ln w="12700">
+            <a:miter lim="400000"/>
+          </a:ln>
+        </p:spPr>
+        <p:txBody>
+          <a:bodyPr lIns="45719" rIns="45719">
+            <a:spAutoFit/>
+          </a:bodyPr>
+          <a:lstStyle/>
+          <a:p>
+            <a:pPr lvl="2">
+              <a:defRPr sz="2400">
+                <a:solidFill>
+                  <a:srgbClr val="7C58BA"/>
+                </a:solidFill>
+                <a:latin typeface="Source Han Sans CN Bold Bold"/>
+                <a:ea typeface="Source Han Sans CN Bold Bold"/>
+                <a:cs typeface="Source Han Sans CN Bold Bold"/>
+                <a:sym typeface="Source Han Sans CN Bold Bold"/>
+              </a:defRPr>
+            </a:pPr>
+            <a:r>
+              <a:rPr lang="zh-CN" altLang="en-US" dirty="0">
+                <a:solidFill>
+                  <a:schemeClr val="tx1">
+                    <a:lumMod val="95000"/>
+                  </a:schemeClr>
+                </a:solidFill>
+              </a:rPr>
+              <a:t>研究人员学会使用机器学习的必要性</a:t>
+            </a:r>
+            <a:endParaRPr dirty="0">
+              <a:solidFill>
+                <a:schemeClr val="tx1">
+                  <a:lumMod val="95000"/>
+                </a:schemeClr>
+              </a:solidFill>
+            </a:endParaRPr>
+          </a:p>
+        </p:txBody>
+      </p:sp>
+      <p:sp>
+        <p:nvSpPr>
+          <p:cNvPr id="213" name="Shape 213"/>
+          <p:cNvSpPr/>
+          <p:nvPr/>
+        </p:nvSpPr>
+        <p:spPr>
+          <a:xfrm>
+            <a:off x="1040129" y="2391409"/>
+            <a:ext cx="6166787" cy="430374"/>
+          </a:xfrm>
+          <a:prstGeom prst="rect">
+            <a:avLst/>
+          </a:prstGeom>
+          <a:ln w="12700">
+            <a:miter lim="400000"/>
+          </a:ln>
+        </p:spPr>
+        <p:txBody>
+          <a:bodyPr wrap="square" lIns="45719" rIns="45719">
+            <a:spAutoFit/>
+          </a:bodyPr>
+          <a:lstStyle>
+            <a:lvl1pPr>
+              <a:lnSpc>
+                <a:spcPct val="120000"/>
+              </a:lnSpc>
+              <a:defRPr sz="1800"/>
+            </a:lvl1pPr>
+          </a:lstStyle>
+          <a:p>
+            <a:endParaRPr sz="2000" dirty="0">
+              <a:latin typeface="Source Han Sans CN Normal" charset="-122"/>
+              <a:ea typeface="Source Han Sans CN Normal" charset="-122"/>
+              <a:cs typeface="Source Han Sans CN Normal" charset="-122"/>
+            </a:endParaRPr>
+          </a:p>
+        </p:txBody>
+      </p:sp>
+      <p:sp>
+        <p:nvSpPr>
+          <p:cNvPr id="214" name="Shape 214"/>
+          <p:cNvSpPr/>
+          <p:nvPr/>
+        </p:nvSpPr>
+        <p:spPr>
+          <a:xfrm>
+            <a:off x="637777" y="1515143"/>
+            <a:ext cx="7192031" cy="892552"/>
+          </a:xfrm>
+          <a:prstGeom prst="rect">
+            <a:avLst/>
+          </a:prstGeom>
+          <a:ln w="12700">
+            <a:miter lim="400000"/>
+          </a:ln>
+        </p:spPr>
+        <p:txBody>
+          <a:bodyPr wrap="none" lIns="45719" rIns="45719">
+            <a:spAutoFit/>
+          </a:bodyPr>
+          <a:lstStyle>
+            <a:lvl1pPr algn="ctr">
+              <a:defRPr sz="2600">
+                <a:solidFill>
+                  <a:srgbClr val="535353"/>
+                </a:solidFill>
+                <a:latin typeface="Source Han Sans CN Bold Bold"/>
+                <a:ea typeface="Source Han Sans CN Bold Bold"/>
+                <a:cs typeface="Source Han Sans CN Bold Bold"/>
+                <a:sym typeface="Source Han Sans CN Bold Bold"/>
+              </a:defRPr>
+            </a:lvl1pPr>
+          </a:lstStyle>
+          <a:p>
+            <a:r>
+              <a:rPr lang="en-US" altLang="zh-CN" dirty="0">
+                <a:solidFill>
+                  <a:schemeClr val="tx1"/>
+                </a:solidFill>
+              </a:rPr>
+              <a:t>AI</a:t>
+            </a:r>
+            <a:r>
+              <a:rPr lang="zh-CN" altLang="en-US" dirty="0">
+                <a:solidFill>
+                  <a:schemeClr val="tx1"/>
+                </a:solidFill>
+              </a:rPr>
+              <a:t>不会替代人类</a:t>
+            </a:r>
+            <a:r>
+              <a:rPr lang="zh-CN" altLang="en-US" dirty="0">
+                <a:solidFill>
+                  <a:srgbClr val="FF0000"/>
+                </a:solidFill>
+              </a:rPr>
+              <a:t>， 但会淘汰不会使用</a:t>
+            </a:r>
+            <a:r>
+              <a:rPr lang="en-US" altLang="zh-CN" dirty="0">
+                <a:solidFill>
+                  <a:srgbClr val="FF0000"/>
+                </a:solidFill>
+              </a:rPr>
+              <a:t>AI</a:t>
+            </a:r>
+            <a:r>
+              <a:rPr lang="zh-CN" altLang="en-US" dirty="0">
+                <a:solidFill>
+                  <a:srgbClr val="FF0000"/>
+                </a:solidFill>
+              </a:rPr>
+              <a:t>的工作者</a:t>
+            </a:r>
+          </a:p>
+          <a:p>
+            <a:endParaRPr dirty="0"/>
+          </a:p>
+        </p:txBody>
+      </p:sp>
+      <p:sp>
+        <p:nvSpPr>
+          <p:cNvPr id="2" name="Shape 213">
+            <a:extLst>
+              <a:ext uri="{FF2B5EF4-FFF2-40B4-BE49-F238E27FC236}">
+                <a16:creationId xmlns:a16="http://schemas.microsoft.com/office/drawing/2014/main" id="{9D39F2E2-8887-458B-9369-919130D66026}"/>
+              </a:ext>
+            </a:extLst>
+          </p:cNvPr>
+          <p:cNvSpPr/>
+          <p:nvPr/>
+        </p:nvSpPr>
+        <p:spPr>
+          <a:xfrm>
+            <a:off x="1040129" y="2391409"/>
+            <a:ext cx="6166787" cy="3385029"/>
+          </a:xfrm>
+          <a:prstGeom prst="rect">
+            <a:avLst/>
+          </a:prstGeom>
+          <a:ln w="12700">
+            <a:miter lim="400000"/>
+          </a:ln>
+        </p:spPr>
+        <p:txBody>
+          <a:bodyPr wrap="square" lIns="45719" rIns="45719">
+            <a:spAutoFit/>
+          </a:bodyPr>
+          <a:lstStyle>
+            <a:lvl1pPr>
+              <a:lnSpc>
+                <a:spcPct val="120000"/>
+              </a:lnSpc>
+              <a:defRPr sz="1800"/>
+            </a:lvl1pPr>
+          </a:lstStyle>
+          <a:p>
+            <a:pPr marL="342900" indent="-342900">
+              <a:buFont typeface="Wingdings" panose="05000000000000000000" pitchFamily="2" charset="2"/>
+              <a:buChar char="Ø"/>
+            </a:pPr>
+            <a:r>
+              <a:rPr lang="zh-CN" altLang="en-US" sz="2000" dirty="0">
+                <a:latin typeface="Source Han Sans CN Normal" charset="-122"/>
+                <a:ea typeface="Source Han Sans CN Normal" charset="-122"/>
+                <a:cs typeface="Source Han Sans CN Normal" charset="-122"/>
+              </a:rPr>
+              <a:t>未来要求我们使用人工智能的行业场景会越来越多，甚至渗透到每个领域</a:t>
+            </a:r>
+            <a:endParaRPr lang="en-US" altLang="zh-CN" sz="2000" dirty="0">
+              <a:latin typeface="Source Han Sans CN Normal" charset="-122"/>
+              <a:ea typeface="Source Han Sans CN Normal" charset="-122"/>
+              <a:cs typeface="Source Han Sans CN Normal" charset="-122"/>
+            </a:endParaRPr>
+          </a:p>
+          <a:p>
+            <a:pPr marL="342900" indent="-342900">
+              <a:buFont typeface="Wingdings" panose="05000000000000000000" pitchFamily="2" charset="2"/>
+              <a:buChar char="Ø"/>
+            </a:pPr>
+            <a:endParaRPr lang="en-US" altLang="zh-CN" sz="2000" dirty="0">
+              <a:latin typeface="Source Han Sans CN Normal" charset="-122"/>
+              <a:ea typeface="Source Han Sans CN Normal" charset="-122"/>
+              <a:cs typeface="Source Han Sans CN Normal" charset="-122"/>
+            </a:endParaRPr>
+          </a:p>
+          <a:p>
+            <a:pPr marL="342900" indent="-342900">
+              <a:buFont typeface="Wingdings" panose="05000000000000000000" pitchFamily="2" charset="2"/>
+              <a:buChar char="Ø"/>
+            </a:pPr>
+            <a:r>
+              <a:rPr lang="zh-CN" altLang="en-US" sz="2000" dirty="0">
+                <a:latin typeface="Source Han Sans CN Normal" charset="-122"/>
+                <a:ea typeface="Source Han Sans CN Normal" charset="-122"/>
+                <a:cs typeface="Source Han Sans CN Normal" charset="-122"/>
+              </a:rPr>
+              <a:t>脑功能研究领域的未来一定会朝着个体精准医学的方向发展，机器学习是其不可或缺的一种重要工具</a:t>
+            </a:r>
+            <a:endParaRPr lang="en-US" altLang="zh-CN" sz="2000" dirty="0">
+              <a:latin typeface="Source Han Sans CN Normal" charset="-122"/>
+              <a:ea typeface="Source Han Sans CN Normal" charset="-122"/>
+              <a:cs typeface="Source Han Sans CN Normal" charset="-122"/>
+            </a:endParaRPr>
+          </a:p>
+          <a:p>
+            <a:pPr marL="342900" indent="-342900">
+              <a:buFont typeface="Wingdings" panose="05000000000000000000" pitchFamily="2" charset="2"/>
+              <a:buChar char="Ø"/>
+            </a:pPr>
+            <a:endParaRPr lang="en-US" altLang="zh-CN" sz="2000" dirty="0">
+              <a:latin typeface="Source Han Sans CN Normal" charset="-122"/>
+              <a:ea typeface="Source Han Sans CN Normal" charset="-122"/>
+              <a:cs typeface="Source Han Sans CN Normal" charset="-122"/>
+            </a:endParaRPr>
+          </a:p>
+          <a:p>
+            <a:pPr marL="342900" indent="-342900">
+              <a:buFont typeface="Wingdings" panose="05000000000000000000" pitchFamily="2" charset="2"/>
+              <a:buChar char="Ø"/>
+            </a:pPr>
+            <a:r>
+              <a:rPr lang="zh-CN" altLang="en-US" sz="2000" dirty="0">
+                <a:latin typeface="Source Han Sans CN Normal" charset="-122"/>
+                <a:ea typeface="Source Han Sans CN Normal" charset="-122"/>
+                <a:cs typeface="Source Han Sans CN Normal" charset="-122"/>
+              </a:rPr>
+              <a:t>几乎每一篇优秀的影像组学的研究都要涉及到机器学习的方法</a:t>
+            </a:r>
+            <a:endParaRPr lang="en-US" altLang="zh-CN" sz="2000" dirty="0">
+              <a:latin typeface="Source Han Sans CN Normal" charset="-122"/>
+              <a:ea typeface="Source Han Sans CN Normal" charset="-122"/>
+              <a:cs typeface="Source Han Sans CN Normal" charset="-122"/>
+            </a:endParaRPr>
+          </a:p>
+          <a:p>
+            <a:endParaRPr sz="2000" dirty="0">
+              <a:latin typeface="Source Han Sans CN Normal" charset="-122"/>
+              <a:ea typeface="Source Han Sans CN Normal" charset="-122"/>
+              <a:cs typeface="Source Han Sans CN Normal" charset="-122"/>
+            </a:endParaRPr>
+          </a:p>
+        </p:txBody>
+      </p:sp>
+    </p:spTree>
+  </p:cSld>
+  <p:clrMapOvr>
+    <a:masterClrMapping/>
+  </p:clrMapOvr>
+  <p:transition spd="slow"/>
+</p:sld>
+</file>
+
+<file path=ppt/slides/slide70.xml><?xml version="1.0" encoding="utf-8"?>
+<p:sld xmlns:a="http://schemas.openxmlformats.org/drawingml/2006/main" xmlns:r="http://schemas.openxmlformats.org/officeDocument/2006/relationships" xmlns:p="http://schemas.openxmlformats.org/presentationml/2006/main">
+  <p:cSld>
+    <p:spTree>
+      <p:nvGrpSpPr>
+        <p:cNvPr id="1" name=""/>
+        <p:cNvGrpSpPr/>
+        <p:nvPr/>
+      </p:nvGrpSpPr>
+      <p:grpSpPr>
+        <a:xfrm>
+          <a:off x="0" y="0"/>
+          <a:ext cx="0" cy="0"/>
+          <a:chOff x="0" y="0"/>
+          <a:chExt cx="0" cy="0"/>
+        </a:xfrm>
+      </p:grpSpPr>
+      <p:sp>
+        <p:nvSpPr>
           <p:cNvPr id="2" name="标题 1">
             <a:extLst>
               <a:ext uri="{FF2B5EF4-FFF2-40B4-BE49-F238E27FC236}">
@@ -21932,7 +22440,7 @@
 </p:sld>
 </file>
 
-<file path=ppt/slides/slide69.xml><?xml version="1.0" encoding="utf-8"?>
+<file path=ppt/slides/slide71.xml><?xml version="1.0" encoding="utf-8"?>
 <p:sld xmlns:a="http://schemas.openxmlformats.org/drawingml/2006/main" xmlns:r="http://schemas.openxmlformats.org/officeDocument/2006/relationships" xmlns:p="http://schemas.openxmlformats.org/presentationml/2006/main">
   <p:cSld>
     <p:spTree>
@@ -22049,7 +22557,7 @@
 </p:sld>
 </file>
 
-<file path=ppt/slides/slide7.xml><?xml version="1.0" encoding="utf-8"?>
+<file path=ppt/slides/slide72.xml><?xml version="1.0" encoding="utf-8"?>
 <p:sld xmlns:a="http://schemas.openxmlformats.org/drawingml/2006/main" xmlns:r="http://schemas.openxmlformats.org/officeDocument/2006/relationships" xmlns:p="http://schemas.openxmlformats.org/presentationml/2006/main">
   <p:cSld>
     <p:spTree>
@@ -22068,314 +22576,71 @@
       </p:grpSpPr>
       <p:sp>
         <p:nvSpPr>
-          <p:cNvPr id="212" name="Shape 212"/>
-          <p:cNvSpPr/>
-          <p:nvPr/>
-        </p:nvSpPr>
-        <p:spPr>
-          <a:xfrm>
-            <a:off x="184496" y="378396"/>
-            <a:ext cx="5886228" cy="461665"/>
-          </a:xfrm>
-          <a:prstGeom prst="rect">
-            <a:avLst/>
-          </a:prstGeom>
-          <a:ln w="12700">
-            <a:miter lim="400000"/>
-          </a:ln>
-        </p:spPr>
-        <p:txBody>
-          <a:bodyPr lIns="45719" rIns="45719">
-            <a:spAutoFit/>
-          </a:bodyPr>
-          <a:lstStyle/>
-          <a:p>
-            <a:pPr lvl="2">
-              <a:defRPr sz="2400">
-                <a:solidFill>
-                  <a:srgbClr val="7C58BA"/>
-                </a:solidFill>
-                <a:latin typeface="Source Han Sans CN Bold Bold"/>
-                <a:ea typeface="Source Han Sans CN Bold Bold"/>
-                <a:cs typeface="Source Han Sans CN Bold Bold"/>
-                <a:sym typeface="Source Han Sans CN Bold Bold"/>
-              </a:defRPr>
-            </a:pPr>
-            <a:r>
-              <a:rPr lang="zh-CN" altLang="en-US" dirty="0">
-                <a:solidFill>
-                  <a:schemeClr val="tx1">
-                    <a:lumMod val="95000"/>
-                  </a:schemeClr>
-                </a:solidFill>
-              </a:rPr>
-              <a:t>研究人员学会使用机器学习的必要性</a:t>
-            </a:r>
-            <a:endParaRPr dirty="0">
-              <a:solidFill>
-                <a:schemeClr val="tx1">
-                  <a:lumMod val="95000"/>
-                </a:schemeClr>
-              </a:solidFill>
-            </a:endParaRPr>
-          </a:p>
-        </p:txBody>
-      </p:sp>
-      <p:sp>
-        <p:nvSpPr>
-          <p:cNvPr id="213" name="Shape 213"/>
-          <p:cNvSpPr/>
-          <p:nvPr/>
-        </p:nvSpPr>
-        <p:spPr>
-          <a:xfrm>
-            <a:off x="1040129" y="2391409"/>
-            <a:ext cx="6166787" cy="430374"/>
-          </a:xfrm>
-          <a:prstGeom prst="rect">
-            <a:avLst/>
-          </a:prstGeom>
-          <a:ln w="12700">
-            <a:miter lim="400000"/>
-          </a:ln>
-        </p:spPr>
-        <p:txBody>
-          <a:bodyPr wrap="square" lIns="45719" rIns="45719">
-            <a:spAutoFit/>
-          </a:bodyPr>
-          <a:lstStyle>
-            <a:lvl1pPr>
-              <a:lnSpc>
-                <a:spcPct val="120000"/>
-              </a:lnSpc>
-              <a:defRPr sz="1800"/>
-            </a:lvl1pPr>
-          </a:lstStyle>
-          <a:p>
-            <a:endParaRPr sz="2000" dirty="0">
-              <a:latin typeface="Source Han Sans CN Normal" charset="-122"/>
-              <a:ea typeface="Source Han Sans CN Normal" charset="-122"/>
-              <a:cs typeface="Source Han Sans CN Normal" charset="-122"/>
-            </a:endParaRPr>
-          </a:p>
-        </p:txBody>
-      </p:sp>
-      <p:sp>
-        <p:nvSpPr>
-          <p:cNvPr id="214" name="Shape 214"/>
-          <p:cNvSpPr/>
-          <p:nvPr/>
-        </p:nvSpPr>
-        <p:spPr>
-          <a:xfrm>
-            <a:off x="637777" y="1515143"/>
-            <a:ext cx="7192031" cy="892552"/>
-          </a:xfrm>
-          <a:prstGeom prst="rect">
-            <a:avLst/>
-          </a:prstGeom>
-          <a:ln w="12700">
-            <a:miter lim="400000"/>
-          </a:ln>
-        </p:spPr>
-        <p:txBody>
-          <a:bodyPr wrap="none" lIns="45719" rIns="45719">
-            <a:spAutoFit/>
-          </a:bodyPr>
-          <a:lstStyle>
-            <a:lvl1pPr algn="ctr">
-              <a:defRPr sz="2600">
-                <a:solidFill>
-                  <a:srgbClr val="535353"/>
-                </a:solidFill>
-                <a:latin typeface="Source Han Sans CN Bold Bold"/>
-                <a:ea typeface="Source Han Sans CN Bold Bold"/>
-                <a:cs typeface="Source Han Sans CN Bold Bold"/>
-                <a:sym typeface="Source Han Sans CN Bold Bold"/>
-              </a:defRPr>
-            </a:lvl1pPr>
-          </a:lstStyle>
-          <a:p>
-            <a:r>
-              <a:rPr lang="en-US" altLang="zh-CN" dirty="0">
-                <a:solidFill>
-                  <a:schemeClr val="tx1"/>
-                </a:solidFill>
-              </a:rPr>
-              <a:t>AI</a:t>
-            </a:r>
-            <a:r>
-              <a:rPr lang="zh-CN" altLang="en-US" dirty="0">
-                <a:solidFill>
-                  <a:schemeClr val="tx1"/>
-                </a:solidFill>
-              </a:rPr>
-              <a:t>不会替代人类</a:t>
-            </a:r>
-            <a:r>
-              <a:rPr lang="zh-CN" altLang="en-US" dirty="0">
-                <a:solidFill>
-                  <a:srgbClr val="FF0000"/>
-                </a:solidFill>
-              </a:rPr>
-              <a:t>， 但会淘汰不会使用</a:t>
-            </a:r>
-            <a:r>
-              <a:rPr lang="en-US" altLang="zh-CN" dirty="0">
-                <a:solidFill>
-                  <a:srgbClr val="FF0000"/>
-                </a:solidFill>
-              </a:rPr>
-              <a:t>AI</a:t>
-            </a:r>
-            <a:r>
-              <a:rPr lang="zh-CN" altLang="en-US" dirty="0">
-                <a:solidFill>
-                  <a:srgbClr val="FF0000"/>
-                </a:solidFill>
-              </a:rPr>
-              <a:t>的工作者</a:t>
-            </a:r>
-          </a:p>
-          <a:p>
-            <a:endParaRPr dirty="0"/>
-          </a:p>
-        </p:txBody>
-      </p:sp>
-      <p:sp>
-        <p:nvSpPr>
-          <p:cNvPr id="2" name="Shape 213">
+          <p:cNvPr id="2" name="标题 1">
             <a:extLst>
               <a:ext uri="{FF2B5EF4-FFF2-40B4-BE49-F238E27FC236}">
-                <a16:creationId xmlns:a16="http://schemas.microsoft.com/office/drawing/2014/main" id="{9D39F2E2-8887-458B-9369-919130D66026}"/>
+                <a16:creationId xmlns:a16="http://schemas.microsoft.com/office/drawing/2014/main" id="{DEB4FF1E-5492-4E1A-BB19-5ABBB3587F29}"/>
               </a:ext>
             </a:extLst>
           </p:cNvPr>
-          <p:cNvSpPr/>
-          <p:nvPr/>
-        </p:nvSpPr>
-        <p:spPr>
-          <a:xfrm>
-            <a:off x="1040129" y="2391409"/>
-            <a:ext cx="6166787" cy="3385029"/>
-          </a:xfrm>
-          <a:prstGeom prst="rect">
-            <a:avLst/>
-          </a:prstGeom>
-          <a:ln w="12700">
-            <a:miter lim="400000"/>
-          </a:ln>
-        </p:spPr>
-        <p:txBody>
-          <a:bodyPr wrap="square" lIns="45719" rIns="45719">
-            <a:spAutoFit/>
-          </a:bodyPr>
-          <a:lstStyle>
-            <a:lvl1pPr>
-              <a:lnSpc>
-                <a:spcPct val="120000"/>
-              </a:lnSpc>
-              <a:defRPr sz="1800"/>
-            </a:lvl1pPr>
-          </a:lstStyle>
-          <a:p>
-            <a:pPr marL="342900" indent="-342900">
-              <a:buFont typeface="Wingdings" panose="05000000000000000000" pitchFamily="2" charset="2"/>
-              <a:buChar char="Ø"/>
-            </a:pPr>
-            <a:r>
-              <a:rPr lang="zh-CN" altLang="en-US" sz="2000" dirty="0">
-                <a:latin typeface="Source Han Sans CN Normal" charset="-122"/>
-                <a:ea typeface="Source Han Sans CN Normal" charset="-122"/>
-                <a:cs typeface="Source Han Sans CN Normal" charset="-122"/>
-              </a:rPr>
-              <a:t>未来要求我们使用人工智能的行业场景会越来越多，甚至渗透到每个领域</a:t>
-            </a:r>
-            <a:endParaRPr lang="en-US" altLang="zh-CN" sz="2000" dirty="0">
-              <a:latin typeface="Source Han Sans CN Normal" charset="-122"/>
-              <a:ea typeface="Source Han Sans CN Normal" charset="-122"/>
-              <a:cs typeface="Source Han Sans CN Normal" charset="-122"/>
-            </a:endParaRPr>
-          </a:p>
-          <a:p>
-            <a:pPr marL="342900" indent="-342900">
-              <a:buFont typeface="Wingdings" panose="05000000000000000000" pitchFamily="2" charset="2"/>
-              <a:buChar char="Ø"/>
-            </a:pPr>
-            <a:endParaRPr lang="en-US" altLang="zh-CN" sz="2000" dirty="0">
-              <a:latin typeface="Source Han Sans CN Normal" charset="-122"/>
-              <a:ea typeface="Source Han Sans CN Normal" charset="-122"/>
-              <a:cs typeface="Source Han Sans CN Normal" charset="-122"/>
-            </a:endParaRPr>
-          </a:p>
-          <a:p>
-            <a:pPr marL="342900" indent="-342900">
-              <a:buFont typeface="Wingdings" panose="05000000000000000000" pitchFamily="2" charset="2"/>
-              <a:buChar char="Ø"/>
-            </a:pPr>
-            <a:r>
-              <a:rPr lang="zh-CN" altLang="en-US" sz="2000" dirty="0">
-                <a:latin typeface="Source Han Sans CN Normal" charset="-122"/>
-                <a:ea typeface="Source Han Sans CN Normal" charset="-122"/>
-                <a:cs typeface="Source Han Sans CN Normal" charset="-122"/>
-              </a:rPr>
-              <a:t>脑功能研究领域的未来一定会朝着个体精准医学的方向发展，机器学习是其不可或缺的一种重要工具</a:t>
-            </a:r>
-            <a:endParaRPr lang="en-US" altLang="zh-CN" sz="2000" dirty="0">
-              <a:latin typeface="Source Han Sans CN Normal" charset="-122"/>
-              <a:ea typeface="Source Han Sans CN Normal" charset="-122"/>
-              <a:cs typeface="Source Han Sans CN Normal" charset="-122"/>
-            </a:endParaRPr>
-          </a:p>
-          <a:p>
-            <a:pPr marL="342900" indent="-342900">
-              <a:buFont typeface="Wingdings" panose="05000000000000000000" pitchFamily="2" charset="2"/>
-              <a:buChar char="Ø"/>
-            </a:pPr>
-            <a:endParaRPr lang="en-US" altLang="zh-CN" sz="2000" dirty="0">
-              <a:latin typeface="Source Han Sans CN Normal" charset="-122"/>
-              <a:ea typeface="Source Han Sans CN Normal" charset="-122"/>
-              <a:cs typeface="Source Han Sans CN Normal" charset="-122"/>
-            </a:endParaRPr>
-          </a:p>
-          <a:p>
-            <a:pPr marL="342900" indent="-342900">
-              <a:buFont typeface="Wingdings" panose="05000000000000000000" pitchFamily="2" charset="2"/>
-              <a:buChar char="Ø"/>
-            </a:pPr>
-            <a:r>
-              <a:rPr lang="zh-CN" altLang="en-US" sz="2000" dirty="0">
-                <a:latin typeface="Source Han Sans CN Normal" charset="-122"/>
-                <a:ea typeface="Source Han Sans CN Normal" charset="-122"/>
-                <a:cs typeface="Source Han Sans CN Normal" charset="-122"/>
-              </a:rPr>
-              <a:t>几乎每一篇优秀的影像组学的研究都要涉及到机器学习的方法</a:t>
-            </a:r>
-            <a:endParaRPr lang="en-US" altLang="zh-CN" sz="2000" dirty="0">
-              <a:latin typeface="Source Han Sans CN Normal" charset="-122"/>
-              <a:ea typeface="Source Han Sans CN Normal" charset="-122"/>
-              <a:cs typeface="Source Han Sans CN Normal" charset="-122"/>
-            </a:endParaRPr>
-          </a:p>
-          <a:p>
-            <a:endParaRPr sz="2000" dirty="0">
-              <a:latin typeface="Source Han Sans CN Normal" charset="-122"/>
-              <a:ea typeface="Source Han Sans CN Normal" charset="-122"/>
-              <a:cs typeface="Source Han Sans CN Normal" charset="-122"/>
-            </a:endParaRPr>
+          <p:cNvSpPr>
+            <a:spLocks noGrp="1"/>
+          </p:cNvSpPr>
+          <p:nvPr>
+            <p:ph type="title"/>
+          </p:nvPr>
+        </p:nvSpPr>
+        <p:spPr/>
+        <p:txBody>
+          <a:bodyPr/>
+          <a:lstStyle/>
+          <a:p>
+            <a:endParaRPr lang="zh-CN" altLang="en-US" dirty="0"/>
+          </a:p>
+        </p:txBody>
+      </p:sp>
+      <p:sp>
+        <p:nvSpPr>
+          <p:cNvPr id="3" name="内容占位符 2">
+            <a:extLst>
+              <a:ext uri="{FF2B5EF4-FFF2-40B4-BE49-F238E27FC236}">
+                <a16:creationId xmlns:a16="http://schemas.microsoft.com/office/drawing/2014/main" id="{F4BC702A-CAE0-4258-9302-287A7A7BA817}"/>
+              </a:ext>
+            </a:extLst>
+          </p:cNvPr>
+          <p:cNvSpPr>
+            <a:spLocks noGrp="1"/>
+          </p:cNvSpPr>
+          <p:nvPr>
+            <p:ph idx="1"/>
+          </p:nvPr>
+        </p:nvSpPr>
+        <p:spPr/>
+        <p:txBody>
+          <a:bodyPr/>
+          <a:lstStyle/>
+          <a:p>
+            <a:r>
+              <a:rPr lang="zh-CN" altLang="en-US" dirty="0"/>
+              <a:t>练习题：根据红葡萄酒代码，完成白葡萄 酒的质量预测</a:t>
+            </a:r>
           </a:p>
         </p:txBody>
       </p:sp>
     </p:spTree>
+    <p:extLst>
+      <p:ext uri="{BB962C8B-B14F-4D97-AF65-F5344CB8AC3E}">
+        <p14:creationId xmlns:p14="http://schemas.microsoft.com/office/powerpoint/2010/main" val="1413995680"/>
+      </p:ext>
+    </p:extLst>
   </p:cSld>
   <p:clrMapOvr>
     <a:masterClrMapping/>
   </p:clrMapOvr>
-  <p:transition spd="slow"/>
 </p:sld>
 </file>
 
-<file path=ppt/slides/slide70.xml><?xml version="1.0" encoding="utf-8"?>
+<file path=ppt/slides/slide73.xml><?xml version="1.0" encoding="utf-8"?>
 <p:sld xmlns:a="http://schemas.openxmlformats.org/drawingml/2006/main" xmlns:r="http://schemas.openxmlformats.org/officeDocument/2006/relationships" xmlns:p="http://schemas.openxmlformats.org/presentationml/2006/main">
   <p:cSld>
     <p:spTree>
@@ -22394,6 +22659,92 @@
       </p:grpSpPr>
       <p:sp>
         <p:nvSpPr>
+          <p:cNvPr id="273" name="Shape 273"/>
+          <p:cNvSpPr/>
+          <p:nvPr/>
+        </p:nvSpPr>
+        <p:spPr>
+          <a:xfrm>
+            <a:off x="1052829" y="2964180"/>
+            <a:ext cx="11060613" cy="920445"/>
+          </a:xfrm>
+          <a:prstGeom prst="rect">
+            <a:avLst/>
+          </a:prstGeom>
+          <a:ln w="12700">
+            <a:miter lim="400000"/>
+          </a:ln>
+        </p:spPr>
+        <p:txBody>
+          <a:bodyPr wrap="square" lIns="45719" rIns="45719">
+            <a:spAutoFit/>
+          </a:bodyPr>
+          <a:lstStyle>
+            <a:lvl1pPr>
+              <a:lnSpc>
+                <a:spcPct val="80000"/>
+              </a:lnSpc>
+              <a:defRPr sz="6600">
+                <a:solidFill>
+                  <a:srgbClr val="535353"/>
+                </a:solidFill>
+                <a:latin typeface="Source Han Sans CN Bold Bold"/>
+                <a:ea typeface="Source Han Sans CN Bold Bold"/>
+                <a:cs typeface="Source Han Sans CN Bold Bold"/>
+                <a:sym typeface="Source Han Sans CN Bold Bold"/>
+              </a:defRPr>
+            </a:lvl1pPr>
+          </a:lstStyle>
+          <a:p>
+            <a:r>
+              <a:rPr lang="zh-CN" altLang="en-US" dirty="0">
+                <a:solidFill>
+                  <a:schemeClr val="tx1"/>
+                </a:solidFill>
+              </a:rPr>
+              <a:t>机器学习软件实际操作</a:t>
+            </a:r>
+            <a:endParaRPr dirty="0">
+              <a:solidFill>
+                <a:schemeClr val="tx1"/>
+              </a:solidFill>
+            </a:endParaRPr>
+          </a:p>
+        </p:txBody>
+      </p:sp>
+    </p:spTree>
+    <p:extLst>
+      <p:ext uri="{BB962C8B-B14F-4D97-AF65-F5344CB8AC3E}">
+        <p14:creationId xmlns:p14="http://schemas.microsoft.com/office/powerpoint/2010/main" val="60423438"/>
+      </p:ext>
+    </p:extLst>
+  </p:cSld>
+  <p:clrMapOvr>
+    <a:masterClrMapping/>
+  </p:clrMapOvr>
+  <p:transition spd="slow"/>
+</p:sld>
+</file>
+
+<file path=ppt/slides/slide74.xml><?xml version="1.0" encoding="utf-8"?>
+<p:sld xmlns:a="http://schemas.openxmlformats.org/drawingml/2006/main" xmlns:r="http://schemas.openxmlformats.org/officeDocument/2006/relationships" xmlns:p="http://schemas.openxmlformats.org/presentationml/2006/main">
+  <p:cSld>
+    <p:spTree>
+      <p:nvGrpSpPr>
+        <p:cNvPr id="1" name=""/>
+        <p:cNvGrpSpPr/>
+        <p:nvPr/>
+      </p:nvGrpSpPr>
+      <p:grpSpPr>
+        <a:xfrm>
+          <a:off x="0" y="0"/>
+          <a:ext cx="0" cy="0"/>
+          <a:chOff x="0" y="0"/>
+          <a:chExt cx="0" cy="0"/>
+        </a:xfrm>
+      </p:grpSpPr>
+      <p:sp>
+        <p:nvSpPr>
           <p:cNvPr id="2" name="标题 1">
             <a:extLst>
               <a:ext uri="{FF2B5EF4-FFF2-40B4-BE49-F238E27FC236}">
@@ -22413,7 +22764,10 @@
           <a:bodyPr/>
           <a:lstStyle/>
           <a:p>
-            <a:endParaRPr lang="zh-CN" altLang="en-US" dirty="0"/>
+            <a:r>
+              <a:rPr lang="zh-CN" altLang="en-US" dirty="0"/>
+              <a:t>软件地址</a:t>
+            </a:r>
           </a:p>
         </p:txBody>
       </p:sp>
@@ -22440,7 +22794,7 @@
           <a:p>
             <a:r>
               <a:rPr lang="zh-CN" altLang="en-US" dirty="0"/>
-              <a:t>练习题：根据红葡萄酒代码，完成白葡萄 酒的质量预测</a:t>
+              <a:t>https://github.com/lichao312214129/easylearn</a:t>
             </a:r>
           </a:p>
         </p:txBody>
@@ -22448,7 +22802,824 @@
     </p:spTree>
     <p:extLst>
       <p:ext uri="{BB962C8B-B14F-4D97-AF65-F5344CB8AC3E}">
-        <p14:creationId xmlns:p14="http://schemas.microsoft.com/office/powerpoint/2010/main" val="1413995680"/>
+        <p14:creationId xmlns:p14="http://schemas.microsoft.com/office/powerpoint/2010/main" val="3585402192"/>
+      </p:ext>
+    </p:extLst>
+  </p:cSld>
+  <p:clrMapOvr>
+    <a:masterClrMapping/>
+  </p:clrMapOvr>
+</p:sld>
+</file>
+
+<file path=ppt/slides/slide75.xml><?xml version="1.0" encoding="utf-8"?>
+<p:sld xmlns:a="http://schemas.openxmlformats.org/drawingml/2006/main" xmlns:r="http://schemas.openxmlformats.org/officeDocument/2006/relationships" xmlns:p="http://schemas.openxmlformats.org/presentationml/2006/main">
+  <p:cSld>
+    <p:spTree>
+      <p:nvGrpSpPr>
+        <p:cNvPr id="1" name=""/>
+        <p:cNvGrpSpPr/>
+        <p:nvPr/>
+      </p:nvGrpSpPr>
+      <p:grpSpPr>
+        <a:xfrm>
+          <a:off x="0" y="0"/>
+          <a:ext cx="0" cy="0"/>
+          <a:chOff x="0" y="0"/>
+          <a:chExt cx="0" cy="0"/>
+        </a:xfrm>
+      </p:grpSpPr>
+      <p:sp>
+        <p:nvSpPr>
+          <p:cNvPr id="2" name="标题 1">
+            <a:extLst>
+              <a:ext uri="{FF2B5EF4-FFF2-40B4-BE49-F238E27FC236}">
+                <a16:creationId xmlns:a16="http://schemas.microsoft.com/office/drawing/2014/main" id="{DEB4FF1E-5492-4E1A-BB19-5ABBB3587F29}"/>
+              </a:ext>
+            </a:extLst>
+          </p:cNvPr>
+          <p:cNvSpPr>
+            <a:spLocks noGrp="1"/>
+          </p:cNvSpPr>
+          <p:nvPr>
+            <p:ph type="title"/>
+          </p:nvPr>
+        </p:nvSpPr>
+        <p:spPr/>
+        <p:txBody>
+          <a:bodyPr/>
+          <a:lstStyle/>
+          <a:p>
+            <a:r>
+              <a:rPr lang="zh-CN" altLang="en-US" dirty="0"/>
+              <a:t>开启软件</a:t>
+            </a:r>
+          </a:p>
+        </p:txBody>
+      </p:sp>
+      <p:sp>
+        <p:nvSpPr>
+          <p:cNvPr id="3" name="内容占位符 2">
+            <a:extLst>
+              <a:ext uri="{FF2B5EF4-FFF2-40B4-BE49-F238E27FC236}">
+                <a16:creationId xmlns:a16="http://schemas.microsoft.com/office/drawing/2014/main" id="{F4BC702A-CAE0-4258-9302-287A7A7BA817}"/>
+              </a:ext>
+            </a:extLst>
+          </p:cNvPr>
+          <p:cNvSpPr>
+            <a:spLocks noGrp="1"/>
+          </p:cNvSpPr>
+          <p:nvPr>
+            <p:ph idx="1"/>
+          </p:nvPr>
+        </p:nvSpPr>
+        <p:spPr/>
+        <p:txBody>
+          <a:bodyPr/>
+          <a:lstStyle/>
+          <a:p>
+            <a:r>
+              <a:rPr lang="zh-CN" altLang="en-US" dirty="0"/>
+              <a:t>两行代码开启软件界面：</a:t>
+            </a:r>
+            <a:endParaRPr lang="en-US" altLang="zh-CN" dirty="0"/>
+          </a:p>
+          <a:p>
+            <a:r>
+              <a:rPr lang="en-US" altLang="zh-CN" dirty="0"/>
+              <a:t>from </a:t>
+            </a:r>
+            <a:r>
+              <a:rPr lang="en-US" altLang="zh-CN" dirty="0" err="1"/>
+              <a:t>eslearn</a:t>
+            </a:r>
+            <a:r>
+              <a:rPr lang="en-US" altLang="zh-CN" dirty="0"/>
+              <a:t> import app</a:t>
+            </a:r>
+          </a:p>
+          <a:p>
+            <a:r>
+              <a:rPr lang="en-US" altLang="zh-CN" dirty="0" err="1"/>
+              <a:t>app.run</a:t>
+            </a:r>
+            <a:r>
+              <a:rPr lang="en-US" altLang="zh-CN" dirty="0"/>
+              <a:t>()</a:t>
+            </a:r>
+            <a:endParaRPr lang="zh-CN" altLang="en-US" dirty="0"/>
+          </a:p>
+        </p:txBody>
+      </p:sp>
+      <p:pic>
+        <p:nvPicPr>
+          <p:cNvPr id="5" name="图片 4">
+            <a:extLst>
+              <a:ext uri="{FF2B5EF4-FFF2-40B4-BE49-F238E27FC236}">
+                <a16:creationId xmlns:a16="http://schemas.microsoft.com/office/drawing/2014/main" id="{F992E2DA-1B51-4C91-B579-6FFADD7E5FAD}"/>
+              </a:ext>
+            </a:extLst>
+          </p:cNvPr>
+          <p:cNvPicPr>
+            <a:picLocks noChangeAspect="1"/>
+          </p:cNvPicPr>
+          <p:nvPr/>
+        </p:nvPicPr>
+        <p:blipFill>
+          <a:blip r:embed="rId2"/>
+          <a:stretch>
+            <a:fillRect/>
+          </a:stretch>
+        </p:blipFill>
+        <p:spPr>
+          <a:xfrm>
+            <a:off x="5869702" y="216817"/>
+            <a:ext cx="3811626" cy="6425563"/>
+          </a:xfrm>
+          <a:prstGeom prst="rect">
+            <a:avLst/>
+          </a:prstGeom>
+        </p:spPr>
+      </p:pic>
+    </p:spTree>
+    <p:extLst>
+      <p:ext uri="{BB962C8B-B14F-4D97-AF65-F5344CB8AC3E}">
+        <p14:creationId xmlns:p14="http://schemas.microsoft.com/office/powerpoint/2010/main" val="735700018"/>
+      </p:ext>
+    </p:extLst>
+  </p:cSld>
+  <p:clrMapOvr>
+    <a:masterClrMapping/>
+  </p:clrMapOvr>
+</p:sld>
+</file>
+
+<file path=ppt/slides/slide76.xml><?xml version="1.0" encoding="utf-8"?>
+<p:sld xmlns:a="http://schemas.openxmlformats.org/drawingml/2006/main" xmlns:r="http://schemas.openxmlformats.org/officeDocument/2006/relationships" xmlns:p="http://schemas.openxmlformats.org/presentationml/2006/main">
+  <p:cSld>
+    <p:spTree>
+      <p:nvGrpSpPr>
+        <p:cNvPr id="1" name=""/>
+        <p:cNvGrpSpPr/>
+        <p:nvPr/>
+      </p:nvGrpSpPr>
+      <p:grpSpPr>
+        <a:xfrm>
+          <a:off x="0" y="0"/>
+          <a:ext cx="0" cy="0"/>
+          <a:chOff x="0" y="0"/>
+          <a:chExt cx="0" cy="0"/>
+        </a:xfrm>
+      </p:grpSpPr>
+      <p:sp>
+        <p:nvSpPr>
+          <p:cNvPr id="2" name="标题 1">
+            <a:extLst>
+              <a:ext uri="{FF2B5EF4-FFF2-40B4-BE49-F238E27FC236}">
+                <a16:creationId xmlns:a16="http://schemas.microsoft.com/office/drawing/2014/main" id="{5B6D1619-8411-4FC2-8D8A-254648420CD0}"/>
+              </a:ext>
+            </a:extLst>
+          </p:cNvPr>
+          <p:cNvSpPr>
+            <a:spLocks noGrp="1"/>
+          </p:cNvSpPr>
+          <p:nvPr>
+            <p:ph type="title"/>
+          </p:nvPr>
+        </p:nvSpPr>
+        <p:spPr/>
+        <p:txBody>
+          <a:bodyPr/>
+          <a:lstStyle/>
+          <a:p>
+            <a:r>
+              <a:rPr lang="zh-CN" altLang="en-US" dirty="0"/>
+              <a:t>选择工作目录并添加配置文件</a:t>
+            </a:r>
+          </a:p>
+        </p:txBody>
+      </p:sp>
+      <p:sp>
+        <p:nvSpPr>
+          <p:cNvPr id="9" name="内容占位符 8">
+            <a:extLst>
+              <a:ext uri="{FF2B5EF4-FFF2-40B4-BE49-F238E27FC236}">
+                <a16:creationId xmlns:a16="http://schemas.microsoft.com/office/drawing/2014/main" id="{A99173C5-E99A-4A84-83E9-EF1240094016}"/>
+              </a:ext>
+            </a:extLst>
+          </p:cNvPr>
+          <p:cNvSpPr>
+            <a:spLocks noGrp="1"/>
+          </p:cNvSpPr>
+          <p:nvPr>
+            <p:ph idx="1"/>
+          </p:nvPr>
+        </p:nvSpPr>
+        <p:spPr/>
+        <p:txBody>
+          <a:bodyPr/>
+          <a:lstStyle/>
+          <a:p>
+            <a:endParaRPr lang="zh-CN" altLang="en-US" dirty="0"/>
+          </a:p>
+        </p:txBody>
+      </p:sp>
+      <p:pic>
+        <p:nvPicPr>
+          <p:cNvPr id="15" name="图片 14">
+            <a:extLst>
+              <a:ext uri="{FF2B5EF4-FFF2-40B4-BE49-F238E27FC236}">
+                <a16:creationId xmlns:a16="http://schemas.microsoft.com/office/drawing/2014/main" id="{9090FA8E-FB5B-4800-913C-86AA1D3EDD2F}"/>
+              </a:ext>
+            </a:extLst>
+          </p:cNvPr>
+          <p:cNvPicPr>
+            <a:picLocks noChangeAspect="1"/>
+          </p:cNvPicPr>
+          <p:nvPr/>
+        </p:nvPicPr>
+        <p:blipFill>
+          <a:blip r:embed="rId2"/>
+          <a:stretch>
+            <a:fillRect/>
+          </a:stretch>
+        </p:blipFill>
+        <p:spPr>
+          <a:xfrm>
+            <a:off x="838199" y="1399668"/>
+            <a:ext cx="3300167" cy="5372190"/>
+          </a:xfrm>
+          <a:prstGeom prst="rect">
+            <a:avLst/>
+          </a:prstGeom>
+        </p:spPr>
+      </p:pic>
+    </p:spTree>
+    <p:extLst>
+      <p:ext uri="{BB962C8B-B14F-4D97-AF65-F5344CB8AC3E}">
+        <p14:creationId xmlns:p14="http://schemas.microsoft.com/office/powerpoint/2010/main" val="384206769"/>
+      </p:ext>
+    </p:extLst>
+  </p:cSld>
+  <p:clrMapOvr>
+    <a:masterClrMapping/>
+  </p:clrMapOvr>
+</p:sld>
+</file>
+
+<file path=ppt/slides/slide77.xml><?xml version="1.0" encoding="utf-8"?>
+<p:sld xmlns:a="http://schemas.openxmlformats.org/drawingml/2006/main" xmlns:r="http://schemas.openxmlformats.org/officeDocument/2006/relationships" xmlns:p="http://schemas.openxmlformats.org/presentationml/2006/main">
+  <p:cSld>
+    <p:spTree>
+      <p:nvGrpSpPr>
+        <p:cNvPr id="1" name=""/>
+        <p:cNvGrpSpPr/>
+        <p:nvPr/>
+      </p:nvGrpSpPr>
+      <p:grpSpPr>
+        <a:xfrm>
+          <a:off x="0" y="0"/>
+          <a:ext cx="0" cy="0"/>
+          <a:chOff x="0" y="0"/>
+          <a:chExt cx="0" cy="0"/>
+        </a:xfrm>
+      </p:grpSpPr>
+      <p:sp>
+        <p:nvSpPr>
+          <p:cNvPr id="2" name="标题 1">
+            <a:extLst>
+              <a:ext uri="{FF2B5EF4-FFF2-40B4-BE49-F238E27FC236}">
+                <a16:creationId xmlns:a16="http://schemas.microsoft.com/office/drawing/2014/main" id="{CB35CAD3-E208-4C27-8A61-243C5E8A1283}"/>
+              </a:ext>
+            </a:extLst>
+          </p:cNvPr>
+          <p:cNvSpPr>
+            <a:spLocks noGrp="1"/>
+          </p:cNvSpPr>
+          <p:nvPr>
+            <p:ph type="title"/>
+          </p:nvPr>
+        </p:nvSpPr>
+        <p:spPr/>
+        <p:txBody>
+          <a:bodyPr/>
+          <a:lstStyle/>
+          <a:p>
+            <a:r>
+              <a:rPr lang="zh-CN" altLang="en-US" dirty="0"/>
+              <a:t>数据加载</a:t>
+            </a:r>
+          </a:p>
+        </p:txBody>
+      </p:sp>
+      <p:pic>
+        <p:nvPicPr>
+          <p:cNvPr id="11" name="内容占位符 10">
+            <a:extLst>
+              <a:ext uri="{FF2B5EF4-FFF2-40B4-BE49-F238E27FC236}">
+                <a16:creationId xmlns:a16="http://schemas.microsoft.com/office/drawing/2014/main" id="{4C3C2FAB-701B-4116-B2AE-20C594CC24C7}"/>
+              </a:ext>
+            </a:extLst>
+          </p:cNvPr>
+          <p:cNvPicPr>
+            <a:picLocks noGrp="1" noChangeAspect="1"/>
+          </p:cNvPicPr>
+          <p:nvPr>
+            <p:ph idx="1"/>
+          </p:nvPr>
+        </p:nvPicPr>
+        <p:blipFill>
+          <a:blip r:embed="rId2"/>
+          <a:stretch>
+            <a:fillRect/>
+          </a:stretch>
+        </p:blipFill>
+        <p:spPr>
+          <a:xfrm>
+            <a:off x="4348009" y="113122"/>
+            <a:ext cx="7476525" cy="6744878"/>
+          </a:xfrm>
+        </p:spPr>
+      </p:pic>
+    </p:spTree>
+    <p:extLst>
+      <p:ext uri="{BB962C8B-B14F-4D97-AF65-F5344CB8AC3E}">
+        <p14:creationId xmlns:p14="http://schemas.microsoft.com/office/powerpoint/2010/main" val="3997407876"/>
+      </p:ext>
+    </p:extLst>
+  </p:cSld>
+  <p:clrMapOvr>
+    <a:masterClrMapping/>
+  </p:clrMapOvr>
+</p:sld>
+</file>
+
+<file path=ppt/slides/slide78.xml><?xml version="1.0" encoding="utf-8"?>
+<p:sld xmlns:a="http://schemas.openxmlformats.org/drawingml/2006/main" xmlns:r="http://schemas.openxmlformats.org/officeDocument/2006/relationships" xmlns:p="http://schemas.openxmlformats.org/presentationml/2006/main">
+  <p:cSld>
+    <p:spTree>
+      <p:nvGrpSpPr>
+        <p:cNvPr id="1" name=""/>
+        <p:cNvGrpSpPr/>
+        <p:nvPr/>
+      </p:nvGrpSpPr>
+      <p:grpSpPr>
+        <a:xfrm>
+          <a:off x="0" y="0"/>
+          <a:ext cx="0" cy="0"/>
+          <a:chOff x="0" y="0"/>
+          <a:chExt cx="0" cy="0"/>
+        </a:xfrm>
+      </p:grpSpPr>
+      <p:sp>
+        <p:nvSpPr>
+          <p:cNvPr id="2" name="标题 1">
+            <a:extLst>
+              <a:ext uri="{FF2B5EF4-FFF2-40B4-BE49-F238E27FC236}">
+                <a16:creationId xmlns:a16="http://schemas.microsoft.com/office/drawing/2014/main" id="{A89F4CA5-AD75-4935-990F-99FE12FB8006}"/>
+              </a:ext>
+            </a:extLst>
+          </p:cNvPr>
+          <p:cNvSpPr>
+            <a:spLocks noGrp="1"/>
+          </p:cNvSpPr>
+          <p:nvPr>
+            <p:ph type="title"/>
+          </p:nvPr>
+        </p:nvSpPr>
+        <p:spPr/>
+        <p:txBody>
+          <a:bodyPr/>
+          <a:lstStyle/>
+          <a:p>
+            <a:r>
+              <a:rPr lang="zh-CN" altLang="en-US" dirty="0"/>
+              <a:t>数据加载注意事项</a:t>
+            </a:r>
+          </a:p>
+        </p:txBody>
+      </p:sp>
+      <p:sp>
+        <p:nvSpPr>
+          <p:cNvPr id="3" name="内容占位符 2">
+            <a:extLst>
+              <a:ext uri="{FF2B5EF4-FFF2-40B4-BE49-F238E27FC236}">
+                <a16:creationId xmlns:a16="http://schemas.microsoft.com/office/drawing/2014/main" id="{A2407D9F-FBBF-4429-87D3-18C2B4556FD4}"/>
+              </a:ext>
+            </a:extLst>
+          </p:cNvPr>
+          <p:cNvSpPr>
+            <a:spLocks noGrp="1"/>
+          </p:cNvSpPr>
+          <p:nvPr>
+            <p:ph idx="1"/>
+          </p:nvPr>
+        </p:nvSpPr>
+        <p:spPr/>
+        <p:txBody>
+          <a:bodyPr>
+            <a:normAutofit/>
+          </a:bodyPr>
+          <a:lstStyle/>
+          <a:p>
+            <a:r>
+              <a:rPr lang="zh-CN" altLang="en-US" sz="2000" dirty="0"/>
+              <a:t>注意：</a:t>
+            </a:r>
+            <a:endParaRPr lang="en-US" altLang="zh-CN" sz="2000" dirty="0"/>
+          </a:p>
+          <a:p>
+            <a:r>
+              <a:rPr lang="en-US" altLang="zh-CN" sz="2000" dirty="0"/>
+              <a:t>1 </a:t>
+            </a:r>
+            <a:r>
+              <a:rPr lang="zh-CN" altLang="en-US" sz="2000" dirty="0"/>
+              <a:t>如果输入</a:t>
+            </a:r>
+            <a:r>
+              <a:rPr lang="en-US" altLang="zh-CN" sz="2000" dirty="0"/>
+              <a:t>Files</a:t>
+            </a:r>
+            <a:r>
+              <a:rPr lang="zh-CN" altLang="en-US" sz="2000" dirty="0"/>
+              <a:t>是多个文件，即一个</a:t>
+            </a:r>
+            <a:r>
+              <a:rPr lang="en-US" altLang="zh-CN" sz="2000" dirty="0"/>
+              <a:t>case</a:t>
+            </a:r>
+            <a:r>
+              <a:rPr lang="zh-CN" altLang="en-US" sz="2000" dirty="0"/>
+              <a:t>一个文件，那么文件名中必须有</a:t>
+            </a:r>
+            <a:r>
+              <a:rPr lang="en-US" altLang="zh-CN" sz="2000" dirty="0"/>
+              <a:t>”sub-xxx”</a:t>
+            </a:r>
+            <a:r>
+              <a:rPr lang="zh-CN" altLang="en-US" sz="2000" dirty="0"/>
+              <a:t>或者</a:t>
+            </a:r>
+            <a:r>
+              <a:rPr lang="en-US" altLang="zh-CN" sz="2000" dirty="0"/>
+              <a:t>”</a:t>
+            </a:r>
+            <a:r>
+              <a:rPr lang="en-US" altLang="zh-CN" sz="2000" dirty="0" err="1"/>
+              <a:t>subxxx</a:t>
+            </a:r>
+            <a:r>
+              <a:rPr lang="en-US" altLang="zh-CN" sz="2000" dirty="0"/>
+              <a:t>”</a:t>
+            </a:r>
+            <a:r>
+              <a:rPr lang="zh-CN" altLang="en-US" sz="2000" dirty="0"/>
+              <a:t>，“</a:t>
+            </a:r>
+            <a:r>
+              <a:rPr lang="en-US" altLang="zh-CN" sz="2000" dirty="0"/>
+              <a:t>xxx</a:t>
+            </a:r>
+            <a:r>
+              <a:rPr lang="zh-CN" altLang="en-US" sz="2000" dirty="0"/>
+              <a:t>”是阿拉伯数字。这是为了将特征和目的匹配，特别是多模态时。如果是单个文件，则其中的数据是</a:t>
+            </a:r>
+            <a:r>
+              <a:rPr lang="en-US" altLang="zh-CN" sz="2000" dirty="0" err="1"/>
+              <a:t>n_sample</a:t>
+            </a:r>
+            <a:r>
+              <a:rPr lang="en-US" altLang="zh-CN" sz="2000" dirty="0"/>
+              <a:t> *</a:t>
+            </a:r>
+            <a:r>
+              <a:rPr lang="zh-CN" altLang="en-US" sz="2000" dirty="0"/>
+              <a:t> （</a:t>
+            </a:r>
+            <a:r>
+              <a:rPr lang="en-US" altLang="zh-CN" sz="2000" dirty="0"/>
+              <a:t>1+ </a:t>
+            </a:r>
+            <a:r>
+              <a:rPr lang="en-US" altLang="zh-CN" sz="2000" dirty="0" err="1"/>
+              <a:t>n_features</a:t>
+            </a:r>
+            <a:r>
+              <a:rPr lang="zh-CN" altLang="en-US" sz="2000" dirty="0"/>
+              <a:t>）的矩阵，其中有一列的名字最好是</a:t>
+            </a:r>
+            <a:r>
+              <a:rPr lang="en-US" altLang="zh-CN" sz="2000" dirty="0"/>
+              <a:t>—__ID__,</a:t>
+            </a:r>
+            <a:r>
+              <a:rPr lang="zh-CN" altLang="en-US" sz="2000" dirty="0"/>
+              <a:t>否则</a:t>
+            </a:r>
+            <a:r>
+              <a:rPr lang="en-US" altLang="zh-CN" sz="2000" dirty="0" err="1"/>
+              <a:t>eslearn</a:t>
+            </a:r>
+            <a:r>
+              <a:rPr lang="zh-CN" altLang="en-US" sz="2000" dirty="0"/>
+              <a:t>把第一列看作</a:t>
+            </a:r>
+            <a:r>
+              <a:rPr lang="en-US" altLang="zh-CN" sz="2000" dirty="0"/>
+              <a:t>ID</a:t>
+            </a:r>
+          </a:p>
+          <a:p>
+            <a:r>
+              <a:rPr lang="zh-CN" altLang="en-US" sz="2000" dirty="0"/>
+              <a:t> </a:t>
+            </a:r>
+            <a:endParaRPr lang="en-US" altLang="zh-CN" sz="2000" dirty="0"/>
+          </a:p>
+          <a:p>
+            <a:r>
+              <a:rPr lang="en-US" altLang="zh-CN" sz="2000" dirty="0"/>
+              <a:t>2 </a:t>
+            </a:r>
+            <a:r>
+              <a:rPr lang="zh-CN" altLang="en-US" sz="2000" dirty="0"/>
+              <a:t>如果输入的</a:t>
+            </a:r>
+            <a:r>
+              <a:rPr lang="en-US" altLang="zh-CN" sz="2000" dirty="0"/>
+              <a:t>targets</a:t>
+            </a:r>
+            <a:r>
+              <a:rPr lang="zh-CN" altLang="en-US" sz="2000" dirty="0"/>
+              <a:t>是文件，那么文件中数据应该有两列，名字分别是</a:t>
+            </a:r>
+            <a:r>
+              <a:rPr lang="en-US" altLang="zh-CN" sz="2000" dirty="0"/>
+              <a:t>__ID__”</a:t>
+            </a:r>
+            <a:r>
+              <a:rPr lang="zh-CN" altLang="en-US" sz="2000" dirty="0"/>
+              <a:t>和</a:t>
+            </a:r>
+            <a:r>
+              <a:rPr lang="en-US" altLang="zh-CN" sz="2000" dirty="0"/>
+              <a:t>__Targets__</a:t>
+            </a:r>
+            <a:r>
+              <a:rPr lang="zh-CN" altLang="en-US" sz="2000" dirty="0"/>
+              <a:t>。如果没有这两个列名，那么</a:t>
+            </a:r>
+            <a:r>
+              <a:rPr lang="en-US" altLang="zh-CN" sz="2000" dirty="0" err="1"/>
+              <a:t>eslearn</a:t>
+            </a:r>
+            <a:r>
+              <a:rPr lang="zh-CN" altLang="en-US" sz="2000" dirty="0"/>
+              <a:t>将把第一列当作是</a:t>
+            </a:r>
+            <a:r>
+              <a:rPr lang="en-US" altLang="zh-CN" sz="2000" dirty="0"/>
+              <a:t>__ID__ </a:t>
+            </a:r>
+            <a:r>
+              <a:rPr lang="zh-CN" altLang="en-US" sz="2000" dirty="0"/>
+              <a:t>第</a:t>
+            </a:r>
+            <a:r>
+              <a:rPr lang="en-US" altLang="zh-CN" sz="2000" dirty="0"/>
+              <a:t>2</a:t>
+            </a:r>
+            <a:r>
+              <a:rPr lang="zh-CN" altLang="en-US" sz="2000" dirty="0"/>
+              <a:t>列当作是</a:t>
+            </a:r>
+            <a:r>
+              <a:rPr lang="en-US" altLang="zh-CN" sz="2000" dirty="0"/>
+              <a:t>__Targets__</a:t>
+            </a:r>
+            <a:r>
+              <a:rPr lang="zh-CN" altLang="en-US" sz="2000" dirty="0"/>
+              <a:t>。</a:t>
+            </a:r>
+            <a:endParaRPr lang="en-US" altLang="zh-CN" sz="2000" dirty="0"/>
+          </a:p>
+          <a:p>
+            <a:endParaRPr lang="en-US" altLang="zh-CN" sz="2000" dirty="0"/>
+          </a:p>
+          <a:p>
+            <a:r>
+              <a:rPr lang="zh-CN" altLang="en-US" sz="2000" dirty="0"/>
+              <a:t>对于</a:t>
+            </a:r>
+            <a:r>
+              <a:rPr lang="en-US" altLang="zh-CN" sz="2000" dirty="0"/>
+              <a:t>covariates</a:t>
+            </a:r>
+            <a:r>
+              <a:rPr lang="zh-CN" altLang="en-US" sz="2000" dirty="0"/>
+              <a:t>来说同样如此。</a:t>
+            </a:r>
+          </a:p>
+        </p:txBody>
+      </p:sp>
+    </p:spTree>
+    <p:extLst>
+      <p:ext uri="{BB962C8B-B14F-4D97-AF65-F5344CB8AC3E}">
+        <p14:creationId xmlns:p14="http://schemas.microsoft.com/office/powerpoint/2010/main" val="1296495478"/>
+      </p:ext>
+    </p:extLst>
+  </p:cSld>
+  <p:clrMapOvr>
+    <a:masterClrMapping/>
+  </p:clrMapOvr>
+</p:sld>
+</file>
+
+<file path=ppt/slides/slide79.xml><?xml version="1.0" encoding="utf-8"?>
+<p:sld xmlns:a="http://schemas.openxmlformats.org/drawingml/2006/main" xmlns:r="http://schemas.openxmlformats.org/officeDocument/2006/relationships" xmlns:p="http://schemas.openxmlformats.org/presentationml/2006/main">
+  <p:cSld>
+    <p:spTree>
+      <p:nvGrpSpPr>
+        <p:cNvPr id="1" name=""/>
+        <p:cNvGrpSpPr/>
+        <p:nvPr/>
+      </p:nvGrpSpPr>
+      <p:grpSpPr>
+        <a:xfrm>
+          <a:off x="0" y="0"/>
+          <a:ext cx="0" cy="0"/>
+          <a:chOff x="0" y="0"/>
+          <a:chExt cx="0" cy="0"/>
+        </a:xfrm>
+      </p:grpSpPr>
+      <p:sp>
+        <p:nvSpPr>
+          <p:cNvPr id="2" name="标题 1">
+            <a:extLst>
+              <a:ext uri="{FF2B5EF4-FFF2-40B4-BE49-F238E27FC236}">
+                <a16:creationId xmlns:a16="http://schemas.microsoft.com/office/drawing/2014/main" id="{20EEFD39-CC41-42CE-8DBC-691BD4C48BF6}"/>
+              </a:ext>
+            </a:extLst>
+          </p:cNvPr>
+          <p:cNvSpPr>
+            <a:spLocks noGrp="1"/>
+          </p:cNvSpPr>
+          <p:nvPr>
+            <p:ph type="title"/>
+          </p:nvPr>
+        </p:nvSpPr>
+        <p:spPr/>
+        <p:txBody>
+          <a:bodyPr/>
+          <a:lstStyle/>
+          <a:p>
+            <a:r>
+              <a:rPr lang="zh-CN" altLang="en-US" dirty="0"/>
+              <a:t>特征工程</a:t>
+            </a:r>
+          </a:p>
+        </p:txBody>
+      </p:sp>
+      <p:sp>
+        <p:nvSpPr>
+          <p:cNvPr id="7" name="内容占位符 6">
+            <a:extLst>
+              <a:ext uri="{FF2B5EF4-FFF2-40B4-BE49-F238E27FC236}">
+                <a16:creationId xmlns:a16="http://schemas.microsoft.com/office/drawing/2014/main" id="{02A6F4F6-157D-4C3B-93C0-7E976130C28E}"/>
+              </a:ext>
+            </a:extLst>
+          </p:cNvPr>
+          <p:cNvSpPr>
+            <a:spLocks noGrp="1"/>
+          </p:cNvSpPr>
+          <p:nvPr>
+            <p:ph idx="1"/>
+          </p:nvPr>
+        </p:nvSpPr>
+        <p:spPr/>
+        <p:txBody>
+          <a:bodyPr/>
+          <a:lstStyle/>
+          <a:p>
+            <a:r>
+              <a:rPr lang="zh-CN" altLang="en-US" dirty="0"/>
+              <a:t>参数可以设置多个</a:t>
+            </a:r>
+            <a:endParaRPr lang="en-US" altLang="zh-CN" dirty="0"/>
+          </a:p>
+          <a:p>
+            <a:pPr marL="0" indent="0">
+              <a:buNone/>
+            </a:pPr>
+            <a:r>
+              <a:rPr lang="en-US" altLang="zh-CN" dirty="0" err="1"/>
+              <a:t>eslearn</a:t>
+            </a:r>
+            <a:r>
+              <a:rPr lang="zh-CN" altLang="en-US" dirty="0"/>
+              <a:t>自动通过</a:t>
+            </a:r>
+            <a:r>
+              <a:rPr lang="en-US" altLang="zh-CN" dirty="0"/>
+              <a:t>nest-cv</a:t>
+            </a:r>
+            <a:r>
+              <a:rPr lang="zh-CN" altLang="en-US" dirty="0"/>
+              <a:t>的</a:t>
+            </a:r>
+            <a:endParaRPr lang="en-US" altLang="zh-CN" dirty="0"/>
+          </a:p>
+          <a:p>
+            <a:pPr marL="0" indent="0">
+              <a:buNone/>
+            </a:pPr>
+            <a:r>
+              <a:rPr lang="zh-CN" altLang="en-US" dirty="0"/>
+              <a:t>方式寻找最优参数</a:t>
+            </a:r>
+          </a:p>
+        </p:txBody>
+      </p:sp>
+      <p:pic>
+        <p:nvPicPr>
+          <p:cNvPr id="9" name="图片 8">
+            <a:extLst>
+              <a:ext uri="{FF2B5EF4-FFF2-40B4-BE49-F238E27FC236}">
+                <a16:creationId xmlns:a16="http://schemas.microsoft.com/office/drawing/2014/main" id="{BF082DD1-5105-4887-9586-0B8AA2046068}"/>
+              </a:ext>
+            </a:extLst>
+          </p:cNvPr>
+          <p:cNvPicPr>
+            <a:picLocks noChangeAspect="1"/>
+          </p:cNvPicPr>
+          <p:nvPr/>
+        </p:nvPicPr>
+        <p:blipFill rotWithShape="1">
+          <a:blip r:embed="rId2"/>
+          <a:srcRect l="25000" t="14599" r="27687" b="13264"/>
+          <a:stretch/>
+        </p:blipFill>
+        <p:spPr>
+          <a:xfrm>
+            <a:off x="5296293" y="0"/>
+            <a:ext cx="6867071" cy="6858000"/>
+          </a:xfrm>
+          <a:prstGeom prst="rect">
+            <a:avLst/>
+          </a:prstGeom>
+        </p:spPr>
+      </p:pic>
+      <p:sp>
+        <p:nvSpPr>
+          <p:cNvPr id="11" name="箭头: 下 10">
+            <a:extLst>
+              <a:ext uri="{FF2B5EF4-FFF2-40B4-BE49-F238E27FC236}">
+                <a16:creationId xmlns:a16="http://schemas.microsoft.com/office/drawing/2014/main" id="{1EF95737-77BC-48C0-B5E6-E49FA9496C2F}"/>
+              </a:ext>
+            </a:extLst>
+          </p:cNvPr>
+          <p:cNvSpPr/>
+          <p:nvPr/>
+        </p:nvSpPr>
+        <p:spPr>
+          <a:xfrm>
+            <a:off x="10237509" y="2564091"/>
+            <a:ext cx="263951" cy="933253"/>
+          </a:xfrm>
+          <a:prstGeom prst="downArrow">
+            <a:avLst/>
+          </a:prstGeom>
+        </p:spPr>
+        <p:style>
+          <a:lnRef idx="2">
+            <a:schemeClr val="accent4">
+              <a:shade val="50000"/>
+            </a:schemeClr>
+          </a:lnRef>
+          <a:fillRef idx="1">
+            <a:schemeClr val="accent4"/>
+          </a:fillRef>
+          <a:effectRef idx="0">
+            <a:schemeClr val="accent4"/>
+          </a:effectRef>
+          <a:fontRef idx="minor">
+            <a:schemeClr val="lt1"/>
+          </a:fontRef>
+        </p:style>
+        <p:txBody>
+          <a:bodyPr rtlCol="0" anchor="ctr"/>
+          <a:lstStyle/>
+          <a:p>
+            <a:pPr algn="ctr"/>
+            <a:endParaRPr lang="zh-CN" altLang="en-US"/>
+          </a:p>
+        </p:txBody>
+      </p:sp>
+    </p:spTree>
+    <p:extLst>
+      <p:ext uri="{BB962C8B-B14F-4D97-AF65-F5344CB8AC3E}">
+        <p14:creationId xmlns:p14="http://schemas.microsoft.com/office/powerpoint/2010/main" val="1407719272"/>
       </p:ext>
     </p:extLst>
   </p:cSld>
@@ -22868,6 +24039,1334 @@
 </p:sld>
 </file>
 
+<file path=ppt/slides/slide80.xml><?xml version="1.0" encoding="utf-8"?>
+<p:sld xmlns:a="http://schemas.openxmlformats.org/drawingml/2006/main" xmlns:r="http://schemas.openxmlformats.org/officeDocument/2006/relationships" xmlns:p="http://schemas.openxmlformats.org/presentationml/2006/main">
+  <p:cSld>
+    <p:spTree>
+      <p:nvGrpSpPr>
+        <p:cNvPr id="1" name=""/>
+        <p:cNvGrpSpPr/>
+        <p:nvPr/>
+      </p:nvGrpSpPr>
+      <p:grpSpPr>
+        <a:xfrm>
+          <a:off x="0" y="0"/>
+          <a:ext cx="0" cy="0"/>
+          <a:chOff x="0" y="0"/>
+          <a:chExt cx="0" cy="0"/>
+        </a:xfrm>
+      </p:grpSpPr>
+      <p:sp>
+        <p:nvSpPr>
+          <p:cNvPr id="2" name="标题 1">
+            <a:extLst>
+              <a:ext uri="{FF2B5EF4-FFF2-40B4-BE49-F238E27FC236}">
+                <a16:creationId xmlns:a16="http://schemas.microsoft.com/office/drawing/2014/main" id="{4AA1B7D9-D2B5-41C6-A86E-A254AAFADFCE}"/>
+              </a:ext>
+            </a:extLst>
+          </p:cNvPr>
+          <p:cNvSpPr>
+            <a:spLocks noGrp="1"/>
+          </p:cNvSpPr>
+          <p:nvPr>
+            <p:ph type="title"/>
+          </p:nvPr>
+        </p:nvSpPr>
+        <p:spPr/>
+        <p:txBody>
+          <a:bodyPr/>
+          <a:lstStyle/>
+          <a:p>
+            <a:r>
+              <a:rPr lang="zh-CN" altLang="en-US" dirty="0"/>
+              <a:t>特征工程</a:t>
+            </a:r>
+          </a:p>
+        </p:txBody>
+      </p:sp>
+      <p:pic>
+        <p:nvPicPr>
+          <p:cNvPr id="5" name="内容占位符 4">
+            <a:extLst>
+              <a:ext uri="{FF2B5EF4-FFF2-40B4-BE49-F238E27FC236}">
+                <a16:creationId xmlns:a16="http://schemas.microsoft.com/office/drawing/2014/main" id="{36415D93-FB52-4CA0-BF85-D4C93C5C109D}"/>
+              </a:ext>
+            </a:extLst>
+          </p:cNvPr>
+          <p:cNvPicPr>
+            <a:picLocks noGrp="1" noChangeAspect="1"/>
+          </p:cNvPicPr>
+          <p:nvPr>
+            <p:ph idx="1"/>
+          </p:nvPr>
+        </p:nvPicPr>
+        <p:blipFill rotWithShape="1">
+          <a:blip r:embed="rId2"/>
+          <a:srcRect l="24783" t="16884" r="27935" b="11667"/>
+          <a:stretch/>
+        </p:blipFill>
+        <p:spPr>
+          <a:xfrm>
+            <a:off x="4413504" y="273685"/>
+            <a:ext cx="7638674" cy="6492875"/>
+          </a:xfrm>
+        </p:spPr>
+      </p:pic>
+      <p:sp>
+        <p:nvSpPr>
+          <p:cNvPr id="6" name="内容占位符 6">
+            <a:extLst>
+              <a:ext uri="{FF2B5EF4-FFF2-40B4-BE49-F238E27FC236}">
+                <a16:creationId xmlns:a16="http://schemas.microsoft.com/office/drawing/2014/main" id="{8D9E573E-4F12-4064-8B57-3FAEB0C029FE}"/>
+              </a:ext>
+            </a:extLst>
+          </p:cNvPr>
+          <p:cNvSpPr txBox="1">
+            <a:spLocks/>
+          </p:cNvSpPr>
+          <p:nvPr/>
+        </p:nvSpPr>
+        <p:spPr>
+          <a:xfrm>
+            <a:off x="838200" y="1825625"/>
+            <a:ext cx="10515600" cy="4351338"/>
+          </a:xfrm>
+          <a:prstGeom prst="rect">
+            <a:avLst/>
+          </a:prstGeom>
+        </p:spPr>
+        <p:txBody>
+          <a:bodyPr vert="horz" lIns="91440" tIns="45720" rIns="91440" bIns="45720" rtlCol="0">
+            <a:normAutofit/>
+          </a:bodyPr>
+          <a:lstStyle>
+            <a:lvl1pPr marL="228600" indent="-228600" algn="l" defTabSz="914400" rtl="0" eaLnBrk="1" latinLnBrk="0" hangingPunct="1">
+              <a:lnSpc>
+                <a:spcPct val="90000"/>
+              </a:lnSpc>
+              <a:spcBef>
+                <a:spcPts val="1000"/>
+              </a:spcBef>
+              <a:buFont typeface="Arial" panose="020B0604020202020204" pitchFamily="34" charset="0"/>
+              <a:buChar char="•"/>
+              <a:defRPr sz="2800" kern="1200">
+                <a:solidFill>
+                  <a:schemeClr val="tx1"/>
+                </a:solidFill>
+                <a:latin typeface="+mn-lt"/>
+                <a:ea typeface="+mn-ea"/>
+                <a:cs typeface="+mn-cs"/>
+              </a:defRPr>
+            </a:lvl1pPr>
+            <a:lvl2pPr marL="685800" indent="-228600" algn="l" defTabSz="914400" rtl="0" eaLnBrk="1" latinLnBrk="0" hangingPunct="1">
+              <a:lnSpc>
+                <a:spcPct val="90000"/>
+              </a:lnSpc>
+              <a:spcBef>
+                <a:spcPts val="500"/>
+              </a:spcBef>
+              <a:buFont typeface="Arial" panose="020B0604020202020204" pitchFamily="34" charset="0"/>
+              <a:buChar char="•"/>
+              <a:defRPr sz="2400" kern="1200">
+                <a:solidFill>
+                  <a:schemeClr val="tx1"/>
+                </a:solidFill>
+                <a:latin typeface="+mn-lt"/>
+                <a:ea typeface="+mn-ea"/>
+                <a:cs typeface="+mn-cs"/>
+              </a:defRPr>
+            </a:lvl2pPr>
+            <a:lvl3pPr marL="1143000" indent="-228600" algn="l" defTabSz="914400" rtl="0" eaLnBrk="1" latinLnBrk="0" hangingPunct="1">
+              <a:lnSpc>
+                <a:spcPct val="90000"/>
+              </a:lnSpc>
+              <a:spcBef>
+                <a:spcPts val="500"/>
+              </a:spcBef>
+              <a:buFont typeface="Arial" panose="020B0604020202020204" pitchFamily="34" charset="0"/>
+              <a:buChar char="•"/>
+              <a:defRPr sz="2000" kern="1200">
+                <a:solidFill>
+                  <a:schemeClr val="tx1"/>
+                </a:solidFill>
+                <a:latin typeface="+mn-lt"/>
+                <a:ea typeface="+mn-ea"/>
+                <a:cs typeface="+mn-cs"/>
+              </a:defRPr>
+            </a:lvl3pPr>
+            <a:lvl4pPr marL="1600200" indent="-228600" algn="l" defTabSz="914400" rtl="0" eaLnBrk="1" latinLnBrk="0" hangingPunct="1">
+              <a:lnSpc>
+                <a:spcPct val="90000"/>
+              </a:lnSpc>
+              <a:spcBef>
+                <a:spcPts val="500"/>
+              </a:spcBef>
+              <a:buFont typeface="Arial" panose="020B0604020202020204" pitchFamily="34" charset="0"/>
+              <a:buChar char="•"/>
+              <a:defRPr sz="1800" kern="1200">
+                <a:solidFill>
+                  <a:schemeClr val="tx1"/>
+                </a:solidFill>
+                <a:latin typeface="+mn-lt"/>
+                <a:ea typeface="+mn-ea"/>
+                <a:cs typeface="+mn-cs"/>
+              </a:defRPr>
+            </a:lvl4pPr>
+            <a:lvl5pPr marL="2057400" indent="-228600" algn="l" defTabSz="914400" rtl="0" eaLnBrk="1" latinLnBrk="0" hangingPunct="1">
+              <a:lnSpc>
+                <a:spcPct val="90000"/>
+              </a:lnSpc>
+              <a:spcBef>
+                <a:spcPts val="500"/>
+              </a:spcBef>
+              <a:buFont typeface="Arial" panose="020B0604020202020204" pitchFamily="34" charset="0"/>
+              <a:buChar char="•"/>
+              <a:defRPr sz="1800" kern="1200">
+                <a:solidFill>
+                  <a:schemeClr val="tx1"/>
+                </a:solidFill>
+                <a:latin typeface="+mn-lt"/>
+                <a:ea typeface="+mn-ea"/>
+                <a:cs typeface="+mn-cs"/>
+              </a:defRPr>
+            </a:lvl5pPr>
+            <a:lvl6pPr marL="2514600" indent="-228600" algn="l" defTabSz="914400" rtl="0" eaLnBrk="1" latinLnBrk="0" hangingPunct="1">
+              <a:lnSpc>
+                <a:spcPct val="90000"/>
+              </a:lnSpc>
+              <a:spcBef>
+                <a:spcPts val="500"/>
+              </a:spcBef>
+              <a:buFont typeface="Arial" panose="020B0604020202020204" pitchFamily="34" charset="0"/>
+              <a:buChar char="•"/>
+              <a:defRPr sz="1800" kern="1200">
+                <a:solidFill>
+                  <a:schemeClr val="tx1"/>
+                </a:solidFill>
+                <a:latin typeface="+mn-lt"/>
+                <a:ea typeface="+mn-ea"/>
+                <a:cs typeface="+mn-cs"/>
+              </a:defRPr>
+            </a:lvl6pPr>
+            <a:lvl7pPr marL="2971800" indent="-228600" algn="l" defTabSz="914400" rtl="0" eaLnBrk="1" latinLnBrk="0" hangingPunct="1">
+              <a:lnSpc>
+                <a:spcPct val="90000"/>
+              </a:lnSpc>
+              <a:spcBef>
+                <a:spcPts val="500"/>
+              </a:spcBef>
+              <a:buFont typeface="Arial" panose="020B0604020202020204" pitchFamily="34" charset="0"/>
+              <a:buChar char="•"/>
+              <a:defRPr sz="1800" kern="1200">
+                <a:solidFill>
+                  <a:schemeClr val="tx1"/>
+                </a:solidFill>
+                <a:latin typeface="+mn-lt"/>
+                <a:ea typeface="+mn-ea"/>
+                <a:cs typeface="+mn-cs"/>
+              </a:defRPr>
+            </a:lvl7pPr>
+            <a:lvl8pPr marL="3429000" indent="-228600" algn="l" defTabSz="914400" rtl="0" eaLnBrk="1" latinLnBrk="0" hangingPunct="1">
+              <a:lnSpc>
+                <a:spcPct val="90000"/>
+              </a:lnSpc>
+              <a:spcBef>
+                <a:spcPts val="500"/>
+              </a:spcBef>
+              <a:buFont typeface="Arial" panose="020B0604020202020204" pitchFamily="34" charset="0"/>
+              <a:buChar char="•"/>
+              <a:defRPr sz="1800" kern="1200">
+                <a:solidFill>
+                  <a:schemeClr val="tx1"/>
+                </a:solidFill>
+                <a:latin typeface="+mn-lt"/>
+                <a:ea typeface="+mn-ea"/>
+                <a:cs typeface="+mn-cs"/>
+              </a:defRPr>
+            </a:lvl8pPr>
+            <a:lvl9pPr marL="3886200" indent="-228600" algn="l" defTabSz="914400" rtl="0" eaLnBrk="1" latinLnBrk="0" hangingPunct="1">
+              <a:lnSpc>
+                <a:spcPct val="90000"/>
+              </a:lnSpc>
+              <a:spcBef>
+                <a:spcPts val="500"/>
+              </a:spcBef>
+              <a:buFont typeface="Arial" panose="020B0604020202020204" pitchFamily="34" charset="0"/>
+              <a:buChar char="•"/>
+              <a:defRPr sz="1800" kern="1200">
+                <a:solidFill>
+                  <a:schemeClr val="tx1"/>
+                </a:solidFill>
+                <a:latin typeface="+mn-lt"/>
+                <a:ea typeface="+mn-ea"/>
+                <a:cs typeface="+mn-cs"/>
+              </a:defRPr>
+            </a:lvl9pPr>
+          </a:lstStyle>
+          <a:p>
+            <a:r>
+              <a:rPr lang="zh-CN" altLang="en-US" dirty="0"/>
+              <a:t>请注意：</a:t>
+            </a:r>
+            <a:endParaRPr lang="en-US" altLang="zh-CN" dirty="0"/>
+          </a:p>
+          <a:p>
+            <a:pPr marL="0" indent="0">
+              <a:buNone/>
+            </a:pPr>
+            <a:r>
+              <a:rPr lang="zh-CN" altLang="en-US" dirty="0"/>
+              <a:t>分类和回归在特征</a:t>
+            </a:r>
+            <a:endParaRPr lang="en-US" altLang="zh-CN" dirty="0"/>
+          </a:p>
+          <a:p>
+            <a:pPr marL="0" indent="0">
+              <a:buNone/>
+            </a:pPr>
+            <a:r>
+              <a:rPr lang="zh-CN" altLang="en-US" dirty="0"/>
+              <a:t>筛选时对应不同的</a:t>
+            </a:r>
+            <a:endParaRPr lang="en-US" altLang="zh-CN" dirty="0"/>
+          </a:p>
+          <a:p>
+            <a:pPr marL="0" indent="0">
+              <a:buNone/>
+            </a:pPr>
+            <a:r>
+              <a:rPr lang="zh-CN" altLang="en-US" dirty="0"/>
+              <a:t>方法</a:t>
+            </a:r>
+          </a:p>
+        </p:txBody>
+      </p:sp>
+    </p:spTree>
+    <p:extLst>
+      <p:ext uri="{BB962C8B-B14F-4D97-AF65-F5344CB8AC3E}">
+        <p14:creationId xmlns:p14="http://schemas.microsoft.com/office/powerpoint/2010/main" val="4026128506"/>
+      </p:ext>
+    </p:extLst>
+  </p:cSld>
+  <p:clrMapOvr>
+    <a:masterClrMapping/>
+  </p:clrMapOvr>
+</p:sld>
+</file>
+
+<file path=ppt/slides/slide81.xml><?xml version="1.0" encoding="utf-8"?>
+<p:sld xmlns:a="http://schemas.openxmlformats.org/drawingml/2006/main" xmlns:r="http://schemas.openxmlformats.org/officeDocument/2006/relationships" xmlns:p="http://schemas.openxmlformats.org/presentationml/2006/main">
+  <p:cSld>
+    <p:spTree>
+      <p:nvGrpSpPr>
+        <p:cNvPr id="1" name=""/>
+        <p:cNvGrpSpPr/>
+        <p:nvPr/>
+      </p:nvGrpSpPr>
+      <p:grpSpPr>
+        <a:xfrm>
+          <a:off x="0" y="0"/>
+          <a:ext cx="0" cy="0"/>
+          <a:chOff x="0" y="0"/>
+          <a:chExt cx="0" cy="0"/>
+        </a:xfrm>
+      </p:grpSpPr>
+      <p:sp>
+        <p:nvSpPr>
+          <p:cNvPr id="2" name="标题 1">
+            <a:extLst>
+              <a:ext uri="{FF2B5EF4-FFF2-40B4-BE49-F238E27FC236}">
+                <a16:creationId xmlns:a16="http://schemas.microsoft.com/office/drawing/2014/main" id="{F2CEC405-0EA1-48A7-B74C-AFE9D1956370}"/>
+              </a:ext>
+            </a:extLst>
+          </p:cNvPr>
+          <p:cNvSpPr>
+            <a:spLocks noGrp="1"/>
+          </p:cNvSpPr>
+          <p:nvPr>
+            <p:ph type="title"/>
+          </p:nvPr>
+        </p:nvSpPr>
+        <p:spPr/>
+        <p:txBody>
+          <a:bodyPr/>
+          <a:lstStyle/>
+          <a:p>
+            <a:r>
+              <a:rPr lang="zh-CN" altLang="en-US" dirty="0"/>
+              <a:t>特征工程</a:t>
+            </a:r>
+          </a:p>
+        </p:txBody>
+      </p:sp>
+      <p:pic>
+        <p:nvPicPr>
+          <p:cNvPr id="5" name="内容占位符 4">
+            <a:extLst>
+              <a:ext uri="{FF2B5EF4-FFF2-40B4-BE49-F238E27FC236}">
+                <a16:creationId xmlns:a16="http://schemas.microsoft.com/office/drawing/2014/main" id="{D478B10B-CA86-437B-90C7-ED7FC555F970}"/>
+              </a:ext>
+            </a:extLst>
+          </p:cNvPr>
+          <p:cNvPicPr>
+            <a:picLocks noGrp="1" noChangeAspect="1"/>
+          </p:cNvPicPr>
+          <p:nvPr>
+            <p:ph idx="1"/>
+          </p:nvPr>
+        </p:nvPicPr>
+        <p:blipFill rotWithShape="1">
+          <a:blip r:embed="rId2"/>
+          <a:srcRect l="34929" t="9179" r="34633" b="16746"/>
+          <a:stretch/>
+        </p:blipFill>
+        <p:spPr>
+          <a:xfrm>
+            <a:off x="6096000" y="228592"/>
+            <a:ext cx="4675773" cy="6400815"/>
+          </a:xfrm>
+        </p:spPr>
+      </p:pic>
+      <p:sp>
+        <p:nvSpPr>
+          <p:cNvPr id="6" name="内容占位符 6">
+            <a:extLst>
+              <a:ext uri="{FF2B5EF4-FFF2-40B4-BE49-F238E27FC236}">
+                <a16:creationId xmlns:a16="http://schemas.microsoft.com/office/drawing/2014/main" id="{9FFA2ECB-C7D0-47E8-A28A-7ED39EA094CA}"/>
+              </a:ext>
+            </a:extLst>
+          </p:cNvPr>
+          <p:cNvSpPr txBox="1">
+            <a:spLocks/>
+          </p:cNvSpPr>
+          <p:nvPr/>
+        </p:nvSpPr>
+        <p:spPr>
+          <a:xfrm>
+            <a:off x="838200" y="1825625"/>
+            <a:ext cx="10515600" cy="4351338"/>
+          </a:xfrm>
+          <a:prstGeom prst="rect">
+            <a:avLst/>
+          </a:prstGeom>
+        </p:spPr>
+        <p:txBody>
+          <a:bodyPr vert="horz" lIns="91440" tIns="45720" rIns="91440" bIns="45720" rtlCol="0">
+            <a:normAutofit/>
+          </a:bodyPr>
+          <a:lstStyle>
+            <a:lvl1pPr marL="228600" indent="-228600" algn="l" defTabSz="914400" rtl="0" eaLnBrk="1" latinLnBrk="0" hangingPunct="1">
+              <a:lnSpc>
+                <a:spcPct val="90000"/>
+              </a:lnSpc>
+              <a:spcBef>
+                <a:spcPts val="1000"/>
+              </a:spcBef>
+              <a:buFont typeface="Arial" panose="020B0604020202020204" pitchFamily="34" charset="0"/>
+              <a:buChar char="•"/>
+              <a:defRPr sz="2800" kern="1200">
+                <a:solidFill>
+                  <a:schemeClr val="tx1"/>
+                </a:solidFill>
+                <a:latin typeface="+mn-lt"/>
+                <a:ea typeface="+mn-ea"/>
+                <a:cs typeface="+mn-cs"/>
+              </a:defRPr>
+            </a:lvl1pPr>
+            <a:lvl2pPr marL="685800" indent="-228600" algn="l" defTabSz="914400" rtl="0" eaLnBrk="1" latinLnBrk="0" hangingPunct="1">
+              <a:lnSpc>
+                <a:spcPct val="90000"/>
+              </a:lnSpc>
+              <a:spcBef>
+                <a:spcPts val="500"/>
+              </a:spcBef>
+              <a:buFont typeface="Arial" panose="020B0604020202020204" pitchFamily="34" charset="0"/>
+              <a:buChar char="•"/>
+              <a:defRPr sz="2400" kern="1200">
+                <a:solidFill>
+                  <a:schemeClr val="tx1"/>
+                </a:solidFill>
+                <a:latin typeface="+mn-lt"/>
+                <a:ea typeface="+mn-ea"/>
+                <a:cs typeface="+mn-cs"/>
+              </a:defRPr>
+            </a:lvl2pPr>
+            <a:lvl3pPr marL="1143000" indent="-228600" algn="l" defTabSz="914400" rtl="0" eaLnBrk="1" latinLnBrk="0" hangingPunct="1">
+              <a:lnSpc>
+                <a:spcPct val="90000"/>
+              </a:lnSpc>
+              <a:spcBef>
+                <a:spcPts val="500"/>
+              </a:spcBef>
+              <a:buFont typeface="Arial" panose="020B0604020202020204" pitchFamily="34" charset="0"/>
+              <a:buChar char="•"/>
+              <a:defRPr sz="2000" kern="1200">
+                <a:solidFill>
+                  <a:schemeClr val="tx1"/>
+                </a:solidFill>
+                <a:latin typeface="+mn-lt"/>
+                <a:ea typeface="+mn-ea"/>
+                <a:cs typeface="+mn-cs"/>
+              </a:defRPr>
+            </a:lvl3pPr>
+            <a:lvl4pPr marL="1600200" indent="-228600" algn="l" defTabSz="914400" rtl="0" eaLnBrk="1" latinLnBrk="0" hangingPunct="1">
+              <a:lnSpc>
+                <a:spcPct val="90000"/>
+              </a:lnSpc>
+              <a:spcBef>
+                <a:spcPts val="500"/>
+              </a:spcBef>
+              <a:buFont typeface="Arial" panose="020B0604020202020204" pitchFamily="34" charset="0"/>
+              <a:buChar char="•"/>
+              <a:defRPr sz="1800" kern="1200">
+                <a:solidFill>
+                  <a:schemeClr val="tx1"/>
+                </a:solidFill>
+                <a:latin typeface="+mn-lt"/>
+                <a:ea typeface="+mn-ea"/>
+                <a:cs typeface="+mn-cs"/>
+              </a:defRPr>
+            </a:lvl4pPr>
+            <a:lvl5pPr marL="2057400" indent="-228600" algn="l" defTabSz="914400" rtl="0" eaLnBrk="1" latinLnBrk="0" hangingPunct="1">
+              <a:lnSpc>
+                <a:spcPct val="90000"/>
+              </a:lnSpc>
+              <a:spcBef>
+                <a:spcPts val="500"/>
+              </a:spcBef>
+              <a:buFont typeface="Arial" panose="020B0604020202020204" pitchFamily="34" charset="0"/>
+              <a:buChar char="•"/>
+              <a:defRPr sz="1800" kern="1200">
+                <a:solidFill>
+                  <a:schemeClr val="tx1"/>
+                </a:solidFill>
+                <a:latin typeface="+mn-lt"/>
+                <a:ea typeface="+mn-ea"/>
+                <a:cs typeface="+mn-cs"/>
+              </a:defRPr>
+            </a:lvl5pPr>
+            <a:lvl6pPr marL="2514600" indent="-228600" algn="l" defTabSz="914400" rtl="0" eaLnBrk="1" latinLnBrk="0" hangingPunct="1">
+              <a:lnSpc>
+                <a:spcPct val="90000"/>
+              </a:lnSpc>
+              <a:spcBef>
+                <a:spcPts val="500"/>
+              </a:spcBef>
+              <a:buFont typeface="Arial" panose="020B0604020202020204" pitchFamily="34" charset="0"/>
+              <a:buChar char="•"/>
+              <a:defRPr sz="1800" kern="1200">
+                <a:solidFill>
+                  <a:schemeClr val="tx1"/>
+                </a:solidFill>
+                <a:latin typeface="+mn-lt"/>
+                <a:ea typeface="+mn-ea"/>
+                <a:cs typeface="+mn-cs"/>
+              </a:defRPr>
+            </a:lvl6pPr>
+            <a:lvl7pPr marL="2971800" indent="-228600" algn="l" defTabSz="914400" rtl="0" eaLnBrk="1" latinLnBrk="0" hangingPunct="1">
+              <a:lnSpc>
+                <a:spcPct val="90000"/>
+              </a:lnSpc>
+              <a:spcBef>
+                <a:spcPts val="500"/>
+              </a:spcBef>
+              <a:buFont typeface="Arial" panose="020B0604020202020204" pitchFamily="34" charset="0"/>
+              <a:buChar char="•"/>
+              <a:defRPr sz="1800" kern="1200">
+                <a:solidFill>
+                  <a:schemeClr val="tx1"/>
+                </a:solidFill>
+                <a:latin typeface="+mn-lt"/>
+                <a:ea typeface="+mn-ea"/>
+                <a:cs typeface="+mn-cs"/>
+              </a:defRPr>
+            </a:lvl7pPr>
+            <a:lvl8pPr marL="3429000" indent="-228600" algn="l" defTabSz="914400" rtl="0" eaLnBrk="1" latinLnBrk="0" hangingPunct="1">
+              <a:lnSpc>
+                <a:spcPct val="90000"/>
+              </a:lnSpc>
+              <a:spcBef>
+                <a:spcPts val="500"/>
+              </a:spcBef>
+              <a:buFont typeface="Arial" panose="020B0604020202020204" pitchFamily="34" charset="0"/>
+              <a:buChar char="•"/>
+              <a:defRPr sz="1800" kern="1200">
+                <a:solidFill>
+                  <a:schemeClr val="tx1"/>
+                </a:solidFill>
+                <a:latin typeface="+mn-lt"/>
+                <a:ea typeface="+mn-ea"/>
+                <a:cs typeface="+mn-cs"/>
+              </a:defRPr>
+            </a:lvl8pPr>
+            <a:lvl9pPr marL="3886200" indent="-228600" algn="l" defTabSz="914400" rtl="0" eaLnBrk="1" latinLnBrk="0" hangingPunct="1">
+              <a:lnSpc>
+                <a:spcPct val="90000"/>
+              </a:lnSpc>
+              <a:spcBef>
+                <a:spcPts val="500"/>
+              </a:spcBef>
+              <a:buFont typeface="Arial" panose="020B0604020202020204" pitchFamily="34" charset="0"/>
+              <a:buChar char="•"/>
+              <a:defRPr sz="1800" kern="1200">
+                <a:solidFill>
+                  <a:schemeClr val="tx1"/>
+                </a:solidFill>
+                <a:latin typeface="+mn-lt"/>
+                <a:ea typeface="+mn-ea"/>
+                <a:cs typeface="+mn-cs"/>
+              </a:defRPr>
+            </a:lvl9pPr>
+          </a:lstStyle>
+          <a:p>
+            <a:r>
+              <a:rPr lang="zh-CN" altLang="en-US" dirty="0"/>
+              <a:t>请注意：</a:t>
+            </a:r>
+            <a:endParaRPr lang="en-US" altLang="zh-CN" dirty="0"/>
+          </a:p>
+          <a:p>
+            <a:pPr marL="0" indent="0">
+              <a:buNone/>
+            </a:pPr>
+            <a:r>
+              <a:rPr lang="zh-CN" altLang="en-US" dirty="0"/>
+              <a:t>回归时不要用分层交叉验证</a:t>
+            </a:r>
+            <a:endParaRPr lang="en-US" altLang="zh-CN" dirty="0"/>
+          </a:p>
+        </p:txBody>
+      </p:sp>
+    </p:spTree>
+    <p:extLst>
+      <p:ext uri="{BB962C8B-B14F-4D97-AF65-F5344CB8AC3E}">
+        <p14:creationId xmlns:p14="http://schemas.microsoft.com/office/powerpoint/2010/main" val="4202485698"/>
+      </p:ext>
+    </p:extLst>
+  </p:cSld>
+  <p:clrMapOvr>
+    <a:masterClrMapping/>
+  </p:clrMapOvr>
+</p:sld>
+</file>
+
+<file path=ppt/slides/slide82.xml><?xml version="1.0" encoding="utf-8"?>
+<p:sld xmlns:a="http://schemas.openxmlformats.org/drawingml/2006/main" xmlns:r="http://schemas.openxmlformats.org/officeDocument/2006/relationships" xmlns:p="http://schemas.openxmlformats.org/presentationml/2006/main">
+  <p:cSld>
+    <p:spTree>
+      <p:nvGrpSpPr>
+        <p:cNvPr id="1" name=""/>
+        <p:cNvGrpSpPr/>
+        <p:nvPr/>
+      </p:nvGrpSpPr>
+      <p:grpSpPr>
+        <a:xfrm>
+          <a:off x="0" y="0"/>
+          <a:ext cx="0" cy="0"/>
+          <a:chOff x="0" y="0"/>
+          <a:chExt cx="0" cy="0"/>
+        </a:xfrm>
+      </p:grpSpPr>
+      <p:sp>
+        <p:nvSpPr>
+          <p:cNvPr id="2" name="标题 1">
+            <a:extLst>
+              <a:ext uri="{FF2B5EF4-FFF2-40B4-BE49-F238E27FC236}">
+                <a16:creationId xmlns:a16="http://schemas.microsoft.com/office/drawing/2014/main" id="{DEB4FF1E-5492-4E1A-BB19-5ABBB3587F29}"/>
+              </a:ext>
+            </a:extLst>
+          </p:cNvPr>
+          <p:cNvSpPr>
+            <a:spLocks noGrp="1"/>
+          </p:cNvSpPr>
+          <p:nvPr>
+            <p:ph type="title"/>
+          </p:nvPr>
+        </p:nvSpPr>
+        <p:spPr/>
+        <p:txBody>
+          <a:bodyPr/>
+          <a:lstStyle/>
+          <a:p>
+            <a:endParaRPr lang="zh-CN" altLang="en-US" dirty="0"/>
+          </a:p>
+        </p:txBody>
+      </p:sp>
+      <p:sp>
+        <p:nvSpPr>
+          <p:cNvPr id="3" name="内容占位符 2">
+            <a:extLst>
+              <a:ext uri="{FF2B5EF4-FFF2-40B4-BE49-F238E27FC236}">
+                <a16:creationId xmlns:a16="http://schemas.microsoft.com/office/drawing/2014/main" id="{F4BC702A-CAE0-4258-9302-287A7A7BA817}"/>
+              </a:ext>
+            </a:extLst>
+          </p:cNvPr>
+          <p:cNvSpPr>
+            <a:spLocks noGrp="1"/>
+          </p:cNvSpPr>
+          <p:nvPr>
+            <p:ph idx="1"/>
+          </p:nvPr>
+        </p:nvSpPr>
+        <p:spPr/>
+        <p:txBody>
+          <a:bodyPr/>
+          <a:lstStyle/>
+          <a:p>
+            <a:r>
+              <a:rPr lang="zh-CN" altLang="en-US" dirty="0"/>
+              <a:t>练习红葡萄就质量预测</a:t>
+            </a:r>
+          </a:p>
+        </p:txBody>
+      </p:sp>
+    </p:spTree>
+    <p:extLst>
+      <p:ext uri="{BB962C8B-B14F-4D97-AF65-F5344CB8AC3E}">
+        <p14:creationId xmlns:p14="http://schemas.microsoft.com/office/powerpoint/2010/main" val="4054209034"/>
+      </p:ext>
+    </p:extLst>
+  </p:cSld>
+  <p:clrMapOvr>
+    <a:masterClrMapping/>
+  </p:clrMapOvr>
+</p:sld>
+</file>
+
+<file path=ppt/slides/slide83.xml><?xml version="1.0" encoding="utf-8"?>
+<p:sld xmlns:a="http://schemas.openxmlformats.org/drawingml/2006/main" xmlns:r="http://schemas.openxmlformats.org/officeDocument/2006/relationships" xmlns:p="http://schemas.openxmlformats.org/presentationml/2006/main">
+  <p:cSld>
+    <p:spTree>
+      <p:nvGrpSpPr>
+        <p:cNvPr id="1" name=""/>
+        <p:cNvGrpSpPr/>
+        <p:nvPr/>
+      </p:nvGrpSpPr>
+      <p:grpSpPr>
+        <a:xfrm>
+          <a:off x="0" y="0"/>
+          <a:ext cx="0" cy="0"/>
+          <a:chOff x="0" y="0"/>
+          <a:chExt cx="0" cy="0"/>
+        </a:xfrm>
+      </p:grpSpPr>
+      <p:sp>
+        <p:nvSpPr>
+          <p:cNvPr id="2" name="标题 1">
+            <a:extLst>
+              <a:ext uri="{FF2B5EF4-FFF2-40B4-BE49-F238E27FC236}">
+                <a16:creationId xmlns:a16="http://schemas.microsoft.com/office/drawing/2014/main" id="{DEB4FF1E-5492-4E1A-BB19-5ABBB3587F29}"/>
+              </a:ext>
+            </a:extLst>
+          </p:cNvPr>
+          <p:cNvSpPr>
+            <a:spLocks noGrp="1"/>
+          </p:cNvSpPr>
+          <p:nvPr>
+            <p:ph type="title"/>
+          </p:nvPr>
+        </p:nvSpPr>
+        <p:spPr/>
+        <p:txBody>
+          <a:bodyPr/>
+          <a:lstStyle/>
+          <a:p>
+            <a:endParaRPr lang="zh-CN" altLang="en-US" dirty="0"/>
+          </a:p>
+        </p:txBody>
+      </p:sp>
+      <p:sp>
+        <p:nvSpPr>
+          <p:cNvPr id="3" name="内容占位符 2">
+            <a:extLst>
+              <a:ext uri="{FF2B5EF4-FFF2-40B4-BE49-F238E27FC236}">
+                <a16:creationId xmlns:a16="http://schemas.microsoft.com/office/drawing/2014/main" id="{F4BC702A-CAE0-4258-9302-287A7A7BA817}"/>
+              </a:ext>
+            </a:extLst>
+          </p:cNvPr>
+          <p:cNvSpPr>
+            <a:spLocks noGrp="1"/>
+          </p:cNvSpPr>
+          <p:nvPr>
+            <p:ph idx="1"/>
+          </p:nvPr>
+        </p:nvSpPr>
+        <p:spPr/>
+        <p:txBody>
+          <a:bodyPr/>
+          <a:lstStyle/>
+          <a:p>
+            <a:r>
+              <a:rPr lang="zh-CN" altLang="en-US" dirty="0"/>
+              <a:t>自己操作白葡萄就质量预测</a:t>
+            </a:r>
+          </a:p>
+        </p:txBody>
+      </p:sp>
+    </p:spTree>
+    <p:extLst>
+      <p:ext uri="{BB962C8B-B14F-4D97-AF65-F5344CB8AC3E}">
+        <p14:creationId xmlns:p14="http://schemas.microsoft.com/office/powerpoint/2010/main" val="1485023101"/>
+      </p:ext>
+    </p:extLst>
+  </p:cSld>
+  <p:clrMapOvr>
+    <a:masterClrMapping/>
+  </p:clrMapOvr>
+</p:sld>
+</file>
+
+<file path=ppt/slides/slide84.xml><?xml version="1.0" encoding="utf-8"?>
+<p:sld xmlns:a="http://schemas.openxmlformats.org/drawingml/2006/main" xmlns:r="http://schemas.openxmlformats.org/officeDocument/2006/relationships" xmlns:p="http://schemas.openxmlformats.org/presentationml/2006/main">
+  <p:cSld>
+    <p:spTree>
+      <p:nvGrpSpPr>
+        <p:cNvPr id="1" name=""/>
+        <p:cNvGrpSpPr/>
+        <p:nvPr/>
+      </p:nvGrpSpPr>
+      <p:grpSpPr>
+        <a:xfrm>
+          <a:off x="0" y="0"/>
+          <a:ext cx="0" cy="0"/>
+          <a:chOff x="0" y="0"/>
+          <a:chExt cx="0" cy="0"/>
+        </a:xfrm>
+      </p:grpSpPr>
+      <p:sp>
+        <p:nvSpPr>
+          <p:cNvPr id="273" name="Shape 273"/>
+          <p:cNvSpPr/>
+          <p:nvPr/>
+        </p:nvSpPr>
+        <p:spPr>
+          <a:xfrm>
+            <a:off x="1052830" y="2964180"/>
+            <a:ext cx="10975772" cy="925190"/>
+          </a:xfrm>
+          <a:prstGeom prst="rect">
+            <a:avLst/>
+          </a:prstGeom>
+          <a:ln w="12700">
+            <a:miter lim="400000"/>
+          </a:ln>
+        </p:spPr>
+        <p:txBody>
+          <a:bodyPr wrap="square" lIns="45719" rIns="45719">
+            <a:spAutoFit/>
+          </a:bodyPr>
+          <a:lstStyle>
+            <a:lvl1pPr>
+              <a:lnSpc>
+                <a:spcPct val="80000"/>
+              </a:lnSpc>
+              <a:defRPr sz="6600">
+                <a:solidFill>
+                  <a:srgbClr val="535353"/>
+                </a:solidFill>
+                <a:latin typeface="Source Han Sans CN Bold Bold"/>
+                <a:ea typeface="Source Han Sans CN Bold Bold"/>
+                <a:cs typeface="Source Han Sans CN Bold Bold"/>
+                <a:sym typeface="Source Han Sans CN Bold Bold"/>
+              </a:defRPr>
+            </a:lvl1pPr>
+          </a:lstStyle>
+          <a:p>
+            <a:r>
+              <a:rPr lang="zh-CN" altLang="en-US" dirty="0">
+                <a:solidFill>
+                  <a:schemeClr val="tx1">
+                    <a:lumMod val="95000"/>
+                  </a:schemeClr>
+                </a:solidFill>
+              </a:rPr>
+              <a:t>手把手实际操作</a:t>
+            </a:r>
+            <a:endParaRPr dirty="0">
+              <a:solidFill>
+                <a:schemeClr val="tx1"/>
+              </a:solidFill>
+            </a:endParaRPr>
+          </a:p>
+        </p:txBody>
+      </p:sp>
+    </p:spTree>
+    <p:extLst>
+      <p:ext uri="{BB962C8B-B14F-4D97-AF65-F5344CB8AC3E}">
+        <p14:creationId xmlns:p14="http://schemas.microsoft.com/office/powerpoint/2010/main" val="2102918473"/>
+      </p:ext>
+    </p:extLst>
+  </p:cSld>
+  <p:clrMapOvr>
+    <a:masterClrMapping/>
+  </p:clrMapOvr>
+  <p:transition spd="slow"/>
+</p:sld>
+</file>
+
+<file path=ppt/slides/slide85.xml><?xml version="1.0" encoding="utf-8"?>
+<p:sld xmlns:a="http://schemas.openxmlformats.org/drawingml/2006/main" xmlns:r="http://schemas.openxmlformats.org/officeDocument/2006/relationships" xmlns:p="http://schemas.openxmlformats.org/presentationml/2006/main">
+  <p:cSld>
+    <p:spTree>
+      <p:nvGrpSpPr>
+        <p:cNvPr id="1" name=""/>
+        <p:cNvGrpSpPr/>
+        <p:nvPr/>
+      </p:nvGrpSpPr>
+      <p:grpSpPr>
+        <a:xfrm>
+          <a:off x="0" y="0"/>
+          <a:ext cx="0" cy="0"/>
+          <a:chOff x="0" y="0"/>
+          <a:chExt cx="0" cy="0"/>
+        </a:xfrm>
+      </p:grpSpPr>
+      <p:sp>
+        <p:nvSpPr>
+          <p:cNvPr id="2" name="标题 1">
+            <a:extLst>
+              <a:ext uri="{FF2B5EF4-FFF2-40B4-BE49-F238E27FC236}">
+                <a16:creationId xmlns:a16="http://schemas.microsoft.com/office/drawing/2014/main" id="{DEB4FF1E-5492-4E1A-BB19-5ABBB3587F29}"/>
+              </a:ext>
+            </a:extLst>
+          </p:cNvPr>
+          <p:cNvSpPr>
+            <a:spLocks noGrp="1"/>
+          </p:cNvSpPr>
+          <p:nvPr>
+            <p:ph type="title"/>
+          </p:nvPr>
+        </p:nvSpPr>
+        <p:spPr/>
+        <p:txBody>
+          <a:bodyPr/>
+          <a:lstStyle/>
+          <a:p>
+            <a:r>
+              <a:rPr lang="zh-CN" altLang="en-US" dirty="0"/>
+              <a:t>精分患者分类</a:t>
+            </a:r>
+          </a:p>
+        </p:txBody>
+      </p:sp>
+      <p:sp>
+        <p:nvSpPr>
+          <p:cNvPr id="3" name="内容占位符 2">
+            <a:extLst>
+              <a:ext uri="{FF2B5EF4-FFF2-40B4-BE49-F238E27FC236}">
+                <a16:creationId xmlns:a16="http://schemas.microsoft.com/office/drawing/2014/main" id="{F4BC702A-CAE0-4258-9302-287A7A7BA817}"/>
+              </a:ext>
+            </a:extLst>
+          </p:cNvPr>
+          <p:cNvSpPr>
+            <a:spLocks noGrp="1"/>
+          </p:cNvSpPr>
+          <p:nvPr>
+            <p:ph idx="1"/>
+          </p:nvPr>
+        </p:nvSpPr>
+        <p:spPr/>
+        <p:txBody>
+          <a:bodyPr/>
+          <a:lstStyle/>
+          <a:p>
+            <a:endParaRPr lang="zh-CN" altLang="en-US" dirty="0"/>
+          </a:p>
+        </p:txBody>
+      </p:sp>
+    </p:spTree>
+    <p:extLst>
+      <p:ext uri="{BB962C8B-B14F-4D97-AF65-F5344CB8AC3E}">
+        <p14:creationId xmlns:p14="http://schemas.microsoft.com/office/powerpoint/2010/main" val="2442991886"/>
+      </p:ext>
+    </p:extLst>
+  </p:cSld>
+  <p:clrMapOvr>
+    <a:masterClrMapping/>
+  </p:clrMapOvr>
+</p:sld>
+</file>
+
+<file path=ppt/slides/slide86.xml><?xml version="1.0" encoding="utf-8"?>
+<p:sld xmlns:a="http://schemas.openxmlformats.org/drawingml/2006/main" xmlns:r="http://schemas.openxmlformats.org/officeDocument/2006/relationships" xmlns:p="http://schemas.openxmlformats.org/presentationml/2006/main">
+  <p:cSld>
+    <p:spTree>
+      <p:nvGrpSpPr>
+        <p:cNvPr id="1" name=""/>
+        <p:cNvGrpSpPr/>
+        <p:nvPr/>
+      </p:nvGrpSpPr>
+      <p:grpSpPr>
+        <a:xfrm>
+          <a:off x="0" y="0"/>
+          <a:ext cx="0" cy="0"/>
+          <a:chOff x="0" y="0"/>
+          <a:chExt cx="0" cy="0"/>
+        </a:xfrm>
+      </p:grpSpPr>
+      <p:sp>
+        <p:nvSpPr>
+          <p:cNvPr id="2" name="标题 1">
+            <a:extLst>
+              <a:ext uri="{FF2B5EF4-FFF2-40B4-BE49-F238E27FC236}">
+                <a16:creationId xmlns:a16="http://schemas.microsoft.com/office/drawing/2014/main" id="{DEB4FF1E-5492-4E1A-BB19-5ABBB3587F29}"/>
+              </a:ext>
+            </a:extLst>
+          </p:cNvPr>
+          <p:cNvSpPr>
+            <a:spLocks noGrp="1"/>
+          </p:cNvSpPr>
+          <p:nvPr>
+            <p:ph type="title"/>
+          </p:nvPr>
+        </p:nvSpPr>
+        <p:spPr/>
+        <p:txBody>
+          <a:bodyPr/>
+          <a:lstStyle/>
+          <a:p>
+            <a:r>
+              <a:rPr lang="zh-CN" altLang="en-US" dirty="0"/>
+              <a:t>失眠患者分类</a:t>
+            </a:r>
+          </a:p>
+        </p:txBody>
+      </p:sp>
+      <p:sp>
+        <p:nvSpPr>
+          <p:cNvPr id="3" name="内容占位符 2">
+            <a:extLst>
+              <a:ext uri="{FF2B5EF4-FFF2-40B4-BE49-F238E27FC236}">
+                <a16:creationId xmlns:a16="http://schemas.microsoft.com/office/drawing/2014/main" id="{F4BC702A-CAE0-4258-9302-287A7A7BA817}"/>
+              </a:ext>
+            </a:extLst>
+          </p:cNvPr>
+          <p:cNvSpPr>
+            <a:spLocks noGrp="1"/>
+          </p:cNvSpPr>
+          <p:nvPr>
+            <p:ph idx="1"/>
+          </p:nvPr>
+        </p:nvSpPr>
+        <p:spPr/>
+        <p:txBody>
+          <a:bodyPr/>
+          <a:lstStyle/>
+          <a:p>
+            <a:endParaRPr lang="zh-CN" altLang="en-US" dirty="0"/>
+          </a:p>
+        </p:txBody>
+      </p:sp>
+    </p:spTree>
+    <p:extLst>
+      <p:ext uri="{BB962C8B-B14F-4D97-AF65-F5344CB8AC3E}">
+        <p14:creationId xmlns:p14="http://schemas.microsoft.com/office/powerpoint/2010/main" val="4261018530"/>
+      </p:ext>
+    </p:extLst>
+  </p:cSld>
+  <p:clrMapOvr>
+    <a:masterClrMapping/>
+  </p:clrMapOvr>
+</p:sld>
+</file>
+
+<file path=ppt/slides/slide87.xml><?xml version="1.0" encoding="utf-8"?>
+<p:sld xmlns:a="http://schemas.openxmlformats.org/drawingml/2006/main" xmlns:r="http://schemas.openxmlformats.org/officeDocument/2006/relationships" xmlns:p="http://schemas.openxmlformats.org/presentationml/2006/main">
+  <p:cSld>
+    <p:spTree>
+      <p:nvGrpSpPr>
+        <p:cNvPr id="1" name=""/>
+        <p:cNvGrpSpPr/>
+        <p:nvPr/>
+      </p:nvGrpSpPr>
+      <p:grpSpPr>
+        <a:xfrm>
+          <a:off x="0" y="0"/>
+          <a:ext cx="0" cy="0"/>
+          <a:chOff x="0" y="0"/>
+          <a:chExt cx="0" cy="0"/>
+        </a:xfrm>
+      </p:grpSpPr>
+      <p:sp>
+        <p:nvSpPr>
+          <p:cNvPr id="273" name="Shape 273"/>
+          <p:cNvSpPr/>
+          <p:nvPr/>
+        </p:nvSpPr>
+        <p:spPr>
+          <a:xfrm>
+            <a:off x="1052830" y="2964180"/>
+            <a:ext cx="10975772" cy="925190"/>
+          </a:xfrm>
+          <a:prstGeom prst="rect">
+            <a:avLst/>
+          </a:prstGeom>
+          <a:ln w="12700">
+            <a:miter lim="400000"/>
+          </a:ln>
+        </p:spPr>
+        <p:txBody>
+          <a:bodyPr wrap="square" lIns="45719" rIns="45719">
+            <a:spAutoFit/>
+          </a:bodyPr>
+          <a:lstStyle>
+            <a:lvl1pPr>
+              <a:lnSpc>
+                <a:spcPct val="80000"/>
+              </a:lnSpc>
+              <a:defRPr sz="6600">
+                <a:solidFill>
+                  <a:srgbClr val="535353"/>
+                </a:solidFill>
+                <a:latin typeface="Source Han Sans CN Bold Bold"/>
+                <a:ea typeface="Source Han Sans CN Bold Bold"/>
+                <a:cs typeface="Source Han Sans CN Bold Bold"/>
+                <a:sym typeface="Source Han Sans CN Bold Bold"/>
+              </a:defRPr>
+            </a:lvl1pPr>
+          </a:lstStyle>
+          <a:p>
+            <a:r>
+              <a:rPr lang="zh-CN" altLang="en-US" dirty="0">
+                <a:solidFill>
+                  <a:schemeClr val="tx1">
+                    <a:lumMod val="95000"/>
+                  </a:schemeClr>
+                </a:solidFill>
+              </a:rPr>
+              <a:t>手把手实际操作</a:t>
+            </a:r>
+            <a:endParaRPr dirty="0">
+              <a:solidFill>
+                <a:schemeClr val="tx1"/>
+              </a:solidFill>
+            </a:endParaRPr>
+          </a:p>
+        </p:txBody>
+      </p:sp>
+    </p:spTree>
+    <p:extLst>
+      <p:ext uri="{BB962C8B-B14F-4D97-AF65-F5344CB8AC3E}">
+        <p14:creationId xmlns:p14="http://schemas.microsoft.com/office/powerpoint/2010/main" val="2631130338"/>
+      </p:ext>
+    </p:extLst>
+  </p:cSld>
+  <p:clrMapOvr>
+    <a:masterClrMapping/>
+  </p:clrMapOvr>
+  <p:transition spd="slow"/>
+</p:sld>
+</file>
+
+<file path=ppt/slides/slide88.xml><?xml version="1.0" encoding="utf-8"?>
+<p:sld xmlns:a="http://schemas.openxmlformats.org/drawingml/2006/main" xmlns:r="http://schemas.openxmlformats.org/officeDocument/2006/relationships" xmlns:p="http://schemas.openxmlformats.org/presentationml/2006/main">
+  <p:cSld>
+    <p:spTree>
+      <p:nvGrpSpPr>
+        <p:cNvPr id="1" name=""/>
+        <p:cNvGrpSpPr/>
+        <p:nvPr/>
+      </p:nvGrpSpPr>
+      <p:grpSpPr>
+        <a:xfrm>
+          <a:off x="0" y="0"/>
+          <a:ext cx="0" cy="0"/>
+          <a:chOff x="0" y="0"/>
+          <a:chExt cx="0" cy="0"/>
+        </a:xfrm>
+      </p:grpSpPr>
+      <p:sp>
+        <p:nvSpPr>
+          <p:cNvPr id="273" name="Shape 273"/>
+          <p:cNvSpPr/>
+          <p:nvPr/>
+        </p:nvSpPr>
+        <p:spPr>
+          <a:xfrm>
+            <a:off x="1052830" y="2964180"/>
+            <a:ext cx="10975772" cy="925190"/>
+          </a:xfrm>
+          <a:prstGeom prst="rect">
+            <a:avLst/>
+          </a:prstGeom>
+          <a:ln w="12700">
+            <a:miter lim="400000"/>
+          </a:ln>
+        </p:spPr>
+        <p:txBody>
+          <a:bodyPr wrap="square" lIns="45719" rIns="45719">
+            <a:spAutoFit/>
+          </a:bodyPr>
+          <a:lstStyle>
+            <a:lvl1pPr>
+              <a:lnSpc>
+                <a:spcPct val="80000"/>
+              </a:lnSpc>
+              <a:defRPr sz="6600">
+                <a:solidFill>
+                  <a:srgbClr val="535353"/>
+                </a:solidFill>
+                <a:latin typeface="Source Han Sans CN Bold Bold"/>
+                <a:ea typeface="Source Han Sans CN Bold Bold"/>
+                <a:cs typeface="Source Han Sans CN Bold Bold"/>
+                <a:sym typeface="Source Han Sans CN Bold Bold"/>
+              </a:defRPr>
+            </a:lvl1pPr>
+          </a:lstStyle>
+          <a:p>
+            <a:r>
+              <a:rPr lang="en-US" altLang="zh-CN" dirty="0">
+                <a:solidFill>
+                  <a:schemeClr val="tx1"/>
+                </a:solidFill>
+              </a:rPr>
+              <a:t>AD</a:t>
+            </a:r>
+            <a:r>
+              <a:rPr lang="zh-CN" altLang="en-US" dirty="0">
+                <a:solidFill>
+                  <a:schemeClr val="tx1"/>
+                </a:solidFill>
+              </a:rPr>
+              <a:t>比赛获奖经验</a:t>
+            </a:r>
+            <a:endParaRPr dirty="0">
+              <a:solidFill>
+                <a:schemeClr val="tx1"/>
+              </a:solidFill>
+            </a:endParaRPr>
+          </a:p>
+        </p:txBody>
+      </p:sp>
+    </p:spTree>
+    <p:extLst>
+      <p:ext uri="{BB962C8B-B14F-4D97-AF65-F5344CB8AC3E}">
+        <p14:creationId xmlns:p14="http://schemas.microsoft.com/office/powerpoint/2010/main" val="104170682"/>
+      </p:ext>
+    </p:extLst>
+  </p:cSld>
+  <p:clrMapOvr>
+    <a:masterClrMapping/>
+  </p:clrMapOvr>
+  <p:transition spd="slow"/>
+</p:sld>
+</file>
+
+<file path=ppt/slides/slide89.xml><?xml version="1.0" encoding="utf-8"?>
+<p:sld xmlns:a="http://schemas.openxmlformats.org/drawingml/2006/main" xmlns:r="http://schemas.openxmlformats.org/officeDocument/2006/relationships" xmlns:p="http://schemas.openxmlformats.org/presentationml/2006/main">
+  <p:cSld>
+    <p:spTree>
+      <p:nvGrpSpPr>
+        <p:cNvPr id="1" name=""/>
+        <p:cNvGrpSpPr/>
+        <p:nvPr/>
+      </p:nvGrpSpPr>
+      <p:grpSpPr>
+        <a:xfrm>
+          <a:off x="0" y="0"/>
+          <a:ext cx="0" cy="0"/>
+          <a:chOff x="0" y="0"/>
+          <a:chExt cx="0" cy="0"/>
+        </a:xfrm>
+      </p:grpSpPr>
+      <p:sp>
+        <p:nvSpPr>
+          <p:cNvPr id="2" name="标题 1">
+            <a:extLst>
+              <a:ext uri="{FF2B5EF4-FFF2-40B4-BE49-F238E27FC236}">
+                <a16:creationId xmlns:a16="http://schemas.microsoft.com/office/drawing/2014/main" id="{DEB4FF1E-5492-4E1A-BB19-5ABBB3587F29}"/>
+              </a:ext>
+            </a:extLst>
+          </p:cNvPr>
+          <p:cNvSpPr>
+            <a:spLocks noGrp="1"/>
+          </p:cNvSpPr>
+          <p:nvPr>
+            <p:ph type="title"/>
+          </p:nvPr>
+        </p:nvSpPr>
+        <p:spPr/>
+        <p:txBody>
+          <a:bodyPr/>
+          <a:lstStyle/>
+          <a:p>
+            <a:endParaRPr lang="zh-CN" altLang="en-US" dirty="0"/>
+          </a:p>
+        </p:txBody>
+      </p:sp>
+      <p:sp>
+        <p:nvSpPr>
+          <p:cNvPr id="3" name="内容占位符 2">
+            <a:extLst>
+              <a:ext uri="{FF2B5EF4-FFF2-40B4-BE49-F238E27FC236}">
+                <a16:creationId xmlns:a16="http://schemas.microsoft.com/office/drawing/2014/main" id="{F4BC702A-CAE0-4258-9302-287A7A7BA817}"/>
+              </a:ext>
+            </a:extLst>
+          </p:cNvPr>
+          <p:cNvSpPr>
+            <a:spLocks noGrp="1"/>
+          </p:cNvSpPr>
+          <p:nvPr>
+            <p:ph idx="1"/>
+          </p:nvPr>
+        </p:nvSpPr>
+        <p:spPr/>
+        <p:txBody>
+          <a:bodyPr/>
+          <a:lstStyle/>
+          <a:p>
+            <a:r>
+              <a:rPr lang="zh-CN" altLang="en-US" dirty="0"/>
+              <a:t>数据清洗：</a:t>
+            </a:r>
+            <a:endParaRPr lang="en-US" altLang="zh-CN" dirty="0"/>
+          </a:p>
+          <a:p>
+            <a:r>
+              <a:rPr lang="zh-CN" altLang="en-US" dirty="0"/>
+              <a:t>数据处理：</a:t>
+            </a:r>
+            <a:endParaRPr lang="en-US" altLang="zh-CN" dirty="0"/>
+          </a:p>
+          <a:p>
+            <a:r>
+              <a:rPr lang="zh-CN" altLang="en-US" dirty="0"/>
+              <a:t>特征工程：</a:t>
+            </a:r>
+            <a:endParaRPr lang="en-US" altLang="zh-CN" dirty="0"/>
+          </a:p>
+          <a:p>
+            <a:r>
+              <a:rPr lang="zh-CN" altLang="en-US" dirty="0"/>
+              <a:t>参数寻优：调参神器</a:t>
+            </a:r>
+            <a:r>
+              <a:rPr lang="en-US" altLang="zh-CN" dirty="0" err="1"/>
+              <a:t>Hyperopt</a:t>
+            </a:r>
+            <a:endParaRPr lang="en-US" altLang="zh-CN" dirty="0"/>
+          </a:p>
+          <a:p>
+            <a:r>
+              <a:rPr lang="zh-CN" altLang="en-US" dirty="0"/>
+              <a:t>模型融合：提升准确度终极武器</a:t>
+            </a:r>
+          </a:p>
+        </p:txBody>
+      </p:sp>
+    </p:spTree>
+    <p:extLst>
+      <p:ext uri="{BB962C8B-B14F-4D97-AF65-F5344CB8AC3E}">
+        <p14:creationId xmlns:p14="http://schemas.microsoft.com/office/powerpoint/2010/main" val="407830922"/>
+      </p:ext>
+    </p:extLst>
+  </p:cSld>
+  <p:clrMapOvr>
+    <a:masterClrMapping/>
+  </p:clrMapOvr>
+</p:sld>
+</file>
+
 <file path=ppt/slides/slide9.xml><?xml version="1.0" encoding="utf-8"?>
 <p:sld xmlns:a="http://schemas.openxmlformats.org/drawingml/2006/main" xmlns:r="http://schemas.openxmlformats.org/officeDocument/2006/relationships" xmlns:p="http://schemas.openxmlformats.org/presentationml/2006/main">
   <p:cSld>
@@ -23106,6 +25605,344 @@
     <a:masterClrMapping/>
   </p:clrMapOvr>
   <p:transition spd="slow"/>
+</p:sld>
+</file>
+
+<file path=ppt/slides/slide90.xml><?xml version="1.0" encoding="utf-8"?>
+<p:sld xmlns:a="http://schemas.openxmlformats.org/drawingml/2006/main" xmlns:r="http://schemas.openxmlformats.org/officeDocument/2006/relationships" xmlns:p="http://schemas.openxmlformats.org/presentationml/2006/main">
+  <p:cSld>
+    <p:spTree>
+      <p:nvGrpSpPr>
+        <p:cNvPr id="1" name=""/>
+        <p:cNvGrpSpPr/>
+        <p:nvPr/>
+      </p:nvGrpSpPr>
+      <p:grpSpPr>
+        <a:xfrm>
+          <a:off x="0" y="0"/>
+          <a:ext cx="0" cy="0"/>
+          <a:chOff x="0" y="0"/>
+          <a:chExt cx="0" cy="0"/>
+        </a:xfrm>
+      </p:grpSpPr>
+      <p:sp>
+        <p:nvSpPr>
+          <p:cNvPr id="273" name="Shape 273"/>
+          <p:cNvSpPr/>
+          <p:nvPr/>
+        </p:nvSpPr>
+        <p:spPr>
+          <a:xfrm>
+            <a:off x="1052830" y="2964180"/>
+            <a:ext cx="10975772" cy="925190"/>
+          </a:xfrm>
+          <a:prstGeom prst="rect">
+            <a:avLst/>
+          </a:prstGeom>
+          <a:ln w="12700">
+            <a:miter lim="400000"/>
+          </a:ln>
+        </p:spPr>
+        <p:txBody>
+          <a:bodyPr wrap="square" lIns="45719" rIns="45719">
+            <a:spAutoFit/>
+          </a:bodyPr>
+          <a:lstStyle>
+            <a:lvl1pPr>
+              <a:lnSpc>
+                <a:spcPct val="80000"/>
+              </a:lnSpc>
+              <a:defRPr sz="6600">
+                <a:solidFill>
+                  <a:srgbClr val="535353"/>
+                </a:solidFill>
+                <a:latin typeface="Source Han Sans CN Bold Bold"/>
+                <a:ea typeface="Source Han Sans CN Bold Bold"/>
+                <a:cs typeface="Source Han Sans CN Bold Bold"/>
+                <a:sym typeface="Source Han Sans CN Bold Bold"/>
+              </a:defRPr>
+            </a:lvl1pPr>
+          </a:lstStyle>
+          <a:p>
+            <a:r>
+              <a:rPr lang="zh-CN" altLang="en-US" dirty="0">
+                <a:solidFill>
+                  <a:schemeClr val="tx1"/>
+                </a:solidFill>
+              </a:rPr>
+              <a:t>神经影像聚类</a:t>
+            </a:r>
+            <a:endParaRPr dirty="0">
+              <a:solidFill>
+                <a:schemeClr val="tx1"/>
+              </a:solidFill>
+            </a:endParaRPr>
+          </a:p>
+        </p:txBody>
+      </p:sp>
+    </p:spTree>
+    <p:extLst>
+      <p:ext uri="{BB962C8B-B14F-4D97-AF65-F5344CB8AC3E}">
+        <p14:creationId xmlns:p14="http://schemas.microsoft.com/office/powerpoint/2010/main" val="865723783"/>
+      </p:ext>
+    </p:extLst>
+  </p:cSld>
+  <p:clrMapOvr>
+    <a:masterClrMapping/>
+  </p:clrMapOvr>
+  <p:transition spd="slow"/>
+</p:sld>
+</file>
+
+<file path=ppt/slides/slide91.xml><?xml version="1.0" encoding="utf-8"?>
+<p:sld xmlns:a="http://schemas.openxmlformats.org/drawingml/2006/main" xmlns:r="http://schemas.openxmlformats.org/officeDocument/2006/relationships" xmlns:p="http://schemas.openxmlformats.org/presentationml/2006/main">
+  <p:cSld>
+    <p:spTree>
+      <p:nvGrpSpPr>
+        <p:cNvPr id="1" name=""/>
+        <p:cNvGrpSpPr/>
+        <p:nvPr/>
+      </p:nvGrpSpPr>
+      <p:grpSpPr>
+        <a:xfrm>
+          <a:off x="0" y="0"/>
+          <a:ext cx="0" cy="0"/>
+          <a:chOff x="0" y="0"/>
+          <a:chExt cx="0" cy="0"/>
+        </a:xfrm>
+      </p:grpSpPr>
+      <p:sp>
+        <p:nvSpPr>
+          <p:cNvPr id="273" name="Shape 273"/>
+          <p:cNvSpPr/>
+          <p:nvPr/>
+        </p:nvSpPr>
+        <p:spPr>
+          <a:xfrm>
+            <a:off x="1052830" y="2964180"/>
+            <a:ext cx="10975772" cy="925190"/>
+          </a:xfrm>
+          <a:prstGeom prst="rect">
+            <a:avLst/>
+          </a:prstGeom>
+          <a:ln w="12700">
+            <a:miter lim="400000"/>
+          </a:ln>
+        </p:spPr>
+        <p:txBody>
+          <a:bodyPr wrap="square" lIns="45719" rIns="45719">
+            <a:spAutoFit/>
+          </a:bodyPr>
+          <a:lstStyle>
+            <a:lvl1pPr>
+              <a:lnSpc>
+                <a:spcPct val="80000"/>
+              </a:lnSpc>
+              <a:defRPr sz="6600">
+                <a:solidFill>
+                  <a:srgbClr val="535353"/>
+                </a:solidFill>
+                <a:latin typeface="Source Han Sans CN Bold Bold"/>
+                <a:ea typeface="Source Han Sans CN Bold Bold"/>
+                <a:cs typeface="Source Han Sans CN Bold Bold"/>
+                <a:sym typeface="Source Han Sans CN Bold Bold"/>
+              </a:defRPr>
+            </a:lvl1pPr>
+          </a:lstStyle>
+          <a:p>
+            <a:r>
+              <a:rPr lang="zh-CN" altLang="en-US" dirty="0">
+                <a:solidFill>
+                  <a:schemeClr val="tx1"/>
+                </a:solidFill>
+              </a:rPr>
+              <a:t>深度神经网络</a:t>
+            </a:r>
+            <a:endParaRPr dirty="0">
+              <a:solidFill>
+                <a:schemeClr val="tx1"/>
+              </a:solidFill>
+            </a:endParaRPr>
+          </a:p>
+        </p:txBody>
+      </p:sp>
+    </p:spTree>
+    <p:extLst>
+      <p:ext uri="{BB962C8B-B14F-4D97-AF65-F5344CB8AC3E}">
+        <p14:creationId xmlns:p14="http://schemas.microsoft.com/office/powerpoint/2010/main" val="2538413401"/>
+      </p:ext>
+    </p:extLst>
+  </p:cSld>
+  <p:clrMapOvr>
+    <a:masterClrMapping/>
+  </p:clrMapOvr>
+  <p:transition spd="slow"/>
+</p:sld>
+</file>
+
+<file path=ppt/slides/slide92.xml><?xml version="1.0" encoding="utf-8"?>
+<p:sld xmlns:a="http://schemas.openxmlformats.org/drawingml/2006/main" xmlns:r="http://schemas.openxmlformats.org/officeDocument/2006/relationships" xmlns:p="http://schemas.openxmlformats.org/presentationml/2006/main">
+  <p:cSld>
+    <p:spTree>
+      <p:nvGrpSpPr>
+        <p:cNvPr id="1" name=""/>
+        <p:cNvGrpSpPr/>
+        <p:nvPr/>
+      </p:nvGrpSpPr>
+      <p:grpSpPr>
+        <a:xfrm>
+          <a:off x="0" y="0"/>
+          <a:ext cx="0" cy="0"/>
+          <a:chOff x="0" y="0"/>
+          <a:chExt cx="0" cy="0"/>
+        </a:xfrm>
+      </p:grpSpPr>
+      <p:sp>
+        <p:nvSpPr>
+          <p:cNvPr id="2" name="标题 1">
+            <a:extLst>
+              <a:ext uri="{FF2B5EF4-FFF2-40B4-BE49-F238E27FC236}">
+                <a16:creationId xmlns:a16="http://schemas.microsoft.com/office/drawing/2014/main" id="{DEB4FF1E-5492-4E1A-BB19-5ABBB3587F29}"/>
+              </a:ext>
+            </a:extLst>
+          </p:cNvPr>
+          <p:cNvSpPr>
+            <a:spLocks noGrp="1"/>
+          </p:cNvSpPr>
+          <p:nvPr>
+            <p:ph type="title"/>
+          </p:nvPr>
+        </p:nvSpPr>
+        <p:spPr/>
+        <p:txBody>
+          <a:bodyPr/>
+          <a:lstStyle/>
+          <a:p>
+            <a:endParaRPr lang="zh-CN" altLang="en-US" dirty="0"/>
+          </a:p>
+        </p:txBody>
+      </p:sp>
+      <p:sp>
+        <p:nvSpPr>
+          <p:cNvPr id="3" name="内容占位符 2">
+            <a:extLst>
+              <a:ext uri="{FF2B5EF4-FFF2-40B4-BE49-F238E27FC236}">
+                <a16:creationId xmlns:a16="http://schemas.microsoft.com/office/drawing/2014/main" id="{F4BC702A-CAE0-4258-9302-287A7A7BA817}"/>
+              </a:ext>
+            </a:extLst>
+          </p:cNvPr>
+          <p:cNvSpPr>
+            <a:spLocks noGrp="1"/>
+          </p:cNvSpPr>
+          <p:nvPr>
+            <p:ph idx="1"/>
+          </p:nvPr>
+        </p:nvSpPr>
+        <p:spPr/>
+        <p:txBody>
+          <a:bodyPr/>
+          <a:lstStyle/>
+          <a:p>
+            <a:r>
+              <a:rPr lang="zh-CN" altLang="en-US" dirty="0"/>
+              <a:t>卷积神经网络</a:t>
+            </a:r>
+          </a:p>
+        </p:txBody>
+      </p:sp>
+    </p:spTree>
+    <p:extLst>
+      <p:ext uri="{BB962C8B-B14F-4D97-AF65-F5344CB8AC3E}">
+        <p14:creationId xmlns:p14="http://schemas.microsoft.com/office/powerpoint/2010/main" val="2596057925"/>
+      </p:ext>
+    </p:extLst>
+  </p:cSld>
+  <p:clrMapOvr>
+    <a:masterClrMapping/>
+  </p:clrMapOvr>
+</p:sld>
+</file>
+
+<file path=ppt/slides/slide93.xml><?xml version="1.0" encoding="utf-8"?>
+<p:sld xmlns:a="http://schemas.openxmlformats.org/drawingml/2006/main" xmlns:r="http://schemas.openxmlformats.org/officeDocument/2006/relationships" xmlns:p="http://schemas.openxmlformats.org/presentationml/2006/main">
+  <p:cSld>
+    <p:spTree>
+      <p:nvGrpSpPr>
+        <p:cNvPr id="1" name=""/>
+        <p:cNvGrpSpPr/>
+        <p:nvPr/>
+      </p:nvGrpSpPr>
+      <p:grpSpPr>
+        <a:xfrm>
+          <a:off x="0" y="0"/>
+          <a:ext cx="0" cy="0"/>
+          <a:chOff x="0" y="0"/>
+          <a:chExt cx="0" cy="0"/>
+        </a:xfrm>
+      </p:grpSpPr>
+      <p:sp>
+        <p:nvSpPr>
+          <p:cNvPr id="2" name="标题 1">
+            <a:extLst>
+              <a:ext uri="{FF2B5EF4-FFF2-40B4-BE49-F238E27FC236}">
+                <a16:creationId xmlns:a16="http://schemas.microsoft.com/office/drawing/2014/main" id="{DEB4FF1E-5492-4E1A-BB19-5ABBB3587F29}"/>
+              </a:ext>
+            </a:extLst>
+          </p:cNvPr>
+          <p:cNvSpPr>
+            <a:spLocks noGrp="1"/>
+          </p:cNvSpPr>
+          <p:nvPr>
+            <p:ph type="title"/>
+          </p:nvPr>
+        </p:nvSpPr>
+        <p:spPr/>
+        <p:txBody>
+          <a:bodyPr/>
+          <a:lstStyle/>
+          <a:p>
+            <a:endParaRPr lang="zh-CN" altLang="en-US" dirty="0"/>
+          </a:p>
+        </p:txBody>
+      </p:sp>
+      <p:sp>
+        <p:nvSpPr>
+          <p:cNvPr id="3" name="内容占位符 2">
+            <a:extLst>
+              <a:ext uri="{FF2B5EF4-FFF2-40B4-BE49-F238E27FC236}">
+                <a16:creationId xmlns:a16="http://schemas.microsoft.com/office/drawing/2014/main" id="{F4BC702A-CAE0-4258-9302-287A7A7BA817}"/>
+              </a:ext>
+            </a:extLst>
+          </p:cNvPr>
+          <p:cNvSpPr>
+            <a:spLocks noGrp="1"/>
+          </p:cNvSpPr>
+          <p:nvPr>
+            <p:ph idx="1"/>
+          </p:nvPr>
+        </p:nvSpPr>
+        <p:spPr/>
+        <p:txBody>
+          <a:bodyPr/>
+          <a:lstStyle/>
+          <a:p>
+            <a:r>
+              <a:rPr lang="zh-CN" altLang="en-US" dirty="0"/>
+              <a:t>循环神经网络</a:t>
+            </a:r>
+          </a:p>
+        </p:txBody>
+      </p:sp>
+    </p:spTree>
+    <p:extLst>
+      <p:ext uri="{BB962C8B-B14F-4D97-AF65-F5344CB8AC3E}">
+        <p14:creationId xmlns:p14="http://schemas.microsoft.com/office/powerpoint/2010/main" val="3640072645"/>
+      </p:ext>
+    </p:extLst>
+  </p:cSld>
+  <p:clrMapOvr>
+    <a:masterClrMapping/>
+  </p:clrMapOvr>
 </p:sld>
 </file>
 

--- a/The_first_ml_training/第一届机器学习实战班.pptx
+++ b/The_first_ml_training/第一届机器学习实战班.pptx
@@ -5,7 +5,7 @@
     <p:sldMasterId id="2147483727" r:id="rId1"/>
   </p:sldMasterIdLst>
   <p:notesMasterIdLst>
-    <p:notesMasterId r:id="rId95"/>
+    <p:notesMasterId r:id="rId102"/>
   </p:notesMasterIdLst>
   <p:sldIdLst>
     <p:sldId id="256" r:id="rId2"/>
@@ -80,27 +80,34 @@
     <p:sldId id="430" r:id="rId71"/>
     <p:sldId id="432" r:id="rId72"/>
     <p:sldId id="435" r:id="rId73"/>
-    <p:sldId id="438" r:id="rId74"/>
-    <p:sldId id="440" r:id="rId75"/>
-    <p:sldId id="441" r:id="rId76"/>
-    <p:sldId id="444" r:id="rId77"/>
-    <p:sldId id="445" r:id="rId78"/>
-    <p:sldId id="449" r:id="rId79"/>
-    <p:sldId id="450" r:id="rId80"/>
-    <p:sldId id="451" r:id="rId81"/>
-    <p:sldId id="452" r:id="rId82"/>
-    <p:sldId id="442" r:id="rId83"/>
-    <p:sldId id="443" r:id="rId84"/>
-    <p:sldId id="447" r:id="rId85"/>
-    <p:sldId id="448" r:id="rId86"/>
-    <p:sldId id="453" r:id="rId87"/>
-    <p:sldId id="454" r:id="rId88"/>
-    <p:sldId id="455" r:id="rId89"/>
-    <p:sldId id="457" r:id="rId90"/>
-    <p:sldId id="456" r:id="rId91"/>
-    <p:sldId id="458" r:id="rId92"/>
-    <p:sldId id="459" r:id="rId93"/>
-    <p:sldId id="460" r:id="rId94"/>
+    <p:sldId id="461" r:id="rId74"/>
+    <p:sldId id="438" r:id="rId75"/>
+    <p:sldId id="440" r:id="rId76"/>
+    <p:sldId id="441" r:id="rId77"/>
+    <p:sldId id="444" r:id="rId78"/>
+    <p:sldId id="445" r:id="rId79"/>
+    <p:sldId id="449" r:id="rId80"/>
+    <p:sldId id="450" r:id="rId81"/>
+    <p:sldId id="462" r:id="rId82"/>
+    <p:sldId id="451" r:id="rId83"/>
+    <p:sldId id="452" r:id="rId84"/>
+    <p:sldId id="463" r:id="rId85"/>
+    <p:sldId id="442" r:id="rId86"/>
+    <p:sldId id="465" r:id="rId87"/>
+    <p:sldId id="443" r:id="rId88"/>
+    <p:sldId id="464" r:id="rId89"/>
+    <p:sldId id="447" r:id="rId90"/>
+    <p:sldId id="448" r:id="rId91"/>
+    <p:sldId id="453" r:id="rId92"/>
+    <p:sldId id="454" r:id="rId93"/>
+    <p:sldId id="455" r:id="rId94"/>
+    <p:sldId id="457" r:id="rId95"/>
+    <p:sldId id="466" r:id="rId96"/>
+    <p:sldId id="467" r:id="rId97"/>
+    <p:sldId id="456" r:id="rId98"/>
+    <p:sldId id="458" r:id="rId99"/>
+    <p:sldId id="459" r:id="rId100"/>
+    <p:sldId id="460" r:id="rId101"/>
   </p:sldIdLst>
   <p:sldSz cx="12192000" cy="6858000"/>
   <p:notesSz cx="6858000" cy="9144000"/>
@@ -4205,7 +4212,7 @@
           <a:p>
             <a:fld id="{F9240C15-84E4-4753-B92D-ACDA520CEF05}" type="datetimeFigureOut">
               <a:rPr lang="zh-CN" altLang="en-US" smtClean="0"/>
-              <a:t>2020/12/19</a:t>
+              <a:t>2020/12/20</a:t>
             </a:fld>
             <a:endParaRPr lang="zh-CN" altLang="en-US"/>
           </a:p>
@@ -4837,7 +4844,7 @@
           <a:p>
             <a:fld id="{5F7787EC-2923-4DE8-84F8-CB4FE5744F4A}" type="datetimeFigureOut">
               <a:rPr lang="zh-CN" altLang="en-US" smtClean="0"/>
-              <a:t>2020/12/19</a:t>
+              <a:t>2020/12/20</a:t>
             </a:fld>
             <a:endParaRPr lang="zh-CN" altLang="en-US"/>
           </a:p>
@@ -5007,7 +5014,7 @@
           <a:p>
             <a:fld id="{5F7787EC-2923-4DE8-84F8-CB4FE5744F4A}" type="datetimeFigureOut">
               <a:rPr lang="zh-CN" altLang="en-US" smtClean="0"/>
-              <a:t>2020/12/19</a:t>
+              <a:t>2020/12/20</a:t>
             </a:fld>
             <a:endParaRPr lang="zh-CN" altLang="en-US"/>
           </a:p>
@@ -5187,7 +5194,7 @@
           <a:p>
             <a:fld id="{5F7787EC-2923-4DE8-84F8-CB4FE5744F4A}" type="datetimeFigureOut">
               <a:rPr lang="zh-CN" altLang="en-US" smtClean="0"/>
-              <a:t>2020/12/19</a:t>
+              <a:t>2020/12/20</a:t>
             </a:fld>
             <a:endParaRPr lang="zh-CN" altLang="en-US"/>
           </a:p>
@@ -5388,7 +5395,7 @@
           <a:p>
             <a:fld id="{5F7787EC-2923-4DE8-84F8-CB4FE5744F4A}" type="datetimeFigureOut">
               <a:rPr lang="zh-CN" altLang="en-US" smtClean="0"/>
-              <a:t>2020/12/19</a:t>
+              <a:t>2020/12/20</a:t>
             </a:fld>
             <a:endParaRPr lang="zh-CN" altLang="en-US"/>
           </a:p>
@@ -5634,7 +5641,7 @@
           <a:p>
             <a:fld id="{5F7787EC-2923-4DE8-84F8-CB4FE5744F4A}" type="datetimeFigureOut">
               <a:rPr lang="zh-CN" altLang="en-US" smtClean="0"/>
-              <a:t>2020/12/19</a:t>
+              <a:t>2020/12/20</a:t>
             </a:fld>
             <a:endParaRPr lang="zh-CN" altLang="en-US"/>
           </a:p>
@@ -5866,7 +5873,7 @@
           <a:p>
             <a:fld id="{5F7787EC-2923-4DE8-84F8-CB4FE5744F4A}" type="datetimeFigureOut">
               <a:rPr lang="zh-CN" altLang="en-US" smtClean="0"/>
-              <a:t>2020/12/19</a:t>
+              <a:t>2020/12/20</a:t>
             </a:fld>
             <a:endParaRPr lang="zh-CN" altLang="en-US"/>
           </a:p>
@@ -6233,7 +6240,7 @@
           <a:p>
             <a:fld id="{5F7787EC-2923-4DE8-84F8-CB4FE5744F4A}" type="datetimeFigureOut">
               <a:rPr lang="zh-CN" altLang="en-US" smtClean="0"/>
-              <a:t>2020/12/19</a:t>
+              <a:t>2020/12/20</a:t>
             </a:fld>
             <a:endParaRPr lang="zh-CN" altLang="en-US"/>
           </a:p>
@@ -6351,7 +6358,7 @@
           <a:p>
             <a:fld id="{5F7787EC-2923-4DE8-84F8-CB4FE5744F4A}" type="datetimeFigureOut">
               <a:rPr lang="zh-CN" altLang="en-US" smtClean="0"/>
-              <a:t>2020/12/19</a:t>
+              <a:t>2020/12/20</a:t>
             </a:fld>
             <a:endParaRPr lang="zh-CN" altLang="en-US"/>
           </a:p>
@@ -6446,7 +6453,7 @@
           <a:p>
             <a:fld id="{5F7787EC-2923-4DE8-84F8-CB4FE5744F4A}" type="datetimeFigureOut">
               <a:rPr lang="zh-CN" altLang="en-US" smtClean="0"/>
-              <a:t>2020/12/19</a:t>
+              <a:t>2020/12/20</a:t>
             </a:fld>
             <a:endParaRPr lang="zh-CN" altLang="en-US"/>
           </a:p>
@@ -6723,7 +6730,7 @@
           <a:p>
             <a:fld id="{5F7787EC-2923-4DE8-84F8-CB4FE5744F4A}" type="datetimeFigureOut">
               <a:rPr lang="zh-CN" altLang="en-US" smtClean="0"/>
-              <a:t>2020/12/19</a:t>
+              <a:t>2020/12/20</a:t>
             </a:fld>
             <a:endParaRPr lang="zh-CN" altLang="en-US"/>
           </a:p>
@@ -6980,7 +6987,7 @@
           <a:p>
             <a:fld id="{5F7787EC-2923-4DE8-84F8-CB4FE5744F4A}" type="datetimeFigureOut">
               <a:rPr lang="zh-CN" altLang="en-US" smtClean="0"/>
-              <a:t>2020/12/19</a:t>
+              <a:t>2020/12/20</a:t>
             </a:fld>
             <a:endParaRPr lang="zh-CN" altLang="en-US"/>
           </a:p>
@@ -7193,7 +7200,7 @@
           <a:p>
             <a:fld id="{5F7787EC-2923-4DE8-84F8-CB4FE5744F4A}" type="datetimeFigureOut">
               <a:rPr lang="zh-CN" altLang="en-US" smtClean="0"/>
-              <a:t>2020/12/19</a:t>
+              <a:t>2020/12/20</a:t>
             </a:fld>
             <a:endParaRPr lang="zh-CN" altLang="en-US"/>
           </a:p>
@@ -8155,6 +8162,89 @@
     <a:masterClrMapping/>
   </p:clrMapOvr>
   <p:transition spd="slow"/>
+</p:sld>
+</file>
+
+<file path=ppt/slides/slide100.xml><?xml version="1.0" encoding="utf-8"?>
+<p:sld xmlns:a="http://schemas.openxmlformats.org/drawingml/2006/main" xmlns:r="http://schemas.openxmlformats.org/officeDocument/2006/relationships" xmlns:p="http://schemas.openxmlformats.org/presentationml/2006/main">
+  <p:cSld>
+    <p:spTree>
+      <p:nvGrpSpPr>
+        <p:cNvPr id="1" name=""/>
+        <p:cNvGrpSpPr/>
+        <p:nvPr/>
+      </p:nvGrpSpPr>
+      <p:grpSpPr>
+        <a:xfrm>
+          <a:off x="0" y="0"/>
+          <a:ext cx="0" cy="0"/>
+          <a:chOff x="0" y="0"/>
+          <a:chExt cx="0" cy="0"/>
+        </a:xfrm>
+      </p:grpSpPr>
+      <p:sp>
+        <p:nvSpPr>
+          <p:cNvPr id="2" name="标题 1">
+            <a:extLst>
+              <a:ext uri="{FF2B5EF4-FFF2-40B4-BE49-F238E27FC236}">
+                <a16:creationId xmlns:a16="http://schemas.microsoft.com/office/drawing/2014/main" id="{DEB4FF1E-5492-4E1A-BB19-5ABBB3587F29}"/>
+              </a:ext>
+            </a:extLst>
+          </p:cNvPr>
+          <p:cNvSpPr>
+            <a:spLocks noGrp="1"/>
+          </p:cNvSpPr>
+          <p:nvPr>
+            <p:ph type="title"/>
+          </p:nvPr>
+        </p:nvSpPr>
+        <p:spPr/>
+        <p:txBody>
+          <a:bodyPr/>
+          <a:lstStyle/>
+          <a:p>
+            <a:endParaRPr lang="zh-CN" altLang="en-US" dirty="0"/>
+          </a:p>
+        </p:txBody>
+      </p:sp>
+      <p:sp>
+        <p:nvSpPr>
+          <p:cNvPr id="3" name="内容占位符 2">
+            <a:extLst>
+              <a:ext uri="{FF2B5EF4-FFF2-40B4-BE49-F238E27FC236}">
+                <a16:creationId xmlns:a16="http://schemas.microsoft.com/office/drawing/2014/main" id="{F4BC702A-CAE0-4258-9302-287A7A7BA817}"/>
+              </a:ext>
+            </a:extLst>
+          </p:cNvPr>
+          <p:cNvSpPr>
+            <a:spLocks noGrp="1"/>
+          </p:cNvSpPr>
+          <p:nvPr>
+            <p:ph idx="1"/>
+          </p:nvPr>
+        </p:nvSpPr>
+        <p:spPr/>
+        <p:txBody>
+          <a:bodyPr/>
+          <a:lstStyle/>
+          <a:p>
+            <a:r>
+              <a:rPr lang="zh-CN" altLang="en-US" dirty="0"/>
+              <a:t>循环神经网络</a:t>
+            </a:r>
+          </a:p>
+        </p:txBody>
+      </p:sp>
+    </p:spTree>
+    <p:extLst>
+      <p:ext uri="{BB962C8B-B14F-4D97-AF65-F5344CB8AC3E}">
+        <p14:creationId xmlns:p14="http://schemas.microsoft.com/office/powerpoint/2010/main" val="3640072645"/>
+      </p:ext>
+    </p:extLst>
+  </p:cSld>
+  <p:clrMapOvr>
+    <a:masterClrMapping/>
+  </p:clrMapOvr>
 </p:sld>
 </file>
 
@@ -22592,9 +22682,18 @@
         </p:nvSpPr>
         <p:spPr/>
         <p:txBody>
-          <a:bodyPr/>
+          <a:bodyPr>
+            <a:normAutofit fontScale="90000"/>
+          </a:bodyPr>
           <a:lstStyle/>
           <a:p>
+            <a:r>
+              <a:rPr lang="zh-CN" altLang="en-US" dirty="0"/>
+              <a:t>练习题：根据红葡萄酒代码，完成白葡萄酒的质量预测</a:t>
+            </a:r>
+            <a:br>
+              <a:rPr lang="zh-CN" altLang="en-US" dirty="0"/>
+            </a:br>
             <a:endParaRPr lang="zh-CN" altLang="en-US" dirty="0"/>
           </a:p>
         </p:txBody>
@@ -22620,10 +22719,7 @@
           <a:bodyPr/>
           <a:lstStyle/>
           <a:p>
-            <a:r>
-              <a:rPr lang="zh-CN" altLang="en-US" dirty="0"/>
-              <a:t>练习题：根据红葡萄酒代码，完成白葡萄 酒的质量预测</a:t>
-            </a:r>
+            <a:endParaRPr lang="zh-CN" altLang="en-US" dirty="0"/>
           </a:p>
         </p:txBody>
       </p:sp>
@@ -22659,70 +22755,71 @@
       </p:grpSpPr>
       <p:sp>
         <p:nvSpPr>
-          <p:cNvPr id="273" name="Shape 273"/>
-          <p:cNvSpPr/>
-          <p:nvPr/>
-        </p:nvSpPr>
-        <p:spPr>
-          <a:xfrm>
-            <a:off x="1052829" y="2964180"/>
-            <a:ext cx="11060613" cy="920445"/>
-          </a:xfrm>
-          <a:prstGeom prst="rect">
-            <a:avLst/>
-          </a:prstGeom>
-          <a:ln w="12700">
-            <a:miter lim="400000"/>
-          </a:ln>
-        </p:spPr>
-        <p:txBody>
-          <a:bodyPr wrap="square" lIns="45719" rIns="45719">
-            <a:spAutoFit/>
-          </a:bodyPr>
-          <a:lstStyle>
-            <a:lvl1pPr>
-              <a:lnSpc>
-                <a:spcPct val="80000"/>
-              </a:lnSpc>
-              <a:defRPr sz="6600">
-                <a:solidFill>
-                  <a:srgbClr val="535353"/>
-                </a:solidFill>
-                <a:latin typeface="Source Han Sans CN Bold Bold"/>
-                <a:ea typeface="Source Han Sans CN Bold Bold"/>
-                <a:cs typeface="Source Han Sans CN Bold Bold"/>
-                <a:sym typeface="Source Han Sans CN Bold Bold"/>
-              </a:defRPr>
-            </a:lvl1pPr>
-          </a:lstStyle>
-          <a:p>
-            <a:r>
-              <a:rPr lang="zh-CN" altLang="en-US" dirty="0">
-                <a:solidFill>
-                  <a:schemeClr val="tx1"/>
-                </a:solidFill>
-              </a:rPr>
-              <a:t>机器学习软件实际操作</a:t>
-            </a:r>
-            <a:endParaRPr dirty="0">
-              <a:solidFill>
-                <a:schemeClr val="tx1"/>
-              </a:solidFill>
-            </a:endParaRPr>
+          <p:cNvPr id="2" name="标题 1">
+            <a:extLst>
+              <a:ext uri="{FF2B5EF4-FFF2-40B4-BE49-F238E27FC236}">
+                <a16:creationId xmlns:a16="http://schemas.microsoft.com/office/drawing/2014/main" id="{A7276893-3FE4-4BF7-B041-447E4F390E05}"/>
+              </a:ext>
+            </a:extLst>
+          </p:cNvPr>
+          <p:cNvSpPr>
+            <a:spLocks noGrp="1"/>
+          </p:cNvSpPr>
+          <p:nvPr>
+            <p:ph type="title"/>
+          </p:nvPr>
+        </p:nvSpPr>
+        <p:spPr/>
+        <p:txBody>
+          <a:bodyPr/>
+          <a:lstStyle/>
+          <a:p>
+            <a:r>
+              <a:rPr lang="zh-CN" altLang="en-US" dirty="0"/>
+              <a:t>白葡萄酒质量预测答案</a:t>
+            </a:r>
+          </a:p>
+        </p:txBody>
+      </p:sp>
+      <p:sp>
+        <p:nvSpPr>
+          <p:cNvPr id="3" name="内容占位符 2">
+            <a:extLst>
+              <a:ext uri="{FF2B5EF4-FFF2-40B4-BE49-F238E27FC236}">
+                <a16:creationId xmlns:a16="http://schemas.microsoft.com/office/drawing/2014/main" id="{12B83AD4-1632-42CA-9479-9D3812BA1924}"/>
+              </a:ext>
+            </a:extLst>
+          </p:cNvPr>
+          <p:cNvSpPr>
+            <a:spLocks noGrp="1"/>
+          </p:cNvSpPr>
+          <p:nvPr>
+            <p:ph idx="1"/>
+          </p:nvPr>
+        </p:nvSpPr>
+        <p:spPr/>
+        <p:txBody>
+          <a:bodyPr/>
+          <a:lstStyle/>
+          <a:p>
+            <a:r>
+              <a:rPr lang="en-US" altLang="zh-CN" dirty="0"/>
+              <a:t>whitewine.py</a:t>
+            </a:r>
+            <a:endParaRPr lang="zh-CN" altLang="en-US" dirty="0"/>
           </a:p>
         </p:txBody>
       </p:sp>
     </p:spTree>
     <p:extLst>
       <p:ext uri="{BB962C8B-B14F-4D97-AF65-F5344CB8AC3E}">
-        <p14:creationId xmlns:p14="http://schemas.microsoft.com/office/powerpoint/2010/main" val="60423438"/>
+        <p14:creationId xmlns:p14="http://schemas.microsoft.com/office/powerpoint/2010/main" val="2581373467"/>
       </p:ext>
     </p:extLst>
   </p:cSld>
   <p:clrMapOvr>
     <a:masterClrMapping/>
   </p:clrMapOvr>
-  <p:transition spd="slow"/>
 </p:sld>
 </file>
 
@@ -22745,6 +22842,92 @@
       </p:grpSpPr>
       <p:sp>
         <p:nvSpPr>
+          <p:cNvPr id="273" name="Shape 273"/>
+          <p:cNvSpPr/>
+          <p:nvPr/>
+        </p:nvSpPr>
+        <p:spPr>
+          <a:xfrm>
+            <a:off x="1052829" y="2964180"/>
+            <a:ext cx="11060613" cy="920445"/>
+          </a:xfrm>
+          <a:prstGeom prst="rect">
+            <a:avLst/>
+          </a:prstGeom>
+          <a:ln w="12700">
+            <a:miter lim="400000"/>
+          </a:ln>
+        </p:spPr>
+        <p:txBody>
+          <a:bodyPr wrap="square" lIns="45719" rIns="45719">
+            <a:spAutoFit/>
+          </a:bodyPr>
+          <a:lstStyle>
+            <a:lvl1pPr>
+              <a:lnSpc>
+                <a:spcPct val="80000"/>
+              </a:lnSpc>
+              <a:defRPr sz="6600">
+                <a:solidFill>
+                  <a:srgbClr val="535353"/>
+                </a:solidFill>
+                <a:latin typeface="Source Han Sans CN Bold Bold"/>
+                <a:ea typeface="Source Han Sans CN Bold Bold"/>
+                <a:cs typeface="Source Han Sans CN Bold Bold"/>
+                <a:sym typeface="Source Han Sans CN Bold Bold"/>
+              </a:defRPr>
+            </a:lvl1pPr>
+          </a:lstStyle>
+          <a:p>
+            <a:r>
+              <a:rPr lang="zh-CN" altLang="en-US" dirty="0">
+                <a:solidFill>
+                  <a:schemeClr val="tx1"/>
+                </a:solidFill>
+              </a:rPr>
+              <a:t>机器学习软件实际操作</a:t>
+            </a:r>
+            <a:endParaRPr dirty="0">
+              <a:solidFill>
+                <a:schemeClr val="tx1"/>
+              </a:solidFill>
+            </a:endParaRPr>
+          </a:p>
+        </p:txBody>
+      </p:sp>
+    </p:spTree>
+    <p:extLst>
+      <p:ext uri="{BB962C8B-B14F-4D97-AF65-F5344CB8AC3E}">
+        <p14:creationId xmlns:p14="http://schemas.microsoft.com/office/powerpoint/2010/main" val="60423438"/>
+      </p:ext>
+    </p:extLst>
+  </p:cSld>
+  <p:clrMapOvr>
+    <a:masterClrMapping/>
+  </p:clrMapOvr>
+  <p:transition spd="slow"/>
+</p:sld>
+</file>
+
+<file path=ppt/slides/slide75.xml><?xml version="1.0" encoding="utf-8"?>
+<p:sld xmlns:a="http://schemas.openxmlformats.org/drawingml/2006/main" xmlns:r="http://schemas.openxmlformats.org/officeDocument/2006/relationships" xmlns:p="http://schemas.openxmlformats.org/presentationml/2006/main">
+  <p:cSld>
+    <p:spTree>
+      <p:nvGrpSpPr>
+        <p:cNvPr id="1" name=""/>
+        <p:cNvGrpSpPr/>
+        <p:nvPr/>
+      </p:nvGrpSpPr>
+      <p:grpSpPr>
+        <a:xfrm>
+          <a:off x="0" y="0"/>
+          <a:ext cx="0" cy="0"/>
+          <a:chOff x="0" y="0"/>
+          <a:chExt cx="0" cy="0"/>
+        </a:xfrm>
+      </p:grpSpPr>
+      <p:sp>
+        <p:nvSpPr>
           <p:cNvPr id="2" name="标题 1">
             <a:extLst>
               <a:ext uri="{FF2B5EF4-FFF2-40B4-BE49-F238E27FC236}">
@@ -22812,7 +22995,7 @@
 </p:sld>
 </file>
 
-<file path=ppt/slides/slide75.xml><?xml version="1.0" encoding="utf-8"?>
+<file path=ppt/slides/slide76.xml><?xml version="1.0" encoding="utf-8"?>
 <p:sld xmlns:a="http://schemas.openxmlformats.org/drawingml/2006/main" xmlns:r="http://schemas.openxmlformats.org/officeDocument/2006/relationships" xmlns:p="http://schemas.openxmlformats.org/presentationml/2006/main">
   <p:cSld>
     <p:spTree>
@@ -22954,7 +23137,7 @@
 </p:sld>
 </file>
 
-<file path=ppt/slides/slide76.xml><?xml version="1.0" encoding="utf-8"?>
+<file path=ppt/slides/slide77.xml><?xml version="1.0" encoding="utf-8"?>
 <p:sld xmlns:a="http://schemas.openxmlformats.org/drawingml/2006/main" xmlns:r="http://schemas.openxmlformats.org/officeDocument/2006/relationships" xmlns:p="http://schemas.openxmlformats.org/presentationml/2006/main">
   <p:cSld>
     <p:spTree>
@@ -23067,7 +23250,7 @@
 </p:sld>
 </file>
 
-<file path=ppt/slides/slide77.xml><?xml version="1.0" encoding="utf-8"?>
+<file path=ppt/slides/slide78.xml><?xml version="1.0" encoding="utf-8"?>
 <p:sld xmlns:a="http://schemas.openxmlformats.org/drawingml/2006/main" xmlns:r="http://schemas.openxmlformats.org/officeDocument/2006/relationships" xmlns:p="http://schemas.openxmlformats.org/presentationml/2006/main">
   <p:cSld>
     <p:spTree>
@@ -23154,288 +23337,6 @@
 </p:sld>
 </file>
 
-<file path=ppt/slides/slide78.xml><?xml version="1.0" encoding="utf-8"?>
-<p:sld xmlns:a="http://schemas.openxmlformats.org/drawingml/2006/main" xmlns:r="http://schemas.openxmlformats.org/officeDocument/2006/relationships" xmlns:p="http://schemas.openxmlformats.org/presentationml/2006/main">
-  <p:cSld>
-    <p:spTree>
-      <p:nvGrpSpPr>
-        <p:cNvPr id="1" name=""/>
-        <p:cNvGrpSpPr/>
-        <p:nvPr/>
-      </p:nvGrpSpPr>
-      <p:grpSpPr>
-        <a:xfrm>
-          <a:off x="0" y="0"/>
-          <a:ext cx="0" cy="0"/>
-          <a:chOff x="0" y="0"/>
-          <a:chExt cx="0" cy="0"/>
-        </a:xfrm>
-      </p:grpSpPr>
-      <p:sp>
-        <p:nvSpPr>
-          <p:cNvPr id="2" name="标题 1">
-            <a:extLst>
-              <a:ext uri="{FF2B5EF4-FFF2-40B4-BE49-F238E27FC236}">
-                <a16:creationId xmlns:a16="http://schemas.microsoft.com/office/drawing/2014/main" id="{A89F4CA5-AD75-4935-990F-99FE12FB8006}"/>
-              </a:ext>
-            </a:extLst>
-          </p:cNvPr>
-          <p:cNvSpPr>
-            <a:spLocks noGrp="1"/>
-          </p:cNvSpPr>
-          <p:nvPr>
-            <p:ph type="title"/>
-          </p:nvPr>
-        </p:nvSpPr>
-        <p:spPr/>
-        <p:txBody>
-          <a:bodyPr/>
-          <a:lstStyle/>
-          <a:p>
-            <a:r>
-              <a:rPr lang="zh-CN" altLang="en-US" dirty="0"/>
-              <a:t>数据加载注意事项</a:t>
-            </a:r>
-          </a:p>
-        </p:txBody>
-      </p:sp>
-      <p:sp>
-        <p:nvSpPr>
-          <p:cNvPr id="3" name="内容占位符 2">
-            <a:extLst>
-              <a:ext uri="{FF2B5EF4-FFF2-40B4-BE49-F238E27FC236}">
-                <a16:creationId xmlns:a16="http://schemas.microsoft.com/office/drawing/2014/main" id="{A2407D9F-FBBF-4429-87D3-18C2B4556FD4}"/>
-              </a:ext>
-            </a:extLst>
-          </p:cNvPr>
-          <p:cNvSpPr>
-            <a:spLocks noGrp="1"/>
-          </p:cNvSpPr>
-          <p:nvPr>
-            <p:ph idx="1"/>
-          </p:nvPr>
-        </p:nvSpPr>
-        <p:spPr/>
-        <p:txBody>
-          <a:bodyPr>
-            <a:normAutofit/>
-          </a:bodyPr>
-          <a:lstStyle/>
-          <a:p>
-            <a:r>
-              <a:rPr lang="zh-CN" altLang="en-US" sz="2000" dirty="0"/>
-              <a:t>注意：</a:t>
-            </a:r>
-            <a:endParaRPr lang="en-US" altLang="zh-CN" sz="2000" dirty="0"/>
-          </a:p>
-          <a:p>
-            <a:r>
-              <a:rPr lang="en-US" altLang="zh-CN" sz="2000" dirty="0"/>
-              <a:t>1 </a:t>
-            </a:r>
-            <a:r>
-              <a:rPr lang="zh-CN" altLang="en-US" sz="2000" dirty="0"/>
-              <a:t>如果输入</a:t>
-            </a:r>
-            <a:r>
-              <a:rPr lang="en-US" altLang="zh-CN" sz="2000" dirty="0"/>
-              <a:t>Files</a:t>
-            </a:r>
-            <a:r>
-              <a:rPr lang="zh-CN" altLang="en-US" sz="2000" dirty="0"/>
-              <a:t>是多个文件，即一个</a:t>
-            </a:r>
-            <a:r>
-              <a:rPr lang="en-US" altLang="zh-CN" sz="2000" dirty="0"/>
-              <a:t>case</a:t>
-            </a:r>
-            <a:r>
-              <a:rPr lang="zh-CN" altLang="en-US" sz="2000" dirty="0"/>
-              <a:t>一个文件，那么文件名中必须有</a:t>
-            </a:r>
-            <a:r>
-              <a:rPr lang="en-US" altLang="zh-CN" sz="2000" dirty="0"/>
-              <a:t>”sub-xxx”</a:t>
-            </a:r>
-            <a:r>
-              <a:rPr lang="zh-CN" altLang="en-US" sz="2000" dirty="0"/>
-              <a:t>或者</a:t>
-            </a:r>
-            <a:r>
-              <a:rPr lang="en-US" altLang="zh-CN" sz="2000" dirty="0"/>
-              <a:t>”</a:t>
-            </a:r>
-            <a:r>
-              <a:rPr lang="en-US" altLang="zh-CN" sz="2000" dirty="0" err="1"/>
-              <a:t>subxxx</a:t>
-            </a:r>
-            <a:r>
-              <a:rPr lang="en-US" altLang="zh-CN" sz="2000" dirty="0"/>
-              <a:t>”</a:t>
-            </a:r>
-            <a:r>
-              <a:rPr lang="zh-CN" altLang="en-US" sz="2000" dirty="0"/>
-              <a:t>，“</a:t>
-            </a:r>
-            <a:r>
-              <a:rPr lang="en-US" altLang="zh-CN" sz="2000" dirty="0"/>
-              <a:t>xxx</a:t>
-            </a:r>
-            <a:r>
-              <a:rPr lang="zh-CN" altLang="en-US" sz="2000" dirty="0"/>
-              <a:t>”是阿拉伯数字。这是为了将特征和目的匹配，特别是多模态时。如果是单个文件，则其中的数据是</a:t>
-            </a:r>
-            <a:r>
-              <a:rPr lang="en-US" altLang="zh-CN" sz="2000" dirty="0" err="1"/>
-              <a:t>n_sample</a:t>
-            </a:r>
-            <a:r>
-              <a:rPr lang="en-US" altLang="zh-CN" sz="2000" dirty="0"/>
-              <a:t> *</a:t>
-            </a:r>
-            <a:r>
-              <a:rPr lang="zh-CN" altLang="en-US" sz="2000" dirty="0"/>
-              <a:t> （</a:t>
-            </a:r>
-            <a:r>
-              <a:rPr lang="en-US" altLang="zh-CN" sz="2000" dirty="0"/>
-              <a:t>1+ </a:t>
-            </a:r>
-            <a:r>
-              <a:rPr lang="en-US" altLang="zh-CN" sz="2000" dirty="0" err="1"/>
-              <a:t>n_features</a:t>
-            </a:r>
-            <a:r>
-              <a:rPr lang="zh-CN" altLang="en-US" sz="2000" dirty="0"/>
-              <a:t>）的矩阵，其中有一列的名字最好是</a:t>
-            </a:r>
-            <a:r>
-              <a:rPr lang="en-US" altLang="zh-CN" sz="2000" dirty="0"/>
-              <a:t>—__ID__,</a:t>
-            </a:r>
-            <a:r>
-              <a:rPr lang="zh-CN" altLang="en-US" sz="2000" dirty="0"/>
-              <a:t>否则</a:t>
-            </a:r>
-            <a:r>
-              <a:rPr lang="en-US" altLang="zh-CN" sz="2000" dirty="0" err="1"/>
-              <a:t>eslearn</a:t>
-            </a:r>
-            <a:r>
-              <a:rPr lang="zh-CN" altLang="en-US" sz="2000" dirty="0"/>
-              <a:t>把第一列看作</a:t>
-            </a:r>
-            <a:r>
-              <a:rPr lang="en-US" altLang="zh-CN" sz="2000" dirty="0"/>
-              <a:t>ID</a:t>
-            </a:r>
-          </a:p>
-          <a:p>
-            <a:r>
-              <a:rPr lang="zh-CN" altLang="en-US" sz="2000" dirty="0"/>
-              <a:t> </a:t>
-            </a:r>
-            <a:endParaRPr lang="en-US" altLang="zh-CN" sz="2000" dirty="0"/>
-          </a:p>
-          <a:p>
-            <a:r>
-              <a:rPr lang="en-US" altLang="zh-CN" sz="2000" dirty="0"/>
-              <a:t>2 </a:t>
-            </a:r>
-            <a:r>
-              <a:rPr lang="zh-CN" altLang="en-US" sz="2000" dirty="0"/>
-              <a:t>如果输入的</a:t>
-            </a:r>
-            <a:r>
-              <a:rPr lang="en-US" altLang="zh-CN" sz="2000" dirty="0"/>
-              <a:t>targets</a:t>
-            </a:r>
-            <a:r>
-              <a:rPr lang="zh-CN" altLang="en-US" sz="2000" dirty="0"/>
-              <a:t>是文件，那么文件中数据应该有两列，名字分别是</a:t>
-            </a:r>
-            <a:r>
-              <a:rPr lang="en-US" altLang="zh-CN" sz="2000" dirty="0"/>
-              <a:t>__ID__”</a:t>
-            </a:r>
-            <a:r>
-              <a:rPr lang="zh-CN" altLang="en-US" sz="2000" dirty="0"/>
-              <a:t>和</a:t>
-            </a:r>
-            <a:r>
-              <a:rPr lang="en-US" altLang="zh-CN" sz="2000" dirty="0"/>
-              <a:t>__Targets__</a:t>
-            </a:r>
-            <a:r>
-              <a:rPr lang="zh-CN" altLang="en-US" sz="2000" dirty="0"/>
-              <a:t>。如果没有这两个列名，那么</a:t>
-            </a:r>
-            <a:r>
-              <a:rPr lang="en-US" altLang="zh-CN" sz="2000" dirty="0" err="1"/>
-              <a:t>eslearn</a:t>
-            </a:r>
-            <a:r>
-              <a:rPr lang="zh-CN" altLang="en-US" sz="2000" dirty="0"/>
-              <a:t>将把第一列当作是</a:t>
-            </a:r>
-            <a:r>
-              <a:rPr lang="en-US" altLang="zh-CN" sz="2000" dirty="0"/>
-              <a:t>__ID__ </a:t>
-            </a:r>
-            <a:r>
-              <a:rPr lang="zh-CN" altLang="en-US" sz="2000" dirty="0"/>
-              <a:t>第</a:t>
-            </a:r>
-            <a:r>
-              <a:rPr lang="en-US" altLang="zh-CN" sz="2000" dirty="0"/>
-              <a:t>2</a:t>
-            </a:r>
-            <a:r>
-              <a:rPr lang="zh-CN" altLang="en-US" sz="2000" dirty="0"/>
-              <a:t>列当作是</a:t>
-            </a:r>
-            <a:r>
-              <a:rPr lang="en-US" altLang="zh-CN" sz="2000" dirty="0"/>
-              <a:t>__Targets__</a:t>
-            </a:r>
-            <a:r>
-              <a:rPr lang="zh-CN" altLang="en-US" sz="2000" dirty="0"/>
-              <a:t>。</a:t>
-            </a:r>
-            <a:endParaRPr lang="en-US" altLang="zh-CN" sz="2000" dirty="0"/>
-          </a:p>
-          <a:p>
-            <a:endParaRPr lang="en-US" altLang="zh-CN" sz="2000" dirty="0"/>
-          </a:p>
-          <a:p>
-            <a:r>
-              <a:rPr lang="zh-CN" altLang="en-US" sz="2000" dirty="0"/>
-              <a:t>对于</a:t>
-            </a:r>
-            <a:r>
-              <a:rPr lang="en-US" altLang="zh-CN" sz="2000" dirty="0"/>
-              <a:t>covariates</a:t>
-            </a:r>
-            <a:r>
-              <a:rPr lang="zh-CN" altLang="en-US" sz="2000" dirty="0"/>
-              <a:t>来说同样如此。</a:t>
-            </a:r>
-          </a:p>
-        </p:txBody>
-      </p:sp>
-    </p:spTree>
-    <p:extLst>
-      <p:ext uri="{BB962C8B-B14F-4D97-AF65-F5344CB8AC3E}">
-        <p14:creationId xmlns:p14="http://schemas.microsoft.com/office/powerpoint/2010/main" val="1296495478"/>
-      </p:ext>
-    </p:extLst>
-  </p:cSld>
-  <p:clrMapOvr>
-    <a:masterClrMapping/>
-  </p:clrMapOvr>
-</p:sld>
-</file>
-
 <file path=ppt/slides/slide79.xml><?xml version="1.0" encoding="utf-8"?>
 <p:sld xmlns:a="http://schemas.openxmlformats.org/drawingml/2006/main" xmlns:r="http://schemas.openxmlformats.org/officeDocument/2006/relationships" xmlns:p="http://schemas.openxmlformats.org/presentationml/2006/main">
   <p:cSld>
@@ -23458,7 +23359,7 @@
           <p:cNvPr id="2" name="标题 1">
             <a:extLst>
               <a:ext uri="{FF2B5EF4-FFF2-40B4-BE49-F238E27FC236}">
-                <a16:creationId xmlns:a16="http://schemas.microsoft.com/office/drawing/2014/main" id="{20EEFD39-CC41-42CE-8DBC-691BD4C48BF6}"/>
+                <a16:creationId xmlns:a16="http://schemas.microsoft.com/office/drawing/2014/main" id="{A89F4CA5-AD75-4935-990F-99FE12FB8006}"/>
               </a:ext>
             </a:extLst>
           </p:cNvPr>
@@ -23476,17 +23377,17 @@
           <a:p>
             <a:r>
               <a:rPr lang="zh-CN" altLang="en-US" dirty="0"/>
-              <a:t>特征工程</a:t>
-            </a:r>
-          </a:p>
-        </p:txBody>
-      </p:sp>
-      <p:sp>
-        <p:nvSpPr>
-          <p:cNvPr id="7" name="内容占位符 6">
+              <a:t>数据加载注意事项</a:t>
+            </a:r>
+          </a:p>
+        </p:txBody>
+      </p:sp>
+      <p:sp>
+        <p:nvSpPr>
+          <p:cNvPr id="3" name="内容占位符 2">
             <a:extLst>
               <a:ext uri="{FF2B5EF4-FFF2-40B4-BE49-F238E27FC236}">
-                <a16:creationId xmlns:a16="http://schemas.microsoft.com/office/drawing/2014/main" id="{02A6F4F6-157D-4C3B-93C0-7E976130C28E}"/>
+                <a16:creationId xmlns:a16="http://schemas.microsoft.com/office/drawing/2014/main" id="{A2407D9F-FBBF-4429-87D3-18C2B4556FD4}"/>
               </a:ext>
             </a:extLst>
           </p:cNvPr>
@@ -23499,127 +23400,216 @@
         </p:nvSpPr>
         <p:spPr/>
         <p:txBody>
-          <a:bodyPr/>
+          <a:bodyPr>
+            <a:normAutofit/>
+          </a:bodyPr>
           <a:lstStyle/>
           <a:p>
             <a:r>
-              <a:rPr lang="zh-CN" altLang="en-US" dirty="0"/>
-              <a:t>参数可以设置多个</a:t>
-            </a:r>
-            <a:endParaRPr lang="en-US" altLang="zh-CN" dirty="0"/>
-          </a:p>
-          <a:p>
-            <a:pPr marL="0" indent="0">
-              <a:buNone/>
-            </a:pPr>
-            <a:r>
-              <a:rPr lang="en-US" altLang="zh-CN" dirty="0" err="1"/>
+              <a:rPr lang="zh-CN" altLang="en-US" sz="2000" dirty="0"/>
+              <a:t>注意：</a:t>
+            </a:r>
+            <a:endParaRPr lang="en-US" altLang="zh-CN" sz="2000" dirty="0"/>
+          </a:p>
+          <a:p>
+            <a:r>
+              <a:rPr lang="en-US" altLang="zh-CN" sz="2000" dirty="0"/>
+              <a:t>1 </a:t>
+            </a:r>
+            <a:r>
+              <a:rPr lang="zh-CN" altLang="en-US" sz="2000" dirty="0"/>
+              <a:t>如果输入</a:t>
+            </a:r>
+            <a:r>
+              <a:rPr lang="en-US" altLang="zh-CN" sz="2000" dirty="0"/>
+              <a:t>Files</a:t>
+            </a:r>
+            <a:r>
+              <a:rPr lang="zh-CN" altLang="en-US" sz="2000" dirty="0"/>
+              <a:t>是多个文件，即一个</a:t>
+            </a:r>
+            <a:r>
+              <a:rPr lang="en-US" altLang="zh-CN" sz="2000" dirty="0"/>
+              <a:t>case</a:t>
+            </a:r>
+            <a:r>
+              <a:rPr lang="zh-CN" altLang="en-US" sz="2000" dirty="0"/>
+              <a:t>一个文件，那么文件名中必须有</a:t>
+            </a:r>
+            <a:r>
+              <a:rPr lang="en-US" altLang="zh-CN" sz="2000" dirty="0"/>
+              <a:t>”sub-xxx”</a:t>
+            </a:r>
+            <a:r>
+              <a:rPr lang="zh-CN" altLang="en-US" sz="2000" dirty="0"/>
+              <a:t>或者</a:t>
+            </a:r>
+            <a:r>
+              <a:rPr lang="en-US" altLang="zh-CN" sz="2000" dirty="0"/>
+              <a:t>”</a:t>
+            </a:r>
+            <a:r>
+              <a:rPr lang="en-US" altLang="zh-CN" sz="2000" dirty="0" err="1"/>
+              <a:t>subxxx</a:t>
+            </a:r>
+            <a:r>
+              <a:rPr lang="en-US" altLang="zh-CN" sz="2000" dirty="0"/>
+              <a:t>”</a:t>
+            </a:r>
+            <a:r>
+              <a:rPr lang="zh-CN" altLang="en-US" sz="2000" dirty="0"/>
+              <a:t>，“</a:t>
+            </a:r>
+            <a:r>
+              <a:rPr lang="en-US" altLang="zh-CN" sz="2000" dirty="0"/>
+              <a:t>xxx</a:t>
+            </a:r>
+            <a:r>
+              <a:rPr lang="zh-CN" altLang="en-US" sz="2000" dirty="0"/>
+              <a:t>”是阿拉伯数字。这是为了将特征和目的匹配，特别是多模态时。如果是单个文件，则其中的数据是</a:t>
+            </a:r>
+            <a:r>
+              <a:rPr lang="en-US" altLang="zh-CN" sz="2000" dirty="0" err="1"/>
+              <a:t>n_sample</a:t>
+            </a:r>
+            <a:r>
+              <a:rPr lang="en-US" altLang="zh-CN" sz="2000" dirty="0"/>
+              <a:t> *</a:t>
+            </a:r>
+            <a:r>
+              <a:rPr lang="zh-CN" altLang="en-US" sz="2000" dirty="0"/>
+              <a:t> （</a:t>
+            </a:r>
+            <a:r>
+              <a:rPr lang="en-US" altLang="zh-CN" sz="2000" dirty="0"/>
+              <a:t>1+ </a:t>
+            </a:r>
+            <a:r>
+              <a:rPr lang="en-US" altLang="zh-CN" sz="2000" dirty="0" err="1"/>
+              <a:t>n_features</a:t>
+            </a:r>
+            <a:r>
+              <a:rPr lang="zh-CN" altLang="en-US" sz="2000" dirty="0"/>
+              <a:t>）的矩阵，其中有一列的名字最好是</a:t>
+            </a:r>
+            <a:r>
+              <a:rPr lang="en-US" altLang="zh-CN" sz="2000" dirty="0"/>
+              <a:t>—__ID__,</a:t>
+            </a:r>
+            <a:r>
+              <a:rPr lang="zh-CN" altLang="en-US" sz="2000" dirty="0"/>
+              <a:t>否则</a:t>
+            </a:r>
+            <a:r>
+              <a:rPr lang="en-US" altLang="zh-CN" sz="2000" dirty="0" err="1"/>
               <a:t>eslearn</a:t>
             </a:r>
             <a:r>
-              <a:rPr lang="zh-CN" altLang="en-US" dirty="0"/>
-              <a:t>自动通过</a:t>
-            </a:r>
-            <a:r>
-              <a:rPr lang="en-US" altLang="zh-CN" dirty="0"/>
-              <a:t>nest-cv</a:t>
-            </a:r>
-            <a:r>
-              <a:rPr lang="zh-CN" altLang="en-US" dirty="0"/>
-              <a:t>的</a:t>
-            </a:r>
-            <a:endParaRPr lang="en-US" altLang="zh-CN" dirty="0"/>
-          </a:p>
-          <a:p>
-            <a:pPr marL="0" indent="0">
-              <a:buNone/>
-            </a:pPr>
-            <a:r>
-              <a:rPr lang="zh-CN" altLang="en-US" dirty="0"/>
-              <a:t>方式寻找最优参数</a:t>
-            </a:r>
-          </a:p>
-        </p:txBody>
-      </p:sp>
-      <p:pic>
-        <p:nvPicPr>
-          <p:cNvPr id="9" name="图片 8">
-            <a:extLst>
-              <a:ext uri="{FF2B5EF4-FFF2-40B4-BE49-F238E27FC236}">
-                <a16:creationId xmlns:a16="http://schemas.microsoft.com/office/drawing/2014/main" id="{BF082DD1-5105-4887-9586-0B8AA2046068}"/>
-              </a:ext>
-            </a:extLst>
-          </p:cNvPr>
-          <p:cNvPicPr>
-            <a:picLocks noChangeAspect="1"/>
-          </p:cNvPicPr>
-          <p:nvPr/>
-        </p:nvPicPr>
-        <p:blipFill rotWithShape="1">
-          <a:blip r:embed="rId2"/>
-          <a:srcRect l="25000" t="14599" r="27687" b="13264"/>
-          <a:stretch/>
-        </p:blipFill>
-        <p:spPr>
-          <a:xfrm>
-            <a:off x="5296293" y="0"/>
-            <a:ext cx="6867071" cy="6858000"/>
-          </a:xfrm>
-          <a:prstGeom prst="rect">
-            <a:avLst/>
-          </a:prstGeom>
-        </p:spPr>
-      </p:pic>
-      <p:sp>
-        <p:nvSpPr>
-          <p:cNvPr id="11" name="箭头: 下 10">
-            <a:extLst>
-              <a:ext uri="{FF2B5EF4-FFF2-40B4-BE49-F238E27FC236}">
-                <a16:creationId xmlns:a16="http://schemas.microsoft.com/office/drawing/2014/main" id="{1EF95737-77BC-48C0-B5E6-E49FA9496C2F}"/>
-              </a:ext>
-            </a:extLst>
-          </p:cNvPr>
-          <p:cNvSpPr/>
-          <p:nvPr/>
-        </p:nvSpPr>
-        <p:spPr>
-          <a:xfrm>
-            <a:off x="10237509" y="2564091"/>
-            <a:ext cx="263951" cy="933253"/>
-          </a:xfrm>
-          <a:prstGeom prst="downArrow">
-            <a:avLst/>
-          </a:prstGeom>
-        </p:spPr>
-        <p:style>
-          <a:lnRef idx="2">
-            <a:schemeClr val="accent4">
-              <a:shade val="50000"/>
-            </a:schemeClr>
-          </a:lnRef>
-          <a:fillRef idx="1">
-            <a:schemeClr val="accent4"/>
-          </a:fillRef>
-          <a:effectRef idx="0">
-            <a:schemeClr val="accent4"/>
-          </a:effectRef>
-          <a:fontRef idx="minor">
-            <a:schemeClr val="lt1"/>
-          </a:fontRef>
-        </p:style>
-        <p:txBody>
-          <a:bodyPr rtlCol="0" anchor="ctr"/>
-          <a:lstStyle/>
-          <a:p>
-            <a:pPr algn="ctr"/>
-            <a:endParaRPr lang="zh-CN" altLang="en-US"/>
+              <a:rPr lang="zh-CN" altLang="en-US" sz="2000" dirty="0"/>
+              <a:t>把第一列看作</a:t>
+            </a:r>
+            <a:r>
+              <a:rPr lang="en-US" altLang="zh-CN" sz="2000" dirty="0"/>
+              <a:t>ID</a:t>
+            </a:r>
+          </a:p>
+          <a:p>
+            <a:r>
+              <a:rPr lang="zh-CN" altLang="en-US" sz="2000" dirty="0"/>
+              <a:t> </a:t>
+            </a:r>
+            <a:endParaRPr lang="en-US" altLang="zh-CN" sz="2000" dirty="0"/>
+          </a:p>
+          <a:p>
+            <a:r>
+              <a:rPr lang="en-US" altLang="zh-CN" sz="2000" dirty="0"/>
+              <a:t>2 </a:t>
+            </a:r>
+            <a:r>
+              <a:rPr lang="zh-CN" altLang="en-US" sz="2000" dirty="0"/>
+              <a:t>如果输入的</a:t>
+            </a:r>
+            <a:r>
+              <a:rPr lang="en-US" altLang="zh-CN" sz="2000" dirty="0"/>
+              <a:t>targets</a:t>
+            </a:r>
+            <a:r>
+              <a:rPr lang="zh-CN" altLang="en-US" sz="2000" dirty="0"/>
+              <a:t>是文件，那么文件中数据应该有两列，名字分别是</a:t>
+            </a:r>
+            <a:r>
+              <a:rPr lang="en-US" altLang="zh-CN" sz="2000" dirty="0"/>
+              <a:t>__ID__”</a:t>
+            </a:r>
+            <a:r>
+              <a:rPr lang="zh-CN" altLang="en-US" sz="2000" dirty="0"/>
+              <a:t>和</a:t>
+            </a:r>
+            <a:r>
+              <a:rPr lang="en-US" altLang="zh-CN" sz="2000" dirty="0"/>
+              <a:t>__Targets__</a:t>
+            </a:r>
+            <a:r>
+              <a:rPr lang="zh-CN" altLang="en-US" sz="2000" dirty="0"/>
+              <a:t>。如果没有这两个列名，那么</a:t>
+            </a:r>
+            <a:r>
+              <a:rPr lang="en-US" altLang="zh-CN" sz="2000" dirty="0" err="1"/>
+              <a:t>eslearn</a:t>
+            </a:r>
+            <a:r>
+              <a:rPr lang="zh-CN" altLang="en-US" sz="2000" dirty="0"/>
+              <a:t>将把第一列当作是</a:t>
+            </a:r>
+            <a:r>
+              <a:rPr lang="en-US" altLang="zh-CN" sz="2000" dirty="0"/>
+              <a:t>__ID__ </a:t>
+            </a:r>
+            <a:r>
+              <a:rPr lang="zh-CN" altLang="en-US" sz="2000" dirty="0"/>
+              <a:t>第</a:t>
+            </a:r>
+            <a:r>
+              <a:rPr lang="en-US" altLang="zh-CN" sz="2000" dirty="0"/>
+              <a:t>2</a:t>
+            </a:r>
+            <a:r>
+              <a:rPr lang="zh-CN" altLang="en-US" sz="2000" dirty="0"/>
+              <a:t>列当作是</a:t>
+            </a:r>
+            <a:r>
+              <a:rPr lang="en-US" altLang="zh-CN" sz="2000" dirty="0"/>
+              <a:t>__Targets__</a:t>
+            </a:r>
+            <a:r>
+              <a:rPr lang="zh-CN" altLang="en-US" sz="2000" dirty="0"/>
+              <a:t>。</a:t>
+            </a:r>
+            <a:endParaRPr lang="en-US" altLang="zh-CN" sz="2000" dirty="0"/>
+          </a:p>
+          <a:p>
+            <a:endParaRPr lang="en-US" altLang="zh-CN" sz="2000" dirty="0"/>
+          </a:p>
+          <a:p>
+            <a:r>
+              <a:rPr lang="zh-CN" altLang="en-US" sz="2000" dirty="0"/>
+              <a:t>对于</a:t>
+            </a:r>
+            <a:r>
+              <a:rPr lang="en-US" altLang="zh-CN" sz="2000" dirty="0"/>
+              <a:t>covariates</a:t>
+            </a:r>
+            <a:r>
+              <a:rPr lang="zh-CN" altLang="en-US" sz="2000" dirty="0"/>
+              <a:t>来说同样如此。</a:t>
+            </a:r>
           </a:p>
         </p:txBody>
       </p:sp>
     </p:spTree>
     <p:extLst>
       <p:ext uri="{BB962C8B-B14F-4D97-AF65-F5344CB8AC3E}">
-        <p14:creationId xmlns:p14="http://schemas.microsoft.com/office/powerpoint/2010/main" val="1407719272"/>
+        <p14:creationId xmlns:p14="http://schemas.microsoft.com/office/powerpoint/2010/main" val="1296495478"/>
       </p:ext>
     </p:extLst>
   </p:cSld>
@@ -24040,6 +24030,287 @@
 </file>
 
 <file path=ppt/slides/slide80.xml><?xml version="1.0" encoding="utf-8"?>
+<p:sld xmlns:a="http://schemas.openxmlformats.org/drawingml/2006/main" xmlns:r="http://schemas.openxmlformats.org/officeDocument/2006/relationships" xmlns:p="http://schemas.openxmlformats.org/presentationml/2006/main">
+  <p:cSld>
+    <p:spTree>
+      <p:nvGrpSpPr>
+        <p:cNvPr id="1" name=""/>
+        <p:cNvGrpSpPr/>
+        <p:nvPr/>
+      </p:nvGrpSpPr>
+      <p:grpSpPr>
+        <a:xfrm>
+          <a:off x="0" y="0"/>
+          <a:ext cx="0" cy="0"/>
+          <a:chOff x="0" y="0"/>
+          <a:chExt cx="0" cy="0"/>
+        </a:xfrm>
+      </p:grpSpPr>
+      <p:sp>
+        <p:nvSpPr>
+          <p:cNvPr id="2" name="标题 1">
+            <a:extLst>
+              <a:ext uri="{FF2B5EF4-FFF2-40B4-BE49-F238E27FC236}">
+                <a16:creationId xmlns:a16="http://schemas.microsoft.com/office/drawing/2014/main" id="{20EEFD39-CC41-42CE-8DBC-691BD4C48BF6}"/>
+              </a:ext>
+            </a:extLst>
+          </p:cNvPr>
+          <p:cNvSpPr>
+            <a:spLocks noGrp="1"/>
+          </p:cNvSpPr>
+          <p:nvPr>
+            <p:ph type="title"/>
+          </p:nvPr>
+        </p:nvSpPr>
+        <p:spPr/>
+        <p:txBody>
+          <a:bodyPr/>
+          <a:lstStyle/>
+          <a:p>
+            <a:r>
+              <a:rPr lang="zh-CN" altLang="en-US" dirty="0"/>
+              <a:t>特征工程</a:t>
+            </a:r>
+          </a:p>
+        </p:txBody>
+      </p:sp>
+      <p:sp>
+        <p:nvSpPr>
+          <p:cNvPr id="7" name="内容占位符 6">
+            <a:extLst>
+              <a:ext uri="{FF2B5EF4-FFF2-40B4-BE49-F238E27FC236}">
+                <a16:creationId xmlns:a16="http://schemas.microsoft.com/office/drawing/2014/main" id="{02A6F4F6-157D-4C3B-93C0-7E976130C28E}"/>
+              </a:ext>
+            </a:extLst>
+          </p:cNvPr>
+          <p:cNvSpPr>
+            <a:spLocks noGrp="1"/>
+          </p:cNvSpPr>
+          <p:nvPr>
+            <p:ph idx="1"/>
+          </p:nvPr>
+        </p:nvSpPr>
+        <p:spPr/>
+        <p:txBody>
+          <a:bodyPr/>
+          <a:lstStyle/>
+          <a:p>
+            <a:r>
+              <a:rPr lang="zh-CN" altLang="en-US" dirty="0"/>
+              <a:t>参数可以设置多个</a:t>
+            </a:r>
+            <a:endParaRPr lang="en-US" altLang="zh-CN" dirty="0"/>
+          </a:p>
+          <a:p>
+            <a:pPr marL="0" indent="0">
+              <a:buNone/>
+            </a:pPr>
+            <a:r>
+              <a:rPr lang="en-US" altLang="zh-CN" dirty="0" err="1"/>
+              <a:t>eslearn</a:t>
+            </a:r>
+            <a:r>
+              <a:rPr lang="zh-CN" altLang="en-US" dirty="0"/>
+              <a:t>自动通过</a:t>
+            </a:r>
+            <a:r>
+              <a:rPr lang="en-US" altLang="zh-CN" dirty="0"/>
+              <a:t>nest-cv</a:t>
+            </a:r>
+            <a:r>
+              <a:rPr lang="zh-CN" altLang="en-US" dirty="0"/>
+              <a:t>的</a:t>
+            </a:r>
+            <a:endParaRPr lang="en-US" altLang="zh-CN" dirty="0"/>
+          </a:p>
+          <a:p>
+            <a:pPr marL="0" indent="0">
+              <a:buNone/>
+            </a:pPr>
+            <a:r>
+              <a:rPr lang="zh-CN" altLang="en-US" dirty="0"/>
+              <a:t>方式寻找最优参数</a:t>
+            </a:r>
+          </a:p>
+        </p:txBody>
+      </p:sp>
+      <p:pic>
+        <p:nvPicPr>
+          <p:cNvPr id="9" name="图片 8">
+            <a:extLst>
+              <a:ext uri="{FF2B5EF4-FFF2-40B4-BE49-F238E27FC236}">
+                <a16:creationId xmlns:a16="http://schemas.microsoft.com/office/drawing/2014/main" id="{BF082DD1-5105-4887-9586-0B8AA2046068}"/>
+              </a:ext>
+            </a:extLst>
+          </p:cNvPr>
+          <p:cNvPicPr>
+            <a:picLocks noChangeAspect="1"/>
+          </p:cNvPicPr>
+          <p:nvPr/>
+        </p:nvPicPr>
+        <p:blipFill rotWithShape="1">
+          <a:blip r:embed="rId2"/>
+          <a:srcRect l="25000" t="14599" r="27687" b="13264"/>
+          <a:stretch/>
+        </p:blipFill>
+        <p:spPr>
+          <a:xfrm>
+            <a:off x="5296293" y="0"/>
+            <a:ext cx="6867071" cy="6858000"/>
+          </a:xfrm>
+          <a:prstGeom prst="rect">
+            <a:avLst/>
+          </a:prstGeom>
+        </p:spPr>
+      </p:pic>
+      <p:sp>
+        <p:nvSpPr>
+          <p:cNvPr id="11" name="箭头: 下 10">
+            <a:extLst>
+              <a:ext uri="{FF2B5EF4-FFF2-40B4-BE49-F238E27FC236}">
+                <a16:creationId xmlns:a16="http://schemas.microsoft.com/office/drawing/2014/main" id="{1EF95737-77BC-48C0-B5E6-E49FA9496C2F}"/>
+              </a:ext>
+            </a:extLst>
+          </p:cNvPr>
+          <p:cNvSpPr/>
+          <p:nvPr/>
+        </p:nvSpPr>
+        <p:spPr>
+          <a:xfrm>
+            <a:off x="10237509" y="2564091"/>
+            <a:ext cx="263951" cy="933253"/>
+          </a:xfrm>
+          <a:prstGeom prst="downArrow">
+            <a:avLst/>
+          </a:prstGeom>
+        </p:spPr>
+        <p:style>
+          <a:lnRef idx="2">
+            <a:schemeClr val="accent4">
+              <a:shade val="50000"/>
+            </a:schemeClr>
+          </a:lnRef>
+          <a:fillRef idx="1">
+            <a:schemeClr val="accent4"/>
+          </a:fillRef>
+          <a:effectRef idx="0">
+            <a:schemeClr val="accent4"/>
+          </a:effectRef>
+          <a:fontRef idx="minor">
+            <a:schemeClr val="lt1"/>
+          </a:fontRef>
+        </p:style>
+        <p:txBody>
+          <a:bodyPr rtlCol="0" anchor="ctr"/>
+          <a:lstStyle/>
+          <a:p>
+            <a:pPr algn="ctr"/>
+            <a:endParaRPr lang="zh-CN" altLang="en-US"/>
+          </a:p>
+        </p:txBody>
+      </p:sp>
+    </p:spTree>
+    <p:extLst>
+      <p:ext uri="{BB962C8B-B14F-4D97-AF65-F5344CB8AC3E}">
+        <p14:creationId xmlns:p14="http://schemas.microsoft.com/office/powerpoint/2010/main" val="1407719272"/>
+      </p:ext>
+    </p:extLst>
+  </p:cSld>
+  <p:clrMapOvr>
+    <a:masterClrMapping/>
+  </p:clrMapOvr>
+</p:sld>
+</file>
+
+<file path=ppt/slides/slide81.xml><?xml version="1.0" encoding="utf-8"?>
+<p:sld xmlns:a="http://schemas.openxmlformats.org/drawingml/2006/main" xmlns:r="http://schemas.openxmlformats.org/officeDocument/2006/relationships" xmlns:p="http://schemas.openxmlformats.org/presentationml/2006/main">
+  <p:cSld>
+    <p:spTree>
+      <p:nvGrpSpPr>
+        <p:cNvPr id="1" name=""/>
+        <p:cNvGrpSpPr/>
+        <p:nvPr/>
+      </p:nvGrpSpPr>
+      <p:grpSpPr>
+        <a:xfrm>
+          <a:off x="0" y="0"/>
+          <a:ext cx="0" cy="0"/>
+          <a:chOff x="0" y="0"/>
+          <a:chExt cx="0" cy="0"/>
+        </a:xfrm>
+      </p:grpSpPr>
+      <p:sp>
+        <p:nvSpPr>
+          <p:cNvPr id="2" name="标题 1">
+            <a:extLst>
+              <a:ext uri="{FF2B5EF4-FFF2-40B4-BE49-F238E27FC236}">
+                <a16:creationId xmlns:a16="http://schemas.microsoft.com/office/drawing/2014/main" id="{38879960-ED48-475B-AE07-1F328DEF40D8}"/>
+              </a:ext>
+            </a:extLst>
+          </p:cNvPr>
+          <p:cNvSpPr>
+            <a:spLocks noGrp="1"/>
+          </p:cNvSpPr>
+          <p:nvPr>
+            <p:ph type="title"/>
+          </p:nvPr>
+        </p:nvSpPr>
+        <p:spPr/>
+        <p:txBody>
+          <a:bodyPr/>
+          <a:lstStyle/>
+          <a:p>
+            <a:r>
+              <a:rPr lang="en-US" altLang="zh-CN" dirty="0"/>
+              <a:t>Nest CV</a:t>
+            </a:r>
+            <a:endParaRPr lang="zh-CN" altLang="en-US" dirty="0"/>
+          </a:p>
+        </p:txBody>
+      </p:sp>
+      <p:pic>
+        <p:nvPicPr>
+          <p:cNvPr id="5" name="内容占位符 4">
+            <a:extLst>
+              <a:ext uri="{FF2B5EF4-FFF2-40B4-BE49-F238E27FC236}">
+                <a16:creationId xmlns:a16="http://schemas.microsoft.com/office/drawing/2014/main" id="{B4893C3D-BECC-416F-8E67-2D9C441E862F}"/>
+              </a:ext>
+            </a:extLst>
+          </p:cNvPr>
+          <p:cNvPicPr>
+            <a:picLocks noGrp="1" noChangeAspect="1"/>
+          </p:cNvPicPr>
+          <p:nvPr>
+            <p:ph idx="1"/>
+          </p:nvPr>
+        </p:nvPicPr>
+        <p:blipFill>
+          <a:blip r:embed="rId2"/>
+          <a:stretch>
+            <a:fillRect/>
+          </a:stretch>
+        </p:blipFill>
+        <p:spPr>
+          <a:xfrm>
+            <a:off x="3967899" y="464517"/>
+            <a:ext cx="7249998" cy="6028358"/>
+          </a:xfrm>
+        </p:spPr>
+      </p:pic>
+    </p:spTree>
+    <p:extLst>
+      <p:ext uri="{BB962C8B-B14F-4D97-AF65-F5344CB8AC3E}">
+        <p14:creationId xmlns:p14="http://schemas.microsoft.com/office/powerpoint/2010/main" val="3150125825"/>
+      </p:ext>
+    </p:extLst>
+  </p:cSld>
+  <p:clrMapOvr>
+    <a:masterClrMapping/>
+  </p:clrMapOvr>
+</p:sld>
+</file>
+
+<file path=ppt/slides/slide82.xml><?xml version="1.0" encoding="utf-8"?>
 <p:sld xmlns:a="http://schemas.openxmlformats.org/drawingml/2006/main" xmlns:r="http://schemas.openxmlformats.org/officeDocument/2006/relationships" xmlns:p="http://schemas.openxmlformats.org/presentationml/2006/main">
   <p:cSld>
     <p:spTree>
@@ -24354,7 +24625,7 @@
 </p:sld>
 </file>
 
-<file path=ppt/slides/slide81.xml><?xml version="1.0" encoding="utf-8"?>
+<file path=ppt/slides/slide83.xml><?xml version="1.0" encoding="utf-8"?>
 <p:sld xmlns:a="http://schemas.openxmlformats.org/drawingml/2006/main" xmlns:r="http://schemas.openxmlformats.org/officeDocument/2006/relationships" xmlns:p="http://schemas.openxmlformats.org/presentationml/2006/main">
   <p:cSld>
     <p:spTree>
@@ -24650,172 +24921,6 @@
 </p:sld>
 </file>
 
-<file path=ppt/slides/slide82.xml><?xml version="1.0" encoding="utf-8"?>
-<p:sld xmlns:a="http://schemas.openxmlformats.org/drawingml/2006/main" xmlns:r="http://schemas.openxmlformats.org/officeDocument/2006/relationships" xmlns:p="http://schemas.openxmlformats.org/presentationml/2006/main">
-  <p:cSld>
-    <p:spTree>
-      <p:nvGrpSpPr>
-        <p:cNvPr id="1" name=""/>
-        <p:cNvGrpSpPr/>
-        <p:nvPr/>
-      </p:nvGrpSpPr>
-      <p:grpSpPr>
-        <a:xfrm>
-          <a:off x="0" y="0"/>
-          <a:ext cx="0" cy="0"/>
-          <a:chOff x="0" y="0"/>
-          <a:chExt cx="0" cy="0"/>
-        </a:xfrm>
-      </p:grpSpPr>
-      <p:sp>
-        <p:nvSpPr>
-          <p:cNvPr id="2" name="标题 1">
-            <a:extLst>
-              <a:ext uri="{FF2B5EF4-FFF2-40B4-BE49-F238E27FC236}">
-                <a16:creationId xmlns:a16="http://schemas.microsoft.com/office/drawing/2014/main" id="{DEB4FF1E-5492-4E1A-BB19-5ABBB3587F29}"/>
-              </a:ext>
-            </a:extLst>
-          </p:cNvPr>
-          <p:cNvSpPr>
-            <a:spLocks noGrp="1"/>
-          </p:cNvSpPr>
-          <p:nvPr>
-            <p:ph type="title"/>
-          </p:nvPr>
-        </p:nvSpPr>
-        <p:spPr/>
-        <p:txBody>
-          <a:bodyPr/>
-          <a:lstStyle/>
-          <a:p>
-            <a:endParaRPr lang="zh-CN" altLang="en-US" dirty="0"/>
-          </a:p>
-        </p:txBody>
-      </p:sp>
-      <p:sp>
-        <p:nvSpPr>
-          <p:cNvPr id="3" name="内容占位符 2">
-            <a:extLst>
-              <a:ext uri="{FF2B5EF4-FFF2-40B4-BE49-F238E27FC236}">
-                <a16:creationId xmlns:a16="http://schemas.microsoft.com/office/drawing/2014/main" id="{F4BC702A-CAE0-4258-9302-287A7A7BA817}"/>
-              </a:ext>
-            </a:extLst>
-          </p:cNvPr>
-          <p:cNvSpPr>
-            <a:spLocks noGrp="1"/>
-          </p:cNvSpPr>
-          <p:nvPr>
-            <p:ph idx="1"/>
-          </p:nvPr>
-        </p:nvSpPr>
-        <p:spPr/>
-        <p:txBody>
-          <a:bodyPr/>
-          <a:lstStyle/>
-          <a:p>
-            <a:r>
-              <a:rPr lang="zh-CN" altLang="en-US" dirty="0"/>
-              <a:t>练习红葡萄就质量预测</a:t>
-            </a:r>
-          </a:p>
-        </p:txBody>
-      </p:sp>
-    </p:spTree>
-    <p:extLst>
-      <p:ext uri="{BB962C8B-B14F-4D97-AF65-F5344CB8AC3E}">
-        <p14:creationId xmlns:p14="http://schemas.microsoft.com/office/powerpoint/2010/main" val="4054209034"/>
-      </p:ext>
-    </p:extLst>
-  </p:cSld>
-  <p:clrMapOvr>
-    <a:masterClrMapping/>
-  </p:clrMapOvr>
-</p:sld>
-</file>
-
-<file path=ppt/slides/slide83.xml><?xml version="1.0" encoding="utf-8"?>
-<p:sld xmlns:a="http://schemas.openxmlformats.org/drawingml/2006/main" xmlns:r="http://schemas.openxmlformats.org/officeDocument/2006/relationships" xmlns:p="http://schemas.openxmlformats.org/presentationml/2006/main">
-  <p:cSld>
-    <p:spTree>
-      <p:nvGrpSpPr>
-        <p:cNvPr id="1" name=""/>
-        <p:cNvGrpSpPr/>
-        <p:nvPr/>
-      </p:nvGrpSpPr>
-      <p:grpSpPr>
-        <a:xfrm>
-          <a:off x="0" y="0"/>
-          <a:ext cx="0" cy="0"/>
-          <a:chOff x="0" y="0"/>
-          <a:chExt cx="0" cy="0"/>
-        </a:xfrm>
-      </p:grpSpPr>
-      <p:sp>
-        <p:nvSpPr>
-          <p:cNvPr id="2" name="标题 1">
-            <a:extLst>
-              <a:ext uri="{FF2B5EF4-FFF2-40B4-BE49-F238E27FC236}">
-                <a16:creationId xmlns:a16="http://schemas.microsoft.com/office/drawing/2014/main" id="{DEB4FF1E-5492-4E1A-BB19-5ABBB3587F29}"/>
-              </a:ext>
-            </a:extLst>
-          </p:cNvPr>
-          <p:cNvSpPr>
-            <a:spLocks noGrp="1"/>
-          </p:cNvSpPr>
-          <p:nvPr>
-            <p:ph type="title"/>
-          </p:nvPr>
-        </p:nvSpPr>
-        <p:spPr/>
-        <p:txBody>
-          <a:bodyPr/>
-          <a:lstStyle/>
-          <a:p>
-            <a:endParaRPr lang="zh-CN" altLang="en-US" dirty="0"/>
-          </a:p>
-        </p:txBody>
-      </p:sp>
-      <p:sp>
-        <p:nvSpPr>
-          <p:cNvPr id="3" name="内容占位符 2">
-            <a:extLst>
-              <a:ext uri="{FF2B5EF4-FFF2-40B4-BE49-F238E27FC236}">
-                <a16:creationId xmlns:a16="http://schemas.microsoft.com/office/drawing/2014/main" id="{F4BC702A-CAE0-4258-9302-287A7A7BA817}"/>
-              </a:ext>
-            </a:extLst>
-          </p:cNvPr>
-          <p:cNvSpPr>
-            <a:spLocks noGrp="1"/>
-          </p:cNvSpPr>
-          <p:nvPr>
-            <p:ph idx="1"/>
-          </p:nvPr>
-        </p:nvSpPr>
-        <p:spPr/>
-        <p:txBody>
-          <a:bodyPr/>
-          <a:lstStyle/>
-          <a:p>
-            <a:r>
-              <a:rPr lang="zh-CN" altLang="en-US" dirty="0"/>
-              <a:t>自己操作白葡萄就质量预测</a:t>
-            </a:r>
-          </a:p>
-        </p:txBody>
-      </p:sp>
-    </p:spTree>
-    <p:extLst>
-      <p:ext uri="{BB962C8B-B14F-4D97-AF65-F5344CB8AC3E}">
-        <p14:creationId xmlns:p14="http://schemas.microsoft.com/office/powerpoint/2010/main" val="1485023101"/>
-      </p:ext>
-    </p:extLst>
-  </p:cSld>
-  <p:clrMapOvr>
-    <a:masterClrMapping/>
-  </p:clrMapOvr>
-</p:sld>
-</file>
-
 <file path=ppt/slides/slide84.xml><?xml version="1.0" encoding="utf-8"?>
 <p:sld xmlns:a="http://schemas.openxmlformats.org/drawingml/2006/main" xmlns:r="http://schemas.openxmlformats.org/officeDocument/2006/relationships" xmlns:p="http://schemas.openxmlformats.org/presentationml/2006/main">
   <p:cSld>
@@ -24835,72 +24940,71 @@
       </p:grpSpPr>
       <p:sp>
         <p:nvSpPr>
-          <p:cNvPr id="273" name="Shape 273"/>
-          <p:cNvSpPr/>
-          <p:nvPr/>
-        </p:nvSpPr>
+          <p:cNvPr id="2" name="标题 1">
+            <a:extLst>
+              <a:ext uri="{FF2B5EF4-FFF2-40B4-BE49-F238E27FC236}">
+                <a16:creationId xmlns:a16="http://schemas.microsoft.com/office/drawing/2014/main" id="{A4F9602A-D596-4BF0-8D51-D8BC62AC4E26}"/>
+              </a:ext>
+            </a:extLst>
+          </p:cNvPr>
+          <p:cNvSpPr>
+            <a:spLocks noGrp="1"/>
+          </p:cNvSpPr>
+          <p:nvPr>
+            <p:ph type="title"/>
+          </p:nvPr>
+        </p:nvSpPr>
+        <p:spPr/>
+        <p:txBody>
+          <a:bodyPr/>
+          <a:lstStyle/>
+          <a:p>
+            <a:r>
+              <a:rPr lang="zh-CN" altLang="en-US" dirty="0"/>
+              <a:t>什么是分层交叉验证</a:t>
+            </a:r>
+          </a:p>
+        </p:txBody>
+      </p:sp>
+      <p:pic>
+        <p:nvPicPr>
+          <p:cNvPr id="5" name="内容占位符 4">
+            <a:extLst>
+              <a:ext uri="{FF2B5EF4-FFF2-40B4-BE49-F238E27FC236}">
+                <a16:creationId xmlns:a16="http://schemas.microsoft.com/office/drawing/2014/main" id="{BC460281-D2A1-4B3C-9AC7-3C43C02D1399}"/>
+              </a:ext>
+            </a:extLst>
+          </p:cNvPr>
+          <p:cNvPicPr>
+            <a:picLocks noGrp="1" noChangeAspect="1"/>
+          </p:cNvPicPr>
+          <p:nvPr>
+            <p:ph idx="1"/>
+          </p:nvPr>
+        </p:nvPicPr>
+        <p:blipFill>
+          <a:blip r:embed="rId2"/>
+          <a:stretch>
+            <a:fillRect/>
+          </a:stretch>
+        </p:blipFill>
         <p:spPr>
           <a:xfrm>
-            <a:off x="1052830" y="2964180"/>
-            <a:ext cx="10975772" cy="925190"/>
+            <a:off x="838200" y="2179992"/>
+            <a:ext cx="10515600" cy="3642603"/>
           </a:xfrm>
-          <a:prstGeom prst="rect">
-            <a:avLst/>
-          </a:prstGeom>
-          <a:ln w="12700">
-            <a:miter lim="400000"/>
-          </a:ln>
         </p:spPr>
-        <p:txBody>
-          <a:bodyPr wrap="square" lIns="45719" rIns="45719">
-            <a:spAutoFit/>
-          </a:bodyPr>
-          <a:lstStyle>
-            <a:lvl1pPr>
-              <a:lnSpc>
-                <a:spcPct val="80000"/>
-              </a:lnSpc>
-              <a:defRPr sz="6600">
-                <a:solidFill>
-                  <a:srgbClr val="535353"/>
-                </a:solidFill>
-                <a:latin typeface="Source Han Sans CN Bold Bold"/>
-                <a:ea typeface="Source Han Sans CN Bold Bold"/>
-                <a:cs typeface="Source Han Sans CN Bold Bold"/>
-                <a:sym typeface="Source Han Sans CN Bold Bold"/>
-              </a:defRPr>
-            </a:lvl1pPr>
-          </a:lstStyle>
-          <a:p>
-            <a:r>
-              <a:rPr lang="zh-CN" altLang="en-US" dirty="0">
-                <a:solidFill>
-                  <a:schemeClr val="tx1">
-                    <a:lumMod val="95000"/>
-                  </a:schemeClr>
-                </a:solidFill>
-              </a:rPr>
-              <a:t>手把手实际操作</a:t>
-            </a:r>
-            <a:endParaRPr dirty="0">
-              <a:solidFill>
-                <a:schemeClr val="tx1"/>
-              </a:solidFill>
-            </a:endParaRPr>
-          </a:p>
-        </p:txBody>
-      </p:sp>
+      </p:pic>
     </p:spTree>
     <p:extLst>
       <p:ext uri="{BB962C8B-B14F-4D97-AF65-F5344CB8AC3E}">
-        <p14:creationId xmlns:p14="http://schemas.microsoft.com/office/powerpoint/2010/main" val="2102918473"/>
+        <p14:creationId xmlns:p14="http://schemas.microsoft.com/office/powerpoint/2010/main" val="1066067344"/>
       </p:ext>
     </p:extLst>
   </p:cSld>
   <p:clrMapOvr>
     <a:masterClrMapping/>
   </p:clrMapOvr>
-  <p:transition spd="slow"/>
 </p:sld>
 </file>
 
@@ -24942,10 +25046,7 @@
           <a:bodyPr/>
           <a:lstStyle/>
           <a:p>
-            <a:r>
-              <a:rPr lang="zh-CN" altLang="en-US" dirty="0"/>
-              <a:t>精分患者分类</a:t>
-            </a:r>
+            <a:endParaRPr lang="zh-CN" altLang="en-US" dirty="0"/>
           </a:p>
         </p:txBody>
       </p:sp>
@@ -24970,14 +25071,17 @@
           <a:bodyPr/>
           <a:lstStyle/>
           <a:p>
-            <a:endParaRPr lang="zh-CN" altLang="en-US" dirty="0"/>
+            <a:r>
+              <a:rPr lang="zh-CN" altLang="en-US" dirty="0"/>
+              <a:t>练习红葡萄就质量预测</a:t>
+            </a:r>
           </a:p>
         </p:txBody>
       </p:sp>
     </p:spTree>
     <p:extLst>
       <p:ext uri="{BB962C8B-B14F-4D97-AF65-F5344CB8AC3E}">
-        <p14:creationId xmlns:p14="http://schemas.microsoft.com/office/powerpoint/2010/main" val="2442991886"/>
+        <p14:creationId xmlns:p14="http://schemas.microsoft.com/office/powerpoint/2010/main" val="4054209034"/>
       </p:ext>
     </p:extLst>
   </p:cSld>
@@ -25009,7 +25113,7 @@
           <p:cNvPr id="2" name="标题 1">
             <a:extLst>
               <a:ext uri="{FF2B5EF4-FFF2-40B4-BE49-F238E27FC236}">
-                <a16:creationId xmlns:a16="http://schemas.microsoft.com/office/drawing/2014/main" id="{DEB4FF1E-5492-4E1A-BB19-5ABBB3587F29}"/>
+                <a16:creationId xmlns:a16="http://schemas.microsoft.com/office/drawing/2014/main" id="{DFFA73CC-7221-4EF2-8064-32715C6F9172}"/>
               </a:ext>
             </a:extLst>
           </p:cNvPr>
@@ -25025,10 +25129,7 @@
           <a:bodyPr/>
           <a:lstStyle/>
           <a:p>
-            <a:r>
-              <a:rPr lang="zh-CN" altLang="en-US" dirty="0"/>
-              <a:t>失眠患者分类</a:t>
-            </a:r>
+            <a:endParaRPr lang="zh-CN" altLang="en-US"/>
           </a:p>
         </p:txBody>
       </p:sp>
@@ -25037,7 +25138,7 @@
           <p:cNvPr id="3" name="内容占位符 2">
             <a:extLst>
               <a:ext uri="{FF2B5EF4-FFF2-40B4-BE49-F238E27FC236}">
-                <a16:creationId xmlns:a16="http://schemas.microsoft.com/office/drawing/2014/main" id="{F4BC702A-CAE0-4258-9302-287A7A7BA817}"/>
+                <a16:creationId xmlns:a16="http://schemas.microsoft.com/office/drawing/2014/main" id="{CD352898-A826-492B-B0D0-646E99286659}"/>
               </a:ext>
             </a:extLst>
           </p:cNvPr>
@@ -25053,6 +25154,14 @@
           <a:bodyPr/>
           <a:lstStyle/>
           <a:p>
+            <a:r>
+              <a:rPr lang="zh-CN" altLang="en-US" dirty="0"/>
+              <a:t>查看结果</a:t>
+            </a:r>
+            <a:r>
+              <a:rPr lang="en-US" altLang="zh-CN" dirty="0"/>
+              <a:t>view_results.py</a:t>
+            </a:r>
             <a:endParaRPr lang="zh-CN" altLang="en-US" dirty="0"/>
           </a:p>
         </p:txBody>
@@ -25060,7 +25169,7 @@
     </p:spTree>
     <p:extLst>
       <p:ext uri="{BB962C8B-B14F-4D97-AF65-F5344CB8AC3E}">
-        <p14:creationId xmlns:p14="http://schemas.microsoft.com/office/powerpoint/2010/main" val="4261018530"/>
+        <p14:creationId xmlns:p14="http://schemas.microsoft.com/office/powerpoint/2010/main" val="4132121181"/>
       </p:ext>
     </p:extLst>
   </p:cSld>
@@ -25089,72 +25198,67 @@
       </p:grpSpPr>
       <p:sp>
         <p:nvSpPr>
-          <p:cNvPr id="273" name="Shape 273"/>
-          <p:cNvSpPr/>
-          <p:nvPr/>
-        </p:nvSpPr>
-        <p:spPr>
-          <a:xfrm>
-            <a:off x="1052830" y="2964180"/>
-            <a:ext cx="10975772" cy="925190"/>
-          </a:xfrm>
-          <a:prstGeom prst="rect">
-            <a:avLst/>
-          </a:prstGeom>
-          <a:ln w="12700">
-            <a:miter lim="400000"/>
-          </a:ln>
-        </p:spPr>
-        <p:txBody>
-          <a:bodyPr wrap="square" lIns="45719" rIns="45719">
-            <a:spAutoFit/>
-          </a:bodyPr>
-          <a:lstStyle>
-            <a:lvl1pPr>
-              <a:lnSpc>
-                <a:spcPct val="80000"/>
-              </a:lnSpc>
-              <a:defRPr sz="6600">
-                <a:solidFill>
-                  <a:srgbClr val="535353"/>
-                </a:solidFill>
-                <a:latin typeface="Source Han Sans CN Bold Bold"/>
-                <a:ea typeface="Source Han Sans CN Bold Bold"/>
-                <a:cs typeface="Source Han Sans CN Bold Bold"/>
-                <a:sym typeface="Source Han Sans CN Bold Bold"/>
-              </a:defRPr>
-            </a:lvl1pPr>
-          </a:lstStyle>
-          <a:p>
-            <a:r>
-              <a:rPr lang="zh-CN" altLang="en-US" dirty="0">
-                <a:solidFill>
-                  <a:schemeClr val="tx1">
-                    <a:lumMod val="95000"/>
-                  </a:schemeClr>
-                </a:solidFill>
-              </a:rPr>
-              <a:t>手把手实际操作</a:t>
-            </a:r>
-            <a:endParaRPr dirty="0">
-              <a:solidFill>
-                <a:schemeClr val="tx1"/>
-              </a:solidFill>
-            </a:endParaRPr>
+          <p:cNvPr id="2" name="标题 1">
+            <a:extLst>
+              <a:ext uri="{FF2B5EF4-FFF2-40B4-BE49-F238E27FC236}">
+                <a16:creationId xmlns:a16="http://schemas.microsoft.com/office/drawing/2014/main" id="{DEB4FF1E-5492-4E1A-BB19-5ABBB3587F29}"/>
+              </a:ext>
+            </a:extLst>
+          </p:cNvPr>
+          <p:cNvSpPr>
+            <a:spLocks noGrp="1"/>
+          </p:cNvSpPr>
+          <p:nvPr>
+            <p:ph type="title"/>
+          </p:nvPr>
+        </p:nvSpPr>
+        <p:spPr/>
+        <p:txBody>
+          <a:bodyPr/>
+          <a:lstStyle/>
+          <a:p>
+            <a:endParaRPr lang="zh-CN" altLang="en-US" dirty="0"/>
+          </a:p>
+        </p:txBody>
+      </p:sp>
+      <p:sp>
+        <p:nvSpPr>
+          <p:cNvPr id="3" name="内容占位符 2">
+            <a:extLst>
+              <a:ext uri="{FF2B5EF4-FFF2-40B4-BE49-F238E27FC236}">
+                <a16:creationId xmlns:a16="http://schemas.microsoft.com/office/drawing/2014/main" id="{F4BC702A-CAE0-4258-9302-287A7A7BA817}"/>
+              </a:ext>
+            </a:extLst>
+          </p:cNvPr>
+          <p:cNvSpPr>
+            <a:spLocks noGrp="1"/>
+          </p:cNvSpPr>
+          <p:nvPr>
+            <p:ph idx="1"/>
+          </p:nvPr>
+        </p:nvSpPr>
+        <p:spPr/>
+        <p:txBody>
+          <a:bodyPr/>
+          <a:lstStyle/>
+          <a:p>
+            <a:r>
+              <a:rPr lang="zh-CN" altLang="en-US" dirty="0"/>
+              <a:t>自己操作白葡萄就质量预测</a:t>
+            </a:r>
           </a:p>
         </p:txBody>
       </p:sp>
     </p:spTree>
     <p:extLst>
       <p:ext uri="{BB962C8B-B14F-4D97-AF65-F5344CB8AC3E}">
-        <p14:creationId xmlns:p14="http://schemas.microsoft.com/office/powerpoint/2010/main" val="2631130338"/>
+        <p14:creationId xmlns:p14="http://schemas.microsoft.com/office/powerpoint/2010/main" val="1485023101"/>
       </p:ext>
     </p:extLst>
   </p:cSld>
   <p:clrMapOvr>
     <a:masterClrMapping/>
   </p:clrMapOvr>
-  <p:transition spd="slow"/>
 </p:sld>
 </file>
 
@@ -25177,78 +25281,64 @@
       </p:grpSpPr>
       <p:sp>
         <p:nvSpPr>
-          <p:cNvPr id="273" name="Shape 273"/>
-          <p:cNvSpPr/>
-          <p:nvPr/>
-        </p:nvSpPr>
-        <p:spPr>
-          <a:xfrm>
-            <a:off x="1052830" y="2964180"/>
-            <a:ext cx="10975772" cy="925190"/>
-          </a:xfrm>
-          <a:prstGeom prst="rect">
-            <a:avLst/>
-          </a:prstGeom>
-          <a:ln w="12700">
-            <a:miter lim="400000"/>
-          </a:ln>
-        </p:spPr>
-        <p:txBody>
-          <a:bodyPr wrap="square" lIns="45719" rIns="45719">
-            <a:spAutoFit/>
-          </a:bodyPr>
-          <a:lstStyle>
-            <a:lvl1pPr>
-              <a:lnSpc>
-                <a:spcPct val="80000"/>
-              </a:lnSpc>
-              <a:defRPr sz="6600">
-                <a:solidFill>
-                  <a:srgbClr val="535353"/>
-                </a:solidFill>
-                <a:latin typeface="Source Han Sans CN Bold Bold"/>
-                <a:ea typeface="Source Han Sans CN Bold Bold"/>
-                <a:cs typeface="Source Han Sans CN Bold Bold"/>
-                <a:sym typeface="Source Han Sans CN Bold Bold"/>
-              </a:defRPr>
-            </a:lvl1pPr>
-          </a:lstStyle>
-          <a:p>
-            <a:r>
-              <a:rPr lang="en-US" altLang="zh-CN" dirty="0">
-                <a:solidFill>
-                  <a:schemeClr val="tx1"/>
-                </a:solidFill>
-              </a:rPr>
-              <a:t>AD</a:t>
-            </a:r>
-            <a:r>
-              <a:rPr lang="zh-CN" altLang="en-US" dirty="0">
-                <a:solidFill>
-                  <a:schemeClr val="tx1"/>
-                </a:solidFill>
-              </a:rPr>
-              <a:t>比赛获奖经验</a:t>
-            </a:r>
-            <a:endParaRPr dirty="0">
-              <a:solidFill>
-                <a:schemeClr val="tx1"/>
-              </a:solidFill>
-            </a:endParaRPr>
+          <p:cNvPr id="2" name="标题 1">
+            <a:extLst>
+              <a:ext uri="{FF2B5EF4-FFF2-40B4-BE49-F238E27FC236}">
+                <a16:creationId xmlns:a16="http://schemas.microsoft.com/office/drawing/2014/main" id="{67F2A571-4F02-4F1D-9B6B-4E7E1EF99F78}"/>
+              </a:ext>
+            </a:extLst>
+          </p:cNvPr>
+          <p:cNvSpPr>
+            <a:spLocks noGrp="1"/>
+          </p:cNvSpPr>
+          <p:nvPr>
+            <p:ph type="title"/>
+          </p:nvPr>
+        </p:nvSpPr>
+        <p:spPr/>
+        <p:txBody>
+          <a:bodyPr/>
+          <a:lstStyle/>
+          <a:p>
+            <a:endParaRPr lang="zh-CN" altLang="en-US"/>
+          </a:p>
+        </p:txBody>
+      </p:sp>
+      <p:sp>
+        <p:nvSpPr>
+          <p:cNvPr id="3" name="内容占位符 2">
+            <a:extLst>
+              <a:ext uri="{FF2B5EF4-FFF2-40B4-BE49-F238E27FC236}">
+                <a16:creationId xmlns:a16="http://schemas.microsoft.com/office/drawing/2014/main" id="{C114AEC9-C41B-465D-AB43-BECD35DFECF6}"/>
+              </a:ext>
+            </a:extLst>
+          </p:cNvPr>
+          <p:cNvSpPr>
+            <a:spLocks noGrp="1"/>
+          </p:cNvSpPr>
+          <p:nvPr>
+            <p:ph idx="1"/>
+          </p:nvPr>
+        </p:nvSpPr>
+        <p:spPr/>
+        <p:txBody>
+          <a:bodyPr/>
+          <a:lstStyle/>
+          <a:p>
+            <a:endParaRPr lang="zh-CN" altLang="en-US" dirty="0"/>
           </a:p>
         </p:txBody>
       </p:sp>
     </p:spTree>
     <p:extLst>
       <p:ext uri="{BB962C8B-B14F-4D97-AF65-F5344CB8AC3E}">
-        <p14:creationId xmlns:p14="http://schemas.microsoft.com/office/powerpoint/2010/main" val="104170682"/>
+        <p14:creationId xmlns:p14="http://schemas.microsoft.com/office/powerpoint/2010/main" val="2760000999"/>
       </p:ext>
     </p:extLst>
   </p:cSld>
   <p:clrMapOvr>
     <a:masterClrMapping/>
   </p:clrMapOvr>
-  <p:transition spd="slow"/>
 </p:sld>
 </file>
 
@@ -25271,99 +25361,72 @@
       </p:grpSpPr>
       <p:sp>
         <p:nvSpPr>
-          <p:cNvPr id="2" name="标题 1">
-            <a:extLst>
-              <a:ext uri="{FF2B5EF4-FFF2-40B4-BE49-F238E27FC236}">
-                <a16:creationId xmlns:a16="http://schemas.microsoft.com/office/drawing/2014/main" id="{DEB4FF1E-5492-4E1A-BB19-5ABBB3587F29}"/>
-              </a:ext>
-            </a:extLst>
-          </p:cNvPr>
-          <p:cNvSpPr>
-            <a:spLocks noGrp="1"/>
-          </p:cNvSpPr>
-          <p:nvPr>
-            <p:ph type="title"/>
-          </p:nvPr>
-        </p:nvSpPr>
-        <p:spPr/>
-        <p:txBody>
-          <a:bodyPr/>
-          <a:lstStyle/>
-          <a:p>
-            <a:endParaRPr lang="zh-CN" altLang="en-US" dirty="0"/>
-          </a:p>
-        </p:txBody>
-      </p:sp>
-      <p:sp>
-        <p:nvSpPr>
-          <p:cNvPr id="3" name="内容占位符 2">
-            <a:extLst>
-              <a:ext uri="{FF2B5EF4-FFF2-40B4-BE49-F238E27FC236}">
-                <a16:creationId xmlns:a16="http://schemas.microsoft.com/office/drawing/2014/main" id="{F4BC702A-CAE0-4258-9302-287A7A7BA817}"/>
-              </a:ext>
-            </a:extLst>
-          </p:cNvPr>
-          <p:cNvSpPr>
-            <a:spLocks noGrp="1"/>
-          </p:cNvSpPr>
-          <p:nvPr>
-            <p:ph idx="1"/>
-          </p:nvPr>
-        </p:nvSpPr>
-        <p:spPr/>
-        <p:txBody>
-          <a:bodyPr/>
-          <a:lstStyle/>
-          <a:p>
-            <a:r>
-              <a:rPr lang="zh-CN" altLang="en-US" dirty="0"/>
-              <a:t>数据清洗：</a:t>
-            </a:r>
-            <a:endParaRPr lang="en-US" altLang="zh-CN" dirty="0"/>
-          </a:p>
-          <a:p>
-            <a:r>
-              <a:rPr lang="zh-CN" altLang="en-US" dirty="0"/>
-              <a:t>数据处理：</a:t>
-            </a:r>
-            <a:endParaRPr lang="en-US" altLang="zh-CN" dirty="0"/>
-          </a:p>
-          <a:p>
-            <a:r>
-              <a:rPr lang="zh-CN" altLang="en-US" dirty="0"/>
-              <a:t>特征工程：</a:t>
-            </a:r>
-            <a:endParaRPr lang="en-US" altLang="zh-CN" dirty="0"/>
-          </a:p>
-          <a:p>
-            <a:r>
-              <a:rPr lang="zh-CN" altLang="en-US" dirty="0"/>
-              <a:t>参数寻优：调参神器</a:t>
-            </a:r>
-            <a:r>
-              <a:rPr lang="en-US" altLang="zh-CN" dirty="0" err="1"/>
-              <a:t>Hyperopt</a:t>
-            </a:r>
-            <a:endParaRPr lang="en-US" altLang="zh-CN" dirty="0"/>
-          </a:p>
-          <a:p>
-            <a:r>
-              <a:rPr lang="zh-CN" altLang="en-US" dirty="0"/>
-              <a:t>模型融合：提升准确度终极武器</a:t>
-            </a:r>
+          <p:cNvPr id="273" name="Shape 273"/>
+          <p:cNvSpPr/>
+          <p:nvPr/>
+        </p:nvSpPr>
+        <p:spPr>
+          <a:xfrm>
+            <a:off x="1052830" y="2964180"/>
+            <a:ext cx="10975772" cy="925190"/>
+          </a:xfrm>
+          <a:prstGeom prst="rect">
+            <a:avLst/>
+          </a:prstGeom>
+          <a:ln w="12700">
+            <a:miter lim="400000"/>
+          </a:ln>
+        </p:spPr>
+        <p:txBody>
+          <a:bodyPr wrap="square" lIns="45719" rIns="45719">
+            <a:spAutoFit/>
+          </a:bodyPr>
+          <a:lstStyle>
+            <a:lvl1pPr>
+              <a:lnSpc>
+                <a:spcPct val="80000"/>
+              </a:lnSpc>
+              <a:defRPr sz="6600">
+                <a:solidFill>
+                  <a:srgbClr val="535353"/>
+                </a:solidFill>
+                <a:latin typeface="Source Han Sans CN Bold Bold"/>
+                <a:ea typeface="Source Han Sans CN Bold Bold"/>
+                <a:cs typeface="Source Han Sans CN Bold Bold"/>
+                <a:sym typeface="Source Han Sans CN Bold Bold"/>
+              </a:defRPr>
+            </a:lvl1pPr>
+          </a:lstStyle>
+          <a:p>
+            <a:r>
+              <a:rPr lang="zh-CN" altLang="en-US" dirty="0">
+                <a:solidFill>
+                  <a:schemeClr val="tx1">
+                    <a:lumMod val="95000"/>
+                  </a:schemeClr>
+                </a:solidFill>
+              </a:rPr>
+              <a:t>手把手实际操作</a:t>
+            </a:r>
+            <a:endParaRPr dirty="0">
+              <a:solidFill>
+                <a:schemeClr val="tx1"/>
+              </a:solidFill>
+            </a:endParaRPr>
           </a:p>
         </p:txBody>
       </p:sp>
     </p:spTree>
     <p:extLst>
       <p:ext uri="{BB962C8B-B14F-4D97-AF65-F5344CB8AC3E}">
-        <p14:creationId xmlns:p14="http://schemas.microsoft.com/office/powerpoint/2010/main" val="407830922"/>
+        <p14:creationId xmlns:p14="http://schemas.microsoft.com/office/powerpoint/2010/main" val="2102918473"/>
       </p:ext>
     </p:extLst>
   </p:cSld>
   <p:clrMapOvr>
     <a:masterClrMapping/>
   </p:clrMapOvr>
+  <p:transition spd="slow"/>
 </p:sld>
 </file>
 
@@ -25627,70 +25690,67 @@
       </p:grpSpPr>
       <p:sp>
         <p:nvSpPr>
-          <p:cNvPr id="273" name="Shape 273"/>
-          <p:cNvSpPr/>
-          <p:nvPr/>
-        </p:nvSpPr>
-        <p:spPr>
-          <a:xfrm>
-            <a:off x="1052830" y="2964180"/>
-            <a:ext cx="10975772" cy="925190"/>
-          </a:xfrm>
-          <a:prstGeom prst="rect">
-            <a:avLst/>
-          </a:prstGeom>
-          <a:ln w="12700">
-            <a:miter lim="400000"/>
-          </a:ln>
-        </p:spPr>
-        <p:txBody>
-          <a:bodyPr wrap="square" lIns="45719" rIns="45719">
-            <a:spAutoFit/>
-          </a:bodyPr>
-          <a:lstStyle>
-            <a:lvl1pPr>
-              <a:lnSpc>
-                <a:spcPct val="80000"/>
-              </a:lnSpc>
-              <a:defRPr sz="6600">
-                <a:solidFill>
-                  <a:srgbClr val="535353"/>
-                </a:solidFill>
-                <a:latin typeface="Source Han Sans CN Bold Bold"/>
-                <a:ea typeface="Source Han Sans CN Bold Bold"/>
-                <a:cs typeface="Source Han Sans CN Bold Bold"/>
-                <a:sym typeface="Source Han Sans CN Bold Bold"/>
-              </a:defRPr>
-            </a:lvl1pPr>
-          </a:lstStyle>
-          <a:p>
-            <a:r>
-              <a:rPr lang="zh-CN" altLang="en-US" dirty="0">
-                <a:solidFill>
-                  <a:schemeClr val="tx1"/>
-                </a:solidFill>
-              </a:rPr>
-              <a:t>神经影像聚类</a:t>
-            </a:r>
-            <a:endParaRPr dirty="0">
-              <a:solidFill>
-                <a:schemeClr val="tx1"/>
-              </a:solidFill>
-            </a:endParaRPr>
+          <p:cNvPr id="2" name="标题 1">
+            <a:extLst>
+              <a:ext uri="{FF2B5EF4-FFF2-40B4-BE49-F238E27FC236}">
+                <a16:creationId xmlns:a16="http://schemas.microsoft.com/office/drawing/2014/main" id="{DEB4FF1E-5492-4E1A-BB19-5ABBB3587F29}"/>
+              </a:ext>
+            </a:extLst>
+          </p:cNvPr>
+          <p:cNvSpPr>
+            <a:spLocks noGrp="1"/>
+          </p:cNvSpPr>
+          <p:nvPr>
+            <p:ph type="title"/>
+          </p:nvPr>
+        </p:nvSpPr>
+        <p:spPr/>
+        <p:txBody>
+          <a:bodyPr/>
+          <a:lstStyle/>
+          <a:p>
+            <a:r>
+              <a:rPr lang="zh-CN" altLang="en-US" dirty="0"/>
+              <a:t>精分患者分类</a:t>
+            </a:r>
+          </a:p>
+        </p:txBody>
+      </p:sp>
+      <p:sp>
+        <p:nvSpPr>
+          <p:cNvPr id="3" name="内容占位符 2">
+            <a:extLst>
+              <a:ext uri="{FF2B5EF4-FFF2-40B4-BE49-F238E27FC236}">
+                <a16:creationId xmlns:a16="http://schemas.microsoft.com/office/drawing/2014/main" id="{F4BC702A-CAE0-4258-9302-287A7A7BA817}"/>
+              </a:ext>
+            </a:extLst>
+          </p:cNvPr>
+          <p:cNvSpPr>
+            <a:spLocks noGrp="1"/>
+          </p:cNvSpPr>
+          <p:nvPr>
+            <p:ph idx="1"/>
+          </p:nvPr>
+        </p:nvSpPr>
+        <p:spPr/>
+        <p:txBody>
+          <a:bodyPr/>
+          <a:lstStyle/>
+          <a:p>
+            <a:endParaRPr lang="zh-CN" altLang="en-US" dirty="0"/>
           </a:p>
         </p:txBody>
       </p:sp>
     </p:spTree>
     <p:extLst>
       <p:ext uri="{BB962C8B-B14F-4D97-AF65-F5344CB8AC3E}">
-        <p14:creationId xmlns:p14="http://schemas.microsoft.com/office/powerpoint/2010/main" val="865723783"/>
+        <p14:creationId xmlns:p14="http://schemas.microsoft.com/office/powerpoint/2010/main" val="2442991886"/>
       </p:ext>
     </p:extLst>
   </p:cSld>
   <p:clrMapOvr>
     <a:masterClrMapping/>
   </p:clrMapOvr>
-  <p:transition spd="slow"/>
 </p:sld>
 </file>
 
@@ -25713,70 +25773,67 @@
       </p:grpSpPr>
       <p:sp>
         <p:nvSpPr>
-          <p:cNvPr id="273" name="Shape 273"/>
-          <p:cNvSpPr/>
-          <p:nvPr/>
-        </p:nvSpPr>
-        <p:spPr>
-          <a:xfrm>
-            <a:off x="1052830" y="2964180"/>
-            <a:ext cx="10975772" cy="925190"/>
-          </a:xfrm>
-          <a:prstGeom prst="rect">
-            <a:avLst/>
-          </a:prstGeom>
-          <a:ln w="12700">
-            <a:miter lim="400000"/>
-          </a:ln>
-        </p:spPr>
-        <p:txBody>
-          <a:bodyPr wrap="square" lIns="45719" rIns="45719">
-            <a:spAutoFit/>
-          </a:bodyPr>
-          <a:lstStyle>
-            <a:lvl1pPr>
-              <a:lnSpc>
-                <a:spcPct val="80000"/>
-              </a:lnSpc>
-              <a:defRPr sz="6600">
-                <a:solidFill>
-                  <a:srgbClr val="535353"/>
-                </a:solidFill>
-                <a:latin typeface="Source Han Sans CN Bold Bold"/>
-                <a:ea typeface="Source Han Sans CN Bold Bold"/>
-                <a:cs typeface="Source Han Sans CN Bold Bold"/>
-                <a:sym typeface="Source Han Sans CN Bold Bold"/>
-              </a:defRPr>
-            </a:lvl1pPr>
-          </a:lstStyle>
-          <a:p>
-            <a:r>
-              <a:rPr lang="zh-CN" altLang="en-US" dirty="0">
-                <a:solidFill>
-                  <a:schemeClr val="tx1"/>
-                </a:solidFill>
-              </a:rPr>
-              <a:t>深度神经网络</a:t>
-            </a:r>
-            <a:endParaRPr dirty="0">
-              <a:solidFill>
-                <a:schemeClr val="tx1"/>
-              </a:solidFill>
-            </a:endParaRPr>
+          <p:cNvPr id="2" name="标题 1">
+            <a:extLst>
+              <a:ext uri="{FF2B5EF4-FFF2-40B4-BE49-F238E27FC236}">
+                <a16:creationId xmlns:a16="http://schemas.microsoft.com/office/drawing/2014/main" id="{DEB4FF1E-5492-4E1A-BB19-5ABBB3587F29}"/>
+              </a:ext>
+            </a:extLst>
+          </p:cNvPr>
+          <p:cNvSpPr>
+            <a:spLocks noGrp="1"/>
+          </p:cNvSpPr>
+          <p:nvPr>
+            <p:ph type="title"/>
+          </p:nvPr>
+        </p:nvSpPr>
+        <p:spPr/>
+        <p:txBody>
+          <a:bodyPr/>
+          <a:lstStyle/>
+          <a:p>
+            <a:r>
+              <a:rPr lang="zh-CN" altLang="en-US" dirty="0"/>
+              <a:t>失眠患者分类</a:t>
+            </a:r>
+          </a:p>
+        </p:txBody>
+      </p:sp>
+      <p:sp>
+        <p:nvSpPr>
+          <p:cNvPr id="3" name="内容占位符 2">
+            <a:extLst>
+              <a:ext uri="{FF2B5EF4-FFF2-40B4-BE49-F238E27FC236}">
+                <a16:creationId xmlns:a16="http://schemas.microsoft.com/office/drawing/2014/main" id="{F4BC702A-CAE0-4258-9302-287A7A7BA817}"/>
+              </a:ext>
+            </a:extLst>
+          </p:cNvPr>
+          <p:cNvSpPr>
+            <a:spLocks noGrp="1"/>
+          </p:cNvSpPr>
+          <p:nvPr>
+            <p:ph idx="1"/>
+          </p:nvPr>
+        </p:nvSpPr>
+        <p:spPr/>
+        <p:txBody>
+          <a:bodyPr/>
+          <a:lstStyle/>
+          <a:p>
+            <a:endParaRPr lang="zh-CN" altLang="en-US" dirty="0"/>
           </a:p>
         </p:txBody>
       </p:sp>
     </p:spTree>
     <p:extLst>
       <p:ext uri="{BB962C8B-B14F-4D97-AF65-F5344CB8AC3E}">
-        <p14:creationId xmlns:p14="http://schemas.microsoft.com/office/powerpoint/2010/main" val="2538413401"/>
+        <p14:creationId xmlns:p14="http://schemas.microsoft.com/office/powerpoint/2010/main" val="4261018530"/>
       </p:ext>
     </p:extLst>
   </p:cSld>
   <p:clrMapOvr>
     <a:masterClrMapping/>
   </p:clrMapOvr>
-  <p:transition spd="slow"/>
 </p:sld>
 </file>
 
@@ -25799,67 +25856,72 @@
       </p:grpSpPr>
       <p:sp>
         <p:nvSpPr>
-          <p:cNvPr id="2" name="标题 1">
-            <a:extLst>
-              <a:ext uri="{FF2B5EF4-FFF2-40B4-BE49-F238E27FC236}">
-                <a16:creationId xmlns:a16="http://schemas.microsoft.com/office/drawing/2014/main" id="{DEB4FF1E-5492-4E1A-BB19-5ABBB3587F29}"/>
-              </a:ext>
-            </a:extLst>
-          </p:cNvPr>
-          <p:cNvSpPr>
-            <a:spLocks noGrp="1"/>
-          </p:cNvSpPr>
-          <p:nvPr>
-            <p:ph type="title"/>
-          </p:nvPr>
-        </p:nvSpPr>
-        <p:spPr/>
-        <p:txBody>
-          <a:bodyPr/>
-          <a:lstStyle/>
-          <a:p>
-            <a:endParaRPr lang="zh-CN" altLang="en-US" dirty="0"/>
-          </a:p>
-        </p:txBody>
-      </p:sp>
-      <p:sp>
-        <p:nvSpPr>
-          <p:cNvPr id="3" name="内容占位符 2">
-            <a:extLst>
-              <a:ext uri="{FF2B5EF4-FFF2-40B4-BE49-F238E27FC236}">
-                <a16:creationId xmlns:a16="http://schemas.microsoft.com/office/drawing/2014/main" id="{F4BC702A-CAE0-4258-9302-287A7A7BA817}"/>
-              </a:ext>
-            </a:extLst>
-          </p:cNvPr>
-          <p:cNvSpPr>
-            <a:spLocks noGrp="1"/>
-          </p:cNvSpPr>
-          <p:nvPr>
-            <p:ph idx="1"/>
-          </p:nvPr>
-        </p:nvSpPr>
-        <p:spPr/>
-        <p:txBody>
-          <a:bodyPr/>
-          <a:lstStyle/>
-          <a:p>
-            <a:r>
-              <a:rPr lang="zh-CN" altLang="en-US" dirty="0"/>
-              <a:t>卷积神经网络</a:t>
-            </a:r>
+          <p:cNvPr id="273" name="Shape 273"/>
+          <p:cNvSpPr/>
+          <p:nvPr/>
+        </p:nvSpPr>
+        <p:spPr>
+          <a:xfrm>
+            <a:off x="1052830" y="2964180"/>
+            <a:ext cx="10975772" cy="925190"/>
+          </a:xfrm>
+          <a:prstGeom prst="rect">
+            <a:avLst/>
+          </a:prstGeom>
+          <a:ln w="12700">
+            <a:miter lim="400000"/>
+          </a:ln>
+        </p:spPr>
+        <p:txBody>
+          <a:bodyPr wrap="square" lIns="45719" rIns="45719">
+            <a:spAutoFit/>
+          </a:bodyPr>
+          <a:lstStyle>
+            <a:lvl1pPr>
+              <a:lnSpc>
+                <a:spcPct val="80000"/>
+              </a:lnSpc>
+              <a:defRPr sz="6600">
+                <a:solidFill>
+                  <a:srgbClr val="535353"/>
+                </a:solidFill>
+                <a:latin typeface="Source Han Sans CN Bold Bold"/>
+                <a:ea typeface="Source Han Sans CN Bold Bold"/>
+                <a:cs typeface="Source Han Sans CN Bold Bold"/>
+                <a:sym typeface="Source Han Sans CN Bold Bold"/>
+              </a:defRPr>
+            </a:lvl1pPr>
+          </a:lstStyle>
+          <a:p>
+            <a:r>
+              <a:rPr lang="zh-CN" altLang="en-US" dirty="0">
+                <a:solidFill>
+                  <a:schemeClr val="tx1">
+                    <a:lumMod val="95000"/>
+                  </a:schemeClr>
+                </a:solidFill>
+              </a:rPr>
+              <a:t>手把手实际操作</a:t>
+            </a:r>
+            <a:endParaRPr dirty="0">
+              <a:solidFill>
+                <a:schemeClr val="tx1"/>
+              </a:solidFill>
+            </a:endParaRPr>
           </a:p>
         </p:txBody>
       </p:sp>
     </p:spTree>
     <p:extLst>
       <p:ext uri="{BB962C8B-B14F-4D97-AF65-F5344CB8AC3E}">
-        <p14:creationId xmlns:p14="http://schemas.microsoft.com/office/powerpoint/2010/main" val="2596057925"/>
+        <p14:creationId xmlns:p14="http://schemas.microsoft.com/office/powerpoint/2010/main" val="2631130338"/>
       </p:ext>
     </p:extLst>
   </p:cSld>
   <p:clrMapOvr>
     <a:masterClrMapping/>
   </p:clrMapOvr>
+  <p:transition spd="slow"/>
 </p:sld>
 </file>
 
@@ -25882,6 +25944,100 @@
       </p:grpSpPr>
       <p:sp>
         <p:nvSpPr>
+          <p:cNvPr id="273" name="Shape 273"/>
+          <p:cNvSpPr/>
+          <p:nvPr/>
+        </p:nvSpPr>
+        <p:spPr>
+          <a:xfrm>
+            <a:off x="1052830" y="2964180"/>
+            <a:ext cx="10975772" cy="925190"/>
+          </a:xfrm>
+          <a:prstGeom prst="rect">
+            <a:avLst/>
+          </a:prstGeom>
+          <a:ln w="12700">
+            <a:miter lim="400000"/>
+          </a:ln>
+        </p:spPr>
+        <p:txBody>
+          <a:bodyPr wrap="square" lIns="45719" rIns="45719">
+            <a:spAutoFit/>
+          </a:bodyPr>
+          <a:lstStyle>
+            <a:lvl1pPr>
+              <a:lnSpc>
+                <a:spcPct val="80000"/>
+              </a:lnSpc>
+              <a:defRPr sz="6600">
+                <a:solidFill>
+                  <a:srgbClr val="535353"/>
+                </a:solidFill>
+                <a:latin typeface="Source Han Sans CN Bold Bold"/>
+                <a:ea typeface="Source Han Sans CN Bold Bold"/>
+                <a:cs typeface="Source Han Sans CN Bold Bold"/>
+                <a:sym typeface="Source Han Sans CN Bold Bold"/>
+              </a:defRPr>
+            </a:lvl1pPr>
+          </a:lstStyle>
+          <a:p>
+            <a:r>
+              <a:rPr lang="en-US" altLang="zh-CN" dirty="0">
+                <a:solidFill>
+                  <a:schemeClr val="tx1"/>
+                </a:solidFill>
+              </a:rPr>
+              <a:t>AD</a:t>
+            </a:r>
+            <a:r>
+              <a:rPr lang="zh-CN" altLang="en-US" dirty="0">
+                <a:solidFill>
+                  <a:schemeClr val="tx1"/>
+                </a:solidFill>
+              </a:rPr>
+              <a:t>比赛获奖经验</a:t>
+            </a:r>
+            <a:endParaRPr dirty="0">
+              <a:solidFill>
+                <a:schemeClr val="tx1"/>
+              </a:solidFill>
+            </a:endParaRPr>
+          </a:p>
+        </p:txBody>
+      </p:sp>
+    </p:spTree>
+    <p:extLst>
+      <p:ext uri="{BB962C8B-B14F-4D97-AF65-F5344CB8AC3E}">
+        <p14:creationId xmlns:p14="http://schemas.microsoft.com/office/powerpoint/2010/main" val="104170682"/>
+      </p:ext>
+    </p:extLst>
+  </p:cSld>
+  <p:clrMapOvr>
+    <a:masterClrMapping/>
+  </p:clrMapOvr>
+  <p:transition spd="slow"/>
+</p:sld>
+</file>
+
+<file path=ppt/slides/slide94.xml><?xml version="1.0" encoding="utf-8"?>
+<p:sld xmlns:a="http://schemas.openxmlformats.org/drawingml/2006/main" xmlns:r="http://schemas.openxmlformats.org/officeDocument/2006/relationships" xmlns:p="http://schemas.openxmlformats.org/presentationml/2006/main">
+  <p:cSld>
+    <p:spTree>
+      <p:nvGrpSpPr>
+        <p:cNvPr id="1" name=""/>
+        <p:cNvGrpSpPr/>
+        <p:nvPr/>
+      </p:nvGrpSpPr>
+      <p:grpSpPr>
+        <a:xfrm>
+          <a:off x="0" y="0"/>
+          <a:ext cx="0" cy="0"/>
+          <a:chOff x="0" y="0"/>
+          <a:chExt cx="0" cy="0"/>
+        </a:xfrm>
+      </p:grpSpPr>
+      <p:sp>
+        <p:nvSpPr>
           <p:cNvPr id="2" name="标题 1">
             <a:extLst>
               <a:ext uri="{FF2B5EF4-FFF2-40B4-BE49-F238E27FC236}">
@@ -25928,7 +26084,39 @@
           <a:p>
             <a:r>
               <a:rPr lang="zh-CN" altLang="en-US" dirty="0"/>
-              <a:t>循环神经网络</a:t>
+              <a:t>数据清洗：</a:t>
+            </a:r>
+            <a:endParaRPr lang="en-US" altLang="zh-CN" dirty="0"/>
+          </a:p>
+          <a:p>
+            <a:r>
+              <a:rPr lang="zh-CN" altLang="en-US" dirty="0"/>
+              <a:t>数据处理：</a:t>
+            </a:r>
+            <a:endParaRPr lang="en-US" altLang="zh-CN" dirty="0"/>
+          </a:p>
+          <a:p>
+            <a:r>
+              <a:rPr lang="zh-CN" altLang="en-US" dirty="0"/>
+              <a:t>特征工程：</a:t>
+            </a:r>
+            <a:endParaRPr lang="en-US" altLang="zh-CN" dirty="0"/>
+          </a:p>
+          <a:p>
+            <a:r>
+              <a:rPr lang="zh-CN" altLang="en-US" dirty="0"/>
+              <a:t>参数寻优：调参神器</a:t>
+            </a:r>
+            <a:r>
+              <a:rPr lang="en-US" altLang="zh-CN" dirty="0" err="1"/>
+              <a:t>Hyperopt</a:t>
+            </a:r>
+            <a:endParaRPr lang="en-US" altLang="zh-CN" dirty="0"/>
+          </a:p>
+          <a:p>
+            <a:r>
+              <a:rPr lang="zh-CN" altLang="en-US" dirty="0"/>
+              <a:t>模型融合：提升准确度终极武器</a:t>
             </a:r>
           </a:p>
         </p:txBody>
@@ -25936,7 +26124,454 @@
     </p:spTree>
     <p:extLst>
       <p:ext uri="{BB962C8B-B14F-4D97-AF65-F5344CB8AC3E}">
-        <p14:creationId xmlns:p14="http://schemas.microsoft.com/office/powerpoint/2010/main" val="3640072645"/>
+        <p14:creationId xmlns:p14="http://schemas.microsoft.com/office/powerpoint/2010/main" val="407830922"/>
+      </p:ext>
+    </p:extLst>
+  </p:cSld>
+  <p:clrMapOvr>
+    <a:masterClrMapping/>
+  </p:clrMapOvr>
+</p:sld>
+</file>
+
+<file path=ppt/slides/slide95.xml><?xml version="1.0" encoding="utf-8"?>
+<p:sld xmlns:a="http://schemas.openxmlformats.org/drawingml/2006/main" xmlns:r="http://schemas.openxmlformats.org/officeDocument/2006/relationships" xmlns:p="http://schemas.openxmlformats.org/presentationml/2006/main">
+  <p:cSld>
+    <p:spTree>
+      <p:nvGrpSpPr>
+        <p:cNvPr id="1" name=""/>
+        <p:cNvGrpSpPr/>
+        <p:nvPr/>
+      </p:nvGrpSpPr>
+      <p:grpSpPr>
+        <a:xfrm>
+          <a:off x="0" y="0"/>
+          <a:ext cx="0" cy="0"/>
+          <a:chOff x="0" y="0"/>
+          <a:chExt cx="0" cy="0"/>
+        </a:xfrm>
+      </p:grpSpPr>
+      <p:sp>
+        <p:nvSpPr>
+          <p:cNvPr id="2" name="标题 1">
+            <a:extLst>
+              <a:ext uri="{FF2B5EF4-FFF2-40B4-BE49-F238E27FC236}">
+                <a16:creationId xmlns:a16="http://schemas.microsoft.com/office/drawing/2014/main" id="{5D311C44-1FAF-43B4-B0BE-1C6D2EB7727A}"/>
+              </a:ext>
+            </a:extLst>
+          </p:cNvPr>
+          <p:cNvSpPr>
+            <a:spLocks noGrp="1"/>
+          </p:cNvSpPr>
+          <p:nvPr>
+            <p:ph type="title"/>
+          </p:nvPr>
+        </p:nvSpPr>
+        <p:spPr/>
+        <p:txBody>
+          <a:bodyPr/>
+          <a:lstStyle/>
+          <a:p>
+            <a:r>
+              <a:rPr lang="zh-CN" altLang="en-US" dirty="0"/>
+              <a:t>调参神奇</a:t>
+            </a:r>
+            <a:r>
+              <a:rPr lang="en-US" altLang="zh-CN" dirty="0" err="1"/>
+              <a:t>hyperopt</a:t>
+            </a:r>
+            <a:endParaRPr lang="zh-CN" altLang="en-US" dirty="0"/>
+          </a:p>
+        </p:txBody>
+      </p:sp>
+      <p:sp>
+        <p:nvSpPr>
+          <p:cNvPr id="3" name="内容占位符 2">
+            <a:extLst>
+              <a:ext uri="{FF2B5EF4-FFF2-40B4-BE49-F238E27FC236}">
+                <a16:creationId xmlns:a16="http://schemas.microsoft.com/office/drawing/2014/main" id="{F31DD72B-34AD-417D-9E3D-8572A0101BBB}"/>
+              </a:ext>
+            </a:extLst>
+          </p:cNvPr>
+          <p:cNvSpPr>
+            <a:spLocks noGrp="1"/>
+          </p:cNvSpPr>
+          <p:nvPr>
+            <p:ph idx="1"/>
+          </p:nvPr>
+        </p:nvSpPr>
+        <p:spPr/>
+        <p:txBody>
+          <a:bodyPr/>
+          <a:lstStyle/>
+          <a:p>
+            <a:r>
+              <a:rPr lang="zh-CN" altLang="en-US" dirty="0"/>
+              <a:t>练习</a:t>
+            </a:r>
+            <a:r>
+              <a:rPr lang="en-US" altLang="zh-CN" dirty="0"/>
+              <a:t>hyperopt1.py</a:t>
+            </a:r>
+            <a:endParaRPr lang="zh-CN" altLang="en-US" dirty="0"/>
+          </a:p>
+        </p:txBody>
+      </p:sp>
+    </p:spTree>
+    <p:extLst>
+      <p:ext uri="{BB962C8B-B14F-4D97-AF65-F5344CB8AC3E}">
+        <p14:creationId xmlns:p14="http://schemas.microsoft.com/office/powerpoint/2010/main" val="4009732284"/>
+      </p:ext>
+    </p:extLst>
+  </p:cSld>
+  <p:clrMapOvr>
+    <a:masterClrMapping/>
+  </p:clrMapOvr>
+</p:sld>
+</file>
+
+<file path=ppt/slides/slide96.xml><?xml version="1.0" encoding="utf-8"?>
+<p:sld xmlns:a="http://schemas.openxmlformats.org/drawingml/2006/main" xmlns:r="http://schemas.openxmlformats.org/officeDocument/2006/relationships" xmlns:p="http://schemas.openxmlformats.org/presentationml/2006/main">
+  <p:cSld>
+    <p:spTree>
+      <p:nvGrpSpPr>
+        <p:cNvPr id="1" name=""/>
+        <p:cNvGrpSpPr/>
+        <p:nvPr/>
+      </p:nvGrpSpPr>
+      <p:grpSpPr>
+        <a:xfrm>
+          <a:off x="0" y="0"/>
+          <a:ext cx="0" cy="0"/>
+          <a:chOff x="0" y="0"/>
+          <a:chExt cx="0" cy="0"/>
+        </a:xfrm>
+      </p:grpSpPr>
+      <p:sp>
+        <p:nvSpPr>
+          <p:cNvPr id="2" name="标题 1">
+            <a:extLst>
+              <a:ext uri="{FF2B5EF4-FFF2-40B4-BE49-F238E27FC236}">
+                <a16:creationId xmlns:a16="http://schemas.microsoft.com/office/drawing/2014/main" id="{AFCC0D82-9CF5-4C10-BA08-500FEECA6779}"/>
+              </a:ext>
+            </a:extLst>
+          </p:cNvPr>
+          <p:cNvSpPr>
+            <a:spLocks noGrp="1"/>
+          </p:cNvSpPr>
+          <p:nvPr>
+            <p:ph type="title"/>
+          </p:nvPr>
+        </p:nvSpPr>
+        <p:spPr/>
+        <p:txBody>
+          <a:bodyPr/>
+          <a:lstStyle/>
+          <a:p>
+            <a:endParaRPr lang="zh-CN" altLang="en-US" dirty="0"/>
+          </a:p>
+        </p:txBody>
+      </p:sp>
+      <p:sp>
+        <p:nvSpPr>
+          <p:cNvPr id="3" name="内容占位符 2">
+            <a:extLst>
+              <a:ext uri="{FF2B5EF4-FFF2-40B4-BE49-F238E27FC236}">
+                <a16:creationId xmlns:a16="http://schemas.microsoft.com/office/drawing/2014/main" id="{0DABBFB3-D024-4431-A986-39B47EF9410F}"/>
+              </a:ext>
+            </a:extLst>
+          </p:cNvPr>
+          <p:cNvSpPr>
+            <a:spLocks noGrp="1"/>
+          </p:cNvSpPr>
+          <p:nvPr>
+            <p:ph idx="1"/>
+          </p:nvPr>
+        </p:nvSpPr>
+        <p:spPr/>
+        <p:txBody>
+          <a:bodyPr/>
+          <a:lstStyle/>
+          <a:p>
+            <a:r>
+              <a:rPr lang="zh-CN" altLang="en-US" dirty="0"/>
+              <a:t>练习红葡萄酒质量预测，并用</a:t>
+            </a:r>
+            <a:r>
+              <a:rPr lang="en-US" altLang="zh-CN" dirty="0" err="1"/>
+              <a:t>pyperopt</a:t>
+            </a:r>
+            <a:r>
+              <a:rPr lang="zh-CN" altLang="en-US" dirty="0"/>
+              <a:t>调参。</a:t>
+            </a:r>
+            <a:r>
+              <a:rPr lang="en-US" altLang="zh-CN" dirty="0"/>
+              <a:t>redwine_hyperopt.py</a:t>
+            </a:r>
+            <a:endParaRPr lang="zh-CN" altLang="en-US" dirty="0"/>
+          </a:p>
+        </p:txBody>
+      </p:sp>
+    </p:spTree>
+    <p:extLst>
+      <p:ext uri="{BB962C8B-B14F-4D97-AF65-F5344CB8AC3E}">
+        <p14:creationId xmlns:p14="http://schemas.microsoft.com/office/powerpoint/2010/main" val="1169539557"/>
+      </p:ext>
+    </p:extLst>
+  </p:cSld>
+  <p:clrMapOvr>
+    <a:masterClrMapping/>
+  </p:clrMapOvr>
+</p:sld>
+</file>
+
+<file path=ppt/slides/slide97.xml><?xml version="1.0" encoding="utf-8"?>
+<p:sld xmlns:a="http://schemas.openxmlformats.org/drawingml/2006/main" xmlns:r="http://schemas.openxmlformats.org/officeDocument/2006/relationships" xmlns:p="http://schemas.openxmlformats.org/presentationml/2006/main">
+  <p:cSld>
+    <p:spTree>
+      <p:nvGrpSpPr>
+        <p:cNvPr id="1" name=""/>
+        <p:cNvGrpSpPr/>
+        <p:nvPr/>
+      </p:nvGrpSpPr>
+      <p:grpSpPr>
+        <a:xfrm>
+          <a:off x="0" y="0"/>
+          <a:ext cx="0" cy="0"/>
+          <a:chOff x="0" y="0"/>
+          <a:chExt cx="0" cy="0"/>
+        </a:xfrm>
+      </p:grpSpPr>
+      <p:sp>
+        <p:nvSpPr>
+          <p:cNvPr id="273" name="Shape 273"/>
+          <p:cNvSpPr/>
+          <p:nvPr/>
+        </p:nvSpPr>
+        <p:spPr>
+          <a:xfrm>
+            <a:off x="1052830" y="2964180"/>
+            <a:ext cx="10975772" cy="925190"/>
+          </a:xfrm>
+          <a:prstGeom prst="rect">
+            <a:avLst/>
+          </a:prstGeom>
+          <a:ln w="12700">
+            <a:miter lim="400000"/>
+          </a:ln>
+        </p:spPr>
+        <p:txBody>
+          <a:bodyPr wrap="square" lIns="45719" rIns="45719">
+            <a:spAutoFit/>
+          </a:bodyPr>
+          <a:lstStyle>
+            <a:lvl1pPr>
+              <a:lnSpc>
+                <a:spcPct val="80000"/>
+              </a:lnSpc>
+              <a:defRPr sz="6600">
+                <a:solidFill>
+                  <a:srgbClr val="535353"/>
+                </a:solidFill>
+                <a:latin typeface="Source Han Sans CN Bold Bold"/>
+                <a:ea typeface="Source Han Sans CN Bold Bold"/>
+                <a:cs typeface="Source Han Sans CN Bold Bold"/>
+                <a:sym typeface="Source Han Sans CN Bold Bold"/>
+              </a:defRPr>
+            </a:lvl1pPr>
+          </a:lstStyle>
+          <a:p>
+            <a:r>
+              <a:rPr lang="zh-CN" altLang="en-US" dirty="0">
+                <a:solidFill>
+                  <a:schemeClr val="tx1"/>
+                </a:solidFill>
+              </a:rPr>
+              <a:t>神经影像聚类</a:t>
+            </a:r>
+            <a:endParaRPr dirty="0">
+              <a:solidFill>
+                <a:schemeClr val="tx1"/>
+              </a:solidFill>
+            </a:endParaRPr>
+          </a:p>
+        </p:txBody>
+      </p:sp>
+    </p:spTree>
+    <p:extLst>
+      <p:ext uri="{BB962C8B-B14F-4D97-AF65-F5344CB8AC3E}">
+        <p14:creationId xmlns:p14="http://schemas.microsoft.com/office/powerpoint/2010/main" val="865723783"/>
+      </p:ext>
+    </p:extLst>
+  </p:cSld>
+  <p:clrMapOvr>
+    <a:masterClrMapping/>
+  </p:clrMapOvr>
+  <p:transition spd="slow"/>
+</p:sld>
+</file>
+
+<file path=ppt/slides/slide98.xml><?xml version="1.0" encoding="utf-8"?>
+<p:sld xmlns:a="http://schemas.openxmlformats.org/drawingml/2006/main" xmlns:r="http://schemas.openxmlformats.org/officeDocument/2006/relationships" xmlns:p="http://schemas.openxmlformats.org/presentationml/2006/main">
+  <p:cSld>
+    <p:spTree>
+      <p:nvGrpSpPr>
+        <p:cNvPr id="1" name=""/>
+        <p:cNvGrpSpPr/>
+        <p:nvPr/>
+      </p:nvGrpSpPr>
+      <p:grpSpPr>
+        <a:xfrm>
+          <a:off x="0" y="0"/>
+          <a:ext cx="0" cy="0"/>
+          <a:chOff x="0" y="0"/>
+          <a:chExt cx="0" cy="0"/>
+        </a:xfrm>
+      </p:grpSpPr>
+      <p:sp>
+        <p:nvSpPr>
+          <p:cNvPr id="273" name="Shape 273"/>
+          <p:cNvSpPr/>
+          <p:nvPr/>
+        </p:nvSpPr>
+        <p:spPr>
+          <a:xfrm>
+            <a:off x="1052830" y="2964180"/>
+            <a:ext cx="10975772" cy="925190"/>
+          </a:xfrm>
+          <a:prstGeom prst="rect">
+            <a:avLst/>
+          </a:prstGeom>
+          <a:ln w="12700">
+            <a:miter lim="400000"/>
+          </a:ln>
+        </p:spPr>
+        <p:txBody>
+          <a:bodyPr wrap="square" lIns="45719" rIns="45719">
+            <a:spAutoFit/>
+          </a:bodyPr>
+          <a:lstStyle>
+            <a:lvl1pPr>
+              <a:lnSpc>
+                <a:spcPct val="80000"/>
+              </a:lnSpc>
+              <a:defRPr sz="6600">
+                <a:solidFill>
+                  <a:srgbClr val="535353"/>
+                </a:solidFill>
+                <a:latin typeface="Source Han Sans CN Bold Bold"/>
+                <a:ea typeface="Source Han Sans CN Bold Bold"/>
+                <a:cs typeface="Source Han Sans CN Bold Bold"/>
+                <a:sym typeface="Source Han Sans CN Bold Bold"/>
+              </a:defRPr>
+            </a:lvl1pPr>
+          </a:lstStyle>
+          <a:p>
+            <a:r>
+              <a:rPr lang="zh-CN" altLang="en-US" dirty="0">
+                <a:solidFill>
+                  <a:schemeClr val="tx1"/>
+                </a:solidFill>
+              </a:rPr>
+              <a:t>深度神经网络</a:t>
+            </a:r>
+            <a:endParaRPr dirty="0">
+              <a:solidFill>
+                <a:schemeClr val="tx1"/>
+              </a:solidFill>
+            </a:endParaRPr>
+          </a:p>
+        </p:txBody>
+      </p:sp>
+    </p:spTree>
+    <p:extLst>
+      <p:ext uri="{BB962C8B-B14F-4D97-AF65-F5344CB8AC3E}">
+        <p14:creationId xmlns:p14="http://schemas.microsoft.com/office/powerpoint/2010/main" val="2538413401"/>
+      </p:ext>
+    </p:extLst>
+  </p:cSld>
+  <p:clrMapOvr>
+    <a:masterClrMapping/>
+  </p:clrMapOvr>
+  <p:transition spd="slow"/>
+</p:sld>
+</file>
+
+<file path=ppt/slides/slide99.xml><?xml version="1.0" encoding="utf-8"?>
+<p:sld xmlns:a="http://schemas.openxmlformats.org/drawingml/2006/main" xmlns:r="http://schemas.openxmlformats.org/officeDocument/2006/relationships" xmlns:p="http://schemas.openxmlformats.org/presentationml/2006/main">
+  <p:cSld>
+    <p:spTree>
+      <p:nvGrpSpPr>
+        <p:cNvPr id="1" name=""/>
+        <p:cNvGrpSpPr/>
+        <p:nvPr/>
+      </p:nvGrpSpPr>
+      <p:grpSpPr>
+        <a:xfrm>
+          <a:off x="0" y="0"/>
+          <a:ext cx="0" cy="0"/>
+          <a:chOff x="0" y="0"/>
+          <a:chExt cx="0" cy="0"/>
+        </a:xfrm>
+      </p:grpSpPr>
+      <p:sp>
+        <p:nvSpPr>
+          <p:cNvPr id="2" name="标题 1">
+            <a:extLst>
+              <a:ext uri="{FF2B5EF4-FFF2-40B4-BE49-F238E27FC236}">
+                <a16:creationId xmlns:a16="http://schemas.microsoft.com/office/drawing/2014/main" id="{DEB4FF1E-5492-4E1A-BB19-5ABBB3587F29}"/>
+              </a:ext>
+            </a:extLst>
+          </p:cNvPr>
+          <p:cNvSpPr>
+            <a:spLocks noGrp="1"/>
+          </p:cNvSpPr>
+          <p:nvPr>
+            <p:ph type="title"/>
+          </p:nvPr>
+        </p:nvSpPr>
+        <p:spPr/>
+        <p:txBody>
+          <a:bodyPr/>
+          <a:lstStyle/>
+          <a:p>
+            <a:endParaRPr lang="zh-CN" altLang="en-US" dirty="0"/>
+          </a:p>
+        </p:txBody>
+      </p:sp>
+      <p:sp>
+        <p:nvSpPr>
+          <p:cNvPr id="3" name="内容占位符 2">
+            <a:extLst>
+              <a:ext uri="{FF2B5EF4-FFF2-40B4-BE49-F238E27FC236}">
+                <a16:creationId xmlns:a16="http://schemas.microsoft.com/office/drawing/2014/main" id="{F4BC702A-CAE0-4258-9302-287A7A7BA817}"/>
+              </a:ext>
+            </a:extLst>
+          </p:cNvPr>
+          <p:cNvSpPr>
+            <a:spLocks noGrp="1"/>
+          </p:cNvSpPr>
+          <p:nvPr>
+            <p:ph idx="1"/>
+          </p:nvPr>
+        </p:nvSpPr>
+        <p:spPr/>
+        <p:txBody>
+          <a:bodyPr/>
+          <a:lstStyle/>
+          <a:p>
+            <a:r>
+              <a:rPr lang="zh-CN" altLang="en-US" dirty="0"/>
+              <a:t>卷积神经网络</a:t>
+            </a:r>
+          </a:p>
+        </p:txBody>
+      </p:sp>
+    </p:spTree>
+    <p:extLst>
+      <p:ext uri="{BB962C8B-B14F-4D97-AF65-F5344CB8AC3E}">
+        <p14:creationId xmlns:p14="http://schemas.microsoft.com/office/powerpoint/2010/main" val="2596057925"/>
       </p:ext>
     </p:extLst>
   </p:cSld>
